--- a/images/images.pptx
+++ b/images/images.pptx
@@ -4,6 +4,9 @@
   <p:sldMasterIdLst>
     <p:sldMasterId id="2147483648" r:id="rId1"/>
   </p:sldMasterIdLst>
+  <p:notesMasterIdLst>
+    <p:notesMasterId r:id="rId15"/>
+  </p:notesMasterIdLst>
   <p:sldIdLst>
     <p:sldId id="256" r:id="rId2"/>
     <p:sldId id="258" r:id="rId3"/>
@@ -12,6 +15,12 @@
     <p:sldId id="260" r:id="rId6"/>
     <p:sldId id="261" r:id="rId7"/>
     <p:sldId id="262" r:id="rId8"/>
+    <p:sldId id="263" r:id="rId9"/>
+    <p:sldId id="264" r:id="rId10"/>
+    <p:sldId id="265" r:id="rId11"/>
+    <p:sldId id="266" r:id="rId12"/>
+    <p:sldId id="267" r:id="rId13"/>
+    <p:sldId id="268" r:id="rId14"/>
   </p:sldIdLst>
   <p:sldSz cx="12192000" cy="6858000"/>
   <p:notesSz cx="6858000" cy="9144000"/>
@@ -110,7 +119,530 @@
       </a:defRPr>
     </a:lvl9pPr>
   </p:defaultTextStyle>
+  <p:extLst>
+    <p:ext uri="{EFAFB233-063F-42B5-8137-9DF3F51BA10A}">
+      <p15:sldGuideLst xmlns:p15="http://schemas.microsoft.com/office/powerpoint/2012/main"/>
+    </p:ext>
+  </p:extLst>
 </p:presentation>
+</file>
+
+<file path=ppt/notesMasters/notesMaster1.xml><?xml version="1.0" encoding="utf-8"?>
+<p:notesMaster xmlns:a="http://schemas.openxmlformats.org/drawingml/2006/main" xmlns:r="http://schemas.openxmlformats.org/officeDocument/2006/relationships" xmlns:p="http://schemas.openxmlformats.org/presentationml/2006/main">
+  <p:cSld>
+    <p:bg>
+      <p:bgRef idx="1001">
+        <a:schemeClr val="bg1"/>
+      </p:bgRef>
+    </p:bg>
+    <p:spTree>
+      <p:nvGrpSpPr>
+        <p:cNvPr id="1" name=""/>
+        <p:cNvGrpSpPr/>
+        <p:nvPr/>
+      </p:nvGrpSpPr>
+      <p:grpSpPr>
+        <a:xfrm>
+          <a:off x="0" y="0"/>
+          <a:ext cx="0" cy="0"/>
+          <a:chOff x="0" y="0"/>
+          <a:chExt cx="0" cy="0"/>
+        </a:xfrm>
+      </p:grpSpPr>
+      <p:sp>
+        <p:nvSpPr>
+          <p:cNvPr id="2" name="Header Placeholder 1"/>
+          <p:cNvSpPr>
+            <a:spLocks noGrp="1"/>
+          </p:cNvSpPr>
+          <p:nvPr>
+            <p:ph type="hdr" sz="quarter"/>
+          </p:nvPr>
+        </p:nvSpPr>
+        <p:spPr>
+          <a:xfrm>
+            <a:off x="0" y="0"/>
+            <a:ext cx="2971800" cy="458788"/>
+          </a:xfrm>
+          <a:prstGeom prst="rect">
+            <a:avLst/>
+          </a:prstGeom>
+        </p:spPr>
+        <p:txBody>
+          <a:bodyPr vert="horz" lIns="91440" tIns="45720" rIns="91440" bIns="45720" rtlCol="0"/>
+          <a:lstStyle>
+            <a:lvl1pPr algn="l">
+              <a:defRPr sz="1200"/>
+            </a:lvl1pPr>
+          </a:lstStyle>
+          <a:p>
+            <a:endParaRPr lang="en-ES"/>
+          </a:p>
+        </p:txBody>
+      </p:sp>
+      <p:sp>
+        <p:nvSpPr>
+          <p:cNvPr id="3" name="Date Placeholder 2"/>
+          <p:cNvSpPr>
+            <a:spLocks noGrp="1"/>
+          </p:cNvSpPr>
+          <p:nvPr>
+            <p:ph type="dt" idx="1"/>
+          </p:nvPr>
+        </p:nvSpPr>
+        <p:spPr>
+          <a:xfrm>
+            <a:off x="3884613" y="0"/>
+            <a:ext cx="2971800" cy="458788"/>
+          </a:xfrm>
+          <a:prstGeom prst="rect">
+            <a:avLst/>
+          </a:prstGeom>
+        </p:spPr>
+        <p:txBody>
+          <a:bodyPr vert="horz" lIns="91440" tIns="45720" rIns="91440" bIns="45720" rtlCol="0"/>
+          <a:lstStyle>
+            <a:lvl1pPr algn="r">
+              <a:defRPr sz="1200"/>
+            </a:lvl1pPr>
+          </a:lstStyle>
+          <a:p>
+            <a:fld id="{58B26CB7-4109-C146-865E-A51BCA1D7BE1}" type="datetimeFigureOut">
+              <a:rPr lang="en-ES" smtClean="0"/>
+              <a:t>18/2/25</a:t>
+            </a:fld>
+            <a:endParaRPr lang="en-ES"/>
+          </a:p>
+        </p:txBody>
+      </p:sp>
+      <p:sp>
+        <p:nvSpPr>
+          <p:cNvPr id="4" name="Slide Image Placeholder 3"/>
+          <p:cNvSpPr>
+            <a:spLocks noGrp="1" noRot="1" noChangeAspect="1"/>
+          </p:cNvSpPr>
+          <p:nvPr>
+            <p:ph type="sldImg" idx="2"/>
+          </p:nvPr>
+        </p:nvSpPr>
+        <p:spPr>
+          <a:xfrm>
+            <a:off x="685800" y="1143000"/>
+            <a:ext cx="5486400" cy="3086100"/>
+          </a:xfrm>
+          <a:prstGeom prst="rect">
+            <a:avLst/>
+          </a:prstGeom>
+          <a:noFill/>
+          <a:ln w="12700">
+            <a:solidFill>
+              <a:prstClr val="black"/>
+            </a:solidFill>
+          </a:ln>
+        </p:spPr>
+        <p:txBody>
+          <a:bodyPr vert="horz" lIns="91440" tIns="45720" rIns="91440" bIns="45720" rtlCol="0" anchor="ctr"/>
+          <a:lstStyle/>
+          <a:p>
+            <a:endParaRPr lang="en-ES"/>
+          </a:p>
+        </p:txBody>
+      </p:sp>
+      <p:sp>
+        <p:nvSpPr>
+          <p:cNvPr id="5" name="Notes Placeholder 4"/>
+          <p:cNvSpPr>
+            <a:spLocks noGrp="1"/>
+          </p:cNvSpPr>
+          <p:nvPr>
+            <p:ph type="body" sz="quarter" idx="3"/>
+          </p:nvPr>
+        </p:nvSpPr>
+        <p:spPr>
+          <a:xfrm>
+            <a:off x="685800" y="4400550"/>
+            <a:ext cx="5486400" cy="3600450"/>
+          </a:xfrm>
+          <a:prstGeom prst="rect">
+            <a:avLst/>
+          </a:prstGeom>
+        </p:spPr>
+        <p:txBody>
+          <a:bodyPr vert="horz" lIns="91440" tIns="45720" rIns="91440" bIns="45720" rtlCol="0"/>
+          <a:lstStyle/>
+          <a:p>
+            <a:pPr lvl="0"/>
+            <a:r>
+              <a:rPr lang="en-GB"/>
+              <a:t>Click to edit Master text styles</a:t>
+            </a:r>
+          </a:p>
+          <a:p>
+            <a:pPr lvl="1"/>
+            <a:r>
+              <a:rPr lang="en-GB"/>
+              <a:t>Second level</a:t>
+            </a:r>
+          </a:p>
+          <a:p>
+            <a:pPr lvl="2"/>
+            <a:r>
+              <a:rPr lang="en-GB"/>
+              <a:t>Third level</a:t>
+            </a:r>
+          </a:p>
+          <a:p>
+            <a:pPr lvl="3"/>
+            <a:r>
+              <a:rPr lang="en-GB"/>
+              <a:t>Fourth level</a:t>
+            </a:r>
+          </a:p>
+          <a:p>
+            <a:pPr lvl="4"/>
+            <a:r>
+              <a:rPr lang="en-GB"/>
+              <a:t>Fifth level</a:t>
+            </a:r>
+            <a:endParaRPr lang="en-ES"/>
+          </a:p>
+        </p:txBody>
+      </p:sp>
+      <p:sp>
+        <p:nvSpPr>
+          <p:cNvPr id="6" name="Footer Placeholder 5"/>
+          <p:cNvSpPr>
+            <a:spLocks noGrp="1"/>
+          </p:cNvSpPr>
+          <p:nvPr>
+            <p:ph type="ftr" sz="quarter" idx="4"/>
+          </p:nvPr>
+        </p:nvSpPr>
+        <p:spPr>
+          <a:xfrm>
+            <a:off x="0" y="8685213"/>
+            <a:ext cx="2971800" cy="458787"/>
+          </a:xfrm>
+          <a:prstGeom prst="rect">
+            <a:avLst/>
+          </a:prstGeom>
+        </p:spPr>
+        <p:txBody>
+          <a:bodyPr vert="horz" lIns="91440" tIns="45720" rIns="91440" bIns="45720" rtlCol="0" anchor="b"/>
+          <a:lstStyle>
+            <a:lvl1pPr algn="l">
+              <a:defRPr sz="1200"/>
+            </a:lvl1pPr>
+          </a:lstStyle>
+          <a:p>
+            <a:endParaRPr lang="en-ES"/>
+          </a:p>
+        </p:txBody>
+      </p:sp>
+      <p:sp>
+        <p:nvSpPr>
+          <p:cNvPr id="7" name="Slide Number Placeholder 6"/>
+          <p:cNvSpPr>
+            <a:spLocks noGrp="1"/>
+          </p:cNvSpPr>
+          <p:nvPr>
+            <p:ph type="sldNum" sz="quarter" idx="5"/>
+          </p:nvPr>
+        </p:nvSpPr>
+        <p:spPr>
+          <a:xfrm>
+            <a:off x="3884613" y="8685213"/>
+            <a:ext cx="2971800" cy="458787"/>
+          </a:xfrm>
+          <a:prstGeom prst="rect">
+            <a:avLst/>
+          </a:prstGeom>
+        </p:spPr>
+        <p:txBody>
+          <a:bodyPr vert="horz" lIns="91440" tIns="45720" rIns="91440" bIns="45720" rtlCol="0" anchor="b"/>
+          <a:lstStyle>
+            <a:lvl1pPr algn="r">
+              <a:defRPr sz="1200"/>
+            </a:lvl1pPr>
+          </a:lstStyle>
+          <a:p>
+            <a:fld id="{B1C4482D-E1ED-9E46-B846-EA4AE63E9929}" type="slidenum">
+              <a:rPr lang="en-ES" smtClean="0"/>
+              <a:t>‹#›</a:t>
+            </a:fld>
+            <a:endParaRPr lang="en-ES"/>
+          </a:p>
+        </p:txBody>
+      </p:sp>
+    </p:spTree>
+    <p:extLst>
+      <p:ext uri="{BB962C8B-B14F-4D97-AF65-F5344CB8AC3E}">
+        <p14:creationId xmlns:p14="http://schemas.microsoft.com/office/powerpoint/2010/main" val="2893187259"/>
+      </p:ext>
+    </p:extLst>
+  </p:cSld>
+  <p:clrMap bg1="lt1" tx1="dk1" bg2="lt2" tx2="dk2" accent1="accent1" accent2="accent2" accent3="accent3" accent4="accent4" accent5="accent5" accent6="accent6" hlink="hlink" folHlink="folHlink"/>
+  <p:notesStyle>
+    <a:lvl1pPr marL="0" algn="l" defTabSz="914400" rtl="0" eaLnBrk="1" latinLnBrk="0" hangingPunct="1">
+      <a:defRPr sz="1200" kern="1200">
+        <a:solidFill>
+          <a:schemeClr val="tx1"/>
+        </a:solidFill>
+        <a:latin typeface="+mn-lt"/>
+        <a:ea typeface="+mn-ea"/>
+        <a:cs typeface="+mn-cs"/>
+      </a:defRPr>
+    </a:lvl1pPr>
+    <a:lvl2pPr marL="457200" algn="l" defTabSz="914400" rtl="0" eaLnBrk="1" latinLnBrk="0" hangingPunct="1">
+      <a:defRPr sz="1200" kern="1200">
+        <a:solidFill>
+          <a:schemeClr val="tx1"/>
+        </a:solidFill>
+        <a:latin typeface="+mn-lt"/>
+        <a:ea typeface="+mn-ea"/>
+        <a:cs typeface="+mn-cs"/>
+      </a:defRPr>
+    </a:lvl2pPr>
+    <a:lvl3pPr marL="914400" algn="l" defTabSz="914400" rtl="0" eaLnBrk="1" latinLnBrk="0" hangingPunct="1">
+      <a:defRPr sz="1200" kern="1200">
+        <a:solidFill>
+          <a:schemeClr val="tx1"/>
+        </a:solidFill>
+        <a:latin typeface="+mn-lt"/>
+        <a:ea typeface="+mn-ea"/>
+        <a:cs typeface="+mn-cs"/>
+      </a:defRPr>
+    </a:lvl3pPr>
+    <a:lvl4pPr marL="1371600" algn="l" defTabSz="914400" rtl="0" eaLnBrk="1" latinLnBrk="0" hangingPunct="1">
+      <a:defRPr sz="1200" kern="1200">
+        <a:solidFill>
+          <a:schemeClr val="tx1"/>
+        </a:solidFill>
+        <a:latin typeface="+mn-lt"/>
+        <a:ea typeface="+mn-ea"/>
+        <a:cs typeface="+mn-cs"/>
+      </a:defRPr>
+    </a:lvl4pPr>
+    <a:lvl5pPr marL="1828800" algn="l" defTabSz="914400" rtl="0" eaLnBrk="1" latinLnBrk="0" hangingPunct="1">
+      <a:defRPr sz="1200" kern="1200">
+        <a:solidFill>
+          <a:schemeClr val="tx1"/>
+        </a:solidFill>
+        <a:latin typeface="+mn-lt"/>
+        <a:ea typeface="+mn-ea"/>
+        <a:cs typeface="+mn-cs"/>
+      </a:defRPr>
+    </a:lvl5pPr>
+    <a:lvl6pPr marL="2286000" algn="l" defTabSz="914400" rtl="0" eaLnBrk="1" latinLnBrk="0" hangingPunct="1">
+      <a:defRPr sz="1200" kern="1200">
+        <a:solidFill>
+          <a:schemeClr val="tx1"/>
+        </a:solidFill>
+        <a:latin typeface="+mn-lt"/>
+        <a:ea typeface="+mn-ea"/>
+        <a:cs typeface="+mn-cs"/>
+      </a:defRPr>
+    </a:lvl6pPr>
+    <a:lvl7pPr marL="2743200" algn="l" defTabSz="914400" rtl="0" eaLnBrk="1" latinLnBrk="0" hangingPunct="1">
+      <a:defRPr sz="1200" kern="1200">
+        <a:solidFill>
+          <a:schemeClr val="tx1"/>
+        </a:solidFill>
+        <a:latin typeface="+mn-lt"/>
+        <a:ea typeface="+mn-ea"/>
+        <a:cs typeface="+mn-cs"/>
+      </a:defRPr>
+    </a:lvl7pPr>
+    <a:lvl8pPr marL="3200400" algn="l" defTabSz="914400" rtl="0" eaLnBrk="1" latinLnBrk="0" hangingPunct="1">
+      <a:defRPr sz="1200" kern="1200">
+        <a:solidFill>
+          <a:schemeClr val="tx1"/>
+        </a:solidFill>
+        <a:latin typeface="+mn-lt"/>
+        <a:ea typeface="+mn-ea"/>
+        <a:cs typeface="+mn-cs"/>
+      </a:defRPr>
+    </a:lvl8pPr>
+    <a:lvl9pPr marL="3657600" algn="l" defTabSz="914400" rtl="0" eaLnBrk="1" latinLnBrk="0" hangingPunct="1">
+      <a:defRPr sz="1200" kern="1200">
+        <a:solidFill>
+          <a:schemeClr val="tx1"/>
+        </a:solidFill>
+        <a:latin typeface="+mn-lt"/>
+        <a:ea typeface="+mn-ea"/>
+        <a:cs typeface="+mn-cs"/>
+      </a:defRPr>
+    </a:lvl9pPr>
+  </p:notesStyle>
+</p:notesMaster>
+</file>
+
+<file path=ppt/notesSlides/notesSlide1.xml><?xml version="1.0" encoding="utf-8"?>
+<p:notes xmlns:a="http://schemas.openxmlformats.org/drawingml/2006/main" xmlns:r="http://schemas.openxmlformats.org/officeDocument/2006/relationships" xmlns:p="http://schemas.openxmlformats.org/presentationml/2006/main">
+  <p:cSld>
+    <p:spTree>
+      <p:nvGrpSpPr>
+        <p:cNvPr id="1" name=""/>
+        <p:cNvGrpSpPr/>
+        <p:nvPr/>
+      </p:nvGrpSpPr>
+      <p:grpSpPr>
+        <a:xfrm>
+          <a:off x="0" y="0"/>
+          <a:ext cx="0" cy="0"/>
+          <a:chOff x="0" y="0"/>
+          <a:chExt cx="0" cy="0"/>
+        </a:xfrm>
+      </p:grpSpPr>
+      <p:sp>
+        <p:nvSpPr>
+          <p:cNvPr id="2" name="Slide Image Placeholder 1"/>
+          <p:cNvSpPr>
+            <a:spLocks noGrp="1" noRot="1" noChangeAspect="1"/>
+          </p:cNvSpPr>
+          <p:nvPr>
+            <p:ph type="sldImg"/>
+          </p:nvPr>
+        </p:nvSpPr>
+        <p:spPr/>
+      </p:sp>
+      <p:sp>
+        <p:nvSpPr>
+          <p:cNvPr id="3" name="Notes Placeholder 2"/>
+          <p:cNvSpPr>
+            <a:spLocks noGrp="1"/>
+          </p:cNvSpPr>
+          <p:nvPr>
+            <p:ph type="body" idx="1"/>
+          </p:nvPr>
+        </p:nvSpPr>
+        <p:spPr/>
+        <p:txBody>
+          <a:bodyPr/>
+          <a:lstStyle/>
+          <a:p>
+            <a:endParaRPr lang="en-ES"/>
+          </a:p>
+        </p:txBody>
+      </p:sp>
+      <p:sp>
+        <p:nvSpPr>
+          <p:cNvPr id="4" name="Slide Number Placeholder 3"/>
+          <p:cNvSpPr>
+            <a:spLocks noGrp="1"/>
+          </p:cNvSpPr>
+          <p:nvPr>
+            <p:ph type="sldNum" sz="quarter" idx="5"/>
+          </p:nvPr>
+        </p:nvSpPr>
+        <p:spPr/>
+        <p:txBody>
+          <a:bodyPr/>
+          <a:lstStyle/>
+          <a:p>
+            <a:fld id="{B1C4482D-E1ED-9E46-B846-EA4AE63E9929}" type="slidenum">
+              <a:rPr lang="en-ES" smtClean="0"/>
+              <a:t>6</a:t>
+            </a:fld>
+            <a:endParaRPr lang="en-ES"/>
+          </a:p>
+        </p:txBody>
+      </p:sp>
+    </p:spTree>
+    <p:extLst>
+      <p:ext uri="{BB962C8B-B14F-4D97-AF65-F5344CB8AC3E}">
+        <p14:creationId xmlns:p14="http://schemas.microsoft.com/office/powerpoint/2010/main" val="3166207758"/>
+      </p:ext>
+    </p:extLst>
+  </p:cSld>
+  <p:clrMapOvr>
+    <a:masterClrMapping/>
+  </p:clrMapOvr>
+</p:notes>
+</file>
+
+<file path=ppt/notesSlides/notesSlide2.xml><?xml version="1.0" encoding="utf-8"?>
+<p:notes xmlns:a="http://schemas.openxmlformats.org/drawingml/2006/main" xmlns:r="http://schemas.openxmlformats.org/officeDocument/2006/relationships" xmlns:p="http://schemas.openxmlformats.org/presentationml/2006/main">
+  <p:cSld>
+    <p:spTree>
+      <p:nvGrpSpPr>
+        <p:cNvPr id="1" name=""/>
+        <p:cNvGrpSpPr/>
+        <p:nvPr/>
+      </p:nvGrpSpPr>
+      <p:grpSpPr>
+        <a:xfrm>
+          <a:off x="0" y="0"/>
+          <a:ext cx="0" cy="0"/>
+          <a:chOff x="0" y="0"/>
+          <a:chExt cx="0" cy="0"/>
+        </a:xfrm>
+      </p:grpSpPr>
+      <p:sp>
+        <p:nvSpPr>
+          <p:cNvPr id="2" name="Slide Image Placeholder 1"/>
+          <p:cNvSpPr>
+            <a:spLocks noGrp="1" noRot="1" noChangeAspect="1"/>
+          </p:cNvSpPr>
+          <p:nvPr>
+            <p:ph type="sldImg"/>
+          </p:nvPr>
+        </p:nvSpPr>
+        <p:spPr/>
+      </p:sp>
+      <p:sp>
+        <p:nvSpPr>
+          <p:cNvPr id="3" name="Notes Placeholder 2"/>
+          <p:cNvSpPr>
+            <a:spLocks noGrp="1"/>
+          </p:cNvSpPr>
+          <p:nvPr>
+            <p:ph type="body" idx="1"/>
+          </p:nvPr>
+        </p:nvSpPr>
+        <p:spPr/>
+        <p:txBody>
+          <a:bodyPr/>
+          <a:lstStyle/>
+          <a:p>
+            <a:endParaRPr lang="en-ES"/>
+          </a:p>
+        </p:txBody>
+      </p:sp>
+      <p:sp>
+        <p:nvSpPr>
+          <p:cNvPr id="4" name="Slide Number Placeholder 3"/>
+          <p:cNvSpPr>
+            <a:spLocks noGrp="1"/>
+          </p:cNvSpPr>
+          <p:nvPr>
+            <p:ph type="sldNum" sz="quarter" idx="5"/>
+          </p:nvPr>
+        </p:nvSpPr>
+        <p:spPr/>
+        <p:txBody>
+          <a:bodyPr/>
+          <a:lstStyle/>
+          <a:p>
+            <a:fld id="{B1C4482D-E1ED-9E46-B846-EA4AE63E9929}" type="slidenum">
+              <a:rPr lang="en-ES" smtClean="0"/>
+              <a:t>9</a:t>
+            </a:fld>
+            <a:endParaRPr lang="en-ES"/>
+          </a:p>
+        </p:txBody>
+      </p:sp>
+    </p:spTree>
+    <p:extLst>
+      <p:ext uri="{BB962C8B-B14F-4D97-AF65-F5344CB8AC3E}">
+        <p14:creationId xmlns:p14="http://schemas.microsoft.com/office/powerpoint/2010/main" val="1616123931"/>
+      </p:ext>
+    </p:extLst>
+  </p:cSld>
+  <p:clrMapOvr>
+    <a:masterClrMapping/>
+  </p:clrMapOvr>
+</p:notes>
 </file>
 
 <file path=ppt/slideLayouts/slideLayout1.xml><?xml version="1.0" encoding="utf-8"?>
@@ -262,7 +794,7 @@
           <a:p>
             <a:fld id="{07784863-2E4B-2847-978C-2577894F34C5}" type="datetimeFigureOut">
               <a:rPr lang="en-ES" smtClean="0"/>
-              <a:t>10/2/25</a:t>
+              <a:t>18/2/25</a:t>
             </a:fld>
             <a:endParaRPr lang="en-ES"/>
           </a:p>
@@ -462,7 +994,7 @@
           <a:p>
             <a:fld id="{07784863-2E4B-2847-978C-2577894F34C5}" type="datetimeFigureOut">
               <a:rPr lang="en-ES" smtClean="0"/>
-              <a:t>10/2/25</a:t>
+              <a:t>18/2/25</a:t>
             </a:fld>
             <a:endParaRPr lang="en-ES"/>
           </a:p>
@@ -672,7 +1204,7 @@
           <a:p>
             <a:fld id="{07784863-2E4B-2847-978C-2577894F34C5}" type="datetimeFigureOut">
               <a:rPr lang="en-ES" smtClean="0"/>
-              <a:t>10/2/25</a:t>
+              <a:t>18/2/25</a:t>
             </a:fld>
             <a:endParaRPr lang="en-ES"/>
           </a:p>
@@ -872,7 +1404,7 @@
           <a:p>
             <a:fld id="{07784863-2E4B-2847-978C-2577894F34C5}" type="datetimeFigureOut">
               <a:rPr lang="en-ES" smtClean="0"/>
-              <a:t>10/2/25</a:t>
+              <a:t>18/2/25</a:t>
             </a:fld>
             <a:endParaRPr lang="en-ES"/>
           </a:p>
@@ -1148,7 +1680,7 @@
           <a:p>
             <a:fld id="{07784863-2E4B-2847-978C-2577894F34C5}" type="datetimeFigureOut">
               <a:rPr lang="en-ES" smtClean="0"/>
-              <a:t>10/2/25</a:t>
+              <a:t>18/2/25</a:t>
             </a:fld>
             <a:endParaRPr lang="en-ES"/>
           </a:p>
@@ -1416,7 +1948,7 @@
           <a:p>
             <a:fld id="{07784863-2E4B-2847-978C-2577894F34C5}" type="datetimeFigureOut">
               <a:rPr lang="en-ES" smtClean="0"/>
-              <a:t>10/2/25</a:t>
+              <a:t>18/2/25</a:t>
             </a:fld>
             <a:endParaRPr lang="en-ES"/>
           </a:p>
@@ -1831,7 +2363,7 @@
           <a:p>
             <a:fld id="{07784863-2E4B-2847-978C-2577894F34C5}" type="datetimeFigureOut">
               <a:rPr lang="en-ES" smtClean="0"/>
-              <a:t>10/2/25</a:t>
+              <a:t>18/2/25</a:t>
             </a:fld>
             <a:endParaRPr lang="en-ES"/>
           </a:p>
@@ -1973,7 +2505,7 @@
           <a:p>
             <a:fld id="{07784863-2E4B-2847-978C-2577894F34C5}" type="datetimeFigureOut">
               <a:rPr lang="en-ES" smtClean="0"/>
-              <a:t>10/2/25</a:t>
+              <a:t>18/2/25</a:t>
             </a:fld>
             <a:endParaRPr lang="en-ES"/>
           </a:p>
@@ -2086,7 +2618,7 @@
           <a:p>
             <a:fld id="{07784863-2E4B-2847-978C-2577894F34C5}" type="datetimeFigureOut">
               <a:rPr lang="en-ES" smtClean="0"/>
-              <a:t>10/2/25</a:t>
+              <a:t>18/2/25</a:t>
             </a:fld>
             <a:endParaRPr lang="en-ES"/>
           </a:p>
@@ -2399,7 +2931,7 @@
           <a:p>
             <a:fld id="{07784863-2E4B-2847-978C-2577894F34C5}" type="datetimeFigureOut">
               <a:rPr lang="en-ES" smtClean="0"/>
-              <a:t>10/2/25</a:t>
+              <a:t>18/2/25</a:t>
             </a:fld>
             <a:endParaRPr lang="en-ES"/>
           </a:p>
@@ -2688,7 +3220,7 @@
           <a:p>
             <a:fld id="{07784863-2E4B-2847-978C-2577894F34C5}" type="datetimeFigureOut">
               <a:rPr lang="en-ES" smtClean="0"/>
-              <a:t>10/2/25</a:t>
+              <a:t>18/2/25</a:t>
             </a:fld>
             <a:endParaRPr lang="en-ES"/>
           </a:p>
@@ -2931,7 +3463,7 @@
           <a:p>
             <a:fld id="{07784863-2E4B-2847-978C-2577894F34C5}" type="datetimeFigureOut">
               <a:rPr lang="en-ES" smtClean="0"/>
-              <a:t>10/2/25</a:t>
+              <a:t>18/2/25</a:t>
             </a:fld>
             <a:endParaRPr lang="en-ES"/>
           </a:p>
@@ -3901,6 +4433,2874 @@
 </p:sld>
 </file>
 
+<file path=ppt/slides/slide10.xml><?xml version="1.0" encoding="utf-8"?>
+<p:sld xmlns:a="http://schemas.openxmlformats.org/drawingml/2006/main" xmlns:r="http://schemas.openxmlformats.org/officeDocument/2006/relationships" xmlns:p="http://schemas.openxmlformats.org/presentationml/2006/main">
+  <p:cSld>
+    <p:spTree>
+      <p:nvGrpSpPr>
+        <p:cNvPr id="1" name=""/>
+        <p:cNvGrpSpPr/>
+        <p:nvPr/>
+      </p:nvGrpSpPr>
+      <p:grpSpPr>
+        <a:xfrm>
+          <a:off x="0" y="0"/>
+          <a:ext cx="0" cy="0"/>
+          <a:chOff x="0" y="0"/>
+          <a:chExt cx="0" cy="0"/>
+        </a:xfrm>
+      </p:grpSpPr>
+      <p:sp>
+        <p:nvSpPr>
+          <p:cNvPr id="23" name="Rectangle 22">
+            <a:extLst>
+              <a:ext uri="{FF2B5EF4-FFF2-40B4-BE49-F238E27FC236}">
+                <a16:creationId xmlns:a16="http://schemas.microsoft.com/office/drawing/2014/main" id="{FD6FB409-CBB4-46CE-1169-90F3C5D0B7ED}"/>
+              </a:ext>
+            </a:extLst>
+          </p:cNvPr>
+          <p:cNvSpPr/>
+          <p:nvPr/>
+        </p:nvSpPr>
+        <p:spPr>
+          <a:xfrm>
+            <a:off x="2733261" y="3647660"/>
+            <a:ext cx="4204252" cy="536714"/>
+          </a:xfrm>
+          <a:prstGeom prst="rect">
+            <a:avLst/>
+          </a:prstGeom>
+          <a:gradFill>
+            <a:gsLst>
+              <a:gs pos="0">
+                <a:schemeClr val="accent1">
+                  <a:tint val="66000"/>
+                  <a:satMod val="160000"/>
+                </a:schemeClr>
+              </a:gs>
+              <a:gs pos="50000">
+                <a:schemeClr val="accent1">
+                  <a:tint val="44500"/>
+                  <a:satMod val="160000"/>
+                </a:schemeClr>
+              </a:gs>
+              <a:gs pos="100000">
+                <a:schemeClr val="accent1">
+                  <a:tint val="23500"/>
+                  <a:satMod val="160000"/>
+                </a:schemeClr>
+              </a:gs>
+            </a:gsLst>
+            <a:lin ang="8100000" scaled="1"/>
+          </a:gradFill>
+        </p:spPr>
+        <p:style>
+          <a:lnRef idx="2">
+            <a:schemeClr val="accent1">
+              <a:shade val="15000"/>
+            </a:schemeClr>
+          </a:lnRef>
+          <a:fillRef idx="1">
+            <a:schemeClr val="accent1"/>
+          </a:fillRef>
+          <a:effectRef idx="0">
+            <a:schemeClr val="accent1"/>
+          </a:effectRef>
+          <a:fontRef idx="minor">
+            <a:schemeClr val="lt1"/>
+          </a:fontRef>
+        </p:style>
+        <p:txBody>
+          <a:bodyPr rtlCol="0" anchor="ctr"/>
+          <a:lstStyle/>
+          <a:p>
+            <a:pPr algn="ctr"/>
+            <a:endParaRPr lang="en-ES"/>
+          </a:p>
+        </p:txBody>
+      </p:sp>
+      <p:sp>
+        <p:nvSpPr>
+          <p:cNvPr id="25" name="Rectangle 24">
+            <a:extLst>
+              <a:ext uri="{FF2B5EF4-FFF2-40B4-BE49-F238E27FC236}">
+                <a16:creationId xmlns:a16="http://schemas.microsoft.com/office/drawing/2014/main" id="{6E891A19-A282-3EFA-0B8F-E57F1F00BA51}"/>
+              </a:ext>
+            </a:extLst>
+          </p:cNvPr>
+          <p:cNvSpPr/>
+          <p:nvPr/>
+        </p:nvSpPr>
+        <p:spPr>
+          <a:xfrm>
+            <a:off x="2733261" y="1838739"/>
+            <a:ext cx="4204252" cy="1808921"/>
+          </a:xfrm>
+          <a:prstGeom prst="rect">
+            <a:avLst/>
+          </a:prstGeom>
+          <a:gradFill>
+            <a:gsLst>
+              <a:gs pos="0">
+                <a:schemeClr val="accent1">
+                  <a:tint val="66000"/>
+                  <a:satMod val="160000"/>
+                  <a:alpha val="0"/>
+                </a:schemeClr>
+              </a:gs>
+              <a:gs pos="49000">
+                <a:schemeClr val="tx2">
+                  <a:lumMod val="25000"/>
+                  <a:lumOff val="75000"/>
+                </a:schemeClr>
+              </a:gs>
+              <a:gs pos="100000">
+                <a:schemeClr val="tx2">
+                  <a:lumMod val="75000"/>
+                  <a:lumOff val="25000"/>
+                </a:schemeClr>
+              </a:gs>
+            </a:gsLst>
+            <a:lin ang="5400000" scaled="0"/>
+          </a:gradFill>
+          <a:ln>
+            <a:noFill/>
+          </a:ln>
+        </p:spPr>
+        <p:style>
+          <a:lnRef idx="2">
+            <a:schemeClr val="accent1">
+              <a:shade val="15000"/>
+            </a:schemeClr>
+          </a:lnRef>
+          <a:fillRef idx="1">
+            <a:schemeClr val="accent1"/>
+          </a:fillRef>
+          <a:effectRef idx="0">
+            <a:schemeClr val="accent1"/>
+          </a:effectRef>
+          <a:fontRef idx="minor">
+            <a:schemeClr val="lt1"/>
+          </a:fontRef>
+        </p:style>
+        <p:txBody>
+          <a:bodyPr rtlCol="0" anchor="ctr"/>
+          <a:lstStyle/>
+          <a:p>
+            <a:pPr algn="ctr"/>
+            <a:endParaRPr lang="en-ES"/>
+          </a:p>
+        </p:txBody>
+      </p:sp>
+      <p:cxnSp>
+        <p:nvCxnSpPr>
+          <p:cNvPr id="15" name="Straight Arrow Connector 14">
+            <a:extLst>
+              <a:ext uri="{FF2B5EF4-FFF2-40B4-BE49-F238E27FC236}">
+                <a16:creationId xmlns:a16="http://schemas.microsoft.com/office/drawing/2014/main" id="{63DA18A9-28E4-0FC9-49B3-F3E2E2D8055B}"/>
+              </a:ext>
+            </a:extLst>
+          </p:cNvPr>
+          <p:cNvCxnSpPr>
+            <a:cxnSpLocks/>
+          </p:cNvCxnSpPr>
+          <p:nvPr/>
+        </p:nvCxnSpPr>
+        <p:spPr>
+          <a:xfrm>
+            <a:off x="4750904" y="3627782"/>
+            <a:ext cx="1848679" cy="0"/>
+          </a:xfrm>
+          <a:prstGeom prst="straightConnector1">
+            <a:avLst/>
+          </a:prstGeom>
+          <a:ln w="38100">
+            <a:tailEnd type="triangle"/>
+          </a:ln>
+        </p:spPr>
+        <p:style>
+          <a:lnRef idx="2">
+            <a:schemeClr val="dk1"/>
+          </a:lnRef>
+          <a:fillRef idx="0">
+            <a:schemeClr val="dk1"/>
+          </a:fillRef>
+          <a:effectRef idx="1">
+            <a:schemeClr val="dk1"/>
+          </a:effectRef>
+          <a:fontRef idx="minor">
+            <a:schemeClr val="tx1"/>
+          </a:fontRef>
+        </p:style>
+      </p:cxnSp>
+      <p:cxnSp>
+        <p:nvCxnSpPr>
+          <p:cNvPr id="16" name="Straight Arrow Connector 15">
+            <a:extLst>
+              <a:ext uri="{FF2B5EF4-FFF2-40B4-BE49-F238E27FC236}">
+                <a16:creationId xmlns:a16="http://schemas.microsoft.com/office/drawing/2014/main" id="{C503C91B-0975-94F3-8CF7-37EED7310777}"/>
+              </a:ext>
+            </a:extLst>
+          </p:cNvPr>
+          <p:cNvCxnSpPr>
+            <a:cxnSpLocks/>
+          </p:cNvCxnSpPr>
+          <p:nvPr/>
+        </p:nvCxnSpPr>
+        <p:spPr>
+          <a:xfrm flipV="1">
+            <a:off x="4770782" y="1560443"/>
+            <a:ext cx="0" cy="2087217"/>
+          </a:xfrm>
+          <a:prstGeom prst="straightConnector1">
+            <a:avLst/>
+          </a:prstGeom>
+          <a:ln w="38100">
+            <a:tailEnd type="triangle"/>
+          </a:ln>
+        </p:spPr>
+        <p:style>
+          <a:lnRef idx="2">
+            <a:schemeClr val="dk1"/>
+          </a:lnRef>
+          <a:fillRef idx="0">
+            <a:schemeClr val="dk1"/>
+          </a:fillRef>
+          <a:effectRef idx="1">
+            <a:schemeClr val="dk1"/>
+          </a:effectRef>
+          <a:fontRef idx="minor">
+            <a:schemeClr val="tx1"/>
+          </a:fontRef>
+        </p:style>
+      </p:cxnSp>
+      <p:sp>
+        <p:nvSpPr>
+          <p:cNvPr id="24" name="TextBox 23">
+            <a:extLst>
+              <a:ext uri="{FF2B5EF4-FFF2-40B4-BE49-F238E27FC236}">
+                <a16:creationId xmlns:a16="http://schemas.microsoft.com/office/drawing/2014/main" id="{27C98182-BF0C-BE01-6CF3-A28E06036EE7}"/>
+              </a:ext>
+            </a:extLst>
+          </p:cNvPr>
+          <p:cNvSpPr txBox="1"/>
+          <p:nvPr/>
+        </p:nvSpPr>
+        <p:spPr>
+          <a:xfrm>
+            <a:off x="3965713" y="3715650"/>
+            <a:ext cx="1013791" cy="369332"/>
+          </a:xfrm>
+          <a:prstGeom prst="rect">
+            <a:avLst/>
+          </a:prstGeom>
+          <a:noFill/>
+        </p:spPr>
+        <p:txBody>
+          <a:bodyPr wrap="square" rtlCol="0">
+            <a:spAutoFit/>
+          </a:bodyPr>
+          <a:lstStyle/>
+          <a:p>
+            <a:r>
+              <a:rPr lang="en-ES" dirty="0"/>
+              <a:t>CEP</a:t>
+            </a:r>
+          </a:p>
+        </p:txBody>
+      </p:sp>
+      <p:sp>
+        <p:nvSpPr>
+          <p:cNvPr id="26" name="TextBox 25">
+            <a:extLst>
+              <a:ext uri="{FF2B5EF4-FFF2-40B4-BE49-F238E27FC236}">
+                <a16:creationId xmlns:a16="http://schemas.microsoft.com/office/drawing/2014/main" id="{2BD95210-E759-0700-5D1F-81AD342990CC}"/>
+              </a:ext>
+            </a:extLst>
+          </p:cNvPr>
+          <p:cNvSpPr txBox="1"/>
+          <p:nvPr/>
+        </p:nvSpPr>
+        <p:spPr>
+          <a:xfrm>
+            <a:off x="4472609" y="1292086"/>
+            <a:ext cx="651013" cy="369332"/>
+          </a:xfrm>
+          <a:prstGeom prst="rect">
+            <a:avLst/>
+          </a:prstGeom>
+          <a:noFill/>
+        </p:spPr>
+        <p:txBody>
+          <a:bodyPr wrap="square" rtlCol="0">
+            <a:spAutoFit/>
+          </a:bodyPr>
+          <a:lstStyle/>
+          <a:p>
+            <a:r>
+              <a:rPr lang="en-ES" dirty="0"/>
+              <a:t>z</a:t>
+            </a:r>
+          </a:p>
+        </p:txBody>
+      </p:sp>
+      <p:sp>
+        <p:nvSpPr>
+          <p:cNvPr id="32" name="TextBox 31">
+            <a:extLst>
+              <a:ext uri="{FF2B5EF4-FFF2-40B4-BE49-F238E27FC236}">
+                <a16:creationId xmlns:a16="http://schemas.microsoft.com/office/drawing/2014/main" id="{534E7150-E5AD-C61D-1841-69E5470DD3A2}"/>
+              </a:ext>
+            </a:extLst>
+          </p:cNvPr>
+          <p:cNvSpPr txBox="1"/>
+          <p:nvPr/>
+        </p:nvSpPr>
+        <p:spPr>
+          <a:xfrm>
+            <a:off x="5675243" y="2693504"/>
+            <a:ext cx="665922" cy="369332"/>
+          </a:xfrm>
+          <a:prstGeom prst="rect">
+            <a:avLst/>
+          </a:prstGeom>
+          <a:noFill/>
+        </p:spPr>
+        <p:txBody>
+          <a:bodyPr wrap="square" rtlCol="0">
+            <a:spAutoFit/>
+          </a:bodyPr>
+          <a:lstStyle/>
+          <a:p>
+            <a:r>
+              <a:rPr lang="en-ES" dirty="0"/>
+              <a:t>S</a:t>
+            </a:r>
+            <a:r>
+              <a:rPr lang="en-ES" baseline="-25000" dirty="0"/>
+              <a:t>1</a:t>
+            </a:r>
+          </a:p>
+        </p:txBody>
+      </p:sp>
+      <p:sp>
+        <p:nvSpPr>
+          <p:cNvPr id="33" name="TextBox 32">
+            <a:extLst>
+              <a:ext uri="{FF2B5EF4-FFF2-40B4-BE49-F238E27FC236}">
+                <a16:creationId xmlns:a16="http://schemas.microsoft.com/office/drawing/2014/main" id="{27EBC128-D0CE-E2A6-7AF1-368B8C2C3B4E}"/>
+              </a:ext>
+            </a:extLst>
+          </p:cNvPr>
+          <p:cNvSpPr txBox="1"/>
+          <p:nvPr/>
+        </p:nvSpPr>
+        <p:spPr>
+          <a:xfrm>
+            <a:off x="5620578" y="4269649"/>
+            <a:ext cx="665922" cy="369332"/>
+          </a:xfrm>
+          <a:prstGeom prst="rect">
+            <a:avLst/>
+          </a:prstGeom>
+          <a:noFill/>
+        </p:spPr>
+        <p:txBody>
+          <a:bodyPr wrap="square" rtlCol="0">
+            <a:spAutoFit/>
+          </a:bodyPr>
+          <a:lstStyle/>
+          <a:p>
+            <a:r>
+              <a:rPr lang="en-ES" dirty="0"/>
+              <a:t>S</a:t>
+            </a:r>
+            <a:r>
+              <a:rPr lang="en-ES" baseline="-25000" dirty="0"/>
+              <a:t>2</a:t>
+            </a:r>
+          </a:p>
+        </p:txBody>
+      </p:sp>
+      <p:cxnSp>
+        <p:nvCxnSpPr>
+          <p:cNvPr id="35" name="Straight Arrow Connector 34">
+            <a:extLst>
+              <a:ext uri="{FF2B5EF4-FFF2-40B4-BE49-F238E27FC236}">
+                <a16:creationId xmlns:a16="http://schemas.microsoft.com/office/drawing/2014/main" id="{35CE3BCF-FF2B-6CBF-0457-8CEDE1C14D67}"/>
+              </a:ext>
+            </a:extLst>
+          </p:cNvPr>
+          <p:cNvCxnSpPr/>
+          <p:nvPr/>
+        </p:nvCxnSpPr>
+        <p:spPr>
+          <a:xfrm flipH="1" flipV="1">
+            <a:off x="5620578" y="3935895"/>
+            <a:ext cx="134179" cy="333754"/>
+          </a:xfrm>
+          <a:prstGeom prst="straightConnector1">
+            <a:avLst/>
+          </a:prstGeom>
+          <a:ln>
+            <a:tailEnd type="triangle"/>
+          </a:ln>
+        </p:spPr>
+        <p:style>
+          <a:lnRef idx="2">
+            <a:schemeClr val="dk1"/>
+          </a:lnRef>
+          <a:fillRef idx="0">
+            <a:schemeClr val="dk1"/>
+          </a:fillRef>
+          <a:effectRef idx="1">
+            <a:schemeClr val="dk1"/>
+          </a:effectRef>
+          <a:fontRef idx="minor">
+            <a:schemeClr val="tx1"/>
+          </a:fontRef>
+        </p:style>
+      </p:cxnSp>
+      <p:cxnSp>
+        <p:nvCxnSpPr>
+          <p:cNvPr id="36" name="Straight Arrow Connector 35">
+            <a:extLst>
+              <a:ext uri="{FF2B5EF4-FFF2-40B4-BE49-F238E27FC236}">
+                <a16:creationId xmlns:a16="http://schemas.microsoft.com/office/drawing/2014/main" id="{3D604118-F1F8-E3FA-BC43-3C17188EA561}"/>
+              </a:ext>
+            </a:extLst>
+          </p:cNvPr>
+          <p:cNvCxnSpPr>
+            <a:cxnSpLocks/>
+          </p:cNvCxnSpPr>
+          <p:nvPr/>
+        </p:nvCxnSpPr>
+        <p:spPr>
+          <a:xfrm flipH="1">
+            <a:off x="5537752" y="2981739"/>
+            <a:ext cx="217005" cy="280384"/>
+          </a:xfrm>
+          <a:prstGeom prst="straightConnector1">
+            <a:avLst/>
+          </a:prstGeom>
+          <a:ln>
+            <a:tailEnd type="triangle"/>
+          </a:ln>
+        </p:spPr>
+        <p:style>
+          <a:lnRef idx="2">
+            <a:schemeClr val="dk1"/>
+          </a:lnRef>
+          <a:fillRef idx="0">
+            <a:schemeClr val="dk1"/>
+          </a:fillRef>
+          <a:effectRef idx="1">
+            <a:schemeClr val="dk1"/>
+          </a:effectRef>
+          <a:fontRef idx="minor">
+            <a:schemeClr val="tx1"/>
+          </a:fontRef>
+        </p:style>
+      </p:cxnSp>
+      <p:sp>
+        <p:nvSpPr>
+          <p:cNvPr id="39" name="TextBox 38">
+            <a:extLst>
+              <a:ext uri="{FF2B5EF4-FFF2-40B4-BE49-F238E27FC236}">
+                <a16:creationId xmlns:a16="http://schemas.microsoft.com/office/drawing/2014/main" id="{86298345-7E40-7630-AA47-E1E73AEC1D53}"/>
+              </a:ext>
+            </a:extLst>
+          </p:cNvPr>
+          <p:cNvSpPr txBox="1"/>
+          <p:nvPr/>
+        </p:nvSpPr>
+        <p:spPr>
+          <a:xfrm>
+            <a:off x="3011556" y="3045552"/>
+            <a:ext cx="854766" cy="369332"/>
+          </a:xfrm>
+          <a:prstGeom prst="rect">
+            <a:avLst/>
+          </a:prstGeom>
+          <a:noFill/>
+        </p:spPr>
+        <p:txBody>
+          <a:bodyPr wrap="square" rtlCol="0">
+            <a:spAutoFit/>
+          </a:bodyPr>
+          <a:lstStyle/>
+          <a:p>
+            <a:r>
+              <a:rPr lang="es-ES" dirty="0"/>
+              <a:t>ρ</a:t>
+            </a:r>
+            <a:r>
+              <a:rPr lang="en-ES" baseline="-25000" dirty="0"/>
+              <a:t>0</a:t>
+            </a:r>
+            <a:r>
+              <a:rPr lang="en-ES" dirty="0"/>
+              <a:t>e</a:t>
+            </a:r>
+            <a:r>
+              <a:rPr lang="en-ES" baseline="30000" dirty="0"/>
+              <a:t>-z/l</a:t>
+            </a:r>
+          </a:p>
+        </p:txBody>
+      </p:sp>
+      <p:sp>
+        <p:nvSpPr>
+          <p:cNvPr id="41" name="Can 40">
+            <a:extLst>
+              <a:ext uri="{FF2B5EF4-FFF2-40B4-BE49-F238E27FC236}">
+                <a16:creationId xmlns:a16="http://schemas.microsoft.com/office/drawing/2014/main" id="{F49644D2-07BA-9E2A-0A7D-00DDA367C08B}"/>
+              </a:ext>
+            </a:extLst>
+          </p:cNvPr>
+          <p:cNvSpPr/>
+          <p:nvPr/>
+        </p:nvSpPr>
+        <p:spPr>
+          <a:xfrm>
+            <a:off x="4979504" y="3120886"/>
+            <a:ext cx="1023731" cy="819186"/>
+          </a:xfrm>
+          <a:prstGeom prst="can">
+            <a:avLst/>
+          </a:prstGeom>
+          <a:noFill/>
+          <a:ln w="38100">
+            <a:prstDash val="dash"/>
+          </a:ln>
+        </p:spPr>
+        <p:style>
+          <a:lnRef idx="2">
+            <a:schemeClr val="accent1">
+              <a:shade val="15000"/>
+            </a:schemeClr>
+          </a:lnRef>
+          <a:fillRef idx="1">
+            <a:schemeClr val="accent1"/>
+          </a:fillRef>
+          <a:effectRef idx="0">
+            <a:schemeClr val="accent1"/>
+          </a:effectRef>
+          <a:fontRef idx="minor">
+            <a:schemeClr val="lt1"/>
+          </a:fontRef>
+        </p:style>
+        <p:txBody>
+          <a:bodyPr rtlCol="0" anchor="ctr"/>
+          <a:lstStyle/>
+          <a:p>
+            <a:pPr algn="ctr"/>
+            <a:endParaRPr lang="en-ES"/>
+          </a:p>
+        </p:txBody>
+      </p:sp>
+      <p:sp>
+        <p:nvSpPr>
+          <p:cNvPr id="42" name="TextBox 41">
+            <a:extLst>
+              <a:ext uri="{FF2B5EF4-FFF2-40B4-BE49-F238E27FC236}">
+                <a16:creationId xmlns:a16="http://schemas.microsoft.com/office/drawing/2014/main" id="{2FF0154D-C4D7-418D-7748-1BF542D6BC43}"/>
+              </a:ext>
+            </a:extLst>
+          </p:cNvPr>
+          <p:cNvSpPr txBox="1"/>
+          <p:nvPr/>
+        </p:nvSpPr>
+        <p:spPr>
+          <a:xfrm>
+            <a:off x="6277389" y="3051818"/>
+            <a:ext cx="665922" cy="369332"/>
+          </a:xfrm>
+          <a:prstGeom prst="rect">
+            <a:avLst/>
+          </a:prstGeom>
+          <a:noFill/>
+        </p:spPr>
+        <p:txBody>
+          <a:bodyPr wrap="square" rtlCol="0">
+            <a:spAutoFit/>
+          </a:bodyPr>
+          <a:lstStyle/>
+          <a:p>
+            <a:r>
+              <a:rPr lang="en-ES" dirty="0"/>
+              <a:t>S</a:t>
+            </a:r>
+            <a:r>
+              <a:rPr lang="en-ES" baseline="-25000" dirty="0"/>
+              <a:t>l</a:t>
+            </a:r>
+          </a:p>
+        </p:txBody>
+      </p:sp>
+      <p:cxnSp>
+        <p:nvCxnSpPr>
+          <p:cNvPr id="43" name="Straight Arrow Connector 42">
+            <a:extLst>
+              <a:ext uri="{FF2B5EF4-FFF2-40B4-BE49-F238E27FC236}">
+                <a16:creationId xmlns:a16="http://schemas.microsoft.com/office/drawing/2014/main" id="{F3580E9E-251E-1411-52C3-625372218531}"/>
+              </a:ext>
+            </a:extLst>
+          </p:cNvPr>
+          <p:cNvCxnSpPr>
+            <a:cxnSpLocks/>
+          </p:cNvCxnSpPr>
+          <p:nvPr/>
+        </p:nvCxnSpPr>
+        <p:spPr>
+          <a:xfrm flipH="1">
+            <a:off x="5842553" y="3344915"/>
+            <a:ext cx="544997" cy="115198"/>
+          </a:xfrm>
+          <a:prstGeom prst="straightConnector1">
+            <a:avLst/>
+          </a:prstGeom>
+          <a:ln>
+            <a:tailEnd type="triangle"/>
+          </a:ln>
+        </p:spPr>
+        <p:style>
+          <a:lnRef idx="2">
+            <a:schemeClr val="dk1"/>
+          </a:lnRef>
+          <a:fillRef idx="0">
+            <a:schemeClr val="dk1"/>
+          </a:fillRef>
+          <a:effectRef idx="1">
+            <a:schemeClr val="dk1"/>
+          </a:effectRef>
+          <a:fontRef idx="minor">
+            <a:schemeClr val="tx1"/>
+          </a:fontRef>
+        </p:style>
+      </p:cxnSp>
+    </p:spTree>
+    <p:extLst>
+      <p:ext uri="{BB962C8B-B14F-4D97-AF65-F5344CB8AC3E}">
+        <p14:creationId xmlns:p14="http://schemas.microsoft.com/office/powerpoint/2010/main" val="1104120326"/>
+      </p:ext>
+    </p:extLst>
+  </p:cSld>
+  <p:clrMapOvr>
+    <a:masterClrMapping/>
+  </p:clrMapOvr>
+</p:sld>
+</file>
+
+<file path=ppt/slides/slide11.xml><?xml version="1.0" encoding="utf-8"?>
+<p:sld xmlns:a="http://schemas.openxmlformats.org/drawingml/2006/main" xmlns:r="http://schemas.openxmlformats.org/officeDocument/2006/relationships" xmlns:p="http://schemas.openxmlformats.org/presentationml/2006/main">
+  <p:cSld>
+    <p:spTree>
+      <p:nvGrpSpPr>
+        <p:cNvPr id="1" name=""/>
+        <p:cNvGrpSpPr/>
+        <p:nvPr/>
+      </p:nvGrpSpPr>
+      <p:grpSpPr>
+        <a:xfrm>
+          <a:off x="0" y="0"/>
+          <a:ext cx="0" cy="0"/>
+          <a:chOff x="0" y="0"/>
+          <a:chExt cx="0" cy="0"/>
+        </a:xfrm>
+      </p:grpSpPr>
+      <p:pic>
+        <p:nvPicPr>
+          <p:cNvPr id="3" name="Picture 2" descr="A drawing of a circular object&#10;&#10;AI-generated content may be incorrect.">
+            <a:extLst>
+              <a:ext uri="{FF2B5EF4-FFF2-40B4-BE49-F238E27FC236}">
+                <a16:creationId xmlns:a16="http://schemas.microsoft.com/office/drawing/2014/main" id="{D3D67BF6-EBDF-C534-0017-480A83A5E471}"/>
+              </a:ext>
+            </a:extLst>
+          </p:cNvPr>
+          <p:cNvPicPr>
+            <a:picLocks noChangeAspect="1"/>
+          </p:cNvPicPr>
+          <p:nvPr/>
+        </p:nvPicPr>
+        <p:blipFill>
+          <a:blip r:embed="rId2"/>
+          <a:stretch>
+            <a:fillRect/>
+          </a:stretch>
+        </p:blipFill>
+        <p:spPr>
+          <a:xfrm>
+            <a:off x="2743200" y="1286526"/>
+            <a:ext cx="6705600" cy="4114800"/>
+          </a:xfrm>
+          <a:prstGeom prst="rect">
+            <a:avLst/>
+          </a:prstGeom>
+        </p:spPr>
+      </p:pic>
+      <p:sp>
+        <p:nvSpPr>
+          <p:cNvPr id="4" name="Oval 3">
+            <a:extLst>
+              <a:ext uri="{FF2B5EF4-FFF2-40B4-BE49-F238E27FC236}">
+                <a16:creationId xmlns:a16="http://schemas.microsoft.com/office/drawing/2014/main" id="{3FEB8B53-CD15-4113-6797-9246795AEF5A}"/>
+              </a:ext>
+            </a:extLst>
+          </p:cNvPr>
+          <p:cNvSpPr/>
+          <p:nvPr/>
+        </p:nvSpPr>
+        <p:spPr>
+          <a:xfrm>
+            <a:off x="3700131" y="2115880"/>
+            <a:ext cx="4230646" cy="1408813"/>
+          </a:xfrm>
+          <a:prstGeom prst="ellipse">
+            <a:avLst/>
+          </a:prstGeom>
+          <a:noFill/>
+          <a:ln w="76200">
+            <a:solidFill>
+              <a:schemeClr val="tx1"/>
+            </a:solidFill>
+            <a:prstDash val="dash"/>
+          </a:ln>
+        </p:spPr>
+        <p:style>
+          <a:lnRef idx="2">
+            <a:schemeClr val="accent1">
+              <a:shade val="15000"/>
+            </a:schemeClr>
+          </a:lnRef>
+          <a:fillRef idx="1">
+            <a:schemeClr val="accent1"/>
+          </a:fillRef>
+          <a:effectRef idx="0">
+            <a:schemeClr val="accent1"/>
+          </a:effectRef>
+          <a:fontRef idx="minor">
+            <a:schemeClr val="lt1"/>
+          </a:fontRef>
+        </p:style>
+        <p:txBody>
+          <a:bodyPr rtlCol="0" anchor="ctr"/>
+          <a:lstStyle/>
+          <a:p>
+            <a:pPr algn="ctr"/>
+            <a:endParaRPr lang="en-ES"/>
+          </a:p>
+        </p:txBody>
+      </p:sp>
+      <p:sp>
+        <p:nvSpPr>
+          <p:cNvPr id="5" name="Right Bracket 4">
+            <a:extLst>
+              <a:ext uri="{FF2B5EF4-FFF2-40B4-BE49-F238E27FC236}">
+                <a16:creationId xmlns:a16="http://schemas.microsoft.com/office/drawing/2014/main" id="{1C92FD17-7DD6-1FB9-3ABC-7E87A651AB21}"/>
+              </a:ext>
+            </a:extLst>
+          </p:cNvPr>
+          <p:cNvSpPr/>
+          <p:nvPr/>
+        </p:nvSpPr>
+        <p:spPr>
+          <a:xfrm rot="16200000">
+            <a:off x="6717905" y="243801"/>
+            <a:ext cx="310421" cy="2115323"/>
+          </a:xfrm>
+          <a:prstGeom prst="rightBracket">
+            <a:avLst/>
+          </a:prstGeom>
+          <a:ln w="38100"/>
+        </p:spPr>
+        <p:style>
+          <a:lnRef idx="1">
+            <a:schemeClr val="dk1"/>
+          </a:lnRef>
+          <a:fillRef idx="0">
+            <a:schemeClr val="dk1"/>
+          </a:fillRef>
+          <a:effectRef idx="0">
+            <a:schemeClr val="dk1"/>
+          </a:effectRef>
+          <a:fontRef idx="minor">
+            <a:schemeClr val="tx1"/>
+          </a:fontRef>
+        </p:style>
+        <p:txBody>
+          <a:bodyPr rtlCol="0" anchor="ctr"/>
+          <a:lstStyle/>
+          <a:p>
+            <a:pPr algn="ctr"/>
+            <a:endParaRPr lang="en-ES"/>
+          </a:p>
+        </p:txBody>
+      </p:sp>
+      <p:sp>
+        <p:nvSpPr>
+          <p:cNvPr id="6" name="TextBox 5">
+            <a:extLst>
+              <a:ext uri="{FF2B5EF4-FFF2-40B4-BE49-F238E27FC236}">
+                <a16:creationId xmlns:a16="http://schemas.microsoft.com/office/drawing/2014/main" id="{6CDBB076-215F-5A30-F4AF-FDB53292021C}"/>
+              </a:ext>
+            </a:extLst>
+          </p:cNvPr>
+          <p:cNvSpPr txBox="1"/>
+          <p:nvPr/>
+        </p:nvSpPr>
+        <p:spPr>
+          <a:xfrm>
+            <a:off x="6709144" y="597445"/>
+            <a:ext cx="637953" cy="646331"/>
+          </a:xfrm>
+          <a:prstGeom prst="rect">
+            <a:avLst/>
+          </a:prstGeom>
+          <a:noFill/>
+        </p:spPr>
+        <p:txBody>
+          <a:bodyPr wrap="square" rtlCol="0">
+            <a:spAutoFit/>
+          </a:bodyPr>
+          <a:lstStyle/>
+          <a:p>
+            <a:r>
+              <a:rPr lang="en-ES" sz="3600" dirty="0"/>
+              <a:t>r</a:t>
+            </a:r>
+          </a:p>
+        </p:txBody>
+      </p:sp>
+    </p:spTree>
+    <p:extLst>
+      <p:ext uri="{BB962C8B-B14F-4D97-AF65-F5344CB8AC3E}">
+        <p14:creationId xmlns:p14="http://schemas.microsoft.com/office/powerpoint/2010/main" val="1987383415"/>
+      </p:ext>
+    </p:extLst>
+  </p:cSld>
+  <p:clrMapOvr>
+    <a:masterClrMapping/>
+  </p:clrMapOvr>
+</p:sld>
+</file>
+
+<file path=ppt/slides/slide12.xml><?xml version="1.0" encoding="utf-8"?>
+<p:sld xmlns:a="http://schemas.openxmlformats.org/drawingml/2006/main" xmlns:r="http://schemas.openxmlformats.org/officeDocument/2006/relationships" xmlns:p="http://schemas.openxmlformats.org/presentationml/2006/main">
+  <p:cSld>
+    <p:spTree>
+      <p:nvGrpSpPr>
+        <p:cNvPr id="1" name="">
+          <a:extLst>
+            <a:ext uri="{FF2B5EF4-FFF2-40B4-BE49-F238E27FC236}">
+              <a16:creationId xmlns:a16="http://schemas.microsoft.com/office/drawing/2014/main" id="{0D59E756-391A-ED9F-F1AE-C11E19A99359}"/>
+            </a:ext>
+          </a:extLst>
+        </p:cNvPr>
+        <p:cNvGrpSpPr/>
+        <p:nvPr/>
+      </p:nvGrpSpPr>
+      <p:grpSpPr>
+        <a:xfrm>
+          <a:off x="0" y="0"/>
+          <a:ext cx="0" cy="0"/>
+          <a:chOff x="0" y="0"/>
+          <a:chExt cx="0" cy="0"/>
+        </a:xfrm>
+      </p:grpSpPr>
+      <p:sp>
+        <p:nvSpPr>
+          <p:cNvPr id="2" name="Parallelogram 1">
+            <a:extLst>
+              <a:ext uri="{FF2B5EF4-FFF2-40B4-BE49-F238E27FC236}">
+                <a16:creationId xmlns:a16="http://schemas.microsoft.com/office/drawing/2014/main" id="{679850B9-E26E-0B82-5303-7D0B413F0C11}"/>
+              </a:ext>
+            </a:extLst>
+          </p:cNvPr>
+          <p:cNvSpPr/>
+          <p:nvPr/>
+        </p:nvSpPr>
+        <p:spPr>
+          <a:xfrm>
+            <a:off x="2388068" y="2636874"/>
+            <a:ext cx="5401339" cy="1584251"/>
+          </a:xfrm>
+          <a:prstGeom prst="parallelogram">
+            <a:avLst>
+              <a:gd name="adj" fmla="val 98826"/>
+            </a:avLst>
+          </a:prstGeom>
+          <a:gradFill flip="none" rotWithShape="1">
+            <a:gsLst>
+              <a:gs pos="0">
+                <a:schemeClr val="accent1">
+                  <a:tint val="66000"/>
+                  <a:satMod val="160000"/>
+                </a:schemeClr>
+              </a:gs>
+              <a:gs pos="50000">
+                <a:schemeClr val="accent1">
+                  <a:tint val="44500"/>
+                  <a:satMod val="160000"/>
+                </a:schemeClr>
+              </a:gs>
+              <a:gs pos="100000">
+                <a:schemeClr val="accent1">
+                  <a:tint val="23500"/>
+                  <a:satMod val="160000"/>
+                </a:schemeClr>
+              </a:gs>
+            </a:gsLst>
+            <a:lin ang="18900000" scaled="1"/>
+            <a:tileRect/>
+          </a:gradFill>
+        </p:spPr>
+        <p:style>
+          <a:lnRef idx="2">
+            <a:schemeClr val="accent1">
+              <a:shade val="15000"/>
+            </a:schemeClr>
+          </a:lnRef>
+          <a:fillRef idx="1">
+            <a:schemeClr val="accent1"/>
+          </a:fillRef>
+          <a:effectRef idx="0">
+            <a:schemeClr val="accent1"/>
+          </a:effectRef>
+          <a:fontRef idx="minor">
+            <a:schemeClr val="lt1"/>
+          </a:fontRef>
+        </p:style>
+        <p:txBody>
+          <a:bodyPr rtlCol="0" anchor="ctr"/>
+          <a:lstStyle/>
+          <a:p>
+            <a:pPr algn="ctr"/>
+            <a:endParaRPr lang="en-ES"/>
+          </a:p>
+        </p:txBody>
+      </p:sp>
+      <p:cxnSp>
+        <p:nvCxnSpPr>
+          <p:cNvPr id="11" name="Straight Arrow Connector 10">
+            <a:extLst>
+              <a:ext uri="{FF2B5EF4-FFF2-40B4-BE49-F238E27FC236}">
+                <a16:creationId xmlns:a16="http://schemas.microsoft.com/office/drawing/2014/main" id="{F89AC2F6-B6B0-1188-81EA-D21D1532F7EF}"/>
+              </a:ext>
+            </a:extLst>
+          </p:cNvPr>
+          <p:cNvCxnSpPr>
+            <a:cxnSpLocks/>
+          </p:cNvCxnSpPr>
+          <p:nvPr/>
+        </p:nvCxnSpPr>
+        <p:spPr>
+          <a:xfrm>
+            <a:off x="5041527" y="3344247"/>
+            <a:ext cx="1848679" cy="0"/>
+          </a:xfrm>
+          <a:prstGeom prst="straightConnector1">
+            <a:avLst/>
+          </a:prstGeom>
+          <a:ln w="38100">
+            <a:tailEnd type="triangle"/>
+          </a:ln>
+        </p:spPr>
+        <p:style>
+          <a:lnRef idx="2">
+            <a:schemeClr val="dk1"/>
+          </a:lnRef>
+          <a:fillRef idx="0">
+            <a:schemeClr val="dk1"/>
+          </a:fillRef>
+          <a:effectRef idx="1">
+            <a:schemeClr val="dk1"/>
+          </a:effectRef>
+          <a:fontRef idx="minor">
+            <a:schemeClr val="tx1"/>
+          </a:fontRef>
+        </p:style>
+      </p:cxnSp>
+      <p:cxnSp>
+        <p:nvCxnSpPr>
+          <p:cNvPr id="12" name="Straight Arrow Connector 11">
+            <a:extLst>
+              <a:ext uri="{FF2B5EF4-FFF2-40B4-BE49-F238E27FC236}">
+                <a16:creationId xmlns:a16="http://schemas.microsoft.com/office/drawing/2014/main" id="{9B3C9E76-BEE7-1D36-B656-0380A6494F1F}"/>
+              </a:ext>
+            </a:extLst>
+          </p:cNvPr>
+          <p:cNvCxnSpPr>
+            <a:cxnSpLocks/>
+          </p:cNvCxnSpPr>
+          <p:nvPr/>
+        </p:nvCxnSpPr>
+        <p:spPr>
+          <a:xfrm flipV="1">
+            <a:off x="5061405" y="1276908"/>
+            <a:ext cx="0" cy="2087217"/>
+          </a:xfrm>
+          <a:prstGeom prst="straightConnector1">
+            <a:avLst/>
+          </a:prstGeom>
+          <a:ln w="38100">
+            <a:tailEnd type="triangle"/>
+          </a:ln>
+        </p:spPr>
+        <p:style>
+          <a:lnRef idx="2">
+            <a:schemeClr val="dk1"/>
+          </a:lnRef>
+          <a:fillRef idx="0">
+            <a:schemeClr val="dk1"/>
+          </a:fillRef>
+          <a:effectRef idx="1">
+            <a:schemeClr val="dk1"/>
+          </a:effectRef>
+          <a:fontRef idx="minor">
+            <a:schemeClr val="tx1"/>
+          </a:fontRef>
+        </p:style>
+      </p:cxnSp>
+      <p:sp>
+        <p:nvSpPr>
+          <p:cNvPr id="13" name="TextBox 12">
+            <a:extLst>
+              <a:ext uri="{FF2B5EF4-FFF2-40B4-BE49-F238E27FC236}">
+                <a16:creationId xmlns:a16="http://schemas.microsoft.com/office/drawing/2014/main" id="{40E8E59B-8496-4C7D-89CD-F244D3896791}"/>
+              </a:ext>
+            </a:extLst>
+          </p:cNvPr>
+          <p:cNvSpPr txBox="1"/>
+          <p:nvPr/>
+        </p:nvSpPr>
+        <p:spPr>
+          <a:xfrm>
+            <a:off x="4763232" y="1008551"/>
+            <a:ext cx="651013" cy="369332"/>
+          </a:xfrm>
+          <a:prstGeom prst="rect">
+            <a:avLst/>
+          </a:prstGeom>
+          <a:noFill/>
+        </p:spPr>
+        <p:txBody>
+          <a:bodyPr wrap="square" rtlCol="0">
+            <a:spAutoFit/>
+          </a:bodyPr>
+          <a:lstStyle/>
+          <a:p>
+            <a:r>
+              <a:rPr lang="en-ES" dirty="0"/>
+              <a:t>z</a:t>
+            </a:r>
+          </a:p>
+        </p:txBody>
+      </p:sp>
+      <p:sp>
+        <p:nvSpPr>
+          <p:cNvPr id="14" name="TextBox 13">
+            <a:extLst>
+              <a:ext uri="{FF2B5EF4-FFF2-40B4-BE49-F238E27FC236}">
+                <a16:creationId xmlns:a16="http://schemas.microsoft.com/office/drawing/2014/main" id="{C1BAC483-65D9-B8C0-2BDA-7F6807DD4F9A}"/>
+              </a:ext>
+            </a:extLst>
+          </p:cNvPr>
+          <p:cNvSpPr txBox="1"/>
+          <p:nvPr/>
+        </p:nvSpPr>
+        <p:spPr>
+          <a:xfrm>
+            <a:off x="7030903" y="3344247"/>
+            <a:ext cx="651013" cy="369332"/>
+          </a:xfrm>
+          <a:prstGeom prst="rect">
+            <a:avLst/>
+          </a:prstGeom>
+          <a:noFill/>
+        </p:spPr>
+        <p:txBody>
+          <a:bodyPr wrap="square" rtlCol="0">
+            <a:spAutoFit/>
+          </a:bodyPr>
+          <a:lstStyle/>
+          <a:p>
+            <a:r>
+              <a:rPr lang="en-ES" dirty="0"/>
+              <a:t>y</a:t>
+            </a:r>
+          </a:p>
+        </p:txBody>
+      </p:sp>
+      <p:cxnSp>
+        <p:nvCxnSpPr>
+          <p:cNvPr id="15" name="Straight Arrow Connector 14">
+            <a:extLst>
+              <a:ext uri="{FF2B5EF4-FFF2-40B4-BE49-F238E27FC236}">
+                <a16:creationId xmlns:a16="http://schemas.microsoft.com/office/drawing/2014/main" id="{8627424F-8F4C-A201-EACB-FCE6C4030898}"/>
+              </a:ext>
+            </a:extLst>
+          </p:cNvPr>
+          <p:cNvCxnSpPr>
+            <a:cxnSpLocks/>
+          </p:cNvCxnSpPr>
+          <p:nvPr/>
+        </p:nvCxnSpPr>
+        <p:spPr>
+          <a:xfrm flipH="1">
+            <a:off x="4354286" y="3344247"/>
+            <a:ext cx="707119" cy="707374"/>
+          </a:xfrm>
+          <a:prstGeom prst="straightConnector1">
+            <a:avLst/>
+          </a:prstGeom>
+          <a:ln w="38100">
+            <a:tailEnd type="triangle"/>
+          </a:ln>
+        </p:spPr>
+        <p:style>
+          <a:lnRef idx="2">
+            <a:schemeClr val="dk1"/>
+          </a:lnRef>
+          <a:fillRef idx="0">
+            <a:schemeClr val="dk1"/>
+          </a:fillRef>
+          <a:effectRef idx="1">
+            <a:schemeClr val="dk1"/>
+          </a:effectRef>
+          <a:fontRef idx="minor">
+            <a:schemeClr val="tx1"/>
+          </a:fontRef>
+        </p:style>
+      </p:cxnSp>
+      <p:sp>
+        <p:nvSpPr>
+          <p:cNvPr id="19" name="TextBox 18">
+            <a:extLst>
+              <a:ext uri="{FF2B5EF4-FFF2-40B4-BE49-F238E27FC236}">
+                <a16:creationId xmlns:a16="http://schemas.microsoft.com/office/drawing/2014/main" id="{A0D39FBD-965B-9C1A-533F-D79F4198EAE5}"/>
+              </a:ext>
+            </a:extLst>
+          </p:cNvPr>
+          <p:cNvSpPr txBox="1"/>
+          <p:nvPr/>
+        </p:nvSpPr>
+        <p:spPr>
+          <a:xfrm>
+            <a:off x="3900172" y="4189457"/>
+            <a:ext cx="651013" cy="369332"/>
+          </a:xfrm>
+          <a:prstGeom prst="rect">
+            <a:avLst/>
+          </a:prstGeom>
+          <a:noFill/>
+        </p:spPr>
+        <p:txBody>
+          <a:bodyPr wrap="square" rtlCol="0">
+            <a:spAutoFit/>
+          </a:bodyPr>
+          <a:lstStyle/>
+          <a:p>
+            <a:r>
+              <a:rPr lang="en-ES" dirty="0"/>
+              <a:t>x</a:t>
+            </a:r>
+          </a:p>
+        </p:txBody>
+      </p:sp>
+      <p:cxnSp>
+        <p:nvCxnSpPr>
+          <p:cNvPr id="21" name="Straight Arrow Connector 20">
+            <a:extLst>
+              <a:ext uri="{FF2B5EF4-FFF2-40B4-BE49-F238E27FC236}">
+                <a16:creationId xmlns:a16="http://schemas.microsoft.com/office/drawing/2014/main" id="{5A3C5C77-2329-88EF-F1C6-7137BB2673FD}"/>
+              </a:ext>
+            </a:extLst>
+          </p:cNvPr>
+          <p:cNvCxnSpPr>
+            <a:cxnSpLocks/>
+          </p:cNvCxnSpPr>
+          <p:nvPr/>
+        </p:nvCxnSpPr>
+        <p:spPr>
+          <a:xfrm flipH="1">
+            <a:off x="2856411" y="2806852"/>
+            <a:ext cx="1239374" cy="1244769"/>
+          </a:xfrm>
+          <a:prstGeom prst="straightConnector1">
+            <a:avLst/>
+          </a:prstGeom>
+          <a:ln>
+            <a:tailEnd type="triangle"/>
+          </a:ln>
+        </p:spPr>
+        <p:style>
+          <a:lnRef idx="2">
+            <a:schemeClr val="dk1"/>
+          </a:lnRef>
+          <a:fillRef idx="0">
+            <a:schemeClr val="dk1"/>
+          </a:fillRef>
+          <a:effectRef idx="1">
+            <a:schemeClr val="dk1"/>
+          </a:effectRef>
+          <a:fontRef idx="minor">
+            <a:schemeClr val="tx1"/>
+          </a:fontRef>
+        </p:style>
+      </p:cxnSp>
+      <p:cxnSp>
+        <p:nvCxnSpPr>
+          <p:cNvPr id="23" name="Straight Arrow Connector 22">
+            <a:extLst>
+              <a:ext uri="{FF2B5EF4-FFF2-40B4-BE49-F238E27FC236}">
+                <a16:creationId xmlns:a16="http://schemas.microsoft.com/office/drawing/2014/main" id="{51477112-40FC-9D80-456E-709936FDA53A}"/>
+              </a:ext>
+            </a:extLst>
+          </p:cNvPr>
+          <p:cNvCxnSpPr>
+            <a:cxnSpLocks/>
+          </p:cNvCxnSpPr>
+          <p:nvPr/>
+        </p:nvCxnSpPr>
+        <p:spPr>
+          <a:xfrm flipH="1">
+            <a:off x="3127274" y="2806614"/>
+            <a:ext cx="1239374" cy="1244769"/>
+          </a:xfrm>
+          <a:prstGeom prst="straightConnector1">
+            <a:avLst/>
+          </a:prstGeom>
+          <a:ln>
+            <a:tailEnd type="triangle"/>
+          </a:ln>
+        </p:spPr>
+        <p:style>
+          <a:lnRef idx="2">
+            <a:schemeClr val="dk1"/>
+          </a:lnRef>
+          <a:fillRef idx="0">
+            <a:schemeClr val="dk1"/>
+          </a:fillRef>
+          <a:effectRef idx="1">
+            <a:schemeClr val="dk1"/>
+          </a:effectRef>
+          <a:fontRef idx="minor">
+            <a:schemeClr val="tx1"/>
+          </a:fontRef>
+        </p:style>
+      </p:cxnSp>
+      <p:cxnSp>
+        <p:nvCxnSpPr>
+          <p:cNvPr id="24" name="Straight Arrow Connector 23">
+            <a:extLst>
+              <a:ext uri="{FF2B5EF4-FFF2-40B4-BE49-F238E27FC236}">
+                <a16:creationId xmlns:a16="http://schemas.microsoft.com/office/drawing/2014/main" id="{877E930A-4A79-254C-FAE7-4437A6BAA22F}"/>
+              </a:ext>
+            </a:extLst>
+          </p:cNvPr>
+          <p:cNvCxnSpPr>
+            <a:cxnSpLocks/>
+          </p:cNvCxnSpPr>
+          <p:nvPr/>
+        </p:nvCxnSpPr>
+        <p:spPr>
+          <a:xfrm flipH="1">
+            <a:off x="3398137" y="2806376"/>
+            <a:ext cx="1239374" cy="1244769"/>
+          </a:xfrm>
+          <a:prstGeom prst="straightConnector1">
+            <a:avLst/>
+          </a:prstGeom>
+          <a:ln>
+            <a:tailEnd type="triangle"/>
+          </a:ln>
+        </p:spPr>
+        <p:style>
+          <a:lnRef idx="2">
+            <a:schemeClr val="dk1"/>
+          </a:lnRef>
+          <a:fillRef idx="0">
+            <a:schemeClr val="dk1"/>
+          </a:fillRef>
+          <a:effectRef idx="1">
+            <a:schemeClr val="dk1"/>
+          </a:effectRef>
+          <a:fontRef idx="minor">
+            <a:schemeClr val="tx1"/>
+          </a:fontRef>
+        </p:style>
+      </p:cxnSp>
+      <p:cxnSp>
+        <p:nvCxnSpPr>
+          <p:cNvPr id="25" name="Straight Arrow Connector 24">
+            <a:extLst>
+              <a:ext uri="{FF2B5EF4-FFF2-40B4-BE49-F238E27FC236}">
+                <a16:creationId xmlns:a16="http://schemas.microsoft.com/office/drawing/2014/main" id="{C2838ED0-720B-4769-D055-017980421FD4}"/>
+              </a:ext>
+            </a:extLst>
+          </p:cNvPr>
+          <p:cNvCxnSpPr>
+            <a:cxnSpLocks/>
+          </p:cNvCxnSpPr>
+          <p:nvPr/>
+        </p:nvCxnSpPr>
+        <p:spPr>
+          <a:xfrm flipH="1">
+            <a:off x="3669000" y="2806138"/>
+            <a:ext cx="1239374" cy="1244769"/>
+          </a:xfrm>
+          <a:prstGeom prst="straightConnector1">
+            <a:avLst/>
+          </a:prstGeom>
+          <a:ln>
+            <a:tailEnd type="triangle"/>
+          </a:ln>
+        </p:spPr>
+        <p:style>
+          <a:lnRef idx="2">
+            <a:schemeClr val="dk1"/>
+          </a:lnRef>
+          <a:fillRef idx="0">
+            <a:schemeClr val="dk1"/>
+          </a:fillRef>
+          <a:effectRef idx="1">
+            <a:schemeClr val="dk1"/>
+          </a:effectRef>
+          <a:fontRef idx="minor">
+            <a:schemeClr val="tx1"/>
+          </a:fontRef>
+        </p:style>
+      </p:cxnSp>
+      <p:cxnSp>
+        <p:nvCxnSpPr>
+          <p:cNvPr id="26" name="Straight Arrow Connector 25">
+            <a:extLst>
+              <a:ext uri="{FF2B5EF4-FFF2-40B4-BE49-F238E27FC236}">
+                <a16:creationId xmlns:a16="http://schemas.microsoft.com/office/drawing/2014/main" id="{C40EC627-6088-60C4-5C5F-113826A1FD49}"/>
+              </a:ext>
+            </a:extLst>
+          </p:cNvPr>
+          <p:cNvCxnSpPr>
+            <a:cxnSpLocks/>
+          </p:cNvCxnSpPr>
+          <p:nvPr/>
+        </p:nvCxnSpPr>
+        <p:spPr>
+          <a:xfrm flipH="1">
+            <a:off x="3939863" y="2805900"/>
+            <a:ext cx="1239374" cy="1244769"/>
+          </a:xfrm>
+          <a:prstGeom prst="straightConnector1">
+            <a:avLst/>
+          </a:prstGeom>
+          <a:ln>
+            <a:tailEnd type="triangle"/>
+          </a:ln>
+        </p:spPr>
+        <p:style>
+          <a:lnRef idx="2">
+            <a:schemeClr val="dk1"/>
+          </a:lnRef>
+          <a:fillRef idx="0">
+            <a:schemeClr val="dk1"/>
+          </a:fillRef>
+          <a:effectRef idx="1">
+            <a:schemeClr val="dk1"/>
+          </a:effectRef>
+          <a:fontRef idx="minor">
+            <a:schemeClr val="tx1"/>
+          </a:fontRef>
+        </p:style>
+      </p:cxnSp>
+      <p:cxnSp>
+        <p:nvCxnSpPr>
+          <p:cNvPr id="27" name="Straight Arrow Connector 26">
+            <a:extLst>
+              <a:ext uri="{FF2B5EF4-FFF2-40B4-BE49-F238E27FC236}">
+                <a16:creationId xmlns:a16="http://schemas.microsoft.com/office/drawing/2014/main" id="{759C7006-8974-99DC-8F2C-6D4C84FC019E}"/>
+              </a:ext>
+            </a:extLst>
+          </p:cNvPr>
+          <p:cNvCxnSpPr>
+            <a:cxnSpLocks/>
+          </p:cNvCxnSpPr>
+          <p:nvPr/>
+        </p:nvCxnSpPr>
+        <p:spPr>
+          <a:xfrm flipH="1">
+            <a:off x="4210726" y="2805662"/>
+            <a:ext cx="1239374" cy="1244769"/>
+          </a:xfrm>
+          <a:prstGeom prst="straightConnector1">
+            <a:avLst/>
+          </a:prstGeom>
+          <a:ln>
+            <a:tailEnd type="triangle"/>
+          </a:ln>
+        </p:spPr>
+        <p:style>
+          <a:lnRef idx="2">
+            <a:schemeClr val="dk1"/>
+          </a:lnRef>
+          <a:fillRef idx="0">
+            <a:schemeClr val="dk1"/>
+          </a:fillRef>
+          <a:effectRef idx="1">
+            <a:schemeClr val="dk1"/>
+          </a:effectRef>
+          <a:fontRef idx="minor">
+            <a:schemeClr val="tx1"/>
+          </a:fontRef>
+        </p:style>
+      </p:cxnSp>
+      <p:cxnSp>
+        <p:nvCxnSpPr>
+          <p:cNvPr id="28" name="Straight Arrow Connector 27">
+            <a:extLst>
+              <a:ext uri="{FF2B5EF4-FFF2-40B4-BE49-F238E27FC236}">
+                <a16:creationId xmlns:a16="http://schemas.microsoft.com/office/drawing/2014/main" id="{469625A4-DE99-C7FD-C42B-252CF300FBE0}"/>
+              </a:ext>
+            </a:extLst>
+          </p:cNvPr>
+          <p:cNvCxnSpPr>
+            <a:cxnSpLocks/>
+          </p:cNvCxnSpPr>
+          <p:nvPr/>
+        </p:nvCxnSpPr>
+        <p:spPr>
+          <a:xfrm flipH="1">
+            <a:off x="4481589" y="2805424"/>
+            <a:ext cx="1239374" cy="1244769"/>
+          </a:xfrm>
+          <a:prstGeom prst="straightConnector1">
+            <a:avLst/>
+          </a:prstGeom>
+          <a:ln>
+            <a:tailEnd type="triangle"/>
+          </a:ln>
+        </p:spPr>
+        <p:style>
+          <a:lnRef idx="2">
+            <a:schemeClr val="dk1"/>
+          </a:lnRef>
+          <a:fillRef idx="0">
+            <a:schemeClr val="dk1"/>
+          </a:fillRef>
+          <a:effectRef idx="1">
+            <a:schemeClr val="dk1"/>
+          </a:effectRef>
+          <a:fontRef idx="minor">
+            <a:schemeClr val="tx1"/>
+          </a:fontRef>
+        </p:style>
+      </p:cxnSp>
+      <p:cxnSp>
+        <p:nvCxnSpPr>
+          <p:cNvPr id="29" name="Straight Arrow Connector 28">
+            <a:extLst>
+              <a:ext uri="{FF2B5EF4-FFF2-40B4-BE49-F238E27FC236}">
+                <a16:creationId xmlns:a16="http://schemas.microsoft.com/office/drawing/2014/main" id="{1CFB34C1-E39C-7AA8-0C30-BE184538CDFD}"/>
+              </a:ext>
+            </a:extLst>
+          </p:cNvPr>
+          <p:cNvCxnSpPr>
+            <a:cxnSpLocks/>
+          </p:cNvCxnSpPr>
+          <p:nvPr/>
+        </p:nvCxnSpPr>
+        <p:spPr>
+          <a:xfrm flipH="1">
+            <a:off x="4752452" y="2805186"/>
+            <a:ext cx="1239374" cy="1244769"/>
+          </a:xfrm>
+          <a:prstGeom prst="straightConnector1">
+            <a:avLst/>
+          </a:prstGeom>
+          <a:ln>
+            <a:tailEnd type="triangle"/>
+          </a:ln>
+        </p:spPr>
+        <p:style>
+          <a:lnRef idx="2">
+            <a:schemeClr val="dk1"/>
+          </a:lnRef>
+          <a:fillRef idx="0">
+            <a:schemeClr val="dk1"/>
+          </a:fillRef>
+          <a:effectRef idx="1">
+            <a:schemeClr val="dk1"/>
+          </a:effectRef>
+          <a:fontRef idx="minor">
+            <a:schemeClr val="tx1"/>
+          </a:fontRef>
+        </p:style>
+      </p:cxnSp>
+      <p:cxnSp>
+        <p:nvCxnSpPr>
+          <p:cNvPr id="30" name="Straight Arrow Connector 29">
+            <a:extLst>
+              <a:ext uri="{FF2B5EF4-FFF2-40B4-BE49-F238E27FC236}">
+                <a16:creationId xmlns:a16="http://schemas.microsoft.com/office/drawing/2014/main" id="{CCEA5E42-534E-17A0-C5D1-0F3E6CAA6D3E}"/>
+              </a:ext>
+            </a:extLst>
+          </p:cNvPr>
+          <p:cNvCxnSpPr>
+            <a:cxnSpLocks/>
+          </p:cNvCxnSpPr>
+          <p:nvPr/>
+        </p:nvCxnSpPr>
+        <p:spPr>
+          <a:xfrm flipH="1">
+            <a:off x="5023315" y="2804948"/>
+            <a:ext cx="1239374" cy="1244769"/>
+          </a:xfrm>
+          <a:prstGeom prst="straightConnector1">
+            <a:avLst/>
+          </a:prstGeom>
+          <a:ln>
+            <a:tailEnd type="triangle"/>
+          </a:ln>
+        </p:spPr>
+        <p:style>
+          <a:lnRef idx="2">
+            <a:schemeClr val="dk1"/>
+          </a:lnRef>
+          <a:fillRef idx="0">
+            <a:schemeClr val="dk1"/>
+          </a:fillRef>
+          <a:effectRef idx="1">
+            <a:schemeClr val="dk1"/>
+          </a:effectRef>
+          <a:fontRef idx="minor">
+            <a:schemeClr val="tx1"/>
+          </a:fontRef>
+        </p:style>
+      </p:cxnSp>
+      <p:cxnSp>
+        <p:nvCxnSpPr>
+          <p:cNvPr id="31" name="Straight Arrow Connector 30">
+            <a:extLst>
+              <a:ext uri="{FF2B5EF4-FFF2-40B4-BE49-F238E27FC236}">
+                <a16:creationId xmlns:a16="http://schemas.microsoft.com/office/drawing/2014/main" id="{F48954A4-BBC4-A5EB-5B66-DD4795744F99}"/>
+              </a:ext>
+            </a:extLst>
+          </p:cNvPr>
+          <p:cNvCxnSpPr>
+            <a:cxnSpLocks/>
+          </p:cNvCxnSpPr>
+          <p:nvPr/>
+        </p:nvCxnSpPr>
+        <p:spPr>
+          <a:xfrm flipH="1">
+            <a:off x="5294178" y="2804710"/>
+            <a:ext cx="1239374" cy="1244769"/>
+          </a:xfrm>
+          <a:prstGeom prst="straightConnector1">
+            <a:avLst/>
+          </a:prstGeom>
+          <a:ln>
+            <a:tailEnd type="triangle"/>
+          </a:ln>
+        </p:spPr>
+        <p:style>
+          <a:lnRef idx="2">
+            <a:schemeClr val="dk1"/>
+          </a:lnRef>
+          <a:fillRef idx="0">
+            <a:schemeClr val="dk1"/>
+          </a:fillRef>
+          <a:effectRef idx="1">
+            <a:schemeClr val="dk1"/>
+          </a:effectRef>
+          <a:fontRef idx="minor">
+            <a:schemeClr val="tx1"/>
+          </a:fontRef>
+        </p:style>
+      </p:cxnSp>
+      <p:cxnSp>
+        <p:nvCxnSpPr>
+          <p:cNvPr id="32" name="Straight Arrow Connector 31">
+            <a:extLst>
+              <a:ext uri="{FF2B5EF4-FFF2-40B4-BE49-F238E27FC236}">
+                <a16:creationId xmlns:a16="http://schemas.microsoft.com/office/drawing/2014/main" id="{0C31D26D-ECDD-A23E-F6AC-DDF3CAA5B4D4}"/>
+              </a:ext>
+            </a:extLst>
+          </p:cNvPr>
+          <p:cNvCxnSpPr>
+            <a:cxnSpLocks/>
+          </p:cNvCxnSpPr>
+          <p:nvPr/>
+        </p:nvCxnSpPr>
+        <p:spPr>
+          <a:xfrm flipH="1">
+            <a:off x="5565041" y="2804472"/>
+            <a:ext cx="1239374" cy="1244769"/>
+          </a:xfrm>
+          <a:prstGeom prst="straightConnector1">
+            <a:avLst/>
+          </a:prstGeom>
+          <a:ln>
+            <a:tailEnd type="triangle"/>
+          </a:ln>
+        </p:spPr>
+        <p:style>
+          <a:lnRef idx="2">
+            <a:schemeClr val="dk1"/>
+          </a:lnRef>
+          <a:fillRef idx="0">
+            <a:schemeClr val="dk1"/>
+          </a:fillRef>
+          <a:effectRef idx="1">
+            <a:schemeClr val="dk1"/>
+          </a:effectRef>
+          <a:fontRef idx="minor">
+            <a:schemeClr val="tx1"/>
+          </a:fontRef>
+        </p:style>
+      </p:cxnSp>
+      <p:cxnSp>
+        <p:nvCxnSpPr>
+          <p:cNvPr id="33" name="Straight Arrow Connector 32">
+            <a:extLst>
+              <a:ext uri="{FF2B5EF4-FFF2-40B4-BE49-F238E27FC236}">
+                <a16:creationId xmlns:a16="http://schemas.microsoft.com/office/drawing/2014/main" id="{2F3322C0-4AA8-2185-E46D-0DD3C9518897}"/>
+              </a:ext>
+            </a:extLst>
+          </p:cNvPr>
+          <p:cNvCxnSpPr>
+            <a:cxnSpLocks/>
+          </p:cNvCxnSpPr>
+          <p:nvPr/>
+        </p:nvCxnSpPr>
+        <p:spPr>
+          <a:xfrm flipH="1">
+            <a:off x="5835904" y="2804234"/>
+            <a:ext cx="1239374" cy="1244769"/>
+          </a:xfrm>
+          <a:prstGeom prst="straightConnector1">
+            <a:avLst/>
+          </a:prstGeom>
+          <a:ln>
+            <a:tailEnd type="triangle"/>
+          </a:ln>
+        </p:spPr>
+        <p:style>
+          <a:lnRef idx="2">
+            <a:schemeClr val="dk1"/>
+          </a:lnRef>
+          <a:fillRef idx="0">
+            <a:schemeClr val="dk1"/>
+          </a:fillRef>
+          <a:effectRef idx="1">
+            <a:schemeClr val="dk1"/>
+          </a:effectRef>
+          <a:fontRef idx="minor">
+            <a:schemeClr val="tx1"/>
+          </a:fontRef>
+        </p:style>
+      </p:cxnSp>
+      <p:cxnSp>
+        <p:nvCxnSpPr>
+          <p:cNvPr id="34" name="Straight Arrow Connector 33">
+            <a:extLst>
+              <a:ext uri="{FF2B5EF4-FFF2-40B4-BE49-F238E27FC236}">
+                <a16:creationId xmlns:a16="http://schemas.microsoft.com/office/drawing/2014/main" id="{706012EF-4EE9-813A-F8EF-D00A10E4C0DE}"/>
+              </a:ext>
+            </a:extLst>
+          </p:cNvPr>
+          <p:cNvCxnSpPr>
+            <a:cxnSpLocks/>
+          </p:cNvCxnSpPr>
+          <p:nvPr/>
+        </p:nvCxnSpPr>
+        <p:spPr>
+          <a:xfrm flipH="1">
+            <a:off x="6106767" y="2803996"/>
+            <a:ext cx="1239374" cy="1244769"/>
+          </a:xfrm>
+          <a:prstGeom prst="straightConnector1">
+            <a:avLst/>
+          </a:prstGeom>
+          <a:ln>
+            <a:tailEnd type="triangle"/>
+          </a:ln>
+        </p:spPr>
+        <p:style>
+          <a:lnRef idx="2">
+            <a:schemeClr val="dk1"/>
+          </a:lnRef>
+          <a:fillRef idx="0">
+            <a:schemeClr val="dk1"/>
+          </a:fillRef>
+          <a:effectRef idx="1">
+            <a:schemeClr val="dk1"/>
+          </a:effectRef>
+          <a:fontRef idx="minor">
+            <a:schemeClr val="tx1"/>
+          </a:fontRef>
+        </p:style>
+      </p:cxnSp>
+      <p:sp>
+        <p:nvSpPr>
+          <p:cNvPr id="35" name="TextBox 34">
+            <a:extLst>
+              <a:ext uri="{FF2B5EF4-FFF2-40B4-BE49-F238E27FC236}">
+                <a16:creationId xmlns:a16="http://schemas.microsoft.com/office/drawing/2014/main" id="{321E2049-BF0E-79B6-8C11-2DFCC02AE909}"/>
+              </a:ext>
+            </a:extLst>
+          </p:cNvPr>
+          <p:cNvSpPr txBox="1"/>
+          <p:nvPr/>
+        </p:nvSpPr>
+        <p:spPr>
+          <a:xfrm>
+            <a:off x="3282530" y="2173013"/>
+            <a:ext cx="651013" cy="369332"/>
+          </a:xfrm>
+          <a:prstGeom prst="rect">
+            <a:avLst/>
+          </a:prstGeom>
+          <a:noFill/>
+        </p:spPr>
+        <p:txBody>
+          <a:bodyPr wrap="square" rtlCol="0">
+            <a:spAutoFit/>
+          </a:bodyPr>
+          <a:lstStyle/>
+          <a:p>
+            <a:r>
+              <a:rPr lang="en-ES" dirty="0"/>
+              <a:t>j</a:t>
+            </a:r>
+          </a:p>
+        </p:txBody>
+      </p:sp>
+      <p:cxnSp>
+        <p:nvCxnSpPr>
+          <p:cNvPr id="37" name="Straight Arrow Connector 36">
+            <a:extLst>
+              <a:ext uri="{FF2B5EF4-FFF2-40B4-BE49-F238E27FC236}">
+                <a16:creationId xmlns:a16="http://schemas.microsoft.com/office/drawing/2014/main" id="{A44F2E76-C9C5-37D7-7C78-5596324C6880}"/>
+              </a:ext>
+            </a:extLst>
+          </p:cNvPr>
+          <p:cNvCxnSpPr/>
+          <p:nvPr/>
+        </p:nvCxnSpPr>
+        <p:spPr>
+          <a:xfrm>
+            <a:off x="3476098" y="2452089"/>
+            <a:ext cx="619687" cy="604620"/>
+          </a:xfrm>
+          <a:prstGeom prst="straightConnector1">
+            <a:avLst/>
+          </a:prstGeom>
+          <a:ln w="38100">
+            <a:tailEnd type="triangle"/>
+          </a:ln>
+        </p:spPr>
+        <p:style>
+          <a:lnRef idx="2">
+            <a:schemeClr val="dk1"/>
+          </a:lnRef>
+          <a:fillRef idx="0">
+            <a:schemeClr val="dk1"/>
+          </a:fillRef>
+          <a:effectRef idx="1">
+            <a:schemeClr val="dk1"/>
+          </a:effectRef>
+          <a:fontRef idx="minor">
+            <a:schemeClr val="tx1"/>
+          </a:fontRef>
+        </p:style>
+      </p:cxnSp>
+    </p:spTree>
+    <p:extLst>
+      <p:ext uri="{BB962C8B-B14F-4D97-AF65-F5344CB8AC3E}">
+        <p14:creationId xmlns:p14="http://schemas.microsoft.com/office/powerpoint/2010/main" val="2257919006"/>
+      </p:ext>
+    </p:extLst>
+  </p:cSld>
+  <p:clrMapOvr>
+    <a:masterClrMapping/>
+  </p:clrMapOvr>
+</p:sld>
+</file>
+
+<file path=ppt/slides/slide13.xml><?xml version="1.0" encoding="utf-8"?>
+<p:sld xmlns:a="http://schemas.openxmlformats.org/drawingml/2006/main" xmlns:r="http://schemas.openxmlformats.org/officeDocument/2006/relationships" xmlns:p="http://schemas.openxmlformats.org/presentationml/2006/main">
+  <p:cSld>
+    <p:spTree>
+      <p:nvGrpSpPr>
+        <p:cNvPr id="1" name="">
+          <a:extLst>
+            <a:ext uri="{FF2B5EF4-FFF2-40B4-BE49-F238E27FC236}">
+              <a16:creationId xmlns:a16="http://schemas.microsoft.com/office/drawing/2014/main" id="{D2E30E55-3AFE-34F4-DDD9-FD620C193220}"/>
+            </a:ext>
+          </a:extLst>
+        </p:cNvPr>
+        <p:cNvGrpSpPr/>
+        <p:nvPr/>
+      </p:nvGrpSpPr>
+      <p:grpSpPr>
+        <a:xfrm>
+          <a:off x="0" y="0"/>
+          <a:ext cx="0" cy="0"/>
+          <a:chOff x="0" y="0"/>
+          <a:chExt cx="0" cy="0"/>
+        </a:xfrm>
+      </p:grpSpPr>
+      <p:sp>
+        <p:nvSpPr>
+          <p:cNvPr id="2" name="Parallelogram 1">
+            <a:extLst>
+              <a:ext uri="{FF2B5EF4-FFF2-40B4-BE49-F238E27FC236}">
+                <a16:creationId xmlns:a16="http://schemas.microsoft.com/office/drawing/2014/main" id="{53482CE5-5E4D-834C-AFB1-706E84DCCA7B}"/>
+              </a:ext>
+            </a:extLst>
+          </p:cNvPr>
+          <p:cNvSpPr/>
+          <p:nvPr/>
+        </p:nvSpPr>
+        <p:spPr>
+          <a:xfrm>
+            <a:off x="2388068" y="2636874"/>
+            <a:ext cx="5401339" cy="1584251"/>
+          </a:xfrm>
+          <a:prstGeom prst="parallelogram">
+            <a:avLst>
+              <a:gd name="adj" fmla="val 98826"/>
+            </a:avLst>
+          </a:prstGeom>
+          <a:gradFill flip="none" rotWithShape="1">
+            <a:gsLst>
+              <a:gs pos="0">
+                <a:schemeClr val="accent1">
+                  <a:tint val="66000"/>
+                  <a:satMod val="160000"/>
+                </a:schemeClr>
+              </a:gs>
+              <a:gs pos="50000">
+                <a:schemeClr val="accent1">
+                  <a:tint val="44500"/>
+                  <a:satMod val="160000"/>
+                </a:schemeClr>
+              </a:gs>
+              <a:gs pos="100000">
+                <a:schemeClr val="accent1">
+                  <a:tint val="23500"/>
+                  <a:satMod val="160000"/>
+                </a:schemeClr>
+              </a:gs>
+            </a:gsLst>
+            <a:lin ang="18900000" scaled="1"/>
+            <a:tileRect/>
+          </a:gradFill>
+        </p:spPr>
+        <p:style>
+          <a:lnRef idx="2">
+            <a:schemeClr val="accent1">
+              <a:shade val="15000"/>
+            </a:schemeClr>
+          </a:lnRef>
+          <a:fillRef idx="1">
+            <a:schemeClr val="accent1"/>
+          </a:fillRef>
+          <a:effectRef idx="0">
+            <a:schemeClr val="accent1"/>
+          </a:effectRef>
+          <a:fontRef idx="minor">
+            <a:schemeClr val="lt1"/>
+          </a:fontRef>
+        </p:style>
+        <p:txBody>
+          <a:bodyPr rtlCol="0" anchor="ctr"/>
+          <a:lstStyle/>
+          <a:p>
+            <a:pPr algn="ctr"/>
+            <a:endParaRPr lang="en-ES"/>
+          </a:p>
+        </p:txBody>
+      </p:sp>
+      <p:cxnSp>
+        <p:nvCxnSpPr>
+          <p:cNvPr id="11" name="Straight Arrow Connector 10">
+            <a:extLst>
+              <a:ext uri="{FF2B5EF4-FFF2-40B4-BE49-F238E27FC236}">
+                <a16:creationId xmlns:a16="http://schemas.microsoft.com/office/drawing/2014/main" id="{6FACF741-59A0-E4E5-12A1-F5D130DC9114}"/>
+              </a:ext>
+            </a:extLst>
+          </p:cNvPr>
+          <p:cNvCxnSpPr>
+            <a:cxnSpLocks/>
+          </p:cNvCxnSpPr>
+          <p:nvPr/>
+        </p:nvCxnSpPr>
+        <p:spPr>
+          <a:xfrm>
+            <a:off x="5041527" y="3344247"/>
+            <a:ext cx="1848679" cy="0"/>
+          </a:xfrm>
+          <a:prstGeom prst="straightConnector1">
+            <a:avLst/>
+          </a:prstGeom>
+          <a:ln w="38100">
+            <a:tailEnd type="triangle"/>
+          </a:ln>
+        </p:spPr>
+        <p:style>
+          <a:lnRef idx="2">
+            <a:schemeClr val="dk1"/>
+          </a:lnRef>
+          <a:fillRef idx="0">
+            <a:schemeClr val="dk1"/>
+          </a:fillRef>
+          <a:effectRef idx="1">
+            <a:schemeClr val="dk1"/>
+          </a:effectRef>
+          <a:fontRef idx="minor">
+            <a:schemeClr val="tx1"/>
+          </a:fontRef>
+        </p:style>
+      </p:cxnSp>
+      <p:cxnSp>
+        <p:nvCxnSpPr>
+          <p:cNvPr id="12" name="Straight Arrow Connector 11">
+            <a:extLst>
+              <a:ext uri="{FF2B5EF4-FFF2-40B4-BE49-F238E27FC236}">
+                <a16:creationId xmlns:a16="http://schemas.microsoft.com/office/drawing/2014/main" id="{154FE878-BEA8-E688-556F-6E8666137681}"/>
+              </a:ext>
+            </a:extLst>
+          </p:cNvPr>
+          <p:cNvCxnSpPr>
+            <a:cxnSpLocks/>
+          </p:cNvCxnSpPr>
+          <p:nvPr/>
+        </p:nvCxnSpPr>
+        <p:spPr>
+          <a:xfrm flipV="1">
+            <a:off x="5061405" y="1276908"/>
+            <a:ext cx="0" cy="2087217"/>
+          </a:xfrm>
+          <a:prstGeom prst="straightConnector1">
+            <a:avLst/>
+          </a:prstGeom>
+          <a:ln w="38100">
+            <a:tailEnd type="triangle"/>
+          </a:ln>
+        </p:spPr>
+        <p:style>
+          <a:lnRef idx="2">
+            <a:schemeClr val="dk1"/>
+          </a:lnRef>
+          <a:fillRef idx="0">
+            <a:schemeClr val="dk1"/>
+          </a:fillRef>
+          <a:effectRef idx="1">
+            <a:schemeClr val="dk1"/>
+          </a:effectRef>
+          <a:fontRef idx="minor">
+            <a:schemeClr val="tx1"/>
+          </a:fontRef>
+        </p:style>
+      </p:cxnSp>
+      <p:sp>
+        <p:nvSpPr>
+          <p:cNvPr id="13" name="TextBox 12">
+            <a:extLst>
+              <a:ext uri="{FF2B5EF4-FFF2-40B4-BE49-F238E27FC236}">
+                <a16:creationId xmlns:a16="http://schemas.microsoft.com/office/drawing/2014/main" id="{2A23F511-DA7A-A6EA-E363-E278CA8B1FC6}"/>
+              </a:ext>
+            </a:extLst>
+          </p:cNvPr>
+          <p:cNvSpPr txBox="1"/>
+          <p:nvPr/>
+        </p:nvSpPr>
+        <p:spPr>
+          <a:xfrm>
+            <a:off x="4763232" y="1008551"/>
+            <a:ext cx="651013" cy="369332"/>
+          </a:xfrm>
+          <a:prstGeom prst="rect">
+            <a:avLst/>
+          </a:prstGeom>
+          <a:noFill/>
+        </p:spPr>
+        <p:txBody>
+          <a:bodyPr wrap="square" rtlCol="0">
+            <a:spAutoFit/>
+          </a:bodyPr>
+          <a:lstStyle/>
+          <a:p>
+            <a:r>
+              <a:rPr lang="en-ES" dirty="0"/>
+              <a:t>z</a:t>
+            </a:r>
+          </a:p>
+        </p:txBody>
+      </p:sp>
+      <p:sp>
+        <p:nvSpPr>
+          <p:cNvPr id="14" name="TextBox 13">
+            <a:extLst>
+              <a:ext uri="{FF2B5EF4-FFF2-40B4-BE49-F238E27FC236}">
+                <a16:creationId xmlns:a16="http://schemas.microsoft.com/office/drawing/2014/main" id="{AFBF1B3F-FB14-C477-E4FE-3D08C7BC98CA}"/>
+              </a:ext>
+            </a:extLst>
+          </p:cNvPr>
+          <p:cNvSpPr txBox="1"/>
+          <p:nvPr/>
+        </p:nvSpPr>
+        <p:spPr>
+          <a:xfrm>
+            <a:off x="7030903" y="3344247"/>
+            <a:ext cx="651013" cy="369332"/>
+          </a:xfrm>
+          <a:prstGeom prst="rect">
+            <a:avLst/>
+          </a:prstGeom>
+          <a:noFill/>
+        </p:spPr>
+        <p:txBody>
+          <a:bodyPr wrap="square" rtlCol="0">
+            <a:spAutoFit/>
+          </a:bodyPr>
+          <a:lstStyle/>
+          <a:p>
+            <a:r>
+              <a:rPr lang="en-ES" dirty="0"/>
+              <a:t>y</a:t>
+            </a:r>
+          </a:p>
+        </p:txBody>
+      </p:sp>
+      <p:cxnSp>
+        <p:nvCxnSpPr>
+          <p:cNvPr id="15" name="Straight Arrow Connector 14">
+            <a:extLst>
+              <a:ext uri="{FF2B5EF4-FFF2-40B4-BE49-F238E27FC236}">
+                <a16:creationId xmlns:a16="http://schemas.microsoft.com/office/drawing/2014/main" id="{78233850-78D7-45C5-29E5-162CF05CBA7E}"/>
+              </a:ext>
+            </a:extLst>
+          </p:cNvPr>
+          <p:cNvCxnSpPr>
+            <a:cxnSpLocks/>
+          </p:cNvCxnSpPr>
+          <p:nvPr/>
+        </p:nvCxnSpPr>
+        <p:spPr>
+          <a:xfrm flipH="1">
+            <a:off x="4354286" y="3344247"/>
+            <a:ext cx="707119" cy="707374"/>
+          </a:xfrm>
+          <a:prstGeom prst="straightConnector1">
+            <a:avLst/>
+          </a:prstGeom>
+          <a:ln w="38100">
+            <a:tailEnd type="triangle"/>
+          </a:ln>
+        </p:spPr>
+        <p:style>
+          <a:lnRef idx="2">
+            <a:schemeClr val="dk1"/>
+          </a:lnRef>
+          <a:fillRef idx="0">
+            <a:schemeClr val="dk1"/>
+          </a:fillRef>
+          <a:effectRef idx="1">
+            <a:schemeClr val="dk1"/>
+          </a:effectRef>
+          <a:fontRef idx="minor">
+            <a:schemeClr val="tx1"/>
+          </a:fontRef>
+        </p:style>
+      </p:cxnSp>
+      <p:sp>
+        <p:nvSpPr>
+          <p:cNvPr id="19" name="TextBox 18">
+            <a:extLst>
+              <a:ext uri="{FF2B5EF4-FFF2-40B4-BE49-F238E27FC236}">
+                <a16:creationId xmlns:a16="http://schemas.microsoft.com/office/drawing/2014/main" id="{7289CA0D-A3D0-D276-010D-F47CCD72FE73}"/>
+              </a:ext>
+            </a:extLst>
+          </p:cNvPr>
+          <p:cNvSpPr txBox="1"/>
+          <p:nvPr/>
+        </p:nvSpPr>
+        <p:spPr>
+          <a:xfrm>
+            <a:off x="3900172" y="4189457"/>
+            <a:ext cx="651013" cy="369332"/>
+          </a:xfrm>
+          <a:prstGeom prst="rect">
+            <a:avLst/>
+          </a:prstGeom>
+          <a:noFill/>
+        </p:spPr>
+        <p:txBody>
+          <a:bodyPr wrap="square" rtlCol="0">
+            <a:spAutoFit/>
+          </a:bodyPr>
+          <a:lstStyle/>
+          <a:p>
+            <a:r>
+              <a:rPr lang="en-ES" dirty="0"/>
+              <a:t>x</a:t>
+            </a:r>
+          </a:p>
+        </p:txBody>
+      </p:sp>
+      <p:cxnSp>
+        <p:nvCxnSpPr>
+          <p:cNvPr id="21" name="Straight Arrow Connector 20">
+            <a:extLst>
+              <a:ext uri="{FF2B5EF4-FFF2-40B4-BE49-F238E27FC236}">
+                <a16:creationId xmlns:a16="http://schemas.microsoft.com/office/drawing/2014/main" id="{F9EBA2E2-156A-3562-6C8D-5DD50FD1E1B9}"/>
+              </a:ext>
+            </a:extLst>
+          </p:cNvPr>
+          <p:cNvCxnSpPr>
+            <a:cxnSpLocks/>
+          </p:cNvCxnSpPr>
+          <p:nvPr/>
+        </p:nvCxnSpPr>
+        <p:spPr>
+          <a:xfrm flipH="1">
+            <a:off x="2856411" y="2806852"/>
+            <a:ext cx="1239374" cy="1244769"/>
+          </a:xfrm>
+          <a:prstGeom prst="straightConnector1">
+            <a:avLst/>
+          </a:prstGeom>
+          <a:ln>
+            <a:tailEnd type="triangle"/>
+          </a:ln>
+        </p:spPr>
+        <p:style>
+          <a:lnRef idx="2">
+            <a:schemeClr val="dk1"/>
+          </a:lnRef>
+          <a:fillRef idx="0">
+            <a:schemeClr val="dk1"/>
+          </a:fillRef>
+          <a:effectRef idx="1">
+            <a:schemeClr val="dk1"/>
+          </a:effectRef>
+          <a:fontRef idx="minor">
+            <a:schemeClr val="tx1"/>
+          </a:fontRef>
+        </p:style>
+      </p:cxnSp>
+      <p:cxnSp>
+        <p:nvCxnSpPr>
+          <p:cNvPr id="23" name="Straight Arrow Connector 22">
+            <a:extLst>
+              <a:ext uri="{FF2B5EF4-FFF2-40B4-BE49-F238E27FC236}">
+                <a16:creationId xmlns:a16="http://schemas.microsoft.com/office/drawing/2014/main" id="{4531A9AA-FC20-0EF3-81D0-475CAF5420BA}"/>
+              </a:ext>
+            </a:extLst>
+          </p:cNvPr>
+          <p:cNvCxnSpPr>
+            <a:cxnSpLocks/>
+          </p:cNvCxnSpPr>
+          <p:nvPr/>
+        </p:nvCxnSpPr>
+        <p:spPr>
+          <a:xfrm flipH="1">
+            <a:off x="3127274" y="2806614"/>
+            <a:ext cx="1239374" cy="1244769"/>
+          </a:xfrm>
+          <a:prstGeom prst="straightConnector1">
+            <a:avLst/>
+          </a:prstGeom>
+          <a:ln>
+            <a:tailEnd type="triangle"/>
+          </a:ln>
+        </p:spPr>
+        <p:style>
+          <a:lnRef idx="2">
+            <a:schemeClr val="dk1"/>
+          </a:lnRef>
+          <a:fillRef idx="0">
+            <a:schemeClr val="dk1"/>
+          </a:fillRef>
+          <a:effectRef idx="1">
+            <a:schemeClr val="dk1"/>
+          </a:effectRef>
+          <a:fontRef idx="minor">
+            <a:schemeClr val="tx1"/>
+          </a:fontRef>
+        </p:style>
+      </p:cxnSp>
+      <p:cxnSp>
+        <p:nvCxnSpPr>
+          <p:cNvPr id="24" name="Straight Arrow Connector 23">
+            <a:extLst>
+              <a:ext uri="{FF2B5EF4-FFF2-40B4-BE49-F238E27FC236}">
+                <a16:creationId xmlns:a16="http://schemas.microsoft.com/office/drawing/2014/main" id="{0EBA4055-FA8A-5EBE-F3F9-F2C3508DF2C5}"/>
+              </a:ext>
+            </a:extLst>
+          </p:cNvPr>
+          <p:cNvCxnSpPr>
+            <a:cxnSpLocks/>
+          </p:cNvCxnSpPr>
+          <p:nvPr/>
+        </p:nvCxnSpPr>
+        <p:spPr>
+          <a:xfrm flipH="1">
+            <a:off x="3398137" y="2806376"/>
+            <a:ext cx="1239374" cy="1244769"/>
+          </a:xfrm>
+          <a:prstGeom prst="straightConnector1">
+            <a:avLst/>
+          </a:prstGeom>
+          <a:ln>
+            <a:tailEnd type="triangle"/>
+          </a:ln>
+        </p:spPr>
+        <p:style>
+          <a:lnRef idx="2">
+            <a:schemeClr val="dk1"/>
+          </a:lnRef>
+          <a:fillRef idx="0">
+            <a:schemeClr val="dk1"/>
+          </a:fillRef>
+          <a:effectRef idx="1">
+            <a:schemeClr val="dk1"/>
+          </a:effectRef>
+          <a:fontRef idx="minor">
+            <a:schemeClr val="tx1"/>
+          </a:fontRef>
+        </p:style>
+      </p:cxnSp>
+      <p:cxnSp>
+        <p:nvCxnSpPr>
+          <p:cNvPr id="25" name="Straight Arrow Connector 24">
+            <a:extLst>
+              <a:ext uri="{FF2B5EF4-FFF2-40B4-BE49-F238E27FC236}">
+                <a16:creationId xmlns:a16="http://schemas.microsoft.com/office/drawing/2014/main" id="{92059C90-F51C-98DA-92F2-5D6F5B9266B0}"/>
+              </a:ext>
+            </a:extLst>
+          </p:cNvPr>
+          <p:cNvCxnSpPr>
+            <a:cxnSpLocks/>
+          </p:cNvCxnSpPr>
+          <p:nvPr/>
+        </p:nvCxnSpPr>
+        <p:spPr>
+          <a:xfrm flipH="1">
+            <a:off x="3669000" y="2806138"/>
+            <a:ext cx="1239374" cy="1244769"/>
+          </a:xfrm>
+          <a:prstGeom prst="straightConnector1">
+            <a:avLst/>
+          </a:prstGeom>
+          <a:ln>
+            <a:tailEnd type="triangle"/>
+          </a:ln>
+        </p:spPr>
+        <p:style>
+          <a:lnRef idx="2">
+            <a:schemeClr val="dk1"/>
+          </a:lnRef>
+          <a:fillRef idx="0">
+            <a:schemeClr val="dk1"/>
+          </a:fillRef>
+          <a:effectRef idx="1">
+            <a:schemeClr val="dk1"/>
+          </a:effectRef>
+          <a:fontRef idx="minor">
+            <a:schemeClr val="tx1"/>
+          </a:fontRef>
+        </p:style>
+      </p:cxnSp>
+      <p:cxnSp>
+        <p:nvCxnSpPr>
+          <p:cNvPr id="26" name="Straight Arrow Connector 25">
+            <a:extLst>
+              <a:ext uri="{FF2B5EF4-FFF2-40B4-BE49-F238E27FC236}">
+                <a16:creationId xmlns:a16="http://schemas.microsoft.com/office/drawing/2014/main" id="{B69FAD09-200A-62CB-53A2-467071AFAC1F}"/>
+              </a:ext>
+            </a:extLst>
+          </p:cNvPr>
+          <p:cNvCxnSpPr>
+            <a:cxnSpLocks/>
+          </p:cNvCxnSpPr>
+          <p:nvPr/>
+        </p:nvCxnSpPr>
+        <p:spPr>
+          <a:xfrm flipH="1">
+            <a:off x="3939863" y="2805900"/>
+            <a:ext cx="1239374" cy="1244769"/>
+          </a:xfrm>
+          <a:prstGeom prst="straightConnector1">
+            <a:avLst/>
+          </a:prstGeom>
+          <a:ln>
+            <a:tailEnd type="triangle"/>
+          </a:ln>
+        </p:spPr>
+        <p:style>
+          <a:lnRef idx="2">
+            <a:schemeClr val="dk1"/>
+          </a:lnRef>
+          <a:fillRef idx="0">
+            <a:schemeClr val="dk1"/>
+          </a:fillRef>
+          <a:effectRef idx="1">
+            <a:schemeClr val="dk1"/>
+          </a:effectRef>
+          <a:fontRef idx="minor">
+            <a:schemeClr val="tx1"/>
+          </a:fontRef>
+        </p:style>
+      </p:cxnSp>
+      <p:cxnSp>
+        <p:nvCxnSpPr>
+          <p:cNvPr id="27" name="Straight Arrow Connector 26">
+            <a:extLst>
+              <a:ext uri="{FF2B5EF4-FFF2-40B4-BE49-F238E27FC236}">
+                <a16:creationId xmlns:a16="http://schemas.microsoft.com/office/drawing/2014/main" id="{7C402E0C-525B-B17E-D5BD-8A2690C4F782}"/>
+              </a:ext>
+            </a:extLst>
+          </p:cNvPr>
+          <p:cNvCxnSpPr>
+            <a:cxnSpLocks/>
+          </p:cNvCxnSpPr>
+          <p:nvPr/>
+        </p:nvCxnSpPr>
+        <p:spPr>
+          <a:xfrm flipH="1">
+            <a:off x="4210726" y="2805662"/>
+            <a:ext cx="1239374" cy="1244769"/>
+          </a:xfrm>
+          <a:prstGeom prst="straightConnector1">
+            <a:avLst/>
+          </a:prstGeom>
+          <a:ln>
+            <a:tailEnd type="triangle"/>
+          </a:ln>
+        </p:spPr>
+        <p:style>
+          <a:lnRef idx="2">
+            <a:schemeClr val="dk1"/>
+          </a:lnRef>
+          <a:fillRef idx="0">
+            <a:schemeClr val="dk1"/>
+          </a:fillRef>
+          <a:effectRef idx="1">
+            <a:schemeClr val="dk1"/>
+          </a:effectRef>
+          <a:fontRef idx="minor">
+            <a:schemeClr val="tx1"/>
+          </a:fontRef>
+        </p:style>
+      </p:cxnSp>
+      <p:cxnSp>
+        <p:nvCxnSpPr>
+          <p:cNvPr id="28" name="Straight Arrow Connector 27">
+            <a:extLst>
+              <a:ext uri="{FF2B5EF4-FFF2-40B4-BE49-F238E27FC236}">
+                <a16:creationId xmlns:a16="http://schemas.microsoft.com/office/drawing/2014/main" id="{5F712CDB-5664-2C4E-E28D-8F43BB96585E}"/>
+              </a:ext>
+            </a:extLst>
+          </p:cNvPr>
+          <p:cNvCxnSpPr>
+            <a:cxnSpLocks/>
+          </p:cNvCxnSpPr>
+          <p:nvPr/>
+        </p:nvCxnSpPr>
+        <p:spPr>
+          <a:xfrm flipH="1">
+            <a:off x="4481589" y="2805424"/>
+            <a:ext cx="1239374" cy="1244769"/>
+          </a:xfrm>
+          <a:prstGeom prst="straightConnector1">
+            <a:avLst/>
+          </a:prstGeom>
+          <a:ln>
+            <a:tailEnd type="triangle"/>
+          </a:ln>
+        </p:spPr>
+        <p:style>
+          <a:lnRef idx="2">
+            <a:schemeClr val="dk1"/>
+          </a:lnRef>
+          <a:fillRef idx="0">
+            <a:schemeClr val="dk1"/>
+          </a:fillRef>
+          <a:effectRef idx="1">
+            <a:schemeClr val="dk1"/>
+          </a:effectRef>
+          <a:fontRef idx="minor">
+            <a:schemeClr val="tx1"/>
+          </a:fontRef>
+        </p:style>
+      </p:cxnSp>
+      <p:cxnSp>
+        <p:nvCxnSpPr>
+          <p:cNvPr id="29" name="Straight Arrow Connector 28">
+            <a:extLst>
+              <a:ext uri="{FF2B5EF4-FFF2-40B4-BE49-F238E27FC236}">
+                <a16:creationId xmlns:a16="http://schemas.microsoft.com/office/drawing/2014/main" id="{86382312-7163-69C5-73E0-8E46D9069E1B}"/>
+              </a:ext>
+            </a:extLst>
+          </p:cNvPr>
+          <p:cNvCxnSpPr>
+            <a:cxnSpLocks/>
+          </p:cNvCxnSpPr>
+          <p:nvPr/>
+        </p:nvCxnSpPr>
+        <p:spPr>
+          <a:xfrm flipH="1">
+            <a:off x="4752452" y="2805186"/>
+            <a:ext cx="1239374" cy="1244769"/>
+          </a:xfrm>
+          <a:prstGeom prst="straightConnector1">
+            <a:avLst/>
+          </a:prstGeom>
+          <a:ln>
+            <a:tailEnd type="triangle"/>
+          </a:ln>
+        </p:spPr>
+        <p:style>
+          <a:lnRef idx="2">
+            <a:schemeClr val="dk1"/>
+          </a:lnRef>
+          <a:fillRef idx="0">
+            <a:schemeClr val="dk1"/>
+          </a:fillRef>
+          <a:effectRef idx="1">
+            <a:schemeClr val="dk1"/>
+          </a:effectRef>
+          <a:fontRef idx="minor">
+            <a:schemeClr val="tx1"/>
+          </a:fontRef>
+        </p:style>
+      </p:cxnSp>
+      <p:cxnSp>
+        <p:nvCxnSpPr>
+          <p:cNvPr id="30" name="Straight Arrow Connector 29">
+            <a:extLst>
+              <a:ext uri="{FF2B5EF4-FFF2-40B4-BE49-F238E27FC236}">
+                <a16:creationId xmlns:a16="http://schemas.microsoft.com/office/drawing/2014/main" id="{74AD0D43-5D3C-0E7B-078C-74F9EB77F524}"/>
+              </a:ext>
+            </a:extLst>
+          </p:cNvPr>
+          <p:cNvCxnSpPr>
+            <a:cxnSpLocks/>
+          </p:cNvCxnSpPr>
+          <p:nvPr/>
+        </p:nvCxnSpPr>
+        <p:spPr>
+          <a:xfrm flipH="1">
+            <a:off x="5023315" y="2804948"/>
+            <a:ext cx="1239374" cy="1244769"/>
+          </a:xfrm>
+          <a:prstGeom prst="straightConnector1">
+            <a:avLst/>
+          </a:prstGeom>
+          <a:ln>
+            <a:tailEnd type="triangle"/>
+          </a:ln>
+        </p:spPr>
+        <p:style>
+          <a:lnRef idx="2">
+            <a:schemeClr val="dk1"/>
+          </a:lnRef>
+          <a:fillRef idx="0">
+            <a:schemeClr val="dk1"/>
+          </a:fillRef>
+          <a:effectRef idx="1">
+            <a:schemeClr val="dk1"/>
+          </a:effectRef>
+          <a:fontRef idx="minor">
+            <a:schemeClr val="tx1"/>
+          </a:fontRef>
+        </p:style>
+      </p:cxnSp>
+      <p:cxnSp>
+        <p:nvCxnSpPr>
+          <p:cNvPr id="31" name="Straight Arrow Connector 30">
+            <a:extLst>
+              <a:ext uri="{FF2B5EF4-FFF2-40B4-BE49-F238E27FC236}">
+                <a16:creationId xmlns:a16="http://schemas.microsoft.com/office/drawing/2014/main" id="{9252257B-E6F3-A4E9-EADC-839BD0DA868C}"/>
+              </a:ext>
+            </a:extLst>
+          </p:cNvPr>
+          <p:cNvCxnSpPr>
+            <a:cxnSpLocks/>
+          </p:cNvCxnSpPr>
+          <p:nvPr/>
+        </p:nvCxnSpPr>
+        <p:spPr>
+          <a:xfrm flipH="1">
+            <a:off x="5294178" y="2804710"/>
+            <a:ext cx="1239374" cy="1244769"/>
+          </a:xfrm>
+          <a:prstGeom prst="straightConnector1">
+            <a:avLst/>
+          </a:prstGeom>
+          <a:ln>
+            <a:tailEnd type="triangle"/>
+          </a:ln>
+        </p:spPr>
+        <p:style>
+          <a:lnRef idx="2">
+            <a:schemeClr val="dk1"/>
+          </a:lnRef>
+          <a:fillRef idx="0">
+            <a:schemeClr val="dk1"/>
+          </a:fillRef>
+          <a:effectRef idx="1">
+            <a:schemeClr val="dk1"/>
+          </a:effectRef>
+          <a:fontRef idx="minor">
+            <a:schemeClr val="tx1"/>
+          </a:fontRef>
+        </p:style>
+      </p:cxnSp>
+      <p:cxnSp>
+        <p:nvCxnSpPr>
+          <p:cNvPr id="32" name="Straight Arrow Connector 31">
+            <a:extLst>
+              <a:ext uri="{FF2B5EF4-FFF2-40B4-BE49-F238E27FC236}">
+                <a16:creationId xmlns:a16="http://schemas.microsoft.com/office/drawing/2014/main" id="{8C0B2D7E-310E-7CC3-A38C-8EF17E690CE7}"/>
+              </a:ext>
+            </a:extLst>
+          </p:cNvPr>
+          <p:cNvCxnSpPr>
+            <a:cxnSpLocks/>
+          </p:cNvCxnSpPr>
+          <p:nvPr/>
+        </p:nvCxnSpPr>
+        <p:spPr>
+          <a:xfrm flipH="1">
+            <a:off x="5565041" y="2804472"/>
+            <a:ext cx="1239374" cy="1244769"/>
+          </a:xfrm>
+          <a:prstGeom prst="straightConnector1">
+            <a:avLst/>
+          </a:prstGeom>
+          <a:ln>
+            <a:tailEnd type="triangle"/>
+          </a:ln>
+        </p:spPr>
+        <p:style>
+          <a:lnRef idx="2">
+            <a:schemeClr val="dk1"/>
+          </a:lnRef>
+          <a:fillRef idx="0">
+            <a:schemeClr val="dk1"/>
+          </a:fillRef>
+          <a:effectRef idx="1">
+            <a:schemeClr val="dk1"/>
+          </a:effectRef>
+          <a:fontRef idx="minor">
+            <a:schemeClr val="tx1"/>
+          </a:fontRef>
+        </p:style>
+      </p:cxnSp>
+      <p:cxnSp>
+        <p:nvCxnSpPr>
+          <p:cNvPr id="33" name="Straight Arrow Connector 32">
+            <a:extLst>
+              <a:ext uri="{FF2B5EF4-FFF2-40B4-BE49-F238E27FC236}">
+                <a16:creationId xmlns:a16="http://schemas.microsoft.com/office/drawing/2014/main" id="{372D34CB-753E-C6D4-CF71-3E4890AD4808}"/>
+              </a:ext>
+            </a:extLst>
+          </p:cNvPr>
+          <p:cNvCxnSpPr>
+            <a:cxnSpLocks/>
+          </p:cNvCxnSpPr>
+          <p:nvPr/>
+        </p:nvCxnSpPr>
+        <p:spPr>
+          <a:xfrm flipH="1">
+            <a:off x="5835904" y="2804234"/>
+            <a:ext cx="1239374" cy="1244769"/>
+          </a:xfrm>
+          <a:prstGeom prst="straightConnector1">
+            <a:avLst/>
+          </a:prstGeom>
+          <a:ln>
+            <a:tailEnd type="triangle"/>
+          </a:ln>
+        </p:spPr>
+        <p:style>
+          <a:lnRef idx="2">
+            <a:schemeClr val="dk1"/>
+          </a:lnRef>
+          <a:fillRef idx="0">
+            <a:schemeClr val="dk1"/>
+          </a:fillRef>
+          <a:effectRef idx="1">
+            <a:schemeClr val="dk1"/>
+          </a:effectRef>
+          <a:fontRef idx="minor">
+            <a:schemeClr val="tx1"/>
+          </a:fontRef>
+        </p:style>
+      </p:cxnSp>
+      <p:cxnSp>
+        <p:nvCxnSpPr>
+          <p:cNvPr id="34" name="Straight Arrow Connector 33">
+            <a:extLst>
+              <a:ext uri="{FF2B5EF4-FFF2-40B4-BE49-F238E27FC236}">
+                <a16:creationId xmlns:a16="http://schemas.microsoft.com/office/drawing/2014/main" id="{B990C3B1-E1FB-A935-F06D-64936DD61161}"/>
+              </a:ext>
+            </a:extLst>
+          </p:cNvPr>
+          <p:cNvCxnSpPr>
+            <a:cxnSpLocks/>
+          </p:cNvCxnSpPr>
+          <p:nvPr/>
+        </p:nvCxnSpPr>
+        <p:spPr>
+          <a:xfrm flipH="1">
+            <a:off x="6106767" y="2803996"/>
+            <a:ext cx="1239374" cy="1244769"/>
+          </a:xfrm>
+          <a:prstGeom prst="straightConnector1">
+            <a:avLst/>
+          </a:prstGeom>
+          <a:ln>
+            <a:tailEnd type="triangle"/>
+          </a:ln>
+        </p:spPr>
+        <p:style>
+          <a:lnRef idx="2">
+            <a:schemeClr val="dk1"/>
+          </a:lnRef>
+          <a:fillRef idx="0">
+            <a:schemeClr val="dk1"/>
+          </a:fillRef>
+          <a:effectRef idx="1">
+            <a:schemeClr val="dk1"/>
+          </a:effectRef>
+          <a:fontRef idx="minor">
+            <a:schemeClr val="tx1"/>
+          </a:fontRef>
+        </p:style>
+      </p:cxnSp>
+      <p:sp>
+        <p:nvSpPr>
+          <p:cNvPr id="35" name="TextBox 34">
+            <a:extLst>
+              <a:ext uri="{FF2B5EF4-FFF2-40B4-BE49-F238E27FC236}">
+                <a16:creationId xmlns:a16="http://schemas.microsoft.com/office/drawing/2014/main" id="{E54DA5E6-5DFF-62E9-13B7-99DACED0E499}"/>
+              </a:ext>
+            </a:extLst>
+          </p:cNvPr>
+          <p:cNvSpPr txBox="1"/>
+          <p:nvPr/>
+        </p:nvSpPr>
+        <p:spPr>
+          <a:xfrm>
+            <a:off x="3282530" y="2173013"/>
+            <a:ext cx="651013" cy="369332"/>
+          </a:xfrm>
+          <a:prstGeom prst="rect">
+            <a:avLst/>
+          </a:prstGeom>
+          <a:noFill/>
+        </p:spPr>
+        <p:txBody>
+          <a:bodyPr wrap="square" rtlCol="0">
+            <a:spAutoFit/>
+          </a:bodyPr>
+          <a:lstStyle/>
+          <a:p>
+            <a:r>
+              <a:rPr lang="en-ES" dirty="0"/>
+              <a:t>j</a:t>
+            </a:r>
+          </a:p>
+        </p:txBody>
+      </p:sp>
+      <p:cxnSp>
+        <p:nvCxnSpPr>
+          <p:cNvPr id="37" name="Straight Arrow Connector 36">
+            <a:extLst>
+              <a:ext uri="{FF2B5EF4-FFF2-40B4-BE49-F238E27FC236}">
+                <a16:creationId xmlns:a16="http://schemas.microsoft.com/office/drawing/2014/main" id="{7A309137-539C-1822-02C7-40D81D6AEBBA}"/>
+              </a:ext>
+            </a:extLst>
+          </p:cNvPr>
+          <p:cNvCxnSpPr/>
+          <p:nvPr/>
+        </p:nvCxnSpPr>
+        <p:spPr>
+          <a:xfrm>
+            <a:off x="3476098" y="2452089"/>
+            <a:ext cx="619687" cy="604620"/>
+          </a:xfrm>
+          <a:prstGeom prst="straightConnector1">
+            <a:avLst/>
+          </a:prstGeom>
+          <a:ln w="38100">
+            <a:tailEnd type="triangle"/>
+          </a:ln>
+        </p:spPr>
+        <p:style>
+          <a:lnRef idx="2">
+            <a:schemeClr val="dk1"/>
+          </a:lnRef>
+          <a:fillRef idx="0">
+            <a:schemeClr val="dk1"/>
+          </a:fillRef>
+          <a:effectRef idx="1">
+            <a:schemeClr val="dk1"/>
+          </a:effectRef>
+          <a:fontRef idx="minor">
+            <a:schemeClr val="tx1"/>
+          </a:fontRef>
+        </p:style>
+      </p:cxnSp>
+      <p:sp>
+        <p:nvSpPr>
+          <p:cNvPr id="3" name="Rectangle 2">
+            <a:extLst>
+              <a:ext uri="{FF2B5EF4-FFF2-40B4-BE49-F238E27FC236}">
+                <a16:creationId xmlns:a16="http://schemas.microsoft.com/office/drawing/2014/main" id="{D3C2601C-9F84-07C6-671B-34204D6FF673}"/>
+              </a:ext>
+            </a:extLst>
+          </p:cNvPr>
+          <p:cNvSpPr/>
+          <p:nvPr/>
+        </p:nvSpPr>
+        <p:spPr>
+          <a:xfrm>
+            <a:off x="5294178" y="2853224"/>
+            <a:ext cx="1194999" cy="909582"/>
+          </a:xfrm>
+          <a:prstGeom prst="rect">
+            <a:avLst/>
+          </a:prstGeom>
+          <a:noFill/>
+          <a:ln w="76200">
+            <a:prstDash val="dash"/>
+          </a:ln>
+        </p:spPr>
+        <p:style>
+          <a:lnRef idx="2">
+            <a:schemeClr val="accent1">
+              <a:shade val="15000"/>
+            </a:schemeClr>
+          </a:lnRef>
+          <a:fillRef idx="1">
+            <a:schemeClr val="accent1"/>
+          </a:fillRef>
+          <a:effectRef idx="0">
+            <a:schemeClr val="accent1"/>
+          </a:effectRef>
+          <a:fontRef idx="minor">
+            <a:schemeClr val="lt1"/>
+          </a:fontRef>
+        </p:style>
+        <p:txBody>
+          <a:bodyPr rtlCol="0" anchor="ctr"/>
+          <a:lstStyle/>
+          <a:p>
+            <a:pPr algn="ctr"/>
+            <a:endParaRPr lang="en-ES"/>
+          </a:p>
+        </p:txBody>
+      </p:sp>
+      <p:sp>
+        <p:nvSpPr>
+          <p:cNvPr id="4" name="Right Bracket 3">
+            <a:extLst>
+              <a:ext uri="{FF2B5EF4-FFF2-40B4-BE49-F238E27FC236}">
+                <a16:creationId xmlns:a16="http://schemas.microsoft.com/office/drawing/2014/main" id="{5D39E506-CD38-9ADD-3704-D777D03A214E}"/>
+              </a:ext>
+            </a:extLst>
+          </p:cNvPr>
+          <p:cNvSpPr/>
+          <p:nvPr/>
+        </p:nvSpPr>
+        <p:spPr>
+          <a:xfrm rot="16200000">
+            <a:off x="5736465" y="1687041"/>
+            <a:ext cx="310421" cy="1194994"/>
+          </a:xfrm>
+          <a:prstGeom prst="rightBracket">
+            <a:avLst/>
+          </a:prstGeom>
+          <a:ln w="38100"/>
+        </p:spPr>
+        <p:style>
+          <a:lnRef idx="1">
+            <a:schemeClr val="dk1"/>
+          </a:lnRef>
+          <a:fillRef idx="0">
+            <a:schemeClr val="dk1"/>
+          </a:fillRef>
+          <a:effectRef idx="0">
+            <a:schemeClr val="dk1"/>
+          </a:effectRef>
+          <a:fontRef idx="minor">
+            <a:schemeClr val="tx1"/>
+          </a:fontRef>
+        </p:style>
+        <p:txBody>
+          <a:bodyPr rtlCol="0" anchor="ctr"/>
+          <a:lstStyle/>
+          <a:p>
+            <a:pPr algn="ctr"/>
+            <a:endParaRPr lang="en-ES"/>
+          </a:p>
+        </p:txBody>
+      </p:sp>
+      <p:sp>
+        <p:nvSpPr>
+          <p:cNvPr id="5" name="TextBox 4">
+            <a:extLst>
+              <a:ext uri="{FF2B5EF4-FFF2-40B4-BE49-F238E27FC236}">
+                <a16:creationId xmlns:a16="http://schemas.microsoft.com/office/drawing/2014/main" id="{7006754D-9D1F-2F1A-4F2D-476D01CBEB8F}"/>
+              </a:ext>
+            </a:extLst>
+          </p:cNvPr>
+          <p:cNvSpPr txBox="1"/>
+          <p:nvPr/>
+        </p:nvSpPr>
+        <p:spPr>
+          <a:xfrm>
+            <a:off x="5720963" y="1564493"/>
+            <a:ext cx="637953" cy="646331"/>
+          </a:xfrm>
+          <a:prstGeom prst="rect">
+            <a:avLst/>
+          </a:prstGeom>
+          <a:noFill/>
+        </p:spPr>
+        <p:txBody>
+          <a:bodyPr wrap="square" rtlCol="0">
+            <a:spAutoFit/>
+          </a:bodyPr>
+          <a:lstStyle/>
+          <a:p>
+            <a:r>
+              <a:rPr lang="en-ES" sz="3600" dirty="0"/>
+              <a:t>l</a:t>
+            </a:r>
+          </a:p>
+        </p:txBody>
+      </p:sp>
+    </p:spTree>
+    <p:extLst>
+      <p:ext uri="{BB962C8B-B14F-4D97-AF65-F5344CB8AC3E}">
+        <p14:creationId xmlns:p14="http://schemas.microsoft.com/office/powerpoint/2010/main" val="3878993574"/>
+      </p:ext>
+    </p:extLst>
+  </p:cSld>
+  <p:clrMapOvr>
+    <a:masterClrMapping/>
+  </p:clrMapOvr>
+</p:sld>
+</file>
+
 <file path=ppt/slides/slide2.xml><?xml version="1.0" encoding="utf-8"?>
 <p:sld xmlns:a="http://schemas.openxmlformats.org/drawingml/2006/main" xmlns:r="http://schemas.openxmlformats.org/officeDocument/2006/relationships" xmlns:p="http://schemas.openxmlformats.org/presentationml/2006/main">
   <p:cSld>
@@ -9082,6 +12482,2152 @@
     <p:extLst>
       <p:ext uri="{BB962C8B-B14F-4D97-AF65-F5344CB8AC3E}">
         <p14:creationId xmlns:p14="http://schemas.microsoft.com/office/powerpoint/2010/main" val="3533095532"/>
+      </p:ext>
+    </p:extLst>
+  </p:cSld>
+  <p:clrMapOvr>
+    <a:masterClrMapping/>
+  </p:clrMapOvr>
+</p:sld>
+</file>
+
+<file path=ppt/slides/slide8.xml><?xml version="1.0" encoding="utf-8"?>
+<p:sld xmlns:a="http://schemas.openxmlformats.org/drawingml/2006/main" xmlns:r="http://schemas.openxmlformats.org/officeDocument/2006/relationships" xmlns:p="http://schemas.openxmlformats.org/presentationml/2006/main">
+  <p:cSld>
+    <p:spTree>
+      <p:nvGrpSpPr>
+        <p:cNvPr id="1" name="">
+          <a:extLst>
+            <a:ext uri="{FF2B5EF4-FFF2-40B4-BE49-F238E27FC236}">
+              <a16:creationId xmlns:a16="http://schemas.microsoft.com/office/drawing/2014/main" id="{30D401EC-BB0D-826B-37EC-C1B719D4BAEA}"/>
+            </a:ext>
+          </a:extLst>
+        </p:cNvPr>
+        <p:cNvGrpSpPr/>
+        <p:nvPr/>
+      </p:nvGrpSpPr>
+      <p:grpSpPr>
+        <a:xfrm>
+          <a:off x="0" y="0"/>
+          <a:ext cx="0" cy="0"/>
+          <a:chOff x="0" y="0"/>
+          <a:chExt cx="0" cy="0"/>
+        </a:xfrm>
+      </p:grpSpPr>
+      <p:sp>
+        <p:nvSpPr>
+          <p:cNvPr id="7" name="Oval 6">
+            <a:extLst>
+              <a:ext uri="{FF2B5EF4-FFF2-40B4-BE49-F238E27FC236}">
+                <a16:creationId xmlns:a16="http://schemas.microsoft.com/office/drawing/2014/main" id="{B8F202C6-CE73-43EF-2649-6172B91714EB}"/>
+              </a:ext>
+            </a:extLst>
+          </p:cNvPr>
+          <p:cNvSpPr/>
+          <p:nvPr/>
+        </p:nvSpPr>
+        <p:spPr>
+          <a:xfrm>
+            <a:off x="1667087" y="2143451"/>
+            <a:ext cx="1800000" cy="1800000"/>
+          </a:xfrm>
+          <a:prstGeom prst="ellipse">
+            <a:avLst/>
+          </a:prstGeom>
+          <a:gradFill flip="none" rotWithShape="1">
+            <a:gsLst>
+              <a:gs pos="0">
+                <a:schemeClr val="accent1">
+                  <a:tint val="66000"/>
+                  <a:satMod val="160000"/>
+                </a:schemeClr>
+              </a:gs>
+              <a:gs pos="50000">
+                <a:schemeClr val="accent1">
+                  <a:tint val="44500"/>
+                  <a:satMod val="160000"/>
+                </a:schemeClr>
+              </a:gs>
+              <a:gs pos="100000">
+                <a:schemeClr val="accent1">
+                  <a:tint val="23500"/>
+                  <a:satMod val="160000"/>
+                </a:schemeClr>
+              </a:gs>
+            </a:gsLst>
+            <a:lin ang="8100000" scaled="1"/>
+            <a:tileRect/>
+          </a:gradFill>
+        </p:spPr>
+        <p:style>
+          <a:lnRef idx="2">
+            <a:schemeClr val="accent1">
+              <a:shade val="15000"/>
+            </a:schemeClr>
+          </a:lnRef>
+          <a:fillRef idx="1">
+            <a:schemeClr val="accent1"/>
+          </a:fillRef>
+          <a:effectRef idx="0">
+            <a:schemeClr val="accent1"/>
+          </a:effectRef>
+          <a:fontRef idx="minor">
+            <a:schemeClr val="lt1"/>
+          </a:fontRef>
+        </p:style>
+        <p:txBody>
+          <a:bodyPr rtlCol="0" anchor="ctr"/>
+          <a:lstStyle/>
+          <a:p>
+            <a:pPr algn="ctr"/>
+            <a:endParaRPr lang="en-ES"/>
+          </a:p>
+        </p:txBody>
+      </p:sp>
+      <p:sp>
+        <p:nvSpPr>
+          <p:cNvPr id="8" name="TextBox 7">
+            <a:extLst>
+              <a:ext uri="{FF2B5EF4-FFF2-40B4-BE49-F238E27FC236}">
+                <a16:creationId xmlns:a16="http://schemas.microsoft.com/office/drawing/2014/main" id="{FEFD0FA2-E256-3B21-BBCD-EFC026CC55C0}"/>
+              </a:ext>
+            </a:extLst>
+          </p:cNvPr>
+          <p:cNvSpPr txBox="1"/>
+          <p:nvPr/>
+        </p:nvSpPr>
+        <p:spPr>
+          <a:xfrm>
+            <a:off x="2548613" y="4098483"/>
+            <a:ext cx="800147" cy="369332"/>
+          </a:xfrm>
+          <a:prstGeom prst="rect">
+            <a:avLst/>
+          </a:prstGeom>
+          <a:noFill/>
+        </p:spPr>
+        <p:txBody>
+          <a:bodyPr wrap="square" rtlCol="0">
+            <a:spAutoFit/>
+          </a:bodyPr>
+          <a:lstStyle/>
+          <a:p>
+            <a:r>
+              <a:rPr lang="en-GB" dirty="0"/>
+              <a:t>r</a:t>
+            </a:r>
+            <a:r>
+              <a:rPr lang="en-ES" dirty="0"/>
+              <a:t>&lt;a</a:t>
+            </a:r>
+          </a:p>
+        </p:txBody>
+      </p:sp>
+      <p:sp>
+        <p:nvSpPr>
+          <p:cNvPr id="10" name="Left Brace 9">
+            <a:extLst>
+              <a:ext uri="{FF2B5EF4-FFF2-40B4-BE49-F238E27FC236}">
+                <a16:creationId xmlns:a16="http://schemas.microsoft.com/office/drawing/2014/main" id="{AE252058-4D3D-C840-86F8-26CD1028CCD9}"/>
+              </a:ext>
+            </a:extLst>
+          </p:cNvPr>
+          <p:cNvSpPr/>
+          <p:nvPr/>
+        </p:nvSpPr>
+        <p:spPr>
+          <a:xfrm rot="16200000">
+            <a:off x="2921922" y="4116849"/>
+            <a:ext cx="195896" cy="894434"/>
+          </a:xfrm>
+          <a:prstGeom prst="leftBrace">
+            <a:avLst/>
+          </a:prstGeom>
+        </p:spPr>
+        <p:style>
+          <a:lnRef idx="2">
+            <a:schemeClr val="dk1"/>
+          </a:lnRef>
+          <a:fillRef idx="0">
+            <a:schemeClr val="dk1"/>
+          </a:fillRef>
+          <a:effectRef idx="1">
+            <a:schemeClr val="dk1"/>
+          </a:effectRef>
+          <a:fontRef idx="minor">
+            <a:schemeClr val="tx1"/>
+          </a:fontRef>
+        </p:style>
+        <p:txBody>
+          <a:bodyPr rtlCol="0" anchor="ctr"/>
+          <a:lstStyle/>
+          <a:p>
+            <a:pPr algn="ctr"/>
+            <a:endParaRPr lang="en-ES"/>
+          </a:p>
+        </p:txBody>
+      </p:sp>
+      <p:sp>
+        <p:nvSpPr>
+          <p:cNvPr id="11" name="TextBox 10">
+            <a:extLst>
+              <a:ext uri="{FF2B5EF4-FFF2-40B4-BE49-F238E27FC236}">
+                <a16:creationId xmlns:a16="http://schemas.microsoft.com/office/drawing/2014/main" id="{600B5331-295F-F65C-88BB-3745828F46DD}"/>
+              </a:ext>
+            </a:extLst>
+          </p:cNvPr>
+          <p:cNvSpPr txBox="1"/>
+          <p:nvPr/>
+        </p:nvSpPr>
+        <p:spPr>
+          <a:xfrm>
+            <a:off x="1845630" y="2359975"/>
+            <a:ext cx="400967" cy="369332"/>
+          </a:xfrm>
+          <a:prstGeom prst="rect">
+            <a:avLst/>
+          </a:prstGeom>
+          <a:noFill/>
+        </p:spPr>
+        <p:txBody>
+          <a:bodyPr wrap="square" rtlCol="0">
+            <a:spAutoFit/>
+          </a:bodyPr>
+          <a:lstStyle/>
+          <a:p>
+            <a:r>
+              <a:rPr lang="en-ES" dirty="0"/>
+              <a:t>σ</a:t>
+            </a:r>
+          </a:p>
+        </p:txBody>
+      </p:sp>
+      <p:sp>
+        <p:nvSpPr>
+          <p:cNvPr id="17" name="Oval 16">
+            <a:extLst>
+              <a:ext uri="{FF2B5EF4-FFF2-40B4-BE49-F238E27FC236}">
+                <a16:creationId xmlns:a16="http://schemas.microsoft.com/office/drawing/2014/main" id="{37A04C46-985C-F398-EDB9-192E23444930}"/>
+              </a:ext>
+            </a:extLst>
+          </p:cNvPr>
+          <p:cNvSpPr/>
+          <p:nvPr/>
+        </p:nvSpPr>
+        <p:spPr>
+          <a:xfrm>
+            <a:off x="2185487" y="2661851"/>
+            <a:ext cx="763200" cy="763200"/>
+          </a:xfrm>
+          <a:prstGeom prst="ellipse">
+            <a:avLst/>
+          </a:prstGeom>
+          <a:noFill/>
+          <a:ln w="38100">
+            <a:prstDash val="dash"/>
+          </a:ln>
+        </p:spPr>
+        <p:style>
+          <a:lnRef idx="2">
+            <a:schemeClr val="accent1">
+              <a:shade val="15000"/>
+            </a:schemeClr>
+          </a:lnRef>
+          <a:fillRef idx="1">
+            <a:schemeClr val="accent1"/>
+          </a:fillRef>
+          <a:effectRef idx="0">
+            <a:schemeClr val="accent1"/>
+          </a:effectRef>
+          <a:fontRef idx="minor">
+            <a:schemeClr val="lt1"/>
+          </a:fontRef>
+        </p:style>
+        <p:txBody>
+          <a:bodyPr rtlCol="0" anchor="ctr"/>
+          <a:lstStyle/>
+          <a:p>
+            <a:pPr algn="ctr"/>
+            <a:endParaRPr lang="en-ES"/>
+          </a:p>
+        </p:txBody>
+      </p:sp>
+      <p:sp>
+        <p:nvSpPr>
+          <p:cNvPr id="19" name="TextBox 18">
+            <a:extLst>
+              <a:ext uri="{FF2B5EF4-FFF2-40B4-BE49-F238E27FC236}">
+                <a16:creationId xmlns:a16="http://schemas.microsoft.com/office/drawing/2014/main" id="{C04B841C-7F9B-B52F-99CC-09BAD1129F3E}"/>
+              </a:ext>
+            </a:extLst>
+          </p:cNvPr>
+          <p:cNvSpPr txBox="1"/>
+          <p:nvPr/>
+        </p:nvSpPr>
+        <p:spPr>
+          <a:xfrm>
+            <a:off x="2867511" y="4557900"/>
+            <a:ext cx="400967" cy="369332"/>
+          </a:xfrm>
+          <a:prstGeom prst="rect">
+            <a:avLst/>
+          </a:prstGeom>
+          <a:noFill/>
+        </p:spPr>
+        <p:txBody>
+          <a:bodyPr wrap="square" rtlCol="0">
+            <a:spAutoFit/>
+          </a:bodyPr>
+          <a:lstStyle/>
+          <a:p>
+            <a:r>
+              <a:rPr lang="en-ES" dirty="0"/>
+              <a:t>a</a:t>
+            </a:r>
+          </a:p>
+        </p:txBody>
+      </p:sp>
+      <p:sp>
+        <p:nvSpPr>
+          <p:cNvPr id="21" name="Left Brace 20">
+            <a:extLst>
+              <a:ext uri="{FF2B5EF4-FFF2-40B4-BE49-F238E27FC236}">
+                <a16:creationId xmlns:a16="http://schemas.microsoft.com/office/drawing/2014/main" id="{DC0637B4-0372-1888-A65D-A9E9B2AA9851}"/>
+              </a:ext>
+            </a:extLst>
+          </p:cNvPr>
+          <p:cNvSpPr/>
+          <p:nvPr/>
+        </p:nvSpPr>
+        <p:spPr>
+          <a:xfrm rot="16200000">
+            <a:off x="2659937" y="3902616"/>
+            <a:ext cx="195899" cy="381600"/>
+          </a:xfrm>
+          <a:prstGeom prst="leftBrace">
+            <a:avLst/>
+          </a:prstGeom>
+        </p:spPr>
+        <p:style>
+          <a:lnRef idx="2">
+            <a:schemeClr val="dk1"/>
+          </a:lnRef>
+          <a:fillRef idx="0">
+            <a:schemeClr val="dk1"/>
+          </a:fillRef>
+          <a:effectRef idx="1">
+            <a:schemeClr val="dk1"/>
+          </a:effectRef>
+          <a:fontRef idx="minor">
+            <a:schemeClr val="tx1"/>
+          </a:fontRef>
+        </p:style>
+        <p:txBody>
+          <a:bodyPr rtlCol="0" anchor="ctr"/>
+          <a:lstStyle/>
+          <a:p>
+            <a:pPr algn="ctr"/>
+            <a:endParaRPr lang="en-ES"/>
+          </a:p>
+        </p:txBody>
+      </p:sp>
+      <p:sp>
+        <p:nvSpPr>
+          <p:cNvPr id="22" name="Oval 21">
+            <a:extLst>
+              <a:ext uri="{FF2B5EF4-FFF2-40B4-BE49-F238E27FC236}">
+                <a16:creationId xmlns:a16="http://schemas.microsoft.com/office/drawing/2014/main" id="{5435DC35-FA43-5A33-C309-6AEC7A1C995B}"/>
+              </a:ext>
+            </a:extLst>
+          </p:cNvPr>
+          <p:cNvSpPr/>
+          <p:nvPr/>
+        </p:nvSpPr>
+        <p:spPr>
+          <a:xfrm>
+            <a:off x="5063200" y="2143451"/>
+            <a:ext cx="1800000" cy="1800000"/>
+          </a:xfrm>
+          <a:prstGeom prst="ellipse">
+            <a:avLst/>
+          </a:prstGeom>
+          <a:gradFill flip="none" rotWithShape="1">
+            <a:gsLst>
+              <a:gs pos="0">
+                <a:schemeClr val="accent1">
+                  <a:tint val="66000"/>
+                  <a:satMod val="160000"/>
+                </a:schemeClr>
+              </a:gs>
+              <a:gs pos="50000">
+                <a:schemeClr val="accent1">
+                  <a:tint val="44500"/>
+                  <a:satMod val="160000"/>
+                </a:schemeClr>
+              </a:gs>
+              <a:gs pos="100000">
+                <a:schemeClr val="accent1">
+                  <a:tint val="23500"/>
+                  <a:satMod val="160000"/>
+                </a:schemeClr>
+              </a:gs>
+            </a:gsLst>
+            <a:lin ang="8100000" scaled="1"/>
+            <a:tileRect/>
+          </a:gradFill>
+        </p:spPr>
+        <p:style>
+          <a:lnRef idx="2">
+            <a:schemeClr val="accent1">
+              <a:shade val="15000"/>
+            </a:schemeClr>
+          </a:lnRef>
+          <a:fillRef idx="1">
+            <a:schemeClr val="accent1"/>
+          </a:fillRef>
+          <a:effectRef idx="0">
+            <a:schemeClr val="accent1"/>
+          </a:effectRef>
+          <a:fontRef idx="minor">
+            <a:schemeClr val="lt1"/>
+          </a:fontRef>
+        </p:style>
+        <p:txBody>
+          <a:bodyPr rtlCol="0" anchor="ctr"/>
+          <a:lstStyle/>
+          <a:p>
+            <a:pPr algn="ctr"/>
+            <a:endParaRPr lang="en-ES"/>
+          </a:p>
+        </p:txBody>
+      </p:sp>
+      <p:sp>
+        <p:nvSpPr>
+          <p:cNvPr id="29" name="TextBox 28">
+            <a:extLst>
+              <a:ext uri="{FF2B5EF4-FFF2-40B4-BE49-F238E27FC236}">
+                <a16:creationId xmlns:a16="http://schemas.microsoft.com/office/drawing/2014/main" id="{E1441C12-E733-2D94-D479-5D3811677387}"/>
+              </a:ext>
+            </a:extLst>
+          </p:cNvPr>
+          <p:cNvSpPr txBox="1"/>
+          <p:nvPr/>
+        </p:nvSpPr>
+        <p:spPr>
+          <a:xfrm>
+            <a:off x="6283767" y="4757106"/>
+            <a:ext cx="800147" cy="369332"/>
+          </a:xfrm>
+          <a:prstGeom prst="rect">
+            <a:avLst/>
+          </a:prstGeom>
+          <a:noFill/>
+        </p:spPr>
+        <p:txBody>
+          <a:bodyPr wrap="square" rtlCol="0">
+            <a:spAutoFit/>
+          </a:bodyPr>
+          <a:lstStyle/>
+          <a:p>
+            <a:r>
+              <a:rPr lang="en-GB" dirty="0"/>
+              <a:t>r</a:t>
+            </a:r>
+            <a:r>
+              <a:rPr lang="en-ES" dirty="0"/>
+              <a:t>&gt;a</a:t>
+            </a:r>
+          </a:p>
+        </p:txBody>
+      </p:sp>
+      <p:sp>
+        <p:nvSpPr>
+          <p:cNvPr id="30" name="Left Brace 29">
+            <a:extLst>
+              <a:ext uri="{FF2B5EF4-FFF2-40B4-BE49-F238E27FC236}">
+                <a16:creationId xmlns:a16="http://schemas.microsoft.com/office/drawing/2014/main" id="{D81063FA-8C52-5A7A-9CCC-EF646068F367}"/>
+              </a:ext>
+            </a:extLst>
+          </p:cNvPr>
+          <p:cNvSpPr/>
+          <p:nvPr/>
+        </p:nvSpPr>
+        <p:spPr>
+          <a:xfrm rot="16200000">
+            <a:off x="6318035" y="3866591"/>
+            <a:ext cx="195896" cy="894434"/>
+          </a:xfrm>
+          <a:prstGeom prst="leftBrace">
+            <a:avLst/>
+          </a:prstGeom>
+        </p:spPr>
+        <p:style>
+          <a:lnRef idx="2">
+            <a:schemeClr val="dk1"/>
+          </a:lnRef>
+          <a:fillRef idx="0">
+            <a:schemeClr val="dk1"/>
+          </a:fillRef>
+          <a:effectRef idx="1">
+            <a:schemeClr val="dk1"/>
+          </a:effectRef>
+          <a:fontRef idx="minor">
+            <a:schemeClr val="tx1"/>
+          </a:fontRef>
+        </p:style>
+        <p:txBody>
+          <a:bodyPr rtlCol="0" anchor="ctr"/>
+          <a:lstStyle/>
+          <a:p>
+            <a:pPr algn="ctr"/>
+            <a:endParaRPr lang="en-ES"/>
+          </a:p>
+        </p:txBody>
+      </p:sp>
+      <p:sp>
+        <p:nvSpPr>
+          <p:cNvPr id="31" name="TextBox 30">
+            <a:extLst>
+              <a:ext uri="{FF2B5EF4-FFF2-40B4-BE49-F238E27FC236}">
+                <a16:creationId xmlns:a16="http://schemas.microsoft.com/office/drawing/2014/main" id="{D99AE1AC-C097-817F-5B3C-99E64F6CC909}"/>
+              </a:ext>
+            </a:extLst>
+          </p:cNvPr>
+          <p:cNvSpPr txBox="1"/>
+          <p:nvPr/>
+        </p:nvSpPr>
+        <p:spPr>
+          <a:xfrm>
+            <a:off x="5241743" y="2359975"/>
+            <a:ext cx="400967" cy="369332"/>
+          </a:xfrm>
+          <a:prstGeom prst="rect">
+            <a:avLst/>
+          </a:prstGeom>
+          <a:noFill/>
+        </p:spPr>
+        <p:txBody>
+          <a:bodyPr wrap="square" rtlCol="0">
+            <a:spAutoFit/>
+          </a:bodyPr>
+          <a:lstStyle/>
+          <a:p>
+            <a:r>
+              <a:rPr lang="en-ES" dirty="0"/>
+              <a:t>σ</a:t>
+            </a:r>
+          </a:p>
+        </p:txBody>
+      </p:sp>
+      <p:sp>
+        <p:nvSpPr>
+          <p:cNvPr id="32" name="Oval 31">
+            <a:extLst>
+              <a:ext uri="{FF2B5EF4-FFF2-40B4-BE49-F238E27FC236}">
+                <a16:creationId xmlns:a16="http://schemas.microsoft.com/office/drawing/2014/main" id="{442D95BF-E0A8-82DB-91A0-55885ACF9397}"/>
+              </a:ext>
+            </a:extLst>
+          </p:cNvPr>
+          <p:cNvSpPr/>
+          <p:nvPr/>
+        </p:nvSpPr>
+        <p:spPr>
+          <a:xfrm>
+            <a:off x="4865200" y="1945451"/>
+            <a:ext cx="2196000" cy="2196000"/>
+          </a:xfrm>
+          <a:prstGeom prst="ellipse">
+            <a:avLst/>
+          </a:prstGeom>
+          <a:noFill/>
+          <a:ln w="38100">
+            <a:prstDash val="dash"/>
+          </a:ln>
+        </p:spPr>
+        <p:style>
+          <a:lnRef idx="2">
+            <a:schemeClr val="accent1">
+              <a:shade val="15000"/>
+            </a:schemeClr>
+          </a:lnRef>
+          <a:fillRef idx="1">
+            <a:schemeClr val="accent1"/>
+          </a:fillRef>
+          <a:effectRef idx="0">
+            <a:schemeClr val="accent1"/>
+          </a:effectRef>
+          <a:fontRef idx="minor">
+            <a:schemeClr val="lt1"/>
+          </a:fontRef>
+        </p:style>
+        <p:txBody>
+          <a:bodyPr rtlCol="0" anchor="ctr"/>
+          <a:lstStyle/>
+          <a:p>
+            <a:pPr algn="ctr"/>
+            <a:endParaRPr lang="en-ES"/>
+          </a:p>
+        </p:txBody>
+      </p:sp>
+      <p:sp>
+        <p:nvSpPr>
+          <p:cNvPr id="33" name="TextBox 32">
+            <a:extLst>
+              <a:ext uri="{FF2B5EF4-FFF2-40B4-BE49-F238E27FC236}">
+                <a16:creationId xmlns:a16="http://schemas.microsoft.com/office/drawing/2014/main" id="{8DA7005D-FDF9-0A27-6234-28CC09AF8266}"/>
+              </a:ext>
+            </a:extLst>
+          </p:cNvPr>
+          <p:cNvSpPr txBox="1"/>
+          <p:nvPr/>
+        </p:nvSpPr>
+        <p:spPr>
+          <a:xfrm>
+            <a:off x="6263624" y="4307642"/>
+            <a:ext cx="400967" cy="369332"/>
+          </a:xfrm>
+          <a:prstGeom prst="rect">
+            <a:avLst/>
+          </a:prstGeom>
+          <a:noFill/>
+        </p:spPr>
+        <p:txBody>
+          <a:bodyPr wrap="square" rtlCol="0">
+            <a:spAutoFit/>
+          </a:bodyPr>
+          <a:lstStyle/>
+          <a:p>
+            <a:r>
+              <a:rPr lang="en-ES" dirty="0"/>
+              <a:t>a</a:t>
+            </a:r>
+          </a:p>
+        </p:txBody>
+      </p:sp>
+      <p:sp>
+        <p:nvSpPr>
+          <p:cNvPr id="35" name="Left Brace 34">
+            <a:extLst>
+              <a:ext uri="{FF2B5EF4-FFF2-40B4-BE49-F238E27FC236}">
+                <a16:creationId xmlns:a16="http://schemas.microsoft.com/office/drawing/2014/main" id="{1EE2C2E1-984E-847F-2BB3-AFF81281E2D2}"/>
+              </a:ext>
+            </a:extLst>
+          </p:cNvPr>
+          <p:cNvSpPr/>
+          <p:nvPr/>
+        </p:nvSpPr>
+        <p:spPr>
+          <a:xfrm rot="16200000">
+            <a:off x="6426272" y="4213351"/>
+            <a:ext cx="195897" cy="1073962"/>
+          </a:xfrm>
+          <a:prstGeom prst="leftBrace">
+            <a:avLst/>
+          </a:prstGeom>
+        </p:spPr>
+        <p:style>
+          <a:lnRef idx="2">
+            <a:schemeClr val="dk1"/>
+          </a:lnRef>
+          <a:fillRef idx="0">
+            <a:schemeClr val="dk1"/>
+          </a:fillRef>
+          <a:effectRef idx="1">
+            <a:schemeClr val="dk1"/>
+          </a:effectRef>
+          <a:fontRef idx="minor">
+            <a:schemeClr val="tx1"/>
+          </a:fontRef>
+        </p:style>
+        <p:txBody>
+          <a:bodyPr rtlCol="0" anchor="ctr"/>
+          <a:lstStyle/>
+          <a:p>
+            <a:pPr algn="ctr"/>
+            <a:endParaRPr lang="en-ES"/>
+          </a:p>
+        </p:txBody>
+      </p:sp>
+    </p:spTree>
+    <p:extLst>
+      <p:ext uri="{BB962C8B-B14F-4D97-AF65-F5344CB8AC3E}">
+        <p14:creationId xmlns:p14="http://schemas.microsoft.com/office/powerpoint/2010/main" val="2781347778"/>
+      </p:ext>
+    </p:extLst>
+  </p:cSld>
+  <p:clrMapOvr>
+    <a:masterClrMapping/>
+  </p:clrMapOvr>
+</p:sld>
+</file>
+
+<file path=ppt/slides/slide9.xml><?xml version="1.0" encoding="utf-8"?>
+<p:sld xmlns:a="http://schemas.openxmlformats.org/drawingml/2006/main" xmlns:r="http://schemas.openxmlformats.org/officeDocument/2006/relationships" xmlns:p="http://schemas.openxmlformats.org/presentationml/2006/main">
+  <p:cSld>
+    <p:spTree>
+      <p:nvGrpSpPr>
+        <p:cNvPr id="1" name="">
+          <a:extLst>
+            <a:ext uri="{FF2B5EF4-FFF2-40B4-BE49-F238E27FC236}">
+              <a16:creationId xmlns:a16="http://schemas.microsoft.com/office/drawing/2014/main" id="{A6BD268E-3D03-82D4-5656-01D9A9DA2271}"/>
+            </a:ext>
+          </a:extLst>
+        </p:cNvPr>
+        <p:cNvGrpSpPr/>
+        <p:nvPr/>
+      </p:nvGrpSpPr>
+      <p:grpSpPr>
+        <a:xfrm>
+          <a:off x="0" y="0"/>
+          <a:ext cx="0" cy="0"/>
+          <a:chOff x="0" y="0"/>
+          <a:chExt cx="0" cy="0"/>
+        </a:xfrm>
+      </p:grpSpPr>
+      <p:sp>
+        <p:nvSpPr>
+          <p:cNvPr id="8" name="TextBox 7">
+            <a:extLst>
+              <a:ext uri="{FF2B5EF4-FFF2-40B4-BE49-F238E27FC236}">
+                <a16:creationId xmlns:a16="http://schemas.microsoft.com/office/drawing/2014/main" id="{F38DE411-74E7-AC76-CBAD-952457D244DE}"/>
+              </a:ext>
+            </a:extLst>
+          </p:cNvPr>
+          <p:cNvSpPr txBox="1"/>
+          <p:nvPr/>
+        </p:nvSpPr>
+        <p:spPr>
+          <a:xfrm>
+            <a:off x="2548613" y="5542272"/>
+            <a:ext cx="800147" cy="369332"/>
+          </a:xfrm>
+          <a:prstGeom prst="rect">
+            <a:avLst/>
+          </a:prstGeom>
+          <a:noFill/>
+        </p:spPr>
+        <p:txBody>
+          <a:bodyPr wrap="square" rtlCol="0">
+            <a:spAutoFit/>
+          </a:bodyPr>
+          <a:lstStyle/>
+          <a:p>
+            <a:r>
+              <a:rPr lang="en-GB" dirty="0"/>
+              <a:t>s</a:t>
+            </a:r>
+            <a:r>
+              <a:rPr lang="en-ES" dirty="0"/>
+              <a:t>&lt;a</a:t>
+            </a:r>
+          </a:p>
+        </p:txBody>
+      </p:sp>
+      <p:sp>
+        <p:nvSpPr>
+          <p:cNvPr id="10" name="Left Brace 9">
+            <a:extLst>
+              <a:ext uri="{FF2B5EF4-FFF2-40B4-BE49-F238E27FC236}">
+                <a16:creationId xmlns:a16="http://schemas.microsoft.com/office/drawing/2014/main" id="{4C3812C2-6277-3372-CC5E-8A2C53AD5B13}"/>
+              </a:ext>
+            </a:extLst>
+          </p:cNvPr>
+          <p:cNvSpPr/>
+          <p:nvPr/>
+        </p:nvSpPr>
+        <p:spPr>
+          <a:xfrm rot="16200000">
+            <a:off x="2907916" y="5565106"/>
+            <a:ext cx="205434" cy="875960"/>
+          </a:xfrm>
+          <a:prstGeom prst="leftBrace">
+            <a:avLst/>
+          </a:prstGeom>
+        </p:spPr>
+        <p:style>
+          <a:lnRef idx="2">
+            <a:schemeClr val="dk1"/>
+          </a:lnRef>
+          <a:fillRef idx="0">
+            <a:schemeClr val="dk1"/>
+          </a:fillRef>
+          <a:effectRef idx="1">
+            <a:schemeClr val="dk1"/>
+          </a:effectRef>
+          <a:fontRef idx="minor">
+            <a:schemeClr val="tx1"/>
+          </a:fontRef>
+        </p:style>
+        <p:txBody>
+          <a:bodyPr rtlCol="0" anchor="ctr"/>
+          <a:lstStyle/>
+          <a:p>
+            <a:pPr algn="ctr"/>
+            <a:endParaRPr lang="en-ES"/>
+          </a:p>
+        </p:txBody>
+      </p:sp>
+      <p:sp>
+        <p:nvSpPr>
+          <p:cNvPr id="19" name="TextBox 18">
+            <a:extLst>
+              <a:ext uri="{FF2B5EF4-FFF2-40B4-BE49-F238E27FC236}">
+                <a16:creationId xmlns:a16="http://schemas.microsoft.com/office/drawing/2014/main" id="{2B1A74F6-7C46-3B17-94BF-C49600411F8C}"/>
+              </a:ext>
+            </a:extLst>
+          </p:cNvPr>
+          <p:cNvSpPr txBox="1"/>
+          <p:nvPr/>
+        </p:nvSpPr>
+        <p:spPr>
+          <a:xfrm>
+            <a:off x="2867511" y="6001689"/>
+            <a:ext cx="400967" cy="369332"/>
+          </a:xfrm>
+          <a:prstGeom prst="rect">
+            <a:avLst/>
+          </a:prstGeom>
+          <a:noFill/>
+        </p:spPr>
+        <p:txBody>
+          <a:bodyPr wrap="square" rtlCol="0">
+            <a:spAutoFit/>
+          </a:bodyPr>
+          <a:lstStyle/>
+          <a:p>
+            <a:r>
+              <a:rPr lang="en-ES" dirty="0"/>
+              <a:t>a</a:t>
+            </a:r>
+          </a:p>
+        </p:txBody>
+      </p:sp>
+      <p:sp>
+        <p:nvSpPr>
+          <p:cNvPr id="21" name="Left Brace 20">
+            <a:extLst>
+              <a:ext uri="{FF2B5EF4-FFF2-40B4-BE49-F238E27FC236}">
+                <a16:creationId xmlns:a16="http://schemas.microsoft.com/office/drawing/2014/main" id="{EBE32032-C038-4707-D0EA-E998E40170C6}"/>
+              </a:ext>
+            </a:extLst>
+          </p:cNvPr>
+          <p:cNvSpPr/>
+          <p:nvPr/>
+        </p:nvSpPr>
+        <p:spPr>
+          <a:xfrm rot="16200000">
+            <a:off x="2659937" y="5346405"/>
+            <a:ext cx="195899" cy="381600"/>
+          </a:xfrm>
+          <a:prstGeom prst="leftBrace">
+            <a:avLst/>
+          </a:prstGeom>
+        </p:spPr>
+        <p:style>
+          <a:lnRef idx="2">
+            <a:schemeClr val="dk1"/>
+          </a:lnRef>
+          <a:fillRef idx="0">
+            <a:schemeClr val="dk1"/>
+          </a:fillRef>
+          <a:effectRef idx="1">
+            <a:schemeClr val="dk1"/>
+          </a:effectRef>
+          <a:fontRef idx="minor">
+            <a:schemeClr val="tx1"/>
+          </a:fontRef>
+        </p:style>
+        <p:txBody>
+          <a:bodyPr rtlCol="0" anchor="ctr"/>
+          <a:lstStyle/>
+          <a:p>
+            <a:pPr algn="ctr"/>
+            <a:endParaRPr lang="en-ES"/>
+          </a:p>
+        </p:txBody>
+      </p:sp>
+      <p:sp>
+        <p:nvSpPr>
+          <p:cNvPr id="29" name="TextBox 28">
+            <a:extLst>
+              <a:ext uri="{FF2B5EF4-FFF2-40B4-BE49-F238E27FC236}">
+                <a16:creationId xmlns:a16="http://schemas.microsoft.com/office/drawing/2014/main" id="{761E27C4-C143-1F08-1FD8-630E6CD79D30}"/>
+              </a:ext>
+            </a:extLst>
+          </p:cNvPr>
+          <p:cNvSpPr txBox="1"/>
+          <p:nvPr/>
+        </p:nvSpPr>
+        <p:spPr>
+          <a:xfrm>
+            <a:off x="6283767" y="5980501"/>
+            <a:ext cx="800147" cy="369332"/>
+          </a:xfrm>
+          <a:prstGeom prst="rect">
+            <a:avLst/>
+          </a:prstGeom>
+          <a:noFill/>
+        </p:spPr>
+        <p:txBody>
+          <a:bodyPr wrap="square" rtlCol="0">
+            <a:spAutoFit/>
+          </a:bodyPr>
+          <a:lstStyle/>
+          <a:p>
+            <a:r>
+              <a:rPr lang="en-GB" dirty="0"/>
+              <a:t>s</a:t>
+            </a:r>
+            <a:r>
+              <a:rPr lang="en-ES" dirty="0"/>
+              <a:t>&gt;a</a:t>
+            </a:r>
+          </a:p>
+        </p:txBody>
+      </p:sp>
+      <p:sp>
+        <p:nvSpPr>
+          <p:cNvPr id="30" name="Left Brace 29">
+            <a:extLst>
+              <a:ext uri="{FF2B5EF4-FFF2-40B4-BE49-F238E27FC236}">
+                <a16:creationId xmlns:a16="http://schemas.microsoft.com/office/drawing/2014/main" id="{E545EBF9-0190-D261-30D9-1E0E9751ED95}"/>
+              </a:ext>
+            </a:extLst>
+          </p:cNvPr>
+          <p:cNvSpPr/>
+          <p:nvPr/>
+        </p:nvSpPr>
+        <p:spPr>
+          <a:xfrm rot="16200000">
+            <a:off x="6318035" y="5089986"/>
+            <a:ext cx="195896" cy="894434"/>
+          </a:xfrm>
+          <a:prstGeom prst="leftBrace">
+            <a:avLst/>
+          </a:prstGeom>
+        </p:spPr>
+        <p:style>
+          <a:lnRef idx="2">
+            <a:schemeClr val="dk1"/>
+          </a:lnRef>
+          <a:fillRef idx="0">
+            <a:schemeClr val="dk1"/>
+          </a:fillRef>
+          <a:effectRef idx="1">
+            <a:schemeClr val="dk1"/>
+          </a:effectRef>
+          <a:fontRef idx="minor">
+            <a:schemeClr val="tx1"/>
+          </a:fontRef>
+        </p:style>
+        <p:txBody>
+          <a:bodyPr rtlCol="0" anchor="ctr"/>
+          <a:lstStyle/>
+          <a:p>
+            <a:pPr algn="ctr"/>
+            <a:endParaRPr lang="en-ES"/>
+          </a:p>
+        </p:txBody>
+      </p:sp>
+      <p:sp>
+        <p:nvSpPr>
+          <p:cNvPr id="33" name="TextBox 32">
+            <a:extLst>
+              <a:ext uri="{FF2B5EF4-FFF2-40B4-BE49-F238E27FC236}">
+                <a16:creationId xmlns:a16="http://schemas.microsoft.com/office/drawing/2014/main" id="{B0623DBC-7C0E-52E7-414A-C711F1D2261D}"/>
+              </a:ext>
+            </a:extLst>
+          </p:cNvPr>
+          <p:cNvSpPr txBox="1"/>
+          <p:nvPr/>
+        </p:nvSpPr>
+        <p:spPr>
+          <a:xfrm>
+            <a:off x="6263624" y="5531037"/>
+            <a:ext cx="400967" cy="369332"/>
+          </a:xfrm>
+          <a:prstGeom prst="rect">
+            <a:avLst/>
+          </a:prstGeom>
+          <a:noFill/>
+        </p:spPr>
+        <p:txBody>
+          <a:bodyPr wrap="square" rtlCol="0">
+            <a:spAutoFit/>
+          </a:bodyPr>
+          <a:lstStyle/>
+          <a:p>
+            <a:r>
+              <a:rPr lang="en-ES" dirty="0"/>
+              <a:t>a</a:t>
+            </a:r>
+          </a:p>
+        </p:txBody>
+      </p:sp>
+      <p:sp>
+        <p:nvSpPr>
+          <p:cNvPr id="35" name="Left Brace 34">
+            <a:extLst>
+              <a:ext uri="{FF2B5EF4-FFF2-40B4-BE49-F238E27FC236}">
+                <a16:creationId xmlns:a16="http://schemas.microsoft.com/office/drawing/2014/main" id="{3171B2E3-8A24-FDEC-D8F5-439C4B704E10}"/>
+              </a:ext>
+            </a:extLst>
+          </p:cNvPr>
+          <p:cNvSpPr/>
+          <p:nvPr/>
+        </p:nvSpPr>
+        <p:spPr>
+          <a:xfrm rot="16200000">
+            <a:off x="6426272" y="5436746"/>
+            <a:ext cx="195897" cy="1073962"/>
+          </a:xfrm>
+          <a:prstGeom prst="leftBrace">
+            <a:avLst/>
+          </a:prstGeom>
+        </p:spPr>
+        <p:style>
+          <a:lnRef idx="2">
+            <a:schemeClr val="dk1"/>
+          </a:lnRef>
+          <a:fillRef idx="0">
+            <a:schemeClr val="dk1"/>
+          </a:fillRef>
+          <a:effectRef idx="1">
+            <a:schemeClr val="dk1"/>
+          </a:effectRef>
+          <a:fontRef idx="minor">
+            <a:schemeClr val="tx1"/>
+          </a:fontRef>
+        </p:style>
+        <p:txBody>
+          <a:bodyPr rtlCol="0" anchor="ctr"/>
+          <a:lstStyle/>
+          <a:p>
+            <a:pPr algn="ctr"/>
+            <a:endParaRPr lang="en-ES"/>
+          </a:p>
+        </p:txBody>
+      </p:sp>
+      <p:sp>
+        <p:nvSpPr>
+          <p:cNvPr id="2" name="Can 1">
+            <a:extLst>
+              <a:ext uri="{FF2B5EF4-FFF2-40B4-BE49-F238E27FC236}">
+                <a16:creationId xmlns:a16="http://schemas.microsoft.com/office/drawing/2014/main" id="{03489EB4-0249-8F18-CABD-00FC64F81826}"/>
+              </a:ext>
+            </a:extLst>
+          </p:cNvPr>
+          <p:cNvSpPr/>
+          <p:nvPr/>
+        </p:nvSpPr>
+        <p:spPr>
+          <a:xfrm>
+            <a:off x="1648613" y="1735625"/>
+            <a:ext cx="1800000" cy="2752826"/>
+          </a:xfrm>
+          <a:prstGeom prst="can">
+            <a:avLst/>
+          </a:prstGeom>
+          <a:gradFill>
+            <a:gsLst>
+              <a:gs pos="0">
+                <a:schemeClr val="accent1">
+                  <a:tint val="66000"/>
+                  <a:satMod val="160000"/>
+                </a:schemeClr>
+              </a:gs>
+              <a:gs pos="50000">
+                <a:schemeClr val="accent1">
+                  <a:tint val="44500"/>
+                  <a:satMod val="160000"/>
+                </a:schemeClr>
+              </a:gs>
+              <a:gs pos="100000">
+                <a:schemeClr val="accent1">
+                  <a:tint val="23500"/>
+                  <a:satMod val="160000"/>
+                </a:schemeClr>
+              </a:gs>
+            </a:gsLst>
+            <a:lin ang="8100000" scaled="1"/>
+          </a:gradFill>
+        </p:spPr>
+        <p:style>
+          <a:lnRef idx="2">
+            <a:schemeClr val="accent1">
+              <a:shade val="15000"/>
+            </a:schemeClr>
+          </a:lnRef>
+          <a:fillRef idx="1">
+            <a:schemeClr val="accent1"/>
+          </a:fillRef>
+          <a:effectRef idx="0">
+            <a:schemeClr val="accent1"/>
+          </a:effectRef>
+          <a:fontRef idx="minor">
+            <a:schemeClr val="lt1"/>
+          </a:fontRef>
+        </p:style>
+        <p:txBody>
+          <a:bodyPr rtlCol="0" anchor="ctr"/>
+          <a:lstStyle/>
+          <a:p>
+            <a:pPr algn="ctr"/>
+            <a:endParaRPr lang="en-ES"/>
+          </a:p>
+        </p:txBody>
+      </p:sp>
+      <p:sp>
+        <p:nvSpPr>
+          <p:cNvPr id="3" name="TextBox 2">
+            <a:extLst>
+              <a:ext uri="{FF2B5EF4-FFF2-40B4-BE49-F238E27FC236}">
+                <a16:creationId xmlns:a16="http://schemas.microsoft.com/office/drawing/2014/main" id="{EDAFC2D6-F3D5-9654-447F-03ADE17C9D23}"/>
+              </a:ext>
+            </a:extLst>
+          </p:cNvPr>
+          <p:cNvSpPr txBox="1"/>
+          <p:nvPr/>
+        </p:nvSpPr>
+        <p:spPr>
+          <a:xfrm>
+            <a:off x="1759003" y="2273347"/>
+            <a:ext cx="400967" cy="369332"/>
+          </a:xfrm>
+          <a:prstGeom prst="rect">
+            <a:avLst/>
+          </a:prstGeom>
+          <a:noFill/>
+        </p:spPr>
+        <p:txBody>
+          <a:bodyPr wrap="square" rtlCol="0">
+            <a:spAutoFit/>
+          </a:bodyPr>
+          <a:lstStyle/>
+          <a:p>
+            <a:r>
+              <a:rPr lang="en-ES" dirty="0"/>
+              <a:t>ρ</a:t>
+            </a:r>
+          </a:p>
+        </p:txBody>
+      </p:sp>
+      <p:cxnSp>
+        <p:nvCxnSpPr>
+          <p:cNvPr id="5" name="Straight Connector 4">
+            <a:extLst>
+              <a:ext uri="{FF2B5EF4-FFF2-40B4-BE49-F238E27FC236}">
+                <a16:creationId xmlns:a16="http://schemas.microsoft.com/office/drawing/2014/main" id="{019FE58B-AD9C-E2C2-ACCD-9E6910D8C5ED}"/>
+              </a:ext>
+            </a:extLst>
+          </p:cNvPr>
+          <p:cNvCxnSpPr/>
+          <p:nvPr/>
+        </p:nvCxnSpPr>
+        <p:spPr>
+          <a:xfrm>
+            <a:off x="1648613" y="818147"/>
+            <a:ext cx="0" cy="4369870"/>
+          </a:xfrm>
+          <a:prstGeom prst="line">
+            <a:avLst/>
+          </a:prstGeom>
+          <a:ln>
+            <a:solidFill>
+              <a:schemeClr val="tx1"/>
+            </a:solidFill>
+            <a:prstDash val="dash"/>
+          </a:ln>
+        </p:spPr>
+        <p:style>
+          <a:lnRef idx="2">
+            <a:schemeClr val="accent1"/>
+          </a:lnRef>
+          <a:fillRef idx="0">
+            <a:schemeClr val="accent1"/>
+          </a:fillRef>
+          <a:effectRef idx="1">
+            <a:schemeClr val="accent1"/>
+          </a:effectRef>
+          <a:fontRef idx="minor">
+            <a:schemeClr val="tx1"/>
+          </a:fontRef>
+        </p:style>
+      </p:cxnSp>
+      <p:cxnSp>
+        <p:nvCxnSpPr>
+          <p:cNvPr id="9" name="Straight Connector 8">
+            <a:extLst>
+              <a:ext uri="{FF2B5EF4-FFF2-40B4-BE49-F238E27FC236}">
+                <a16:creationId xmlns:a16="http://schemas.microsoft.com/office/drawing/2014/main" id="{65CD0DE4-F785-B4A9-092D-388A9372E94D}"/>
+              </a:ext>
+            </a:extLst>
+          </p:cNvPr>
+          <p:cNvCxnSpPr/>
+          <p:nvPr/>
+        </p:nvCxnSpPr>
+        <p:spPr>
+          <a:xfrm>
+            <a:off x="3448613" y="818147"/>
+            <a:ext cx="0" cy="4369870"/>
+          </a:xfrm>
+          <a:prstGeom prst="line">
+            <a:avLst/>
+          </a:prstGeom>
+          <a:ln>
+            <a:solidFill>
+              <a:schemeClr val="tx1"/>
+            </a:solidFill>
+            <a:prstDash val="dash"/>
+          </a:ln>
+        </p:spPr>
+        <p:style>
+          <a:lnRef idx="2">
+            <a:schemeClr val="accent1"/>
+          </a:lnRef>
+          <a:fillRef idx="0">
+            <a:schemeClr val="accent1"/>
+          </a:fillRef>
+          <a:effectRef idx="1">
+            <a:schemeClr val="accent1"/>
+          </a:effectRef>
+          <a:fontRef idx="minor">
+            <a:schemeClr val="tx1"/>
+          </a:fontRef>
+        </p:style>
+      </p:cxnSp>
+      <p:cxnSp>
+        <p:nvCxnSpPr>
+          <p:cNvPr id="14" name="Straight Connector 13">
+            <a:extLst>
+              <a:ext uri="{FF2B5EF4-FFF2-40B4-BE49-F238E27FC236}">
+                <a16:creationId xmlns:a16="http://schemas.microsoft.com/office/drawing/2014/main" id="{54DA1283-4A64-714B-861E-D0DA39E76F47}"/>
+              </a:ext>
+            </a:extLst>
+          </p:cNvPr>
+          <p:cNvCxnSpPr/>
+          <p:nvPr/>
+        </p:nvCxnSpPr>
+        <p:spPr>
+          <a:xfrm>
+            <a:off x="2559403" y="818147"/>
+            <a:ext cx="0" cy="4369870"/>
+          </a:xfrm>
+          <a:prstGeom prst="line">
+            <a:avLst/>
+          </a:prstGeom>
+          <a:ln>
+            <a:solidFill>
+              <a:schemeClr val="tx1"/>
+            </a:solidFill>
+            <a:prstDash val="dash"/>
+          </a:ln>
+        </p:spPr>
+        <p:style>
+          <a:lnRef idx="2">
+            <a:schemeClr val="accent1"/>
+          </a:lnRef>
+          <a:fillRef idx="0">
+            <a:schemeClr val="accent1"/>
+          </a:fillRef>
+          <a:effectRef idx="1">
+            <a:schemeClr val="accent1"/>
+          </a:effectRef>
+          <a:fontRef idx="minor">
+            <a:schemeClr val="tx1"/>
+          </a:fontRef>
+        </p:style>
+      </p:cxnSp>
+      <p:sp>
+        <p:nvSpPr>
+          <p:cNvPr id="16" name="Can 15">
+            <a:extLst>
+              <a:ext uri="{FF2B5EF4-FFF2-40B4-BE49-F238E27FC236}">
+                <a16:creationId xmlns:a16="http://schemas.microsoft.com/office/drawing/2014/main" id="{ADFDDA09-55BB-1F34-6DC3-963809C67011}"/>
+              </a:ext>
+            </a:extLst>
+          </p:cNvPr>
+          <p:cNvSpPr/>
+          <p:nvPr/>
+        </p:nvSpPr>
+        <p:spPr>
+          <a:xfrm>
+            <a:off x="2177821" y="2606852"/>
+            <a:ext cx="741583" cy="1284428"/>
+          </a:xfrm>
+          <a:prstGeom prst="can">
+            <a:avLst/>
+          </a:prstGeom>
+          <a:noFill/>
+          <a:ln w="38100">
+            <a:prstDash val="dash"/>
+          </a:ln>
+        </p:spPr>
+        <p:style>
+          <a:lnRef idx="2">
+            <a:schemeClr val="accent1">
+              <a:shade val="15000"/>
+            </a:schemeClr>
+          </a:lnRef>
+          <a:fillRef idx="1">
+            <a:schemeClr val="accent1"/>
+          </a:fillRef>
+          <a:effectRef idx="0">
+            <a:schemeClr val="accent1"/>
+          </a:effectRef>
+          <a:fontRef idx="minor">
+            <a:schemeClr val="lt1"/>
+          </a:fontRef>
+        </p:style>
+        <p:txBody>
+          <a:bodyPr rtlCol="0" anchor="ctr"/>
+          <a:lstStyle/>
+          <a:p>
+            <a:pPr algn="ctr"/>
+            <a:endParaRPr lang="en-ES"/>
+          </a:p>
+        </p:txBody>
+      </p:sp>
+      <p:sp>
+        <p:nvSpPr>
+          <p:cNvPr id="23" name="Left Brace 22">
+            <a:extLst>
+              <a:ext uri="{FF2B5EF4-FFF2-40B4-BE49-F238E27FC236}">
+                <a16:creationId xmlns:a16="http://schemas.microsoft.com/office/drawing/2014/main" id="{38186171-3084-8141-20E5-B40C86735D54}"/>
+              </a:ext>
+            </a:extLst>
+          </p:cNvPr>
+          <p:cNvSpPr/>
+          <p:nvPr/>
+        </p:nvSpPr>
+        <p:spPr>
+          <a:xfrm rot="10800000">
+            <a:off x="3687069" y="2723947"/>
+            <a:ext cx="248093" cy="1078031"/>
+          </a:xfrm>
+          <a:prstGeom prst="leftBrace">
+            <a:avLst/>
+          </a:prstGeom>
+        </p:spPr>
+        <p:style>
+          <a:lnRef idx="2">
+            <a:schemeClr val="dk1"/>
+          </a:lnRef>
+          <a:fillRef idx="0">
+            <a:schemeClr val="dk1"/>
+          </a:fillRef>
+          <a:effectRef idx="1">
+            <a:schemeClr val="dk1"/>
+          </a:effectRef>
+          <a:fontRef idx="minor">
+            <a:schemeClr val="tx1"/>
+          </a:fontRef>
+        </p:style>
+        <p:txBody>
+          <a:bodyPr rtlCol="0" anchor="ctr"/>
+          <a:lstStyle/>
+          <a:p>
+            <a:pPr algn="ctr"/>
+            <a:endParaRPr lang="en-ES"/>
+          </a:p>
+        </p:txBody>
+      </p:sp>
+      <p:sp>
+        <p:nvSpPr>
+          <p:cNvPr id="24" name="TextBox 23">
+            <a:extLst>
+              <a:ext uri="{FF2B5EF4-FFF2-40B4-BE49-F238E27FC236}">
+                <a16:creationId xmlns:a16="http://schemas.microsoft.com/office/drawing/2014/main" id="{F8DE0795-2BB5-EF71-0A91-91AAF676E184}"/>
+              </a:ext>
+            </a:extLst>
+          </p:cNvPr>
+          <p:cNvSpPr txBox="1"/>
+          <p:nvPr/>
+        </p:nvSpPr>
+        <p:spPr>
+          <a:xfrm>
+            <a:off x="3875662" y="3078297"/>
+            <a:ext cx="400967" cy="369332"/>
+          </a:xfrm>
+          <a:prstGeom prst="rect">
+            <a:avLst/>
+          </a:prstGeom>
+          <a:noFill/>
+        </p:spPr>
+        <p:txBody>
+          <a:bodyPr wrap="square" rtlCol="0">
+            <a:spAutoFit/>
+          </a:bodyPr>
+          <a:lstStyle/>
+          <a:p>
+            <a:r>
+              <a:rPr lang="en-ES" dirty="0"/>
+              <a:t>H</a:t>
+            </a:r>
+          </a:p>
+        </p:txBody>
+      </p:sp>
+      <p:sp>
+        <p:nvSpPr>
+          <p:cNvPr id="25" name="Can 24">
+            <a:extLst>
+              <a:ext uri="{FF2B5EF4-FFF2-40B4-BE49-F238E27FC236}">
+                <a16:creationId xmlns:a16="http://schemas.microsoft.com/office/drawing/2014/main" id="{2180C73B-F8E5-2508-C761-D2C6D12B649B}"/>
+              </a:ext>
+            </a:extLst>
+          </p:cNvPr>
+          <p:cNvSpPr/>
+          <p:nvPr/>
+        </p:nvSpPr>
+        <p:spPr>
+          <a:xfrm>
+            <a:off x="5063200" y="1771810"/>
+            <a:ext cx="1800000" cy="2752826"/>
+          </a:xfrm>
+          <a:prstGeom prst="can">
+            <a:avLst/>
+          </a:prstGeom>
+          <a:gradFill>
+            <a:gsLst>
+              <a:gs pos="0">
+                <a:schemeClr val="accent1">
+                  <a:tint val="66000"/>
+                  <a:satMod val="160000"/>
+                </a:schemeClr>
+              </a:gs>
+              <a:gs pos="50000">
+                <a:schemeClr val="accent1">
+                  <a:tint val="44500"/>
+                  <a:satMod val="160000"/>
+                </a:schemeClr>
+              </a:gs>
+              <a:gs pos="100000">
+                <a:schemeClr val="accent1">
+                  <a:tint val="23500"/>
+                  <a:satMod val="160000"/>
+                </a:schemeClr>
+              </a:gs>
+            </a:gsLst>
+            <a:lin ang="8100000" scaled="1"/>
+          </a:gradFill>
+        </p:spPr>
+        <p:style>
+          <a:lnRef idx="2">
+            <a:schemeClr val="accent1">
+              <a:shade val="15000"/>
+            </a:schemeClr>
+          </a:lnRef>
+          <a:fillRef idx="1">
+            <a:schemeClr val="accent1"/>
+          </a:fillRef>
+          <a:effectRef idx="0">
+            <a:schemeClr val="accent1"/>
+          </a:effectRef>
+          <a:fontRef idx="minor">
+            <a:schemeClr val="lt1"/>
+          </a:fontRef>
+        </p:style>
+        <p:txBody>
+          <a:bodyPr rtlCol="0" anchor="ctr"/>
+          <a:lstStyle/>
+          <a:p>
+            <a:pPr algn="ctr"/>
+            <a:endParaRPr lang="en-ES"/>
+          </a:p>
+        </p:txBody>
+      </p:sp>
+      <p:sp>
+        <p:nvSpPr>
+          <p:cNvPr id="26" name="TextBox 25">
+            <a:extLst>
+              <a:ext uri="{FF2B5EF4-FFF2-40B4-BE49-F238E27FC236}">
+                <a16:creationId xmlns:a16="http://schemas.microsoft.com/office/drawing/2014/main" id="{46F77D16-2EB2-0DC8-1CE3-E60F3280EA7D}"/>
+              </a:ext>
+            </a:extLst>
+          </p:cNvPr>
+          <p:cNvSpPr txBox="1"/>
+          <p:nvPr/>
+        </p:nvSpPr>
+        <p:spPr>
+          <a:xfrm>
+            <a:off x="5173590" y="2309532"/>
+            <a:ext cx="400967" cy="369332"/>
+          </a:xfrm>
+          <a:prstGeom prst="rect">
+            <a:avLst/>
+          </a:prstGeom>
+          <a:noFill/>
+        </p:spPr>
+        <p:txBody>
+          <a:bodyPr wrap="square" rtlCol="0">
+            <a:spAutoFit/>
+          </a:bodyPr>
+          <a:lstStyle/>
+          <a:p>
+            <a:r>
+              <a:rPr lang="en-ES" dirty="0"/>
+              <a:t>ρ</a:t>
+            </a:r>
+          </a:p>
+        </p:txBody>
+      </p:sp>
+      <p:cxnSp>
+        <p:nvCxnSpPr>
+          <p:cNvPr id="27" name="Straight Connector 26">
+            <a:extLst>
+              <a:ext uri="{FF2B5EF4-FFF2-40B4-BE49-F238E27FC236}">
+                <a16:creationId xmlns:a16="http://schemas.microsoft.com/office/drawing/2014/main" id="{129FF1EC-1153-C755-BDAC-CC5829D0BA6A}"/>
+              </a:ext>
+            </a:extLst>
+          </p:cNvPr>
+          <p:cNvCxnSpPr/>
+          <p:nvPr/>
+        </p:nvCxnSpPr>
+        <p:spPr>
+          <a:xfrm>
+            <a:off x="5063200" y="854332"/>
+            <a:ext cx="0" cy="4369870"/>
+          </a:xfrm>
+          <a:prstGeom prst="line">
+            <a:avLst/>
+          </a:prstGeom>
+          <a:ln>
+            <a:solidFill>
+              <a:schemeClr val="tx1"/>
+            </a:solidFill>
+            <a:prstDash val="dash"/>
+          </a:ln>
+        </p:spPr>
+        <p:style>
+          <a:lnRef idx="2">
+            <a:schemeClr val="accent1"/>
+          </a:lnRef>
+          <a:fillRef idx="0">
+            <a:schemeClr val="accent1"/>
+          </a:fillRef>
+          <a:effectRef idx="1">
+            <a:schemeClr val="accent1"/>
+          </a:effectRef>
+          <a:fontRef idx="minor">
+            <a:schemeClr val="tx1"/>
+          </a:fontRef>
+        </p:style>
+      </p:cxnSp>
+      <p:cxnSp>
+        <p:nvCxnSpPr>
+          <p:cNvPr id="28" name="Straight Connector 27">
+            <a:extLst>
+              <a:ext uri="{FF2B5EF4-FFF2-40B4-BE49-F238E27FC236}">
+                <a16:creationId xmlns:a16="http://schemas.microsoft.com/office/drawing/2014/main" id="{DFC73054-E311-E828-8EA6-7EEE256E3D71}"/>
+              </a:ext>
+            </a:extLst>
+          </p:cNvPr>
+          <p:cNvCxnSpPr/>
+          <p:nvPr/>
+        </p:nvCxnSpPr>
+        <p:spPr>
+          <a:xfrm>
+            <a:off x="6863200" y="854332"/>
+            <a:ext cx="0" cy="4369870"/>
+          </a:xfrm>
+          <a:prstGeom prst="line">
+            <a:avLst/>
+          </a:prstGeom>
+          <a:ln>
+            <a:solidFill>
+              <a:schemeClr val="tx1"/>
+            </a:solidFill>
+            <a:prstDash val="dash"/>
+          </a:ln>
+        </p:spPr>
+        <p:style>
+          <a:lnRef idx="2">
+            <a:schemeClr val="accent1"/>
+          </a:lnRef>
+          <a:fillRef idx="0">
+            <a:schemeClr val="accent1"/>
+          </a:fillRef>
+          <a:effectRef idx="1">
+            <a:schemeClr val="accent1"/>
+          </a:effectRef>
+          <a:fontRef idx="minor">
+            <a:schemeClr val="tx1"/>
+          </a:fontRef>
+        </p:style>
+      </p:cxnSp>
+      <p:cxnSp>
+        <p:nvCxnSpPr>
+          <p:cNvPr id="34" name="Straight Connector 33">
+            <a:extLst>
+              <a:ext uri="{FF2B5EF4-FFF2-40B4-BE49-F238E27FC236}">
+                <a16:creationId xmlns:a16="http://schemas.microsoft.com/office/drawing/2014/main" id="{FB43FAF1-A8ED-0568-FAD8-10D22200A226}"/>
+              </a:ext>
+            </a:extLst>
+          </p:cNvPr>
+          <p:cNvCxnSpPr/>
+          <p:nvPr/>
+        </p:nvCxnSpPr>
+        <p:spPr>
+          <a:xfrm>
+            <a:off x="5973990" y="854332"/>
+            <a:ext cx="0" cy="4369870"/>
+          </a:xfrm>
+          <a:prstGeom prst="line">
+            <a:avLst/>
+          </a:prstGeom>
+          <a:ln>
+            <a:solidFill>
+              <a:schemeClr val="tx1"/>
+            </a:solidFill>
+            <a:prstDash val="dash"/>
+          </a:ln>
+        </p:spPr>
+        <p:style>
+          <a:lnRef idx="2">
+            <a:schemeClr val="accent1"/>
+          </a:lnRef>
+          <a:fillRef idx="0">
+            <a:schemeClr val="accent1"/>
+          </a:fillRef>
+          <a:effectRef idx="1">
+            <a:schemeClr val="accent1"/>
+          </a:effectRef>
+          <a:fontRef idx="minor">
+            <a:schemeClr val="tx1"/>
+          </a:fontRef>
+        </p:style>
+      </p:cxnSp>
+      <p:sp>
+        <p:nvSpPr>
+          <p:cNvPr id="36" name="Can 35">
+            <a:extLst>
+              <a:ext uri="{FF2B5EF4-FFF2-40B4-BE49-F238E27FC236}">
+                <a16:creationId xmlns:a16="http://schemas.microsoft.com/office/drawing/2014/main" id="{C6144F66-A44B-A19E-165A-77096A800475}"/>
+              </a:ext>
+            </a:extLst>
+          </p:cNvPr>
+          <p:cNvSpPr/>
+          <p:nvPr/>
+        </p:nvSpPr>
+        <p:spPr>
+          <a:xfrm>
+            <a:off x="4880012" y="2512194"/>
+            <a:ext cx="2181190" cy="1666943"/>
+          </a:xfrm>
+          <a:prstGeom prst="can">
+            <a:avLst>
+              <a:gd name="adj" fmla="val 34152"/>
+            </a:avLst>
+          </a:prstGeom>
+          <a:noFill/>
+          <a:ln w="38100">
+            <a:prstDash val="dash"/>
+          </a:ln>
+        </p:spPr>
+        <p:style>
+          <a:lnRef idx="2">
+            <a:schemeClr val="accent1">
+              <a:shade val="15000"/>
+            </a:schemeClr>
+          </a:lnRef>
+          <a:fillRef idx="1">
+            <a:schemeClr val="accent1"/>
+          </a:fillRef>
+          <a:effectRef idx="0">
+            <a:schemeClr val="accent1"/>
+          </a:effectRef>
+          <a:fontRef idx="minor">
+            <a:schemeClr val="lt1"/>
+          </a:fontRef>
+        </p:style>
+        <p:txBody>
+          <a:bodyPr rtlCol="0" anchor="ctr"/>
+          <a:lstStyle/>
+          <a:p>
+            <a:pPr algn="ctr"/>
+            <a:endParaRPr lang="en-ES"/>
+          </a:p>
+        </p:txBody>
+      </p:sp>
+      <p:sp>
+        <p:nvSpPr>
+          <p:cNvPr id="37" name="Left Brace 36">
+            <a:extLst>
+              <a:ext uri="{FF2B5EF4-FFF2-40B4-BE49-F238E27FC236}">
+                <a16:creationId xmlns:a16="http://schemas.microsoft.com/office/drawing/2014/main" id="{D3AABCEA-D195-BDF5-78E8-4DF5F89BE2A6}"/>
+              </a:ext>
+            </a:extLst>
+          </p:cNvPr>
+          <p:cNvSpPr/>
+          <p:nvPr/>
+        </p:nvSpPr>
+        <p:spPr>
+          <a:xfrm rot="10800000">
+            <a:off x="7188282" y="2760132"/>
+            <a:ext cx="248093" cy="1078031"/>
+          </a:xfrm>
+          <a:prstGeom prst="leftBrace">
+            <a:avLst/>
+          </a:prstGeom>
+        </p:spPr>
+        <p:style>
+          <a:lnRef idx="2">
+            <a:schemeClr val="dk1"/>
+          </a:lnRef>
+          <a:fillRef idx="0">
+            <a:schemeClr val="dk1"/>
+          </a:fillRef>
+          <a:effectRef idx="1">
+            <a:schemeClr val="dk1"/>
+          </a:effectRef>
+          <a:fontRef idx="minor">
+            <a:schemeClr val="tx1"/>
+          </a:fontRef>
+        </p:style>
+        <p:txBody>
+          <a:bodyPr rtlCol="0" anchor="ctr"/>
+          <a:lstStyle/>
+          <a:p>
+            <a:pPr algn="ctr"/>
+            <a:endParaRPr lang="en-ES"/>
+          </a:p>
+        </p:txBody>
+      </p:sp>
+      <p:sp>
+        <p:nvSpPr>
+          <p:cNvPr id="38" name="TextBox 37">
+            <a:extLst>
+              <a:ext uri="{FF2B5EF4-FFF2-40B4-BE49-F238E27FC236}">
+                <a16:creationId xmlns:a16="http://schemas.microsoft.com/office/drawing/2014/main" id="{A214F29B-67EF-39C0-29C5-5EBB85DB2887}"/>
+              </a:ext>
+            </a:extLst>
+          </p:cNvPr>
+          <p:cNvSpPr txBox="1"/>
+          <p:nvPr/>
+        </p:nvSpPr>
+        <p:spPr>
+          <a:xfrm>
+            <a:off x="7376875" y="3114482"/>
+            <a:ext cx="400967" cy="369332"/>
+          </a:xfrm>
+          <a:prstGeom prst="rect">
+            <a:avLst/>
+          </a:prstGeom>
+          <a:noFill/>
+        </p:spPr>
+        <p:txBody>
+          <a:bodyPr wrap="square" rtlCol="0">
+            <a:spAutoFit/>
+          </a:bodyPr>
+          <a:lstStyle/>
+          <a:p>
+            <a:r>
+              <a:rPr lang="en-ES" dirty="0"/>
+              <a:t>H</a:t>
+            </a:r>
+          </a:p>
+        </p:txBody>
+      </p:sp>
+      <p:sp>
+        <p:nvSpPr>
+          <p:cNvPr id="4" name="TextBox 3">
+            <a:extLst>
+              <a:ext uri="{FF2B5EF4-FFF2-40B4-BE49-F238E27FC236}">
+                <a16:creationId xmlns:a16="http://schemas.microsoft.com/office/drawing/2014/main" id="{22F31DFF-73F9-BD51-7FD9-E665605EB572}"/>
+              </a:ext>
+            </a:extLst>
+          </p:cNvPr>
+          <p:cNvSpPr txBox="1"/>
+          <p:nvPr/>
+        </p:nvSpPr>
+        <p:spPr>
+          <a:xfrm>
+            <a:off x="1346920" y="2879734"/>
+            <a:ext cx="566530" cy="369332"/>
+          </a:xfrm>
+          <a:prstGeom prst="rect">
+            <a:avLst/>
+          </a:prstGeom>
+          <a:noFill/>
+        </p:spPr>
+        <p:txBody>
+          <a:bodyPr wrap="square" rtlCol="0">
+            <a:spAutoFit/>
+          </a:bodyPr>
+          <a:lstStyle/>
+          <a:p>
+            <a:r>
+              <a:rPr lang="en-ES" dirty="0"/>
+              <a:t>S</a:t>
+            </a:r>
+            <a:r>
+              <a:rPr lang="en-ES" baseline="-25000" dirty="0"/>
+              <a:t>l</a:t>
+            </a:r>
+          </a:p>
+        </p:txBody>
+      </p:sp>
+      <p:sp>
+        <p:nvSpPr>
+          <p:cNvPr id="6" name="TextBox 5">
+            <a:extLst>
+              <a:ext uri="{FF2B5EF4-FFF2-40B4-BE49-F238E27FC236}">
+                <a16:creationId xmlns:a16="http://schemas.microsoft.com/office/drawing/2014/main" id="{7B0BD8D6-D7BB-564A-6829-DCA2CC802FB0}"/>
+              </a:ext>
+            </a:extLst>
+          </p:cNvPr>
+          <p:cNvSpPr txBox="1"/>
+          <p:nvPr/>
+        </p:nvSpPr>
+        <p:spPr>
+          <a:xfrm>
+            <a:off x="2854286" y="2126932"/>
+            <a:ext cx="566530" cy="369332"/>
+          </a:xfrm>
+          <a:prstGeom prst="rect">
+            <a:avLst/>
+          </a:prstGeom>
+          <a:noFill/>
+        </p:spPr>
+        <p:txBody>
+          <a:bodyPr wrap="square" rtlCol="0">
+            <a:spAutoFit/>
+          </a:bodyPr>
+          <a:lstStyle/>
+          <a:p>
+            <a:r>
+              <a:rPr lang="en-ES" dirty="0"/>
+              <a:t>S</a:t>
+            </a:r>
+            <a:r>
+              <a:rPr lang="en-ES" baseline="-25000" dirty="0"/>
+              <a:t>t1</a:t>
+            </a:r>
+          </a:p>
+        </p:txBody>
+      </p:sp>
+      <p:sp>
+        <p:nvSpPr>
+          <p:cNvPr id="15" name="TextBox 14">
+            <a:extLst>
+              <a:ext uri="{FF2B5EF4-FFF2-40B4-BE49-F238E27FC236}">
+                <a16:creationId xmlns:a16="http://schemas.microsoft.com/office/drawing/2014/main" id="{A18A31FF-C33F-245C-2D93-8DA9937C3A71}"/>
+              </a:ext>
+            </a:extLst>
+          </p:cNvPr>
+          <p:cNvSpPr txBox="1"/>
+          <p:nvPr/>
+        </p:nvSpPr>
+        <p:spPr>
+          <a:xfrm>
+            <a:off x="4594610" y="3078297"/>
+            <a:ext cx="566530" cy="369332"/>
+          </a:xfrm>
+          <a:prstGeom prst="rect">
+            <a:avLst/>
+          </a:prstGeom>
+          <a:noFill/>
+        </p:spPr>
+        <p:txBody>
+          <a:bodyPr wrap="square" rtlCol="0">
+            <a:spAutoFit/>
+          </a:bodyPr>
+          <a:lstStyle/>
+          <a:p>
+            <a:r>
+              <a:rPr lang="en-ES" dirty="0"/>
+              <a:t>S</a:t>
+            </a:r>
+            <a:r>
+              <a:rPr lang="en-ES" baseline="-25000" dirty="0"/>
+              <a:t>l</a:t>
+            </a:r>
+          </a:p>
+        </p:txBody>
+      </p:sp>
+      <p:sp>
+        <p:nvSpPr>
+          <p:cNvPr id="17" name="TextBox 16">
+            <a:extLst>
+              <a:ext uri="{FF2B5EF4-FFF2-40B4-BE49-F238E27FC236}">
+                <a16:creationId xmlns:a16="http://schemas.microsoft.com/office/drawing/2014/main" id="{4C9E654C-4A3F-120F-42B0-5DB239E29ECB}"/>
+              </a:ext>
+            </a:extLst>
+          </p:cNvPr>
+          <p:cNvSpPr txBox="1"/>
+          <p:nvPr/>
+        </p:nvSpPr>
+        <p:spPr>
+          <a:xfrm>
+            <a:off x="6135330" y="2562907"/>
+            <a:ext cx="566530" cy="369332"/>
+          </a:xfrm>
+          <a:prstGeom prst="rect">
+            <a:avLst/>
+          </a:prstGeom>
+          <a:noFill/>
+        </p:spPr>
+        <p:txBody>
+          <a:bodyPr wrap="square" rtlCol="0">
+            <a:spAutoFit/>
+          </a:bodyPr>
+          <a:lstStyle/>
+          <a:p>
+            <a:r>
+              <a:rPr lang="en-ES" dirty="0"/>
+              <a:t>S</a:t>
+            </a:r>
+            <a:r>
+              <a:rPr lang="en-ES" baseline="-25000" dirty="0"/>
+              <a:t>t1</a:t>
+            </a:r>
+          </a:p>
+        </p:txBody>
+      </p:sp>
+      <p:sp>
+        <p:nvSpPr>
+          <p:cNvPr id="18" name="TextBox 17">
+            <a:extLst>
+              <a:ext uri="{FF2B5EF4-FFF2-40B4-BE49-F238E27FC236}">
+                <a16:creationId xmlns:a16="http://schemas.microsoft.com/office/drawing/2014/main" id="{0C5B728C-4572-A911-B52A-D868C0772695}"/>
+              </a:ext>
+            </a:extLst>
+          </p:cNvPr>
+          <p:cNvSpPr txBox="1"/>
+          <p:nvPr/>
+        </p:nvSpPr>
+        <p:spPr>
+          <a:xfrm>
+            <a:off x="5142216" y="4742322"/>
+            <a:ext cx="566530" cy="369332"/>
+          </a:xfrm>
+          <a:prstGeom prst="rect">
+            <a:avLst/>
+          </a:prstGeom>
+          <a:noFill/>
+        </p:spPr>
+        <p:txBody>
+          <a:bodyPr wrap="square" rtlCol="0">
+            <a:spAutoFit/>
+          </a:bodyPr>
+          <a:lstStyle/>
+          <a:p>
+            <a:r>
+              <a:rPr lang="en-ES" dirty="0"/>
+              <a:t>S</a:t>
+            </a:r>
+            <a:r>
+              <a:rPr lang="en-ES" baseline="-25000" dirty="0"/>
+              <a:t>t2</a:t>
+            </a:r>
+          </a:p>
+        </p:txBody>
+      </p:sp>
+      <p:cxnSp>
+        <p:nvCxnSpPr>
+          <p:cNvPr id="20" name="Straight Arrow Connector 19">
+            <a:extLst>
+              <a:ext uri="{FF2B5EF4-FFF2-40B4-BE49-F238E27FC236}">
+                <a16:creationId xmlns:a16="http://schemas.microsoft.com/office/drawing/2014/main" id="{CAE35F22-3415-7DC0-0057-C66B0EA43733}"/>
+              </a:ext>
+            </a:extLst>
+          </p:cNvPr>
+          <p:cNvCxnSpPr>
+            <a:cxnSpLocks/>
+          </p:cNvCxnSpPr>
+          <p:nvPr/>
+        </p:nvCxnSpPr>
+        <p:spPr>
+          <a:xfrm flipV="1">
+            <a:off x="5468821" y="4173226"/>
+            <a:ext cx="201557" cy="702136"/>
+          </a:xfrm>
+          <a:prstGeom prst="straightConnector1">
+            <a:avLst/>
+          </a:prstGeom>
+          <a:ln>
+            <a:tailEnd type="triangle"/>
+          </a:ln>
+        </p:spPr>
+        <p:style>
+          <a:lnRef idx="2">
+            <a:schemeClr val="dk1"/>
+          </a:lnRef>
+          <a:fillRef idx="0">
+            <a:schemeClr val="dk1"/>
+          </a:fillRef>
+          <a:effectRef idx="1">
+            <a:schemeClr val="dk1"/>
+          </a:effectRef>
+          <a:fontRef idx="minor">
+            <a:schemeClr val="tx1"/>
+          </a:fontRef>
+        </p:style>
+      </p:cxnSp>
+      <p:sp>
+        <p:nvSpPr>
+          <p:cNvPr id="22" name="TextBox 21">
+            <a:extLst>
+              <a:ext uri="{FF2B5EF4-FFF2-40B4-BE49-F238E27FC236}">
+                <a16:creationId xmlns:a16="http://schemas.microsoft.com/office/drawing/2014/main" id="{BBDC6B99-3D6C-041A-9199-3ACCDE163352}"/>
+              </a:ext>
+            </a:extLst>
+          </p:cNvPr>
+          <p:cNvSpPr txBox="1"/>
+          <p:nvPr/>
+        </p:nvSpPr>
+        <p:spPr>
+          <a:xfrm>
+            <a:off x="1873646" y="3039267"/>
+            <a:ext cx="566530" cy="369332"/>
+          </a:xfrm>
+          <a:prstGeom prst="rect">
+            <a:avLst/>
+          </a:prstGeom>
+          <a:noFill/>
+        </p:spPr>
+        <p:txBody>
+          <a:bodyPr wrap="square" rtlCol="0">
+            <a:spAutoFit/>
+          </a:bodyPr>
+          <a:lstStyle/>
+          <a:p>
+            <a:r>
+              <a:rPr lang="en-ES" dirty="0"/>
+              <a:t>S</a:t>
+            </a:r>
+            <a:r>
+              <a:rPr lang="en-ES" baseline="-25000" dirty="0"/>
+              <a:t>l</a:t>
+            </a:r>
+          </a:p>
+        </p:txBody>
+      </p:sp>
+      <p:sp>
+        <p:nvSpPr>
+          <p:cNvPr id="32" name="TextBox 31">
+            <a:extLst>
+              <a:ext uri="{FF2B5EF4-FFF2-40B4-BE49-F238E27FC236}">
+                <a16:creationId xmlns:a16="http://schemas.microsoft.com/office/drawing/2014/main" id="{B15DBDB9-B941-E729-A084-77C4707BCED8}"/>
+              </a:ext>
+            </a:extLst>
+          </p:cNvPr>
+          <p:cNvSpPr txBox="1"/>
+          <p:nvPr/>
+        </p:nvSpPr>
+        <p:spPr>
+          <a:xfrm>
+            <a:off x="1892464" y="4103202"/>
+            <a:ext cx="566530" cy="369332"/>
+          </a:xfrm>
+          <a:prstGeom prst="rect">
+            <a:avLst/>
+          </a:prstGeom>
+          <a:noFill/>
+        </p:spPr>
+        <p:txBody>
+          <a:bodyPr wrap="square" rtlCol="0">
+            <a:spAutoFit/>
+          </a:bodyPr>
+          <a:lstStyle/>
+          <a:p>
+            <a:r>
+              <a:rPr lang="en-ES" dirty="0"/>
+              <a:t>S</a:t>
+            </a:r>
+            <a:r>
+              <a:rPr lang="en-ES" baseline="-25000" dirty="0"/>
+              <a:t>t2</a:t>
+            </a:r>
+          </a:p>
+        </p:txBody>
+      </p:sp>
+      <p:cxnSp>
+        <p:nvCxnSpPr>
+          <p:cNvPr id="39" name="Straight Arrow Connector 38">
+            <a:extLst>
+              <a:ext uri="{FF2B5EF4-FFF2-40B4-BE49-F238E27FC236}">
+                <a16:creationId xmlns:a16="http://schemas.microsoft.com/office/drawing/2014/main" id="{5CE1F8C7-B608-4874-FF68-88BEB1338765}"/>
+              </a:ext>
+            </a:extLst>
+          </p:cNvPr>
+          <p:cNvCxnSpPr>
+            <a:cxnSpLocks/>
+          </p:cNvCxnSpPr>
+          <p:nvPr/>
+        </p:nvCxnSpPr>
+        <p:spPr>
+          <a:xfrm flipV="1">
+            <a:off x="2219069" y="3878920"/>
+            <a:ext cx="76737" cy="357322"/>
+          </a:xfrm>
+          <a:prstGeom prst="straightConnector1">
+            <a:avLst/>
+          </a:prstGeom>
+          <a:ln>
+            <a:tailEnd type="triangle"/>
+          </a:ln>
+        </p:spPr>
+        <p:style>
+          <a:lnRef idx="2">
+            <a:schemeClr val="dk1"/>
+          </a:lnRef>
+          <a:fillRef idx="0">
+            <a:schemeClr val="dk1"/>
+          </a:fillRef>
+          <a:effectRef idx="1">
+            <a:schemeClr val="dk1"/>
+          </a:effectRef>
+          <a:fontRef idx="minor">
+            <a:schemeClr val="tx1"/>
+          </a:fontRef>
+        </p:style>
+      </p:cxnSp>
+      <p:cxnSp>
+        <p:nvCxnSpPr>
+          <p:cNvPr id="40" name="Straight Arrow Connector 39">
+            <a:extLst>
+              <a:ext uri="{FF2B5EF4-FFF2-40B4-BE49-F238E27FC236}">
+                <a16:creationId xmlns:a16="http://schemas.microsoft.com/office/drawing/2014/main" id="{F0F17A55-FBD2-9DE5-BB9D-E02F3531D7C5}"/>
+              </a:ext>
+            </a:extLst>
+          </p:cNvPr>
+          <p:cNvCxnSpPr>
+            <a:cxnSpLocks/>
+          </p:cNvCxnSpPr>
+          <p:nvPr/>
+        </p:nvCxnSpPr>
+        <p:spPr>
+          <a:xfrm flipH="1">
+            <a:off x="2722456" y="2401867"/>
+            <a:ext cx="215364" cy="322080"/>
+          </a:xfrm>
+          <a:prstGeom prst="straightConnector1">
+            <a:avLst/>
+          </a:prstGeom>
+          <a:ln>
+            <a:tailEnd type="triangle"/>
+          </a:ln>
+        </p:spPr>
+        <p:style>
+          <a:lnRef idx="2">
+            <a:schemeClr val="dk1"/>
+          </a:lnRef>
+          <a:fillRef idx="0">
+            <a:schemeClr val="dk1"/>
+          </a:fillRef>
+          <a:effectRef idx="1">
+            <a:schemeClr val="dk1"/>
+          </a:effectRef>
+          <a:fontRef idx="minor">
+            <a:schemeClr val="tx1"/>
+          </a:fontRef>
+        </p:style>
+      </p:cxnSp>
+    </p:spTree>
+    <p:extLst>
+      <p:ext uri="{BB962C8B-B14F-4D97-AF65-F5344CB8AC3E}">
+        <p14:creationId xmlns:p14="http://schemas.microsoft.com/office/powerpoint/2010/main" val="3951030197"/>
       </p:ext>
     </p:extLst>
   </p:cSld>
@@ -9404,4 +14950,319 @@
     </a:ext>
   </a:extLst>
 </a:theme>
+</file>
+
+<file path=ppt/theme/theme2.xml><?xml version="1.0" encoding="utf-8"?>
+<a:theme xmlns:a="http://schemas.openxmlformats.org/drawingml/2006/main" name="Office Theme">
+  <a:themeElements>
+    <a:clrScheme name="Office">
+      <a:dk1>
+        <a:sysClr val="windowText" lastClr="000000"/>
+      </a:dk1>
+      <a:lt1>
+        <a:sysClr val="window" lastClr="FFFFFF"/>
+      </a:lt1>
+      <a:dk2>
+        <a:srgbClr val="0E2841"/>
+      </a:dk2>
+      <a:lt2>
+        <a:srgbClr val="E8E8E8"/>
+      </a:lt2>
+      <a:accent1>
+        <a:srgbClr val="156082"/>
+      </a:accent1>
+      <a:accent2>
+        <a:srgbClr val="E97132"/>
+      </a:accent2>
+      <a:accent3>
+        <a:srgbClr val="196B24"/>
+      </a:accent3>
+      <a:accent4>
+        <a:srgbClr val="0F9ED5"/>
+      </a:accent4>
+      <a:accent5>
+        <a:srgbClr val="A02B93"/>
+      </a:accent5>
+      <a:accent6>
+        <a:srgbClr val="4EA72E"/>
+      </a:accent6>
+      <a:hlink>
+        <a:srgbClr val="467886"/>
+      </a:hlink>
+      <a:folHlink>
+        <a:srgbClr val="96607D"/>
+      </a:folHlink>
+    </a:clrScheme>
+    <a:fontScheme name="Office">
+      <a:majorFont>
+        <a:latin typeface="Aptos Display" panose="02110004020202020204"/>
+        <a:ea typeface=""/>
+        <a:cs typeface=""/>
+        <a:font script="Jpan" typeface="游ゴシック Light"/>
+        <a:font script="Hang" typeface="맑은 고딕"/>
+        <a:font script="Hans" typeface="等线 Light"/>
+        <a:font script="Hant" typeface="新細明體"/>
+        <a:font script="Arab" typeface="Times New Roman"/>
+        <a:font script="Hebr" typeface="Times New Roman"/>
+        <a:font script="Thai" typeface="Angsana New"/>
+        <a:font script="Ethi" typeface="Nyala"/>
+        <a:font script="Beng" typeface="Vrinda"/>
+        <a:font script="Gujr" typeface="Shruti"/>
+        <a:font script="Khmr" typeface="MoolBoran"/>
+        <a:font script="Knda" typeface="Tunga"/>
+        <a:font script="Guru" typeface="Raavi"/>
+        <a:font script="Cans" typeface="Euphemia"/>
+        <a:font script="Cher" typeface="Plantagenet Cherokee"/>
+        <a:font script="Yiii" typeface="Microsoft Yi Baiti"/>
+        <a:font script="Tibt" typeface="Microsoft Himalaya"/>
+        <a:font script="Thaa" typeface="MV Boli"/>
+        <a:font script="Deva" typeface="Mangal"/>
+        <a:font script="Telu" typeface="Gautami"/>
+        <a:font script="Taml" typeface="Latha"/>
+        <a:font script="Syrc" typeface="Estrangelo Edessa"/>
+        <a:font script="Orya" typeface="Kalinga"/>
+        <a:font script="Mlym" typeface="Kartika"/>
+        <a:font script="Laoo" typeface="DokChampa"/>
+        <a:font script="Sinh" typeface="Iskoola Pota"/>
+        <a:font script="Mong" typeface="Mongolian Baiti"/>
+        <a:font script="Viet" typeface="Times New Roman"/>
+        <a:font script="Uigh" typeface="Microsoft Uighur"/>
+        <a:font script="Geor" typeface="Sylfaen"/>
+        <a:font script="Armn" typeface="Arial"/>
+        <a:font script="Bugi" typeface="Leelawadee UI"/>
+        <a:font script="Bopo" typeface="Microsoft JhengHei"/>
+        <a:font script="Java" typeface="Javanese Text"/>
+        <a:font script="Lisu" typeface="Segoe UI"/>
+        <a:font script="Mymr" typeface="Myanmar Text"/>
+        <a:font script="Nkoo" typeface="Ebrima"/>
+        <a:font script="Olck" typeface="Nirmala UI"/>
+        <a:font script="Osma" typeface="Ebrima"/>
+        <a:font script="Phag" typeface="Phagspa"/>
+        <a:font script="Syrn" typeface="Estrangelo Edessa"/>
+        <a:font script="Syrj" typeface="Estrangelo Edessa"/>
+        <a:font script="Syre" typeface="Estrangelo Edessa"/>
+        <a:font script="Sora" typeface="Nirmala UI"/>
+        <a:font script="Tale" typeface="Microsoft Tai Le"/>
+        <a:font script="Talu" typeface="Microsoft New Tai Lue"/>
+        <a:font script="Tfng" typeface="Ebrima"/>
+      </a:majorFont>
+      <a:minorFont>
+        <a:latin typeface="Aptos" panose="02110004020202020204"/>
+        <a:ea typeface=""/>
+        <a:cs typeface=""/>
+        <a:font script="Jpan" typeface="游ゴシック"/>
+        <a:font script="Hang" typeface="맑은 고딕"/>
+        <a:font script="Hans" typeface="等线"/>
+        <a:font script="Hant" typeface="新細明體"/>
+        <a:font script="Arab" typeface="Arial"/>
+        <a:font script="Hebr" typeface="Arial"/>
+        <a:font script="Thai" typeface="Cordia New"/>
+        <a:font script="Ethi" typeface="Nyala"/>
+        <a:font script="Beng" typeface="Vrinda"/>
+        <a:font script="Gujr" typeface="Shruti"/>
+        <a:font script="Khmr" typeface="DaunPenh"/>
+        <a:font script="Knda" typeface="Tunga"/>
+        <a:font script="Guru" typeface="Raavi"/>
+        <a:font script="Cans" typeface="Euphemia"/>
+        <a:font script="Cher" typeface="Plantagenet Cherokee"/>
+        <a:font script="Yiii" typeface="Microsoft Yi Baiti"/>
+        <a:font script="Tibt" typeface="Microsoft Himalaya"/>
+        <a:font script="Thaa" typeface="MV Boli"/>
+        <a:font script="Deva" typeface="Mangal"/>
+        <a:font script="Telu" typeface="Gautami"/>
+        <a:font script="Taml" typeface="Latha"/>
+        <a:font script="Syrc" typeface="Estrangelo Edessa"/>
+        <a:font script="Orya" typeface="Kalinga"/>
+        <a:font script="Mlym" typeface="Kartika"/>
+        <a:font script="Laoo" typeface="DokChampa"/>
+        <a:font script="Sinh" typeface="Iskoola Pota"/>
+        <a:font script="Mong" typeface="Mongolian Baiti"/>
+        <a:font script="Viet" typeface="Arial"/>
+        <a:font script="Uigh" typeface="Microsoft Uighur"/>
+        <a:font script="Geor" typeface="Sylfaen"/>
+        <a:font script="Armn" typeface="Arial"/>
+        <a:font script="Bugi" typeface="Leelawadee UI"/>
+        <a:font script="Bopo" typeface="Microsoft JhengHei"/>
+        <a:font script="Java" typeface="Javanese Text"/>
+        <a:font script="Lisu" typeface="Segoe UI"/>
+        <a:font script="Mymr" typeface="Myanmar Text"/>
+        <a:font script="Nkoo" typeface="Ebrima"/>
+        <a:font script="Olck" typeface="Nirmala UI"/>
+        <a:font script="Osma" typeface="Ebrima"/>
+        <a:font script="Phag" typeface="Phagspa"/>
+        <a:font script="Syrn" typeface="Estrangelo Edessa"/>
+        <a:font script="Syrj" typeface="Estrangelo Edessa"/>
+        <a:font script="Syre" typeface="Estrangelo Edessa"/>
+        <a:font script="Sora" typeface="Nirmala UI"/>
+        <a:font script="Tale" typeface="Microsoft Tai Le"/>
+        <a:font script="Talu" typeface="Microsoft New Tai Lue"/>
+        <a:font script="Tfng" typeface="Ebrima"/>
+      </a:minorFont>
+    </a:fontScheme>
+    <a:fmtScheme name="Office">
+      <a:fillStyleLst>
+        <a:solidFill>
+          <a:schemeClr val="phClr"/>
+        </a:solidFill>
+        <a:gradFill rotWithShape="1">
+          <a:gsLst>
+            <a:gs pos="0">
+              <a:schemeClr val="phClr">
+                <a:lumMod val="110000"/>
+                <a:satMod val="105000"/>
+                <a:tint val="67000"/>
+              </a:schemeClr>
+            </a:gs>
+            <a:gs pos="50000">
+              <a:schemeClr val="phClr">
+                <a:lumMod val="105000"/>
+                <a:satMod val="103000"/>
+                <a:tint val="73000"/>
+              </a:schemeClr>
+            </a:gs>
+            <a:gs pos="100000">
+              <a:schemeClr val="phClr">
+                <a:lumMod val="105000"/>
+                <a:satMod val="109000"/>
+                <a:tint val="81000"/>
+              </a:schemeClr>
+            </a:gs>
+          </a:gsLst>
+          <a:lin ang="5400000" scaled="0"/>
+        </a:gradFill>
+        <a:gradFill rotWithShape="1">
+          <a:gsLst>
+            <a:gs pos="0">
+              <a:schemeClr val="phClr">
+                <a:satMod val="103000"/>
+                <a:lumMod val="102000"/>
+                <a:tint val="94000"/>
+              </a:schemeClr>
+            </a:gs>
+            <a:gs pos="50000">
+              <a:schemeClr val="phClr">
+                <a:satMod val="110000"/>
+                <a:lumMod val="100000"/>
+                <a:shade val="100000"/>
+              </a:schemeClr>
+            </a:gs>
+            <a:gs pos="100000">
+              <a:schemeClr val="phClr">
+                <a:lumMod val="99000"/>
+                <a:satMod val="120000"/>
+                <a:shade val="78000"/>
+              </a:schemeClr>
+            </a:gs>
+          </a:gsLst>
+          <a:lin ang="5400000" scaled="0"/>
+        </a:gradFill>
+      </a:fillStyleLst>
+      <a:lnStyleLst>
+        <a:ln w="12700" cap="flat" cmpd="sng" algn="ctr">
+          <a:solidFill>
+            <a:schemeClr val="phClr"/>
+          </a:solidFill>
+          <a:prstDash val="solid"/>
+          <a:miter lim="800000"/>
+        </a:ln>
+        <a:ln w="19050" cap="flat" cmpd="sng" algn="ctr">
+          <a:solidFill>
+            <a:schemeClr val="phClr"/>
+          </a:solidFill>
+          <a:prstDash val="solid"/>
+          <a:miter lim="800000"/>
+        </a:ln>
+        <a:ln w="25400" cap="flat" cmpd="sng" algn="ctr">
+          <a:solidFill>
+            <a:schemeClr val="phClr"/>
+          </a:solidFill>
+          <a:prstDash val="solid"/>
+          <a:miter lim="800000"/>
+        </a:ln>
+      </a:lnStyleLst>
+      <a:effectStyleLst>
+        <a:effectStyle>
+          <a:effectLst/>
+        </a:effectStyle>
+        <a:effectStyle>
+          <a:effectLst/>
+        </a:effectStyle>
+        <a:effectStyle>
+          <a:effectLst>
+            <a:outerShdw blurRad="57150" dist="19050" dir="5400000" algn="ctr" rotWithShape="0">
+              <a:srgbClr val="000000">
+                <a:alpha val="63000"/>
+              </a:srgbClr>
+            </a:outerShdw>
+          </a:effectLst>
+        </a:effectStyle>
+      </a:effectStyleLst>
+      <a:bgFillStyleLst>
+        <a:solidFill>
+          <a:schemeClr val="phClr"/>
+        </a:solidFill>
+        <a:solidFill>
+          <a:schemeClr val="phClr">
+            <a:tint val="95000"/>
+            <a:satMod val="170000"/>
+          </a:schemeClr>
+        </a:solidFill>
+        <a:gradFill rotWithShape="1">
+          <a:gsLst>
+            <a:gs pos="0">
+              <a:schemeClr val="phClr">
+                <a:tint val="93000"/>
+                <a:satMod val="150000"/>
+                <a:shade val="98000"/>
+                <a:lumMod val="102000"/>
+              </a:schemeClr>
+            </a:gs>
+            <a:gs pos="50000">
+              <a:schemeClr val="phClr">
+                <a:tint val="98000"/>
+                <a:satMod val="130000"/>
+                <a:shade val="90000"/>
+                <a:lumMod val="103000"/>
+              </a:schemeClr>
+            </a:gs>
+            <a:gs pos="100000">
+              <a:schemeClr val="phClr">
+                <a:shade val="63000"/>
+                <a:satMod val="120000"/>
+              </a:schemeClr>
+            </a:gs>
+          </a:gsLst>
+          <a:lin ang="5400000" scaled="0"/>
+        </a:gradFill>
+      </a:bgFillStyleLst>
+    </a:fmtScheme>
+  </a:themeElements>
+  <a:objectDefaults>
+    <a:lnDef>
+      <a:spPr/>
+      <a:bodyPr/>
+      <a:lstStyle/>
+      <a:style>
+        <a:lnRef idx="2">
+          <a:schemeClr val="accent1"/>
+        </a:lnRef>
+        <a:fillRef idx="0">
+          <a:schemeClr val="accent1"/>
+        </a:fillRef>
+        <a:effectRef idx="1">
+          <a:schemeClr val="accent1"/>
+        </a:effectRef>
+        <a:fontRef idx="minor">
+          <a:schemeClr val="tx1"/>
+        </a:fontRef>
+      </a:style>
+    </a:lnDef>
+  </a:objectDefaults>
+  <a:extraClrSchemeLst/>
+  <a:extLst>
+    <a:ext uri="{05A4C25C-085E-4340-85A3-A5531E510DB2}">
+      <thm15:themeFamily xmlns:thm15="http://schemas.microsoft.com/office/thememl/2012/main" name="Office Theme" id="{2E142A2C-CD16-42D6-873A-C26D2A0506FA}" vid="{1BDDFF52-6CD6-40A5-AB3C-68EB2F1E4D0A}"/>
+    </a:ext>
+  </a:extLst>
+</a:theme>
 </file>
--- a/images/images.pptx
+++ b/images/images.pptx
@@ -5,7 +5,7 @@
     <p:sldMasterId id="2147483648" r:id="rId1"/>
   </p:sldMasterIdLst>
   <p:notesMasterIdLst>
-    <p:notesMasterId r:id="rId15"/>
+    <p:notesMasterId r:id="rId18"/>
   </p:notesMasterIdLst>
   <p:sldIdLst>
     <p:sldId id="256" r:id="rId2"/>
@@ -21,6 +21,9 @@
     <p:sldId id="266" r:id="rId12"/>
     <p:sldId id="267" r:id="rId13"/>
     <p:sldId id="268" r:id="rId14"/>
+    <p:sldId id="276" r:id="rId15"/>
+    <p:sldId id="277" r:id="rId16"/>
+    <p:sldId id="278" r:id="rId17"/>
   </p:sldIdLst>
   <p:sldSz cx="12192000" cy="6858000"/>
   <p:notesSz cx="6858000" cy="9144000"/>
@@ -209,7 +212,7 @@
           <a:p>
             <a:fld id="{58B26CB7-4109-C146-865E-A51BCA1D7BE1}" type="datetimeFigureOut">
               <a:rPr lang="en-ES" smtClean="0"/>
-              <a:t>18/2/25</a:t>
+              <a:t>7/3/25</a:t>
             </a:fld>
             <a:endParaRPr lang="en-ES"/>
           </a:p>
@@ -794,7 +797,7 @@
           <a:p>
             <a:fld id="{07784863-2E4B-2847-978C-2577894F34C5}" type="datetimeFigureOut">
               <a:rPr lang="en-ES" smtClean="0"/>
-              <a:t>18/2/25</a:t>
+              <a:t>7/3/25</a:t>
             </a:fld>
             <a:endParaRPr lang="en-ES"/>
           </a:p>
@@ -994,7 +997,7 @@
           <a:p>
             <a:fld id="{07784863-2E4B-2847-978C-2577894F34C5}" type="datetimeFigureOut">
               <a:rPr lang="en-ES" smtClean="0"/>
-              <a:t>18/2/25</a:t>
+              <a:t>7/3/25</a:t>
             </a:fld>
             <a:endParaRPr lang="en-ES"/>
           </a:p>
@@ -1204,7 +1207,7 @@
           <a:p>
             <a:fld id="{07784863-2E4B-2847-978C-2577894F34C5}" type="datetimeFigureOut">
               <a:rPr lang="en-ES" smtClean="0"/>
-              <a:t>18/2/25</a:t>
+              <a:t>7/3/25</a:t>
             </a:fld>
             <a:endParaRPr lang="en-ES"/>
           </a:p>
@@ -1404,7 +1407,7 @@
           <a:p>
             <a:fld id="{07784863-2E4B-2847-978C-2577894F34C5}" type="datetimeFigureOut">
               <a:rPr lang="en-ES" smtClean="0"/>
-              <a:t>18/2/25</a:t>
+              <a:t>7/3/25</a:t>
             </a:fld>
             <a:endParaRPr lang="en-ES"/>
           </a:p>
@@ -1680,7 +1683,7 @@
           <a:p>
             <a:fld id="{07784863-2E4B-2847-978C-2577894F34C5}" type="datetimeFigureOut">
               <a:rPr lang="en-ES" smtClean="0"/>
-              <a:t>18/2/25</a:t>
+              <a:t>7/3/25</a:t>
             </a:fld>
             <a:endParaRPr lang="en-ES"/>
           </a:p>
@@ -1948,7 +1951,7 @@
           <a:p>
             <a:fld id="{07784863-2E4B-2847-978C-2577894F34C5}" type="datetimeFigureOut">
               <a:rPr lang="en-ES" smtClean="0"/>
-              <a:t>18/2/25</a:t>
+              <a:t>7/3/25</a:t>
             </a:fld>
             <a:endParaRPr lang="en-ES"/>
           </a:p>
@@ -2363,7 +2366,7 @@
           <a:p>
             <a:fld id="{07784863-2E4B-2847-978C-2577894F34C5}" type="datetimeFigureOut">
               <a:rPr lang="en-ES" smtClean="0"/>
-              <a:t>18/2/25</a:t>
+              <a:t>7/3/25</a:t>
             </a:fld>
             <a:endParaRPr lang="en-ES"/>
           </a:p>
@@ -2505,7 +2508,7 @@
           <a:p>
             <a:fld id="{07784863-2E4B-2847-978C-2577894F34C5}" type="datetimeFigureOut">
               <a:rPr lang="en-ES" smtClean="0"/>
-              <a:t>18/2/25</a:t>
+              <a:t>7/3/25</a:t>
             </a:fld>
             <a:endParaRPr lang="en-ES"/>
           </a:p>
@@ -2618,7 +2621,7 @@
           <a:p>
             <a:fld id="{07784863-2E4B-2847-978C-2577894F34C5}" type="datetimeFigureOut">
               <a:rPr lang="en-ES" smtClean="0"/>
-              <a:t>18/2/25</a:t>
+              <a:t>7/3/25</a:t>
             </a:fld>
             <a:endParaRPr lang="en-ES"/>
           </a:p>
@@ -2931,7 +2934,7 @@
           <a:p>
             <a:fld id="{07784863-2E4B-2847-978C-2577894F34C5}" type="datetimeFigureOut">
               <a:rPr lang="en-ES" smtClean="0"/>
-              <a:t>18/2/25</a:t>
+              <a:t>7/3/25</a:t>
             </a:fld>
             <a:endParaRPr lang="en-ES"/>
           </a:p>
@@ -3220,7 +3223,7 @@
           <a:p>
             <a:fld id="{07784863-2E4B-2847-978C-2577894F34C5}" type="datetimeFigureOut">
               <a:rPr lang="en-ES" smtClean="0"/>
-              <a:t>18/2/25</a:t>
+              <a:t>7/3/25</a:t>
             </a:fld>
             <a:endParaRPr lang="en-ES"/>
           </a:p>
@@ -3463,7 +3466,7 @@
           <a:p>
             <a:fld id="{07784863-2E4B-2847-978C-2577894F34C5}" type="datetimeFigureOut">
               <a:rPr lang="en-ES" smtClean="0"/>
-              <a:t>18/2/25</a:t>
+              <a:t>7/3/25</a:t>
             </a:fld>
             <a:endParaRPr lang="en-ES"/>
           </a:p>
@@ -7292,6 +7295,2638 @@
     <p:extLst>
       <p:ext uri="{BB962C8B-B14F-4D97-AF65-F5344CB8AC3E}">
         <p14:creationId xmlns:p14="http://schemas.microsoft.com/office/powerpoint/2010/main" val="3878993574"/>
+      </p:ext>
+    </p:extLst>
+  </p:cSld>
+  <p:clrMapOvr>
+    <a:masterClrMapping/>
+  </p:clrMapOvr>
+</p:sld>
+</file>
+
+<file path=ppt/slides/slide14.xml><?xml version="1.0" encoding="utf-8"?>
+<p:sld xmlns:a="http://schemas.openxmlformats.org/drawingml/2006/main" xmlns:r="http://schemas.openxmlformats.org/officeDocument/2006/relationships" xmlns:p="http://schemas.openxmlformats.org/presentationml/2006/main">
+  <p:cSld>
+    <p:spTree>
+      <p:nvGrpSpPr>
+        <p:cNvPr id="1" name="">
+          <a:extLst>
+            <a:ext uri="{FF2B5EF4-FFF2-40B4-BE49-F238E27FC236}">
+              <a16:creationId xmlns:a16="http://schemas.microsoft.com/office/drawing/2014/main" id="{3C8FD5CE-483C-FBE2-326E-310E9990A9A3}"/>
+            </a:ext>
+          </a:extLst>
+        </p:cNvPr>
+        <p:cNvGrpSpPr/>
+        <p:nvPr/>
+      </p:nvGrpSpPr>
+      <p:grpSpPr>
+        <a:xfrm>
+          <a:off x="0" y="0"/>
+          <a:ext cx="0" cy="0"/>
+          <a:chOff x="0" y="0"/>
+          <a:chExt cx="0" cy="0"/>
+        </a:xfrm>
+      </p:grpSpPr>
+      <p:sp>
+        <p:nvSpPr>
+          <p:cNvPr id="22" name="Can 21">
+            <a:extLst>
+              <a:ext uri="{FF2B5EF4-FFF2-40B4-BE49-F238E27FC236}">
+                <a16:creationId xmlns:a16="http://schemas.microsoft.com/office/drawing/2014/main" id="{1DD52E96-B8DA-9ED6-7021-92CABDF9EFA0}"/>
+              </a:ext>
+            </a:extLst>
+          </p:cNvPr>
+          <p:cNvSpPr/>
+          <p:nvPr/>
+        </p:nvSpPr>
+        <p:spPr>
+          <a:xfrm>
+            <a:off x="2630920" y="1732530"/>
+            <a:ext cx="1816924" cy="3666321"/>
+          </a:xfrm>
+          <a:prstGeom prst="can">
+            <a:avLst/>
+          </a:prstGeom>
+          <a:gradFill flip="none" rotWithShape="1">
+            <a:gsLst>
+              <a:gs pos="0">
+                <a:schemeClr val="accent1">
+                  <a:lumMod val="5000"/>
+                  <a:lumOff val="95000"/>
+                </a:schemeClr>
+              </a:gs>
+              <a:gs pos="74000">
+                <a:schemeClr val="accent1">
+                  <a:lumMod val="45000"/>
+                  <a:lumOff val="55000"/>
+                </a:schemeClr>
+              </a:gs>
+              <a:gs pos="83000">
+                <a:schemeClr val="accent1">
+                  <a:lumMod val="45000"/>
+                  <a:lumOff val="55000"/>
+                </a:schemeClr>
+              </a:gs>
+              <a:gs pos="100000">
+                <a:schemeClr val="accent1">
+                  <a:lumMod val="30000"/>
+                  <a:lumOff val="70000"/>
+                </a:schemeClr>
+              </a:gs>
+            </a:gsLst>
+            <a:lin ang="10800000" scaled="1"/>
+            <a:tileRect/>
+          </a:gradFill>
+        </p:spPr>
+        <p:style>
+          <a:lnRef idx="2">
+            <a:schemeClr val="accent1">
+              <a:shade val="15000"/>
+            </a:schemeClr>
+          </a:lnRef>
+          <a:fillRef idx="1">
+            <a:schemeClr val="accent1"/>
+          </a:fillRef>
+          <a:effectRef idx="0">
+            <a:schemeClr val="accent1"/>
+          </a:effectRef>
+          <a:fontRef idx="minor">
+            <a:schemeClr val="lt1"/>
+          </a:fontRef>
+        </p:style>
+        <p:txBody>
+          <a:bodyPr rtlCol="0" anchor="ctr"/>
+          <a:lstStyle/>
+          <a:p>
+            <a:pPr algn="ctr"/>
+            <a:endParaRPr lang="en-ES"/>
+          </a:p>
+        </p:txBody>
+      </p:sp>
+      <p:cxnSp>
+        <p:nvCxnSpPr>
+          <p:cNvPr id="8" name="Straight Arrow Connector 7">
+            <a:extLst>
+              <a:ext uri="{FF2B5EF4-FFF2-40B4-BE49-F238E27FC236}">
+                <a16:creationId xmlns:a16="http://schemas.microsoft.com/office/drawing/2014/main" id="{9E4E3768-4B93-4548-5057-FEC36C0C9A8B}"/>
+              </a:ext>
+            </a:extLst>
+          </p:cNvPr>
+          <p:cNvCxnSpPr>
+            <a:cxnSpLocks/>
+          </p:cNvCxnSpPr>
+          <p:nvPr/>
+        </p:nvCxnSpPr>
+        <p:spPr>
+          <a:xfrm flipV="1">
+            <a:off x="3531502" y="477430"/>
+            <a:ext cx="0" cy="3192045"/>
+          </a:xfrm>
+          <a:prstGeom prst="straightConnector1">
+            <a:avLst/>
+          </a:prstGeom>
+          <a:ln w="38100">
+            <a:tailEnd type="triangle"/>
+          </a:ln>
+        </p:spPr>
+        <p:style>
+          <a:lnRef idx="2">
+            <a:schemeClr val="accent1"/>
+          </a:lnRef>
+          <a:fillRef idx="0">
+            <a:schemeClr val="accent1"/>
+          </a:fillRef>
+          <a:effectRef idx="1">
+            <a:schemeClr val="accent1"/>
+          </a:effectRef>
+          <a:fontRef idx="minor">
+            <a:schemeClr val="tx1"/>
+          </a:fontRef>
+        </p:style>
+      </p:cxnSp>
+      <p:cxnSp>
+        <p:nvCxnSpPr>
+          <p:cNvPr id="9" name="Straight Arrow Connector 8">
+            <a:extLst>
+              <a:ext uri="{FF2B5EF4-FFF2-40B4-BE49-F238E27FC236}">
+                <a16:creationId xmlns:a16="http://schemas.microsoft.com/office/drawing/2014/main" id="{475C244E-5522-4BB0-063A-6EB47252F1D7}"/>
+              </a:ext>
+            </a:extLst>
+          </p:cNvPr>
+          <p:cNvCxnSpPr>
+            <a:cxnSpLocks/>
+          </p:cNvCxnSpPr>
+          <p:nvPr/>
+        </p:nvCxnSpPr>
+        <p:spPr>
+          <a:xfrm flipH="1">
+            <a:off x="1935679" y="3655621"/>
+            <a:ext cx="1605720" cy="1260762"/>
+          </a:xfrm>
+          <a:prstGeom prst="straightConnector1">
+            <a:avLst/>
+          </a:prstGeom>
+          <a:ln w="38100">
+            <a:tailEnd type="triangle"/>
+          </a:ln>
+        </p:spPr>
+        <p:style>
+          <a:lnRef idx="2">
+            <a:schemeClr val="accent1"/>
+          </a:lnRef>
+          <a:fillRef idx="0">
+            <a:schemeClr val="accent1"/>
+          </a:fillRef>
+          <a:effectRef idx="1">
+            <a:schemeClr val="accent1"/>
+          </a:effectRef>
+          <a:fontRef idx="minor">
+            <a:schemeClr val="tx1"/>
+          </a:fontRef>
+        </p:style>
+      </p:cxnSp>
+      <p:cxnSp>
+        <p:nvCxnSpPr>
+          <p:cNvPr id="10" name="Straight Arrow Connector 9">
+            <a:extLst>
+              <a:ext uri="{FF2B5EF4-FFF2-40B4-BE49-F238E27FC236}">
+                <a16:creationId xmlns:a16="http://schemas.microsoft.com/office/drawing/2014/main" id="{0E0D70CF-CB3E-79D3-5ACC-071ADE30EE3D}"/>
+              </a:ext>
+            </a:extLst>
+          </p:cNvPr>
+          <p:cNvCxnSpPr>
+            <a:cxnSpLocks/>
+          </p:cNvCxnSpPr>
+          <p:nvPr/>
+        </p:nvCxnSpPr>
+        <p:spPr>
+          <a:xfrm>
+            <a:off x="3513120" y="3677394"/>
+            <a:ext cx="1783276" cy="0"/>
+          </a:xfrm>
+          <a:prstGeom prst="straightConnector1">
+            <a:avLst/>
+          </a:prstGeom>
+          <a:ln w="38100">
+            <a:tailEnd type="triangle"/>
+          </a:ln>
+        </p:spPr>
+        <p:style>
+          <a:lnRef idx="2">
+            <a:schemeClr val="accent1"/>
+          </a:lnRef>
+          <a:fillRef idx="0">
+            <a:schemeClr val="accent1"/>
+          </a:fillRef>
+          <a:effectRef idx="1">
+            <a:schemeClr val="accent1"/>
+          </a:effectRef>
+          <a:fontRef idx="minor">
+            <a:schemeClr val="tx1"/>
+          </a:fontRef>
+        </p:style>
+      </p:cxnSp>
+      <p:sp>
+        <p:nvSpPr>
+          <p:cNvPr id="13" name="TextBox 12">
+            <a:extLst>
+              <a:ext uri="{FF2B5EF4-FFF2-40B4-BE49-F238E27FC236}">
+                <a16:creationId xmlns:a16="http://schemas.microsoft.com/office/drawing/2014/main" id="{350826AC-9664-7903-1E84-349A18AEDBE3}"/>
+              </a:ext>
+            </a:extLst>
+          </p:cNvPr>
+          <p:cNvSpPr txBox="1"/>
+          <p:nvPr/>
+        </p:nvSpPr>
+        <p:spPr>
+          <a:xfrm>
+            <a:off x="1812336" y="4233110"/>
+            <a:ext cx="365806" cy="584775"/>
+          </a:xfrm>
+          <a:prstGeom prst="rect">
+            <a:avLst/>
+          </a:prstGeom>
+          <a:noFill/>
+        </p:spPr>
+        <p:txBody>
+          <a:bodyPr wrap="none" rtlCol="0">
+            <a:spAutoFit/>
+          </a:bodyPr>
+          <a:lstStyle/>
+          <a:p>
+            <a:r>
+              <a:rPr lang="en-ES" sz="3200" dirty="0"/>
+              <a:t>x</a:t>
+            </a:r>
+            <a:endParaRPr lang="en-ES" dirty="0"/>
+          </a:p>
+        </p:txBody>
+      </p:sp>
+      <p:sp>
+        <p:nvSpPr>
+          <p:cNvPr id="14" name="TextBox 13">
+            <a:extLst>
+              <a:ext uri="{FF2B5EF4-FFF2-40B4-BE49-F238E27FC236}">
+                <a16:creationId xmlns:a16="http://schemas.microsoft.com/office/drawing/2014/main" id="{4320118F-B8AC-873C-03E5-60AD9DE1B75D}"/>
+              </a:ext>
+            </a:extLst>
+          </p:cNvPr>
+          <p:cNvSpPr txBox="1"/>
+          <p:nvPr/>
+        </p:nvSpPr>
+        <p:spPr>
+          <a:xfrm>
+            <a:off x="5246545" y="3103756"/>
+            <a:ext cx="370614" cy="584775"/>
+          </a:xfrm>
+          <a:prstGeom prst="rect">
+            <a:avLst/>
+          </a:prstGeom>
+          <a:noFill/>
+        </p:spPr>
+        <p:txBody>
+          <a:bodyPr wrap="none" rtlCol="0">
+            <a:spAutoFit/>
+          </a:bodyPr>
+          <a:lstStyle/>
+          <a:p>
+            <a:r>
+              <a:rPr lang="en-ES" sz="3200" dirty="0"/>
+              <a:t>y</a:t>
+            </a:r>
+            <a:endParaRPr lang="en-ES" dirty="0"/>
+          </a:p>
+        </p:txBody>
+      </p:sp>
+      <p:sp>
+        <p:nvSpPr>
+          <p:cNvPr id="15" name="TextBox 14">
+            <a:extLst>
+              <a:ext uri="{FF2B5EF4-FFF2-40B4-BE49-F238E27FC236}">
+                <a16:creationId xmlns:a16="http://schemas.microsoft.com/office/drawing/2014/main" id="{67195B9B-EE54-73A4-5258-621DAD484653}"/>
+              </a:ext>
+            </a:extLst>
+          </p:cNvPr>
+          <p:cNvSpPr txBox="1"/>
+          <p:nvPr/>
+        </p:nvSpPr>
+        <p:spPr>
+          <a:xfrm>
+            <a:off x="3153815" y="102637"/>
+            <a:ext cx="364202" cy="584775"/>
+          </a:xfrm>
+          <a:prstGeom prst="rect">
+            <a:avLst/>
+          </a:prstGeom>
+          <a:noFill/>
+        </p:spPr>
+        <p:txBody>
+          <a:bodyPr wrap="none" rtlCol="0">
+            <a:spAutoFit/>
+          </a:bodyPr>
+          <a:lstStyle/>
+          <a:p>
+            <a:r>
+              <a:rPr lang="en-ES" sz="3200" dirty="0"/>
+              <a:t>z</a:t>
+            </a:r>
+            <a:endParaRPr lang="en-ES" dirty="0"/>
+          </a:p>
+        </p:txBody>
+      </p:sp>
+      <p:sp>
+        <p:nvSpPr>
+          <p:cNvPr id="37" name="Left Bracket 36">
+            <a:extLst>
+              <a:ext uri="{FF2B5EF4-FFF2-40B4-BE49-F238E27FC236}">
+                <a16:creationId xmlns:a16="http://schemas.microsoft.com/office/drawing/2014/main" id="{1EFEC005-98F2-FB39-D16B-AC766137A4AA}"/>
+              </a:ext>
+            </a:extLst>
+          </p:cNvPr>
+          <p:cNvSpPr/>
+          <p:nvPr/>
+        </p:nvSpPr>
+        <p:spPr>
+          <a:xfrm rot="16200000">
+            <a:off x="3899587" y="5073524"/>
+            <a:ext cx="199382" cy="904818"/>
+          </a:xfrm>
+          <a:prstGeom prst="leftBracket">
+            <a:avLst/>
+          </a:prstGeom>
+          <a:ln w="38100"/>
+        </p:spPr>
+        <p:style>
+          <a:lnRef idx="2">
+            <a:schemeClr val="accent1"/>
+          </a:lnRef>
+          <a:fillRef idx="0">
+            <a:schemeClr val="accent1"/>
+          </a:fillRef>
+          <a:effectRef idx="1">
+            <a:schemeClr val="accent1"/>
+          </a:effectRef>
+          <a:fontRef idx="minor">
+            <a:schemeClr val="tx1"/>
+          </a:fontRef>
+        </p:style>
+        <p:txBody>
+          <a:bodyPr rtlCol="0" anchor="ctr"/>
+          <a:lstStyle/>
+          <a:p>
+            <a:pPr algn="ctr"/>
+            <a:endParaRPr lang="en-ES" dirty="0"/>
+          </a:p>
+        </p:txBody>
+      </p:sp>
+      <p:sp>
+        <p:nvSpPr>
+          <p:cNvPr id="39" name="TextBox 38">
+            <a:extLst>
+              <a:ext uri="{FF2B5EF4-FFF2-40B4-BE49-F238E27FC236}">
+                <a16:creationId xmlns:a16="http://schemas.microsoft.com/office/drawing/2014/main" id="{E1E6D3ED-8350-C9C9-A63E-E40A4EA8FEDA}"/>
+              </a:ext>
+            </a:extLst>
+          </p:cNvPr>
+          <p:cNvSpPr txBox="1"/>
+          <p:nvPr/>
+        </p:nvSpPr>
+        <p:spPr>
+          <a:xfrm>
+            <a:off x="3791149" y="5477018"/>
+            <a:ext cx="492094" cy="584775"/>
+          </a:xfrm>
+          <a:prstGeom prst="rect">
+            <a:avLst/>
+          </a:prstGeom>
+          <a:noFill/>
+        </p:spPr>
+        <p:txBody>
+          <a:bodyPr wrap="square" rtlCol="0">
+            <a:spAutoFit/>
+          </a:bodyPr>
+          <a:lstStyle/>
+          <a:p>
+            <a:r>
+              <a:rPr lang="en-ES" sz="3200" dirty="0"/>
+              <a:t>a</a:t>
+            </a:r>
+            <a:endParaRPr lang="en-ES" dirty="0"/>
+          </a:p>
+        </p:txBody>
+      </p:sp>
+      <p:cxnSp>
+        <p:nvCxnSpPr>
+          <p:cNvPr id="3" name="Straight Connector 2">
+            <a:extLst>
+              <a:ext uri="{FF2B5EF4-FFF2-40B4-BE49-F238E27FC236}">
+                <a16:creationId xmlns:a16="http://schemas.microsoft.com/office/drawing/2014/main" id="{0D043382-C158-5647-CDBD-1862C8D4BF6F}"/>
+              </a:ext>
+            </a:extLst>
+          </p:cNvPr>
+          <p:cNvCxnSpPr>
+            <a:cxnSpLocks/>
+          </p:cNvCxnSpPr>
+          <p:nvPr/>
+        </p:nvCxnSpPr>
+        <p:spPr>
+          <a:xfrm>
+            <a:off x="2629988" y="513804"/>
+            <a:ext cx="0" cy="5556070"/>
+          </a:xfrm>
+          <a:prstGeom prst="line">
+            <a:avLst/>
+          </a:prstGeom>
+          <a:ln>
+            <a:prstDash val="dash"/>
+          </a:ln>
+        </p:spPr>
+        <p:style>
+          <a:lnRef idx="2">
+            <a:schemeClr val="accent1"/>
+          </a:lnRef>
+          <a:fillRef idx="0">
+            <a:schemeClr val="accent1"/>
+          </a:fillRef>
+          <a:effectRef idx="1">
+            <a:schemeClr val="accent1"/>
+          </a:effectRef>
+          <a:fontRef idx="minor">
+            <a:schemeClr val="tx1"/>
+          </a:fontRef>
+        </p:style>
+      </p:cxnSp>
+      <p:cxnSp>
+        <p:nvCxnSpPr>
+          <p:cNvPr id="5" name="Straight Connector 4">
+            <a:extLst>
+              <a:ext uri="{FF2B5EF4-FFF2-40B4-BE49-F238E27FC236}">
+                <a16:creationId xmlns:a16="http://schemas.microsoft.com/office/drawing/2014/main" id="{277ADF1A-EB6D-EB06-B310-4B1DD04D4BAD}"/>
+              </a:ext>
+            </a:extLst>
+          </p:cNvPr>
+          <p:cNvCxnSpPr>
+            <a:cxnSpLocks/>
+          </p:cNvCxnSpPr>
+          <p:nvPr/>
+        </p:nvCxnSpPr>
+        <p:spPr>
+          <a:xfrm>
+            <a:off x="4445725" y="518152"/>
+            <a:ext cx="0" cy="5551722"/>
+          </a:xfrm>
+          <a:prstGeom prst="line">
+            <a:avLst/>
+          </a:prstGeom>
+          <a:ln>
+            <a:prstDash val="dash"/>
+          </a:ln>
+        </p:spPr>
+        <p:style>
+          <a:lnRef idx="2">
+            <a:schemeClr val="accent1"/>
+          </a:lnRef>
+          <a:fillRef idx="0">
+            <a:schemeClr val="accent1"/>
+          </a:fillRef>
+          <a:effectRef idx="1">
+            <a:schemeClr val="accent1"/>
+          </a:effectRef>
+          <a:fontRef idx="minor">
+            <a:schemeClr val="tx1"/>
+          </a:fontRef>
+        </p:style>
+      </p:cxnSp>
+      <p:sp>
+        <p:nvSpPr>
+          <p:cNvPr id="6" name="TextBox 5">
+            <a:extLst>
+              <a:ext uri="{FF2B5EF4-FFF2-40B4-BE49-F238E27FC236}">
+                <a16:creationId xmlns:a16="http://schemas.microsoft.com/office/drawing/2014/main" id="{3876AFF7-71AD-E7F2-448C-7699FA9878B7}"/>
+              </a:ext>
+            </a:extLst>
+          </p:cNvPr>
+          <p:cNvSpPr txBox="1"/>
+          <p:nvPr/>
+        </p:nvSpPr>
+        <p:spPr>
+          <a:xfrm>
+            <a:off x="3902503" y="940931"/>
+            <a:ext cx="647198" cy="584775"/>
+          </a:xfrm>
+          <a:prstGeom prst="rect">
+            <a:avLst/>
+          </a:prstGeom>
+          <a:noFill/>
+        </p:spPr>
+        <p:txBody>
+          <a:bodyPr wrap="square" rtlCol="0">
+            <a:spAutoFit/>
+          </a:bodyPr>
+          <a:lstStyle/>
+          <a:p>
+            <a:r>
+              <a:rPr lang="en-ES" sz="3200" dirty="0"/>
+              <a:t>J</a:t>
+            </a:r>
+            <a:endParaRPr lang="en-ES" dirty="0"/>
+          </a:p>
+        </p:txBody>
+      </p:sp>
+      <p:sp>
+        <p:nvSpPr>
+          <p:cNvPr id="7" name="TextBox 6">
+            <a:extLst>
+              <a:ext uri="{FF2B5EF4-FFF2-40B4-BE49-F238E27FC236}">
+                <a16:creationId xmlns:a16="http://schemas.microsoft.com/office/drawing/2014/main" id="{E5313EF8-DB51-076A-1919-BDAD6F1100F4}"/>
+              </a:ext>
+            </a:extLst>
+          </p:cNvPr>
+          <p:cNvSpPr txBox="1"/>
+          <p:nvPr/>
+        </p:nvSpPr>
+        <p:spPr>
+          <a:xfrm>
+            <a:off x="3834388" y="786061"/>
+            <a:ext cx="492443" cy="461665"/>
+          </a:xfrm>
+          <a:prstGeom prst="rect">
+            <a:avLst/>
+          </a:prstGeom>
+          <a:noFill/>
+        </p:spPr>
+        <p:txBody>
+          <a:bodyPr wrap="square" rtlCol="0">
+            <a:spAutoFit/>
+          </a:bodyPr>
+          <a:lstStyle/>
+          <a:p>
+            <a:r>
+              <a:rPr lang="en-ES" sz="2400" dirty="0"/>
+              <a:t>➝</a:t>
+            </a:r>
+          </a:p>
+        </p:txBody>
+      </p:sp>
+      <p:grpSp>
+        <p:nvGrpSpPr>
+          <p:cNvPr id="33" name="Group 32">
+            <a:extLst>
+              <a:ext uri="{FF2B5EF4-FFF2-40B4-BE49-F238E27FC236}">
+                <a16:creationId xmlns:a16="http://schemas.microsoft.com/office/drawing/2014/main" id="{0765BE12-7683-BB34-8236-022394C7A485}"/>
+              </a:ext>
+            </a:extLst>
+          </p:cNvPr>
+          <p:cNvGrpSpPr/>
+          <p:nvPr/>
+        </p:nvGrpSpPr>
+        <p:grpSpPr>
+          <a:xfrm>
+            <a:off x="2935757" y="1442847"/>
+            <a:ext cx="1205346" cy="3046025"/>
+            <a:chOff x="2935757" y="1514101"/>
+            <a:chExt cx="1205346" cy="1250870"/>
+          </a:xfrm>
+        </p:grpSpPr>
+        <p:cxnSp>
+          <p:nvCxnSpPr>
+            <p:cNvPr id="11" name="Straight Arrow Connector 10">
+              <a:extLst>
+                <a:ext uri="{FF2B5EF4-FFF2-40B4-BE49-F238E27FC236}">
+                  <a16:creationId xmlns:a16="http://schemas.microsoft.com/office/drawing/2014/main" id="{4C582BF2-45E7-AD6B-5A78-2B73B9A9AB14}"/>
+                </a:ext>
+              </a:extLst>
+            </p:cNvPr>
+            <p:cNvCxnSpPr>
+              <a:cxnSpLocks/>
+            </p:cNvCxnSpPr>
+            <p:nvPr/>
+          </p:nvCxnSpPr>
+          <p:spPr>
+            <a:xfrm flipV="1">
+              <a:off x="2935757" y="1520041"/>
+              <a:ext cx="0" cy="1244930"/>
+            </a:xfrm>
+            <a:prstGeom prst="straightConnector1">
+              <a:avLst/>
+            </a:prstGeom>
+            <a:ln w="38100">
+              <a:tailEnd type="triangle"/>
+            </a:ln>
+          </p:spPr>
+          <p:style>
+            <a:lnRef idx="2">
+              <a:schemeClr val="accent1"/>
+            </a:lnRef>
+            <a:fillRef idx="0">
+              <a:schemeClr val="accent1"/>
+            </a:fillRef>
+            <a:effectRef idx="1">
+              <a:schemeClr val="accent1"/>
+            </a:effectRef>
+            <a:fontRef idx="minor">
+              <a:schemeClr val="tx1"/>
+            </a:fontRef>
+          </p:style>
+        </p:cxnSp>
+        <p:cxnSp>
+          <p:nvCxnSpPr>
+            <p:cNvPr id="21" name="Straight Arrow Connector 20">
+              <a:extLst>
+                <a:ext uri="{FF2B5EF4-FFF2-40B4-BE49-F238E27FC236}">
+                  <a16:creationId xmlns:a16="http://schemas.microsoft.com/office/drawing/2014/main" id="{6156ABB3-99CA-3A58-FC93-A278EEBB4C9A}"/>
+                </a:ext>
+              </a:extLst>
+            </p:cNvPr>
+            <p:cNvCxnSpPr>
+              <a:cxnSpLocks/>
+            </p:cNvCxnSpPr>
+            <p:nvPr/>
+          </p:nvCxnSpPr>
+          <p:spPr>
+            <a:xfrm flipV="1">
+              <a:off x="3337539" y="1518061"/>
+              <a:ext cx="0" cy="1244930"/>
+            </a:xfrm>
+            <a:prstGeom prst="straightConnector1">
+              <a:avLst/>
+            </a:prstGeom>
+            <a:ln w="38100">
+              <a:tailEnd type="triangle"/>
+            </a:ln>
+          </p:spPr>
+          <p:style>
+            <a:lnRef idx="2">
+              <a:schemeClr val="accent1"/>
+            </a:lnRef>
+            <a:fillRef idx="0">
+              <a:schemeClr val="accent1"/>
+            </a:fillRef>
+            <a:effectRef idx="1">
+              <a:schemeClr val="accent1"/>
+            </a:effectRef>
+            <a:fontRef idx="minor">
+              <a:schemeClr val="tx1"/>
+            </a:fontRef>
+          </p:style>
+        </p:cxnSp>
+        <p:cxnSp>
+          <p:nvCxnSpPr>
+            <p:cNvPr id="23" name="Straight Arrow Connector 22">
+              <a:extLst>
+                <a:ext uri="{FF2B5EF4-FFF2-40B4-BE49-F238E27FC236}">
+                  <a16:creationId xmlns:a16="http://schemas.microsoft.com/office/drawing/2014/main" id="{667ABB1F-99A3-748A-75BD-F44C8F983B87}"/>
+                </a:ext>
+              </a:extLst>
+            </p:cNvPr>
+            <p:cNvCxnSpPr>
+              <a:cxnSpLocks/>
+            </p:cNvCxnSpPr>
+            <p:nvPr/>
+          </p:nvCxnSpPr>
+          <p:spPr>
+            <a:xfrm flipV="1">
+              <a:off x="3739321" y="1516081"/>
+              <a:ext cx="0" cy="1244930"/>
+            </a:xfrm>
+            <a:prstGeom prst="straightConnector1">
+              <a:avLst/>
+            </a:prstGeom>
+            <a:ln w="38100">
+              <a:tailEnd type="triangle"/>
+            </a:ln>
+          </p:spPr>
+          <p:style>
+            <a:lnRef idx="2">
+              <a:schemeClr val="accent1"/>
+            </a:lnRef>
+            <a:fillRef idx="0">
+              <a:schemeClr val="accent1"/>
+            </a:fillRef>
+            <a:effectRef idx="1">
+              <a:schemeClr val="accent1"/>
+            </a:effectRef>
+            <a:fontRef idx="minor">
+              <a:schemeClr val="tx1"/>
+            </a:fontRef>
+          </p:style>
+        </p:cxnSp>
+        <p:cxnSp>
+          <p:nvCxnSpPr>
+            <p:cNvPr id="24" name="Straight Arrow Connector 23">
+              <a:extLst>
+                <a:ext uri="{FF2B5EF4-FFF2-40B4-BE49-F238E27FC236}">
+                  <a16:creationId xmlns:a16="http://schemas.microsoft.com/office/drawing/2014/main" id="{EEC95B22-1384-E4AD-B508-3AFC0A69183B}"/>
+                </a:ext>
+              </a:extLst>
+            </p:cNvPr>
+            <p:cNvCxnSpPr>
+              <a:cxnSpLocks/>
+            </p:cNvCxnSpPr>
+            <p:nvPr/>
+          </p:nvCxnSpPr>
+          <p:spPr>
+            <a:xfrm flipV="1">
+              <a:off x="4141103" y="1514101"/>
+              <a:ext cx="0" cy="1244930"/>
+            </a:xfrm>
+            <a:prstGeom prst="straightConnector1">
+              <a:avLst/>
+            </a:prstGeom>
+            <a:ln w="38100">
+              <a:tailEnd type="triangle"/>
+            </a:ln>
+          </p:spPr>
+          <p:style>
+            <a:lnRef idx="2">
+              <a:schemeClr val="accent1"/>
+            </a:lnRef>
+            <a:fillRef idx="0">
+              <a:schemeClr val="accent1"/>
+            </a:fillRef>
+            <a:effectRef idx="1">
+              <a:schemeClr val="accent1"/>
+            </a:effectRef>
+            <a:fontRef idx="minor">
+              <a:schemeClr val="tx1"/>
+            </a:fontRef>
+          </p:style>
+        </p:cxnSp>
+      </p:grpSp>
+    </p:spTree>
+    <p:extLst>
+      <p:ext uri="{BB962C8B-B14F-4D97-AF65-F5344CB8AC3E}">
+        <p14:creationId xmlns:p14="http://schemas.microsoft.com/office/powerpoint/2010/main" val="3193553979"/>
+      </p:ext>
+    </p:extLst>
+  </p:cSld>
+  <p:clrMapOvr>
+    <a:masterClrMapping/>
+  </p:clrMapOvr>
+</p:sld>
+</file>
+
+<file path=ppt/slides/slide15.xml><?xml version="1.0" encoding="utf-8"?>
+<p:sld xmlns:a="http://schemas.openxmlformats.org/drawingml/2006/main" xmlns:r="http://schemas.openxmlformats.org/officeDocument/2006/relationships" xmlns:p="http://schemas.openxmlformats.org/presentationml/2006/main">
+  <p:cSld>
+    <p:spTree>
+      <p:nvGrpSpPr>
+        <p:cNvPr id="1" name="">
+          <a:extLst>
+            <a:ext uri="{FF2B5EF4-FFF2-40B4-BE49-F238E27FC236}">
+              <a16:creationId xmlns:a16="http://schemas.microsoft.com/office/drawing/2014/main" id="{98D60782-1964-123F-D7D8-9E95D92DFBF6}"/>
+            </a:ext>
+          </a:extLst>
+        </p:cNvPr>
+        <p:cNvGrpSpPr/>
+        <p:nvPr/>
+      </p:nvGrpSpPr>
+      <p:grpSpPr>
+        <a:xfrm>
+          <a:off x="0" y="0"/>
+          <a:ext cx="0" cy="0"/>
+          <a:chOff x="0" y="0"/>
+          <a:chExt cx="0" cy="0"/>
+        </a:xfrm>
+      </p:grpSpPr>
+      <p:sp>
+        <p:nvSpPr>
+          <p:cNvPr id="22" name="Can 21">
+            <a:extLst>
+              <a:ext uri="{FF2B5EF4-FFF2-40B4-BE49-F238E27FC236}">
+                <a16:creationId xmlns:a16="http://schemas.microsoft.com/office/drawing/2014/main" id="{91D46E0B-B05A-7148-9BDB-4190DB66D3B2}"/>
+              </a:ext>
+            </a:extLst>
+          </p:cNvPr>
+          <p:cNvSpPr/>
+          <p:nvPr/>
+        </p:nvSpPr>
+        <p:spPr>
+          <a:xfrm>
+            <a:off x="2630920" y="1732530"/>
+            <a:ext cx="1816924" cy="3666321"/>
+          </a:xfrm>
+          <a:prstGeom prst="can">
+            <a:avLst/>
+          </a:prstGeom>
+          <a:gradFill flip="none" rotWithShape="1">
+            <a:gsLst>
+              <a:gs pos="0">
+                <a:schemeClr val="accent1">
+                  <a:lumMod val="5000"/>
+                  <a:lumOff val="95000"/>
+                </a:schemeClr>
+              </a:gs>
+              <a:gs pos="74000">
+                <a:schemeClr val="accent1">
+                  <a:lumMod val="45000"/>
+                  <a:lumOff val="55000"/>
+                </a:schemeClr>
+              </a:gs>
+              <a:gs pos="83000">
+                <a:schemeClr val="accent1">
+                  <a:lumMod val="45000"/>
+                  <a:lumOff val="55000"/>
+                </a:schemeClr>
+              </a:gs>
+              <a:gs pos="100000">
+                <a:schemeClr val="accent1">
+                  <a:lumMod val="30000"/>
+                  <a:lumOff val="70000"/>
+                </a:schemeClr>
+              </a:gs>
+            </a:gsLst>
+            <a:lin ang="10800000" scaled="1"/>
+            <a:tileRect/>
+          </a:gradFill>
+        </p:spPr>
+        <p:style>
+          <a:lnRef idx="2">
+            <a:schemeClr val="accent1">
+              <a:shade val="15000"/>
+            </a:schemeClr>
+          </a:lnRef>
+          <a:fillRef idx="1">
+            <a:schemeClr val="accent1"/>
+          </a:fillRef>
+          <a:effectRef idx="0">
+            <a:schemeClr val="accent1"/>
+          </a:effectRef>
+          <a:fontRef idx="minor">
+            <a:schemeClr val="lt1"/>
+          </a:fontRef>
+        </p:style>
+        <p:txBody>
+          <a:bodyPr rtlCol="0" anchor="ctr"/>
+          <a:lstStyle/>
+          <a:p>
+            <a:pPr algn="ctr"/>
+            <a:endParaRPr lang="en-ES"/>
+          </a:p>
+        </p:txBody>
+      </p:sp>
+      <p:cxnSp>
+        <p:nvCxnSpPr>
+          <p:cNvPr id="8" name="Straight Arrow Connector 7">
+            <a:extLst>
+              <a:ext uri="{FF2B5EF4-FFF2-40B4-BE49-F238E27FC236}">
+                <a16:creationId xmlns:a16="http://schemas.microsoft.com/office/drawing/2014/main" id="{1B4CFBEE-5588-672E-1F9D-2EED1E97D5EE}"/>
+              </a:ext>
+            </a:extLst>
+          </p:cNvPr>
+          <p:cNvCxnSpPr>
+            <a:cxnSpLocks/>
+          </p:cNvCxnSpPr>
+          <p:nvPr/>
+        </p:nvCxnSpPr>
+        <p:spPr>
+          <a:xfrm flipV="1">
+            <a:off x="3531502" y="1190847"/>
+            <a:ext cx="9897" cy="750745"/>
+          </a:xfrm>
+          <a:prstGeom prst="straightConnector1">
+            <a:avLst/>
+          </a:prstGeom>
+          <a:ln w="38100">
+            <a:solidFill>
+              <a:schemeClr val="tx1"/>
+            </a:solidFill>
+            <a:headEnd type="oval"/>
+            <a:tailEnd type="triangle"/>
+          </a:ln>
+        </p:spPr>
+        <p:style>
+          <a:lnRef idx="2">
+            <a:schemeClr val="accent1"/>
+          </a:lnRef>
+          <a:fillRef idx="0">
+            <a:schemeClr val="accent1"/>
+          </a:fillRef>
+          <a:effectRef idx="1">
+            <a:schemeClr val="accent1"/>
+          </a:effectRef>
+          <a:fontRef idx="minor">
+            <a:schemeClr val="tx1"/>
+          </a:fontRef>
+        </p:style>
+      </p:cxnSp>
+      <p:sp>
+        <p:nvSpPr>
+          <p:cNvPr id="15" name="TextBox 14">
+            <a:extLst>
+              <a:ext uri="{FF2B5EF4-FFF2-40B4-BE49-F238E27FC236}">
+                <a16:creationId xmlns:a16="http://schemas.microsoft.com/office/drawing/2014/main" id="{B90388AB-D466-99A8-CC59-457BA350DFEF}"/>
+              </a:ext>
+            </a:extLst>
+          </p:cNvPr>
+          <p:cNvSpPr txBox="1"/>
+          <p:nvPr/>
+        </p:nvSpPr>
+        <p:spPr>
+          <a:xfrm>
+            <a:off x="3568446" y="984499"/>
+            <a:ext cx="425116" cy="584775"/>
+          </a:xfrm>
+          <a:prstGeom prst="rect">
+            <a:avLst/>
+          </a:prstGeom>
+          <a:noFill/>
+        </p:spPr>
+        <p:txBody>
+          <a:bodyPr wrap="none" rtlCol="0">
+            <a:spAutoFit/>
+          </a:bodyPr>
+          <a:lstStyle/>
+          <a:p>
+            <a:r>
+              <a:rPr lang="en-ES" sz="3200" dirty="0"/>
+              <a:t>V</a:t>
+            </a:r>
+            <a:endParaRPr lang="en-ES" dirty="0"/>
+          </a:p>
+        </p:txBody>
+      </p:sp>
+      <p:sp>
+        <p:nvSpPr>
+          <p:cNvPr id="6" name="TextBox 5">
+            <a:extLst>
+              <a:ext uri="{FF2B5EF4-FFF2-40B4-BE49-F238E27FC236}">
+                <a16:creationId xmlns:a16="http://schemas.microsoft.com/office/drawing/2014/main" id="{3AFCCF01-8593-0497-E055-3034BDFD72AA}"/>
+              </a:ext>
+            </a:extLst>
+          </p:cNvPr>
+          <p:cNvSpPr txBox="1"/>
+          <p:nvPr/>
+        </p:nvSpPr>
+        <p:spPr>
+          <a:xfrm>
+            <a:off x="3764004" y="2736493"/>
+            <a:ext cx="647198" cy="584775"/>
+          </a:xfrm>
+          <a:prstGeom prst="rect">
+            <a:avLst/>
+          </a:prstGeom>
+          <a:noFill/>
+        </p:spPr>
+        <p:txBody>
+          <a:bodyPr wrap="square" rtlCol="0">
+            <a:spAutoFit/>
+          </a:bodyPr>
+          <a:lstStyle/>
+          <a:p>
+            <a:r>
+              <a:rPr lang="en-ES" sz="3200" dirty="0"/>
+              <a:t>J</a:t>
+            </a:r>
+            <a:endParaRPr lang="en-ES" dirty="0"/>
+          </a:p>
+        </p:txBody>
+      </p:sp>
+      <p:sp>
+        <p:nvSpPr>
+          <p:cNvPr id="7" name="TextBox 6">
+            <a:extLst>
+              <a:ext uri="{FF2B5EF4-FFF2-40B4-BE49-F238E27FC236}">
+                <a16:creationId xmlns:a16="http://schemas.microsoft.com/office/drawing/2014/main" id="{69D91295-76C7-8C9A-D931-705069FE8D38}"/>
+              </a:ext>
+            </a:extLst>
+          </p:cNvPr>
+          <p:cNvSpPr txBox="1"/>
+          <p:nvPr/>
+        </p:nvSpPr>
+        <p:spPr>
+          <a:xfrm>
+            <a:off x="3695889" y="2581623"/>
+            <a:ext cx="492443" cy="461665"/>
+          </a:xfrm>
+          <a:prstGeom prst="rect">
+            <a:avLst/>
+          </a:prstGeom>
+          <a:noFill/>
+        </p:spPr>
+        <p:txBody>
+          <a:bodyPr wrap="square" rtlCol="0">
+            <a:spAutoFit/>
+          </a:bodyPr>
+          <a:lstStyle/>
+          <a:p>
+            <a:r>
+              <a:rPr lang="en-ES" sz="2400" dirty="0"/>
+              <a:t>➝</a:t>
+            </a:r>
+          </a:p>
+        </p:txBody>
+      </p:sp>
+      <p:grpSp>
+        <p:nvGrpSpPr>
+          <p:cNvPr id="33" name="Group 32">
+            <a:extLst>
+              <a:ext uri="{FF2B5EF4-FFF2-40B4-BE49-F238E27FC236}">
+                <a16:creationId xmlns:a16="http://schemas.microsoft.com/office/drawing/2014/main" id="{53C7FFF8-E1C5-3FB5-0B7E-147A65FD5D7E}"/>
+              </a:ext>
+            </a:extLst>
+          </p:cNvPr>
+          <p:cNvGrpSpPr/>
+          <p:nvPr/>
+        </p:nvGrpSpPr>
+        <p:grpSpPr>
+          <a:xfrm rot="10800000">
+            <a:off x="2935757" y="1931949"/>
+            <a:ext cx="1205346" cy="3046025"/>
+            <a:chOff x="2935757" y="1514101"/>
+            <a:chExt cx="1205346" cy="1250870"/>
+          </a:xfrm>
+        </p:grpSpPr>
+        <p:cxnSp>
+          <p:nvCxnSpPr>
+            <p:cNvPr id="11" name="Straight Arrow Connector 10">
+              <a:extLst>
+                <a:ext uri="{FF2B5EF4-FFF2-40B4-BE49-F238E27FC236}">
+                  <a16:creationId xmlns:a16="http://schemas.microsoft.com/office/drawing/2014/main" id="{C05758FB-0F0F-F0C6-E248-842D2B946E92}"/>
+                </a:ext>
+              </a:extLst>
+            </p:cNvPr>
+            <p:cNvCxnSpPr>
+              <a:cxnSpLocks/>
+            </p:cNvCxnSpPr>
+            <p:nvPr/>
+          </p:nvCxnSpPr>
+          <p:spPr>
+            <a:xfrm flipV="1">
+              <a:off x="2935757" y="1520041"/>
+              <a:ext cx="0" cy="1244930"/>
+            </a:xfrm>
+            <a:prstGeom prst="straightConnector1">
+              <a:avLst/>
+            </a:prstGeom>
+            <a:ln w="38100">
+              <a:tailEnd type="triangle"/>
+            </a:ln>
+          </p:spPr>
+          <p:style>
+            <a:lnRef idx="2">
+              <a:schemeClr val="accent1"/>
+            </a:lnRef>
+            <a:fillRef idx="0">
+              <a:schemeClr val="accent1"/>
+            </a:fillRef>
+            <a:effectRef idx="1">
+              <a:schemeClr val="accent1"/>
+            </a:effectRef>
+            <a:fontRef idx="minor">
+              <a:schemeClr val="tx1"/>
+            </a:fontRef>
+          </p:style>
+        </p:cxnSp>
+        <p:cxnSp>
+          <p:nvCxnSpPr>
+            <p:cNvPr id="21" name="Straight Arrow Connector 20">
+              <a:extLst>
+                <a:ext uri="{FF2B5EF4-FFF2-40B4-BE49-F238E27FC236}">
+                  <a16:creationId xmlns:a16="http://schemas.microsoft.com/office/drawing/2014/main" id="{6CFEFEA2-9714-BB9B-DBDC-5CF038E935F2}"/>
+                </a:ext>
+              </a:extLst>
+            </p:cNvPr>
+            <p:cNvCxnSpPr>
+              <a:cxnSpLocks/>
+            </p:cNvCxnSpPr>
+            <p:nvPr/>
+          </p:nvCxnSpPr>
+          <p:spPr>
+            <a:xfrm flipV="1">
+              <a:off x="3337539" y="1518061"/>
+              <a:ext cx="0" cy="1244930"/>
+            </a:xfrm>
+            <a:prstGeom prst="straightConnector1">
+              <a:avLst/>
+            </a:prstGeom>
+            <a:ln w="38100">
+              <a:tailEnd type="triangle"/>
+            </a:ln>
+          </p:spPr>
+          <p:style>
+            <a:lnRef idx="2">
+              <a:schemeClr val="accent1"/>
+            </a:lnRef>
+            <a:fillRef idx="0">
+              <a:schemeClr val="accent1"/>
+            </a:fillRef>
+            <a:effectRef idx="1">
+              <a:schemeClr val="accent1"/>
+            </a:effectRef>
+            <a:fontRef idx="minor">
+              <a:schemeClr val="tx1"/>
+            </a:fontRef>
+          </p:style>
+        </p:cxnSp>
+        <p:cxnSp>
+          <p:nvCxnSpPr>
+            <p:cNvPr id="23" name="Straight Arrow Connector 22">
+              <a:extLst>
+                <a:ext uri="{FF2B5EF4-FFF2-40B4-BE49-F238E27FC236}">
+                  <a16:creationId xmlns:a16="http://schemas.microsoft.com/office/drawing/2014/main" id="{943DD87F-B2CE-4299-5D16-4712A31356F5}"/>
+                </a:ext>
+              </a:extLst>
+            </p:cNvPr>
+            <p:cNvCxnSpPr>
+              <a:cxnSpLocks/>
+            </p:cNvCxnSpPr>
+            <p:nvPr/>
+          </p:nvCxnSpPr>
+          <p:spPr>
+            <a:xfrm flipV="1">
+              <a:off x="3739321" y="1516081"/>
+              <a:ext cx="0" cy="1244930"/>
+            </a:xfrm>
+            <a:prstGeom prst="straightConnector1">
+              <a:avLst/>
+            </a:prstGeom>
+            <a:ln w="38100">
+              <a:tailEnd type="triangle"/>
+            </a:ln>
+          </p:spPr>
+          <p:style>
+            <a:lnRef idx="2">
+              <a:schemeClr val="accent1"/>
+            </a:lnRef>
+            <a:fillRef idx="0">
+              <a:schemeClr val="accent1"/>
+            </a:fillRef>
+            <a:effectRef idx="1">
+              <a:schemeClr val="accent1"/>
+            </a:effectRef>
+            <a:fontRef idx="minor">
+              <a:schemeClr val="tx1"/>
+            </a:fontRef>
+          </p:style>
+        </p:cxnSp>
+        <p:cxnSp>
+          <p:nvCxnSpPr>
+            <p:cNvPr id="24" name="Straight Arrow Connector 23">
+              <a:extLst>
+                <a:ext uri="{FF2B5EF4-FFF2-40B4-BE49-F238E27FC236}">
+                  <a16:creationId xmlns:a16="http://schemas.microsoft.com/office/drawing/2014/main" id="{47172DE1-28DE-2566-0113-A74885B5A6FB}"/>
+                </a:ext>
+              </a:extLst>
+            </p:cNvPr>
+            <p:cNvCxnSpPr>
+              <a:cxnSpLocks/>
+            </p:cNvCxnSpPr>
+            <p:nvPr/>
+          </p:nvCxnSpPr>
+          <p:spPr>
+            <a:xfrm flipV="1">
+              <a:off x="4141103" y="1514101"/>
+              <a:ext cx="0" cy="1244930"/>
+            </a:xfrm>
+            <a:prstGeom prst="straightConnector1">
+              <a:avLst/>
+            </a:prstGeom>
+            <a:ln w="38100">
+              <a:tailEnd type="triangle"/>
+            </a:ln>
+          </p:spPr>
+          <p:style>
+            <a:lnRef idx="2">
+              <a:schemeClr val="accent1"/>
+            </a:lnRef>
+            <a:fillRef idx="0">
+              <a:schemeClr val="accent1"/>
+            </a:fillRef>
+            <a:effectRef idx="1">
+              <a:schemeClr val="accent1"/>
+            </a:effectRef>
+            <a:fontRef idx="minor">
+              <a:schemeClr val="tx1"/>
+            </a:fontRef>
+          </p:style>
+        </p:cxnSp>
+      </p:grpSp>
+      <p:grpSp>
+        <p:nvGrpSpPr>
+          <p:cNvPr id="12" name="Group 11">
+            <a:extLst>
+              <a:ext uri="{FF2B5EF4-FFF2-40B4-BE49-F238E27FC236}">
+                <a16:creationId xmlns:a16="http://schemas.microsoft.com/office/drawing/2014/main" id="{1539701D-966E-97ED-1C26-870D6050BB0E}"/>
+              </a:ext>
+            </a:extLst>
+          </p:cNvPr>
+          <p:cNvGrpSpPr/>
+          <p:nvPr/>
+        </p:nvGrpSpPr>
+        <p:grpSpPr>
+          <a:xfrm>
+            <a:off x="3304015" y="5721493"/>
+            <a:ext cx="476989" cy="164275"/>
+            <a:chOff x="2325585" y="5248894"/>
+            <a:chExt cx="476989" cy="164275"/>
+          </a:xfrm>
+        </p:grpSpPr>
+        <p:cxnSp>
+          <p:nvCxnSpPr>
+            <p:cNvPr id="16" name="Straight Connector 15">
+              <a:extLst>
+                <a:ext uri="{FF2B5EF4-FFF2-40B4-BE49-F238E27FC236}">
+                  <a16:creationId xmlns:a16="http://schemas.microsoft.com/office/drawing/2014/main" id="{4C91540D-91F4-5C72-C333-4ACB9A9B9FBE}"/>
+                </a:ext>
+              </a:extLst>
+            </p:cNvPr>
+            <p:cNvCxnSpPr/>
+            <p:nvPr/>
+          </p:nvCxnSpPr>
+          <p:spPr>
+            <a:xfrm>
+              <a:off x="2327561" y="5248894"/>
+              <a:ext cx="475013" cy="0"/>
+            </a:xfrm>
+            <a:prstGeom prst="line">
+              <a:avLst/>
+            </a:prstGeom>
+            <a:ln w="38100">
+              <a:solidFill>
+                <a:schemeClr val="tx1"/>
+              </a:solidFill>
+            </a:ln>
+          </p:spPr>
+          <p:style>
+            <a:lnRef idx="2">
+              <a:schemeClr val="accent1"/>
+            </a:lnRef>
+            <a:fillRef idx="0">
+              <a:schemeClr val="accent1"/>
+            </a:fillRef>
+            <a:effectRef idx="1">
+              <a:schemeClr val="accent1"/>
+            </a:effectRef>
+            <a:fontRef idx="minor">
+              <a:schemeClr val="tx1"/>
+            </a:fontRef>
+          </p:style>
+        </p:cxnSp>
+        <p:cxnSp>
+          <p:nvCxnSpPr>
+            <p:cNvPr id="17" name="Straight Connector 16">
+              <a:extLst>
+                <a:ext uri="{FF2B5EF4-FFF2-40B4-BE49-F238E27FC236}">
+                  <a16:creationId xmlns:a16="http://schemas.microsoft.com/office/drawing/2014/main" id="{171BB2C8-7323-D866-DB03-5C22A4452DEF}"/>
+                </a:ext>
+              </a:extLst>
+            </p:cNvPr>
+            <p:cNvCxnSpPr>
+              <a:cxnSpLocks/>
+            </p:cNvCxnSpPr>
+            <p:nvPr/>
+          </p:nvCxnSpPr>
+          <p:spPr>
+            <a:xfrm flipV="1">
+              <a:off x="2325585" y="5248894"/>
+              <a:ext cx="120732" cy="164275"/>
+            </a:xfrm>
+            <a:prstGeom prst="line">
+              <a:avLst/>
+            </a:prstGeom>
+            <a:ln w="38100">
+              <a:solidFill>
+                <a:schemeClr val="tx1"/>
+              </a:solidFill>
+            </a:ln>
+          </p:spPr>
+          <p:style>
+            <a:lnRef idx="2">
+              <a:schemeClr val="accent1"/>
+            </a:lnRef>
+            <a:fillRef idx="0">
+              <a:schemeClr val="accent1"/>
+            </a:fillRef>
+            <a:effectRef idx="1">
+              <a:schemeClr val="accent1"/>
+            </a:effectRef>
+            <a:fontRef idx="minor">
+              <a:schemeClr val="tx1"/>
+            </a:fontRef>
+          </p:style>
+        </p:cxnSp>
+        <p:cxnSp>
+          <p:nvCxnSpPr>
+            <p:cNvPr id="18" name="Straight Connector 17">
+              <a:extLst>
+                <a:ext uri="{FF2B5EF4-FFF2-40B4-BE49-F238E27FC236}">
+                  <a16:creationId xmlns:a16="http://schemas.microsoft.com/office/drawing/2014/main" id="{F085EAB4-8DF8-96F0-11DF-AB4035E5F40B}"/>
+                </a:ext>
+              </a:extLst>
+            </p:cNvPr>
+            <p:cNvCxnSpPr>
+              <a:cxnSpLocks/>
+            </p:cNvCxnSpPr>
+            <p:nvPr/>
+          </p:nvCxnSpPr>
+          <p:spPr>
+            <a:xfrm flipV="1">
+              <a:off x="2477985" y="5248894"/>
+              <a:ext cx="120732" cy="164275"/>
+            </a:xfrm>
+            <a:prstGeom prst="line">
+              <a:avLst/>
+            </a:prstGeom>
+            <a:ln w="38100">
+              <a:solidFill>
+                <a:schemeClr val="tx1"/>
+              </a:solidFill>
+            </a:ln>
+          </p:spPr>
+          <p:style>
+            <a:lnRef idx="2">
+              <a:schemeClr val="accent1"/>
+            </a:lnRef>
+            <a:fillRef idx="0">
+              <a:schemeClr val="accent1"/>
+            </a:fillRef>
+            <a:effectRef idx="1">
+              <a:schemeClr val="accent1"/>
+            </a:effectRef>
+            <a:fontRef idx="minor">
+              <a:schemeClr val="tx1"/>
+            </a:fontRef>
+          </p:style>
+        </p:cxnSp>
+        <p:cxnSp>
+          <p:nvCxnSpPr>
+            <p:cNvPr id="19" name="Straight Connector 18">
+              <a:extLst>
+                <a:ext uri="{FF2B5EF4-FFF2-40B4-BE49-F238E27FC236}">
+                  <a16:creationId xmlns:a16="http://schemas.microsoft.com/office/drawing/2014/main" id="{0ED103F2-F49B-54B1-B68D-8ED18EEF71D6}"/>
+                </a:ext>
+              </a:extLst>
+            </p:cNvPr>
+            <p:cNvCxnSpPr>
+              <a:cxnSpLocks/>
+            </p:cNvCxnSpPr>
+            <p:nvPr/>
+          </p:nvCxnSpPr>
+          <p:spPr>
+            <a:xfrm flipV="1">
+              <a:off x="2630385" y="5248894"/>
+              <a:ext cx="120732" cy="164275"/>
+            </a:xfrm>
+            <a:prstGeom prst="line">
+              <a:avLst/>
+            </a:prstGeom>
+            <a:ln w="38100">
+              <a:solidFill>
+                <a:schemeClr val="tx1"/>
+              </a:solidFill>
+            </a:ln>
+          </p:spPr>
+          <p:style>
+            <a:lnRef idx="2">
+              <a:schemeClr val="accent1"/>
+            </a:lnRef>
+            <a:fillRef idx="0">
+              <a:schemeClr val="accent1"/>
+            </a:fillRef>
+            <a:effectRef idx="1">
+              <a:schemeClr val="accent1"/>
+            </a:effectRef>
+            <a:fontRef idx="minor">
+              <a:schemeClr val="tx1"/>
+            </a:fontRef>
+          </p:style>
+        </p:cxnSp>
+      </p:grpSp>
+      <p:cxnSp>
+        <p:nvCxnSpPr>
+          <p:cNvPr id="25" name="Straight Arrow Connector 24">
+            <a:extLst>
+              <a:ext uri="{FF2B5EF4-FFF2-40B4-BE49-F238E27FC236}">
+                <a16:creationId xmlns:a16="http://schemas.microsoft.com/office/drawing/2014/main" id="{2D5F117F-37E1-95B3-D150-B22A75FE8F93}"/>
+              </a:ext>
+            </a:extLst>
+          </p:cNvPr>
+          <p:cNvCxnSpPr>
+            <a:cxnSpLocks/>
+          </p:cNvCxnSpPr>
+          <p:nvPr/>
+        </p:nvCxnSpPr>
+        <p:spPr>
+          <a:xfrm flipV="1">
+            <a:off x="3531502" y="5128235"/>
+            <a:ext cx="3639" cy="582378"/>
+          </a:xfrm>
+          <a:prstGeom prst="straightConnector1">
+            <a:avLst/>
+          </a:prstGeom>
+          <a:ln w="38100">
+            <a:solidFill>
+              <a:schemeClr val="tx1"/>
+            </a:solidFill>
+            <a:tailEnd type="oval"/>
+          </a:ln>
+        </p:spPr>
+        <p:style>
+          <a:lnRef idx="2">
+            <a:schemeClr val="accent1"/>
+          </a:lnRef>
+          <a:fillRef idx="0">
+            <a:schemeClr val="accent1"/>
+          </a:fillRef>
+          <a:effectRef idx="1">
+            <a:schemeClr val="accent1"/>
+          </a:effectRef>
+          <a:fontRef idx="minor">
+            <a:schemeClr val="tx1"/>
+          </a:fontRef>
+        </p:style>
+      </p:cxnSp>
+      <p:cxnSp>
+        <p:nvCxnSpPr>
+          <p:cNvPr id="27" name="Straight Arrow Connector 26">
+            <a:extLst>
+              <a:ext uri="{FF2B5EF4-FFF2-40B4-BE49-F238E27FC236}">
+                <a16:creationId xmlns:a16="http://schemas.microsoft.com/office/drawing/2014/main" id="{07A9284D-B775-3DC2-CE25-E6550A2B736A}"/>
+              </a:ext>
+            </a:extLst>
+          </p:cNvPr>
+          <p:cNvCxnSpPr>
+            <a:cxnSpLocks/>
+          </p:cNvCxnSpPr>
+          <p:nvPr/>
+        </p:nvCxnSpPr>
+        <p:spPr>
+          <a:xfrm flipV="1">
+            <a:off x="3531502" y="1952472"/>
+            <a:ext cx="0" cy="3186643"/>
+          </a:xfrm>
+          <a:prstGeom prst="straightConnector1">
+            <a:avLst/>
+          </a:prstGeom>
+          <a:ln w="38100">
+            <a:solidFill>
+              <a:schemeClr val="tx1"/>
+            </a:solidFill>
+            <a:prstDash val="dash"/>
+            <a:tailEnd type="none"/>
+          </a:ln>
+        </p:spPr>
+        <p:style>
+          <a:lnRef idx="2">
+            <a:schemeClr val="accent1"/>
+          </a:lnRef>
+          <a:fillRef idx="0">
+            <a:schemeClr val="accent1"/>
+          </a:fillRef>
+          <a:effectRef idx="1">
+            <a:schemeClr val="accent1"/>
+          </a:effectRef>
+          <a:fontRef idx="minor">
+            <a:schemeClr val="tx1"/>
+          </a:fontRef>
+        </p:style>
+      </p:cxnSp>
+      <p:grpSp>
+        <p:nvGrpSpPr>
+          <p:cNvPr id="29" name="Group 28">
+            <a:extLst>
+              <a:ext uri="{FF2B5EF4-FFF2-40B4-BE49-F238E27FC236}">
+                <a16:creationId xmlns:a16="http://schemas.microsoft.com/office/drawing/2014/main" id="{07F33429-CE80-F6D6-5034-AB747AF87C85}"/>
+              </a:ext>
+            </a:extLst>
+          </p:cNvPr>
+          <p:cNvGrpSpPr/>
+          <p:nvPr/>
+        </p:nvGrpSpPr>
+        <p:grpSpPr>
+          <a:xfrm>
+            <a:off x="5940275" y="2863233"/>
+            <a:ext cx="771526" cy="857254"/>
+            <a:chOff x="1228724" y="1857371"/>
+            <a:chExt cx="771526" cy="857254"/>
+          </a:xfrm>
+        </p:grpSpPr>
+        <p:sp>
+          <p:nvSpPr>
+            <p:cNvPr id="30" name="Oval 29">
+              <a:extLst>
+                <a:ext uri="{FF2B5EF4-FFF2-40B4-BE49-F238E27FC236}">
+                  <a16:creationId xmlns:a16="http://schemas.microsoft.com/office/drawing/2014/main" id="{1688332F-C20A-796B-A519-1DDF65907043}"/>
+                </a:ext>
+              </a:extLst>
+            </p:cNvPr>
+            <p:cNvSpPr/>
+            <p:nvPr/>
+          </p:nvSpPr>
+          <p:spPr>
+            <a:xfrm>
+              <a:off x="1514475" y="2214563"/>
+              <a:ext cx="485775" cy="500062"/>
+            </a:xfrm>
+            <a:prstGeom prst="ellipse">
+              <a:avLst/>
+            </a:prstGeom>
+            <a:noFill/>
+            <a:ln w="38100"/>
+          </p:spPr>
+          <p:style>
+            <a:lnRef idx="2">
+              <a:schemeClr val="accent1">
+                <a:shade val="15000"/>
+              </a:schemeClr>
+            </a:lnRef>
+            <a:fillRef idx="1">
+              <a:schemeClr val="accent1"/>
+            </a:fillRef>
+            <a:effectRef idx="0">
+              <a:schemeClr val="accent1"/>
+            </a:effectRef>
+            <a:fontRef idx="minor">
+              <a:schemeClr val="lt1"/>
+            </a:fontRef>
+          </p:style>
+          <p:txBody>
+            <a:bodyPr rtlCol="0" anchor="ctr"/>
+            <a:lstStyle/>
+            <a:p>
+              <a:pPr algn="ctr"/>
+              <a:endParaRPr lang="en-ES"/>
+            </a:p>
+          </p:txBody>
+        </p:sp>
+        <p:sp>
+          <p:nvSpPr>
+            <p:cNvPr id="31" name="TextBox 30">
+              <a:extLst>
+                <a:ext uri="{FF2B5EF4-FFF2-40B4-BE49-F238E27FC236}">
+                  <a16:creationId xmlns:a16="http://schemas.microsoft.com/office/drawing/2014/main" id="{F828061A-95DA-78B6-3E4F-5E7147377A68}"/>
+                </a:ext>
+              </a:extLst>
+            </p:cNvPr>
+            <p:cNvSpPr txBox="1"/>
+            <p:nvPr/>
+          </p:nvSpPr>
+          <p:spPr>
+            <a:xfrm>
+              <a:off x="1228724" y="1857371"/>
+              <a:ext cx="431528" cy="646331"/>
+            </a:xfrm>
+            <a:prstGeom prst="rect">
+              <a:avLst/>
+            </a:prstGeom>
+            <a:noFill/>
+          </p:spPr>
+          <p:txBody>
+            <a:bodyPr wrap="none" rtlCol="0">
+              <a:spAutoFit/>
+            </a:bodyPr>
+            <a:lstStyle/>
+            <a:p>
+              <a:r>
+                <a:rPr lang="en-ES" sz="3600" dirty="0"/>
+                <a:t>+</a:t>
+              </a:r>
+            </a:p>
+          </p:txBody>
+        </p:sp>
+      </p:grpSp>
+      <p:sp>
+        <p:nvSpPr>
+          <p:cNvPr id="32" name="TextBox 31">
+            <a:extLst>
+              <a:ext uri="{FF2B5EF4-FFF2-40B4-BE49-F238E27FC236}">
+                <a16:creationId xmlns:a16="http://schemas.microsoft.com/office/drawing/2014/main" id="{A3CB0F7B-8F98-76EB-055C-1725160D2DCB}"/>
+              </a:ext>
+            </a:extLst>
+          </p:cNvPr>
+          <p:cNvSpPr txBox="1"/>
+          <p:nvPr/>
+        </p:nvSpPr>
+        <p:spPr>
+          <a:xfrm>
+            <a:off x="5723087" y="3471759"/>
+            <a:ext cx="425116" cy="584775"/>
+          </a:xfrm>
+          <a:prstGeom prst="rect">
+            <a:avLst/>
+          </a:prstGeom>
+          <a:noFill/>
+        </p:spPr>
+        <p:txBody>
+          <a:bodyPr wrap="none" rtlCol="0">
+            <a:spAutoFit/>
+          </a:bodyPr>
+          <a:lstStyle/>
+          <a:p>
+            <a:r>
+              <a:rPr lang="en-ES" sz="3200" dirty="0"/>
+              <a:t>V</a:t>
+            </a:r>
+            <a:endParaRPr lang="en-ES" dirty="0"/>
+          </a:p>
+        </p:txBody>
+      </p:sp>
+      <p:sp>
+        <p:nvSpPr>
+          <p:cNvPr id="35" name="Rectangle 34">
+            <a:extLst>
+              <a:ext uri="{FF2B5EF4-FFF2-40B4-BE49-F238E27FC236}">
+                <a16:creationId xmlns:a16="http://schemas.microsoft.com/office/drawing/2014/main" id="{7B044EB0-0C93-A05A-3E8C-448EA9856E53}"/>
+              </a:ext>
+            </a:extLst>
+          </p:cNvPr>
+          <p:cNvSpPr/>
+          <p:nvPr/>
+        </p:nvSpPr>
+        <p:spPr>
+          <a:xfrm>
+            <a:off x="8067764" y="3043288"/>
+            <a:ext cx="228600" cy="857250"/>
+          </a:xfrm>
+          <a:prstGeom prst="rect">
+            <a:avLst/>
+          </a:prstGeom>
+          <a:noFill/>
+          <a:ln w="38100"/>
+        </p:spPr>
+        <p:style>
+          <a:lnRef idx="2">
+            <a:schemeClr val="accent1">
+              <a:shade val="15000"/>
+            </a:schemeClr>
+          </a:lnRef>
+          <a:fillRef idx="1">
+            <a:schemeClr val="accent1"/>
+          </a:fillRef>
+          <a:effectRef idx="0">
+            <a:schemeClr val="accent1"/>
+          </a:effectRef>
+          <a:fontRef idx="minor">
+            <a:schemeClr val="lt1"/>
+          </a:fontRef>
+        </p:style>
+        <p:txBody>
+          <a:bodyPr rtlCol="0" anchor="ctr"/>
+          <a:lstStyle/>
+          <a:p>
+            <a:pPr algn="ctr"/>
+            <a:endParaRPr lang="en-ES"/>
+          </a:p>
+        </p:txBody>
+      </p:sp>
+      <p:cxnSp>
+        <p:nvCxnSpPr>
+          <p:cNvPr id="36" name="Elbow Connector 35">
+            <a:extLst>
+              <a:ext uri="{FF2B5EF4-FFF2-40B4-BE49-F238E27FC236}">
+                <a16:creationId xmlns:a16="http://schemas.microsoft.com/office/drawing/2014/main" id="{C724878D-C6C4-CFBB-6FD3-A59A4EA9874B}"/>
+              </a:ext>
+            </a:extLst>
+          </p:cNvPr>
+          <p:cNvCxnSpPr>
+            <a:cxnSpLocks/>
+            <a:stCxn id="30" idx="0"/>
+            <a:endCxn id="35" idx="0"/>
+          </p:cNvCxnSpPr>
+          <p:nvPr/>
+        </p:nvCxnSpPr>
+        <p:spPr>
+          <a:xfrm rot="5400000" flipH="1" flipV="1">
+            <a:off x="7236921" y="2275282"/>
+            <a:ext cx="177137" cy="1713150"/>
+          </a:xfrm>
+          <a:prstGeom prst="bentConnector3">
+            <a:avLst>
+              <a:gd name="adj1" fmla="val 229053"/>
+            </a:avLst>
+          </a:prstGeom>
+          <a:ln w="38100">
+            <a:solidFill>
+              <a:schemeClr val="tx1"/>
+            </a:solidFill>
+          </a:ln>
+        </p:spPr>
+        <p:style>
+          <a:lnRef idx="1">
+            <a:schemeClr val="dk1"/>
+          </a:lnRef>
+          <a:fillRef idx="0">
+            <a:schemeClr val="dk1"/>
+          </a:fillRef>
+          <a:effectRef idx="0">
+            <a:schemeClr val="dk1"/>
+          </a:effectRef>
+          <a:fontRef idx="minor">
+            <a:schemeClr val="tx1"/>
+          </a:fontRef>
+        </p:style>
+      </p:cxnSp>
+      <p:cxnSp>
+        <p:nvCxnSpPr>
+          <p:cNvPr id="40" name="Elbow Connector 39">
+            <a:extLst>
+              <a:ext uri="{FF2B5EF4-FFF2-40B4-BE49-F238E27FC236}">
+                <a16:creationId xmlns:a16="http://schemas.microsoft.com/office/drawing/2014/main" id="{F045C2A8-9BC0-F084-7451-CA61B4C09B00}"/>
+              </a:ext>
+            </a:extLst>
+          </p:cNvPr>
+          <p:cNvCxnSpPr>
+            <a:cxnSpLocks/>
+            <a:stCxn id="30" idx="4"/>
+            <a:endCxn id="35" idx="2"/>
+          </p:cNvCxnSpPr>
+          <p:nvPr/>
+        </p:nvCxnSpPr>
+        <p:spPr>
+          <a:xfrm rot="16200000" flipH="1">
+            <a:off x="7235464" y="2953937"/>
+            <a:ext cx="180051" cy="1713150"/>
+          </a:xfrm>
+          <a:prstGeom prst="bentConnector3">
+            <a:avLst>
+              <a:gd name="adj1" fmla="val 226964"/>
+            </a:avLst>
+          </a:prstGeom>
+          <a:ln w="38100">
+            <a:solidFill>
+              <a:schemeClr val="tx1"/>
+            </a:solidFill>
+          </a:ln>
+        </p:spPr>
+        <p:style>
+          <a:lnRef idx="1">
+            <a:schemeClr val="dk1"/>
+          </a:lnRef>
+          <a:fillRef idx="0">
+            <a:schemeClr val="dk1"/>
+          </a:fillRef>
+          <a:effectRef idx="0">
+            <a:schemeClr val="dk1"/>
+          </a:effectRef>
+          <a:fontRef idx="minor">
+            <a:schemeClr val="tx1"/>
+          </a:fontRef>
+        </p:style>
+      </p:cxnSp>
+      <p:cxnSp>
+        <p:nvCxnSpPr>
+          <p:cNvPr id="41" name="Straight Arrow Connector 40">
+            <a:extLst>
+              <a:ext uri="{FF2B5EF4-FFF2-40B4-BE49-F238E27FC236}">
+                <a16:creationId xmlns:a16="http://schemas.microsoft.com/office/drawing/2014/main" id="{68751065-FC6C-8885-04BD-FA56DFDFD8F7}"/>
+              </a:ext>
+            </a:extLst>
+          </p:cNvPr>
+          <p:cNvCxnSpPr>
+            <a:cxnSpLocks/>
+          </p:cNvCxnSpPr>
+          <p:nvPr/>
+        </p:nvCxnSpPr>
+        <p:spPr>
+          <a:xfrm>
+            <a:off x="7390160" y="2812455"/>
+            <a:ext cx="142875" cy="0"/>
+          </a:xfrm>
+          <a:prstGeom prst="straightConnector1">
+            <a:avLst/>
+          </a:prstGeom>
+          <a:ln w="73025">
+            <a:solidFill>
+              <a:schemeClr val="tx1"/>
+            </a:solidFill>
+            <a:tailEnd type="triangle"/>
+          </a:ln>
+        </p:spPr>
+        <p:style>
+          <a:lnRef idx="1">
+            <a:schemeClr val="dk1"/>
+          </a:lnRef>
+          <a:fillRef idx="0">
+            <a:schemeClr val="dk1"/>
+          </a:fillRef>
+          <a:effectRef idx="0">
+            <a:schemeClr val="dk1"/>
+          </a:effectRef>
+          <a:fontRef idx="minor">
+            <a:schemeClr val="tx1"/>
+          </a:fontRef>
+        </p:style>
+      </p:cxnSp>
+      <p:sp>
+        <p:nvSpPr>
+          <p:cNvPr id="42" name="TextBox 41">
+            <a:extLst>
+              <a:ext uri="{FF2B5EF4-FFF2-40B4-BE49-F238E27FC236}">
+                <a16:creationId xmlns:a16="http://schemas.microsoft.com/office/drawing/2014/main" id="{6498E0E3-8656-F15E-AF08-C3D11D4170F5}"/>
+              </a:ext>
+            </a:extLst>
+          </p:cNvPr>
+          <p:cNvSpPr txBox="1"/>
+          <p:nvPr/>
+        </p:nvSpPr>
+        <p:spPr>
+          <a:xfrm>
+            <a:off x="7229709" y="2151718"/>
+            <a:ext cx="292068" cy="584775"/>
+          </a:xfrm>
+          <a:prstGeom prst="rect">
+            <a:avLst/>
+          </a:prstGeom>
+          <a:noFill/>
+        </p:spPr>
+        <p:txBody>
+          <a:bodyPr wrap="none" rtlCol="0">
+            <a:spAutoFit/>
+          </a:bodyPr>
+          <a:lstStyle/>
+          <a:p>
+            <a:r>
+              <a:rPr lang="en-ES" sz="3200" dirty="0"/>
+              <a:t>I</a:t>
+            </a:r>
+          </a:p>
+        </p:txBody>
+      </p:sp>
+      <p:sp>
+        <p:nvSpPr>
+          <p:cNvPr id="43" name="TextBox 42">
+            <a:extLst>
+              <a:ext uri="{FF2B5EF4-FFF2-40B4-BE49-F238E27FC236}">
+                <a16:creationId xmlns:a16="http://schemas.microsoft.com/office/drawing/2014/main" id="{8A377E1F-D565-8D3D-01B5-43C85551D844}"/>
+              </a:ext>
+            </a:extLst>
+          </p:cNvPr>
+          <p:cNvSpPr txBox="1"/>
+          <p:nvPr/>
+        </p:nvSpPr>
+        <p:spPr>
+          <a:xfrm>
+            <a:off x="8392873" y="3173813"/>
+            <a:ext cx="433132" cy="584775"/>
+          </a:xfrm>
+          <a:prstGeom prst="rect">
+            <a:avLst/>
+          </a:prstGeom>
+          <a:noFill/>
+        </p:spPr>
+        <p:txBody>
+          <a:bodyPr wrap="none" rtlCol="0">
+            <a:spAutoFit/>
+          </a:bodyPr>
+          <a:lstStyle/>
+          <a:p>
+            <a:r>
+              <a:rPr lang="en-ES" sz="3200" dirty="0"/>
+              <a:t>R</a:t>
+            </a:r>
+            <a:endParaRPr lang="en-ES" sz="3200" baseline="-25000" dirty="0"/>
+          </a:p>
+        </p:txBody>
+      </p:sp>
+    </p:spTree>
+    <p:extLst>
+      <p:ext uri="{BB962C8B-B14F-4D97-AF65-F5344CB8AC3E}">
+        <p14:creationId xmlns:p14="http://schemas.microsoft.com/office/powerpoint/2010/main" val="2774757708"/>
+      </p:ext>
+    </p:extLst>
+  </p:cSld>
+  <p:clrMapOvr>
+    <a:masterClrMapping/>
+  </p:clrMapOvr>
+</p:sld>
+</file>
+
+<file path=ppt/slides/slide16.xml><?xml version="1.0" encoding="utf-8"?>
+<p:sld xmlns:a="http://schemas.openxmlformats.org/drawingml/2006/main" xmlns:r="http://schemas.openxmlformats.org/officeDocument/2006/relationships" xmlns:p="http://schemas.openxmlformats.org/presentationml/2006/main">
+  <p:cSld>
+    <p:spTree>
+      <p:nvGrpSpPr>
+        <p:cNvPr id="1" name=""/>
+        <p:cNvGrpSpPr/>
+        <p:nvPr/>
+      </p:nvGrpSpPr>
+      <p:grpSpPr>
+        <a:xfrm>
+          <a:off x="0" y="0"/>
+          <a:ext cx="0" cy="0"/>
+          <a:chOff x="0" y="0"/>
+          <a:chExt cx="0" cy="0"/>
+        </a:xfrm>
+      </p:grpSpPr>
+      <p:cxnSp>
+        <p:nvCxnSpPr>
+          <p:cNvPr id="2" name="Straight Arrow Connector 1">
+            <a:extLst>
+              <a:ext uri="{FF2B5EF4-FFF2-40B4-BE49-F238E27FC236}">
+                <a16:creationId xmlns:a16="http://schemas.microsoft.com/office/drawing/2014/main" id="{1B67D66D-995D-2667-84EC-DE9CDFB93D71}"/>
+              </a:ext>
+            </a:extLst>
+          </p:cNvPr>
+          <p:cNvCxnSpPr>
+            <a:cxnSpLocks/>
+          </p:cNvCxnSpPr>
+          <p:nvPr/>
+        </p:nvCxnSpPr>
+        <p:spPr>
+          <a:xfrm flipV="1">
+            <a:off x="3531502" y="477430"/>
+            <a:ext cx="0" cy="3192045"/>
+          </a:xfrm>
+          <a:prstGeom prst="straightConnector1">
+            <a:avLst/>
+          </a:prstGeom>
+          <a:ln w="38100">
+            <a:tailEnd type="triangle"/>
+          </a:ln>
+        </p:spPr>
+        <p:style>
+          <a:lnRef idx="2">
+            <a:schemeClr val="accent1"/>
+          </a:lnRef>
+          <a:fillRef idx="0">
+            <a:schemeClr val="accent1"/>
+          </a:fillRef>
+          <a:effectRef idx="1">
+            <a:schemeClr val="accent1"/>
+          </a:effectRef>
+          <a:fontRef idx="minor">
+            <a:schemeClr val="tx1"/>
+          </a:fontRef>
+        </p:style>
+      </p:cxnSp>
+      <p:cxnSp>
+        <p:nvCxnSpPr>
+          <p:cNvPr id="3" name="Straight Arrow Connector 2">
+            <a:extLst>
+              <a:ext uri="{FF2B5EF4-FFF2-40B4-BE49-F238E27FC236}">
+                <a16:creationId xmlns:a16="http://schemas.microsoft.com/office/drawing/2014/main" id="{9CF0182C-C8B0-2BB0-1D15-33313AE6CEC4}"/>
+              </a:ext>
+            </a:extLst>
+          </p:cNvPr>
+          <p:cNvCxnSpPr>
+            <a:cxnSpLocks/>
+          </p:cNvCxnSpPr>
+          <p:nvPr/>
+        </p:nvCxnSpPr>
+        <p:spPr>
+          <a:xfrm flipH="1">
+            <a:off x="1935679" y="3655621"/>
+            <a:ext cx="1605720" cy="1260762"/>
+          </a:xfrm>
+          <a:prstGeom prst="straightConnector1">
+            <a:avLst/>
+          </a:prstGeom>
+          <a:ln w="38100">
+            <a:tailEnd type="triangle"/>
+          </a:ln>
+        </p:spPr>
+        <p:style>
+          <a:lnRef idx="2">
+            <a:schemeClr val="accent1"/>
+          </a:lnRef>
+          <a:fillRef idx="0">
+            <a:schemeClr val="accent1"/>
+          </a:fillRef>
+          <a:effectRef idx="1">
+            <a:schemeClr val="accent1"/>
+          </a:effectRef>
+          <a:fontRef idx="minor">
+            <a:schemeClr val="tx1"/>
+          </a:fontRef>
+        </p:style>
+      </p:cxnSp>
+      <p:cxnSp>
+        <p:nvCxnSpPr>
+          <p:cNvPr id="4" name="Straight Arrow Connector 3">
+            <a:extLst>
+              <a:ext uri="{FF2B5EF4-FFF2-40B4-BE49-F238E27FC236}">
+                <a16:creationId xmlns:a16="http://schemas.microsoft.com/office/drawing/2014/main" id="{93C7A33C-DF80-84D1-6D0A-A8C3DEACC5F6}"/>
+              </a:ext>
+            </a:extLst>
+          </p:cNvPr>
+          <p:cNvCxnSpPr>
+            <a:cxnSpLocks/>
+          </p:cNvCxnSpPr>
+          <p:nvPr/>
+        </p:nvCxnSpPr>
+        <p:spPr>
+          <a:xfrm>
+            <a:off x="3513120" y="3677394"/>
+            <a:ext cx="3870319" cy="21103"/>
+          </a:xfrm>
+          <a:prstGeom prst="straightConnector1">
+            <a:avLst/>
+          </a:prstGeom>
+          <a:ln w="38100">
+            <a:tailEnd type="triangle"/>
+          </a:ln>
+        </p:spPr>
+        <p:style>
+          <a:lnRef idx="2">
+            <a:schemeClr val="accent1"/>
+          </a:lnRef>
+          <a:fillRef idx="0">
+            <a:schemeClr val="accent1"/>
+          </a:fillRef>
+          <a:effectRef idx="1">
+            <a:schemeClr val="accent1"/>
+          </a:effectRef>
+          <a:fontRef idx="minor">
+            <a:schemeClr val="tx1"/>
+          </a:fontRef>
+        </p:style>
+      </p:cxnSp>
+      <p:sp>
+        <p:nvSpPr>
+          <p:cNvPr id="5" name="TextBox 4">
+            <a:extLst>
+              <a:ext uri="{FF2B5EF4-FFF2-40B4-BE49-F238E27FC236}">
+                <a16:creationId xmlns:a16="http://schemas.microsoft.com/office/drawing/2014/main" id="{E3C15D9D-7615-8E10-A8AA-F9EE1CED0E08}"/>
+              </a:ext>
+            </a:extLst>
+          </p:cNvPr>
+          <p:cNvSpPr txBox="1"/>
+          <p:nvPr/>
+        </p:nvSpPr>
+        <p:spPr>
+          <a:xfrm>
+            <a:off x="1812336" y="4233110"/>
+            <a:ext cx="365806" cy="584775"/>
+          </a:xfrm>
+          <a:prstGeom prst="rect">
+            <a:avLst/>
+          </a:prstGeom>
+          <a:noFill/>
+        </p:spPr>
+        <p:txBody>
+          <a:bodyPr wrap="none" rtlCol="0">
+            <a:spAutoFit/>
+          </a:bodyPr>
+          <a:lstStyle/>
+          <a:p>
+            <a:r>
+              <a:rPr lang="en-ES" sz="3200" dirty="0"/>
+              <a:t>x</a:t>
+            </a:r>
+            <a:endParaRPr lang="en-ES" dirty="0"/>
+          </a:p>
+        </p:txBody>
+      </p:sp>
+      <p:sp>
+        <p:nvSpPr>
+          <p:cNvPr id="6" name="TextBox 5">
+            <a:extLst>
+              <a:ext uri="{FF2B5EF4-FFF2-40B4-BE49-F238E27FC236}">
+                <a16:creationId xmlns:a16="http://schemas.microsoft.com/office/drawing/2014/main" id="{64AAD87E-5FA0-EEB7-4F88-04C3DC36E205}"/>
+              </a:ext>
+            </a:extLst>
+          </p:cNvPr>
+          <p:cNvSpPr txBox="1"/>
+          <p:nvPr/>
+        </p:nvSpPr>
+        <p:spPr>
+          <a:xfrm>
+            <a:off x="7124207" y="3088659"/>
+            <a:ext cx="370614" cy="584775"/>
+          </a:xfrm>
+          <a:prstGeom prst="rect">
+            <a:avLst/>
+          </a:prstGeom>
+          <a:noFill/>
+        </p:spPr>
+        <p:txBody>
+          <a:bodyPr wrap="none" rtlCol="0">
+            <a:spAutoFit/>
+          </a:bodyPr>
+          <a:lstStyle/>
+          <a:p>
+            <a:r>
+              <a:rPr lang="en-ES" sz="3200" dirty="0"/>
+              <a:t>y</a:t>
+            </a:r>
+            <a:endParaRPr lang="en-ES" dirty="0"/>
+          </a:p>
+        </p:txBody>
+      </p:sp>
+      <p:sp>
+        <p:nvSpPr>
+          <p:cNvPr id="7" name="TextBox 6">
+            <a:extLst>
+              <a:ext uri="{FF2B5EF4-FFF2-40B4-BE49-F238E27FC236}">
+                <a16:creationId xmlns:a16="http://schemas.microsoft.com/office/drawing/2014/main" id="{5036199D-9208-FEED-14BD-63313BDED6C9}"/>
+              </a:ext>
+            </a:extLst>
+          </p:cNvPr>
+          <p:cNvSpPr txBox="1"/>
+          <p:nvPr/>
+        </p:nvSpPr>
+        <p:spPr>
+          <a:xfrm>
+            <a:off x="3153815" y="102637"/>
+            <a:ext cx="364202" cy="584775"/>
+          </a:xfrm>
+          <a:prstGeom prst="rect">
+            <a:avLst/>
+          </a:prstGeom>
+          <a:noFill/>
+        </p:spPr>
+        <p:txBody>
+          <a:bodyPr wrap="none" rtlCol="0">
+            <a:spAutoFit/>
+          </a:bodyPr>
+          <a:lstStyle/>
+          <a:p>
+            <a:r>
+              <a:rPr lang="en-ES" sz="3200" dirty="0"/>
+              <a:t>z</a:t>
+            </a:r>
+            <a:endParaRPr lang="en-ES" dirty="0"/>
+          </a:p>
+        </p:txBody>
+      </p:sp>
+      <p:cxnSp>
+        <p:nvCxnSpPr>
+          <p:cNvPr id="10" name="Straight Arrow Connector 9">
+            <a:extLst>
+              <a:ext uri="{FF2B5EF4-FFF2-40B4-BE49-F238E27FC236}">
+                <a16:creationId xmlns:a16="http://schemas.microsoft.com/office/drawing/2014/main" id="{5BB646BE-5D4A-CFAA-16A8-3964F9AC2E1E}"/>
+              </a:ext>
+            </a:extLst>
+          </p:cNvPr>
+          <p:cNvCxnSpPr>
+            <a:cxnSpLocks/>
+          </p:cNvCxnSpPr>
+          <p:nvPr/>
+        </p:nvCxnSpPr>
+        <p:spPr>
+          <a:xfrm flipV="1">
+            <a:off x="3513120" y="3098012"/>
+            <a:ext cx="1129697" cy="589508"/>
+          </a:xfrm>
+          <a:prstGeom prst="straightConnector1">
+            <a:avLst/>
+          </a:prstGeom>
+          <a:ln w="38100">
+            <a:tailEnd type="triangle"/>
+          </a:ln>
+        </p:spPr>
+        <p:style>
+          <a:lnRef idx="2">
+            <a:schemeClr val="dk1"/>
+          </a:lnRef>
+          <a:fillRef idx="0">
+            <a:schemeClr val="dk1"/>
+          </a:fillRef>
+          <a:effectRef idx="1">
+            <a:schemeClr val="dk1"/>
+          </a:effectRef>
+          <a:fontRef idx="minor">
+            <a:schemeClr val="tx1"/>
+          </a:fontRef>
+        </p:style>
+      </p:cxnSp>
+      <p:grpSp>
+        <p:nvGrpSpPr>
+          <p:cNvPr id="15" name="Group 14">
+            <a:extLst>
+              <a:ext uri="{FF2B5EF4-FFF2-40B4-BE49-F238E27FC236}">
+                <a16:creationId xmlns:a16="http://schemas.microsoft.com/office/drawing/2014/main" id="{4B5001BF-C635-8928-C991-9D7A2FEF03A7}"/>
+              </a:ext>
+            </a:extLst>
+          </p:cNvPr>
+          <p:cNvGrpSpPr/>
+          <p:nvPr/>
+        </p:nvGrpSpPr>
+        <p:grpSpPr>
+          <a:xfrm>
+            <a:off x="4338549" y="2438935"/>
+            <a:ext cx="404088" cy="739645"/>
+            <a:chOff x="3549885" y="2689355"/>
+            <a:chExt cx="404088" cy="739645"/>
+          </a:xfrm>
+        </p:grpSpPr>
+        <p:sp>
+          <p:nvSpPr>
+            <p:cNvPr id="12" name="TextBox 11">
+              <a:extLst>
+                <a:ext uri="{FF2B5EF4-FFF2-40B4-BE49-F238E27FC236}">
+                  <a16:creationId xmlns:a16="http://schemas.microsoft.com/office/drawing/2014/main" id="{4B0F407D-D3BC-9ADE-38B3-9854DD92C4C8}"/>
+                </a:ext>
+              </a:extLst>
+            </p:cNvPr>
+            <p:cNvSpPr txBox="1"/>
+            <p:nvPr/>
+          </p:nvSpPr>
+          <p:spPr>
+            <a:xfrm>
+              <a:off x="3577567" y="2844225"/>
+              <a:ext cx="376406" cy="584775"/>
+            </a:xfrm>
+            <a:prstGeom prst="rect">
+              <a:avLst/>
+            </a:prstGeom>
+            <a:noFill/>
+          </p:spPr>
+          <p:txBody>
+            <a:bodyPr wrap="square" rtlCol="0">
+              <a:spAutoFit/>
+            </a:bodyPr>
+            <a:lstStyle/>
+            <a:p>
+              <a:r>
+                <a:rPr lang="en-ES" sz="3200" dirty="0"/>
+                <a:t>n</a:t>
+              </a:r>
+              <a:endParaRPr lang="en-ES" dirty="0"/>
+            </a:p>
+          </p:txBody>
+        </p:sp>
+        <p:sp>
+          <p:nvSpPr>
+            <p:cNvPr id="13" name="TextBox 12">
+              <a:extLst>
+                <a:ext uri="{FF2B5EF4-FFF2-40B4-BE49-F238E27FC236}">
+                  <a16:creationId xmlns:a16="http://schemas.microsoft.com/office/drawing/2014/main" id="{CBCBA69E-498D-A859-DF3E-E3879264C3A1}"/>
+                </a:ext>
+              </a:extLst>
+            </p:cNvPr>
+            <p:cNvSpPr txBox="1"/>
+            <p:nvPr/>
+          </p:nvSpPr>
+          <p:spPr>
+            <a:xfrm>
+              <a:off x="3549885" y="2689355"/>
+              <a:ext cx="376409" cy="461665"/>
+            </a:xfrm>
+            <a:prstGeom prst="rect">
+              <a:avLst/>
+            </a:prstGeom>
+            <a:noFill/>
+          </p:spPr>
+          <p:txBody>
+            <a:bodyPr wrap="square" rtlCol="0">
+              <a:spAutoFit/>
+            </a:bodyPr>
+            <a:lstStyle/>
+            <a:p>
+              <a:r>
+                <a:rPr lang="en-ES" sz="2400" dirty="0"/>
+                <a:t>➝</a:t>
+              </a:r>
+            </a:p>
+          </p:txBody>
+        </p:sp>
+      </p:grpSp>
+      <p:cxnSp>
+        <p:nvCxnSpPr>
+          <p:cNvPr id="16" name="Straight Arrow Connector 15">
+            <a:extLst>
+              <a:ext uri="{FF2B5EF4-FFF2-40B4-BE49-F238E27FC236}">
+                <a16:creationId xmlns:a16="http://schemas.microsoft.com/office/drawing/2014/main" id="{B926EF29-DF38-394A-B859-FB3AC4BC8FD1}"/>
+              </a:ext>
+            </a:extLst>
+          </p:cNvPr>
+          <p:cNvCxnSpPr>
+            <a:cxnSpLocks/>
+          </p:cNvCxnSpPr>
+          <p:nvPr/>
+        </p:nvCxnSpPr>
+        <p:spPr>
+          <a:xfrm flipV="1">
+            <a:off x="3559185" y="1860698"/>
+            <a:ext cx="1372554" cy="1794923"/>
+          </a:xfrm>
+          <a:prstGeom prst="straightConnector1">
+            <a:avLst/>
+          </a:prstGeom>
+          <a:ln w="38100">
+            <a:tailEnd type="triangle"/>
+          </a:ln>
+        </p:spPr>
+        <p:style>
+          <a:lnRef idx="2">
+            <a:schemeClr val="dk1"/>
+          </a:lnRef>
+          <a:fillRef idx="0">
+            <a:schemeClr val="dk1"/>
+          </a:fillRef>
+          <a:effectRef idx="1">
+            <a:schemeClr val="dk1"/>
+          </a:effectRef>
+          <a:fontRef idx="minor">
+            <a:schemeClr val="tx1"/>
+          </a:fontRef>
+        </p:style>
+      </p:cxnSp>
+      <p:grpSp>
+        <p:nvGrpSpPr>
+          <p:cNvPr id="19" name="Group 18">
+            <a:extLst>
+              <a:ext uri="{FF2B5EF4-FFF2-40B4-BE49-F238E27FC236}">
+                <a16:creationId xmlns:a16="http://schemas.microsoft.com/office/drawing/2014/main" id="{AF4C0591-3B96-6D78-A8C0-798747AFB473}"/>
+              </a:ext>
+            </a:extLst>
+          </p:cNvPr>
+          <p:cNvGrpSpPr/>
+          <p:nvPr/>
+        </p:nvGrpSpPr>
+        <p:grpSpPr>
+          <a:xfrm>
+            <a:off x="4315919" y="1573837"/>
+            <a:ext cx="435987" cy="739645"/>
+            <a:chOff x="3549885" y="2689355"/>
+            <a:chExt cx="435987" cy="739645"/>
+          </a:xfrm>
+        </p:grpSpPr>
+        <p:sp>
+          <p:nvSpPr>
+            <p:cNvPr id="20" name="TextBox 19">
+              <a:extLst>
+                <a:ext uri="{FF2B5EF4-FFF2-40B4-BE49-F238E27FC236}">
+                  <a16:creationId xmlns:a16="http://schemas.microsoft.com/office/drawing/2014/main" id="{DF4CC64D-4307-9DCE-86DC-EF5C6FE6A5EE}"/>
+                </a:ext>
+              </a:extLst>
+            </p:cNvPr>
+            <p:cNvSpPr txBox="1"/>
+            <p:nvPr/>
+          </p:nvSpPr>
+          <p:spPr>
+            <a:xfrm>
+              <a:off x="3609466" y="2844225"/>
+              <a:ext cx="376406" cy="584775"/>
+            </a:xfrm>
+            <a:prstGeom prst="rect">
+              <a:avLst/>
+            </a:prstGeom>
+            <a:noFill/>
+          </p:spPr>
+          <p:txBody>
+            <a:bodyPr wrap="square" rtlCol="0">
+              <a:spAutoFit/>
+            </a:bodyPr>
+            <a:lstStyle/>
+            <a:p>
+              <a:r>
+                <a:rPr lang="en-ES" sz="3200" dirty="0"/>
+                <a:t>r</a:t>
+              </a:r>
+              <a:endParaRPr lang="en-ES" dirty="0"/>
+            </a:p>
+          </p:txBody>
+        </p:sp>
+        <p:sp>
+          <p:nvSpPr>
+            <p:cNvPr id="21" name="TextBox 20">
+              <a:extLst>
+                <a:ext uri="{FF2B5EF4-FFF2-40B4-BE49-F238E27FC236}">
+                  <a16:creationId xmlns:a16="http://schemas.microsoft.com/office/drawing/2014/main" id="{A2534082-883C-1C2A-408D-30644B37F257}"/>
+                </a:ext>
+              </a:extLst>
+            </p:cNvPr>
+            <p:cNvSpPr txBox="1"/>
+            <p:nvPr/>
+          </p:nvSpPr>
+          <p:spPr>
+            <a:xfrm>
+              <a:off x="3549885" y="2689355"/>
+              <a:ext cx="376409" cy="461665"/>
+            </a:xfrm>
+            <a:prstGeom prst="rect">
+              <a:avLst/>
+            </a:prstGeom>
+            <a:noFill/>
+          </p:spPr>
+          <p:txBody>
+            <a:bodyPr wrap="square" rtlCol="0">
+              <a:spAutoFit/>
+            </a:bodyPr>
+            <a:lstStyle/>
+            <a:p>
+              <a:r>
+                <a:rPr lang="en-ES" sz="2400" dirty="0"/>
+                <a:t>➝</a:t>
+              </a:r>
+            </a:p>
+          </p:txBody>
+        </p:sp>
+      </p:grpSp>
+      <p:sp>
+        <p:nvSpPr>
+          <p:cNvPr id="23" name="Parallelogram 22">
+            <a:extLst>
+              <a:ext uri="{FF2B5EF4-FFF2-40B4-BE49-F238E27FC236}">
+                <a16:creationId xmlns:a16="http://schemas.microsoft.com/office/drawing/2014/main" id="{3B089DEF-FBD6-E3D8-4603-937BA2F1F3A1}"/>
+              </a:ext>
+            </a:extLst>
+          </p:cNvPr>
+          <p:cNvSpPr/>
+          <p:nvPr/>
+        </p:nvSpPr>
+        <p:spPr>
+          <a:xfrm rot="3847792">
+            <a:off x="3292420" y="1701120"/>
+            <a:ext cx="3680748" cy="2209111"/>
+          </a:xfrm>
+          <a:prstGeom prst="parallelogram">
+            <a:avLst/>
+          </a:prstGeom>
+          <a:noFill/>
+          <a:ln w="38100"/>
+        </p:spPr>
+        <p:style>
+          <a:lnRef idx="2">
+            <a:schemeClr val="accent1">
+              <a:shade val="15000"/>
+            </a:schemeClr>
+          </a:lnRef>
+          <a:fillRef idx="1">
+            <a:schemeClr val="accent1"/>
+          </a:fillRef>
+          <a:effectRef idx="0">
+            <a:schemeClr val="accent1"/>
+          </a:effectRef>
+          <a:fontRef idx="minor">
+            <a:schemeClr val="lt1"/>
+          </a:fontRef>
+        </p:style>
+        <p:txBody>
+          <a:bodyPr rtlCol="0" anchor="ctr"/>
+          <a:lstStyle/>
+          <a:p>
+            <a:pPr algn="ctr"/>
+            <a:endParaRPr lang="en-ES"/>
+          </a:p>
+        </p:txBody>
+      </p:sp>
+      <p:cxnSp>
+        <p:nvCxnSpPr>
+          <p:cNvPr id="25" name="Straight Arrow Connector 24">
+            <a:extLst>
+              <a:ext uri="{FF2B5EF4-FFF2-40B4-BE49-F238E27FC236}">
+                <a16:creationId xmlns:a16="http://schemas.microsoft.com/office/drawing/2014/main" id="{065FBF21-2313-3C6E-692E-2BCC3FF17C47}"/>
+              </a:ext>
+            </a:extLst>
+          </p:cNvPr>
+          <p:cNvCxnSpPr>
+            <a:cxnSpLocks/>
+          </p:cNvCxnSpPr>
+          <p:nvPr/>
+        </p:nvCxnSpPr>
+        <p:spPr>
+          <a:xfrm flipV="1">
+            <a:off x="4642817" y="2811193"/>
+            <a:ext cx="604740" cy="296811"/>
+          </a:xfrm>
+          <a:prstGeom prst="straightConnector1">
+            <a:avLst/>
+          </a:prstGeom>
+          <a:ln w="38100">
+            <a:prstDash val="dash"/>
+            <a:tailEnd type="oval"/>
+          </a:ln>
+        </p:spPr>
+        <p:style>
+          <a:lnRef idx="2">
+            <a:schemeClr val="dk1"/>
+          </a:lnRef>
+          <a:fillRef idx="0">
+            <a:schemeClr val="dk1"/>
+          </a:fillRef>
+          <a:effectRef idx="1">
+            <a:schemeClr val="dk1"/>
+          </a:effectRef>
+          <a:fontRef idx="minor">
+            <a:schemeClr val="tx1"/>
+          </a:fontRef>
+        </p:style>
+      </p:cxnSp>
+      <p:cxnSp>
+        <p:nvCxnSpPr>
+          <p:cNvPr id="28" name="Straight Arrow Connector 27">
+            <a:extLst>
+              <a:ext uri="{FF2B5EF4-FFF2-40B4-BE49-F238E27FC236}">
+                <a16:creationId xmlns:a16="http://schemas.microsoft.com/office/drawing/2014/main" id="{0BA35D65-90DC-6D16-AB3B-0A31D2A71B20}"/>
+              </a:ext>
+            </a:extLst>
+          </p:cNvPr>
+          <p:cNvCxnSpPr>
+            <a:cxnSpLocks/>
+          </p:cNvCxnSpPr>
+          <p:nvPr/>
+        </p:nvCxnSpPr>
+        <p:spPr>
+          <a:xfrm flipH="1" flipV="1">
+            <a:off x="4931739" y="1873919"/>
+            <a:ext cx="314806" cy="937274"/>
+          </a:xfrm>
+          <a:prstGeom prst="straightConnector1">
+            <a:avLst/>
+          </a:prstGeom>
+          <a:ln w="38100">
+            <a:prstDash val="dash"/>
+            <a:tailEnd type="oval"/>
+          </a:ln>
+        </p:spPr>
+        <p:style>
+          <a:lnRef idx="2">
+            <a:schemeClr val="dk1"/>
+          </a:lnRef>
+          <a:fillRef idx="0">
+            <a:schemeClr val="dk1"/>
+          </a:fillRef>
+          <a:effectRef idx="1">
+            <a:schemeClr val="dk1"/>
+          </a:effectRef>
+          <a:fontRef idx="minor">
+            <a:schemeClr val="tx1"/>
+          </a:fontRef>
+        </p:style>
+      </p:cxnSp>
+      <p:sp>
+        <p:nvSpPr>
+          <p:cNvPr id="36" name="Left Bracket 35">
+            <a:extLst>
+              <a:ext uri="{FF2B5EF4-FFF2-40B4-BE49-F238E27FC236}">
+                <a16:creationId xmlns:a16="http://schemas.microsoft.com/office/drawing/2014/main" id="{ECA26080-5469-7A0C-09AF-1BE6B9F37E16}"/>
+              </a:ext>
+            </a:extLst>
+          </p:cNvPr>
+          <p:cNvSpPr/>
+          <p:nvPr/>
+        </p:nvSpPr>
+        <p:spPr>
+          <a:xfrm rot="14678520">
+            <a:off x="4442949" y="2645240"/>
+            <a:ext cx="299524" cy="1908469"/>
+          </a:xfrm>
+          <a:prstGeom prst="leftBracket">
+            <a:avLst/>
+          </a:prstGeom>
+          <a:ln w="38100">
+            <a:solidFill>
+              <a:schemeClr val="accent1"/>
+            </a:solidFill>
+          </a:ln>
+        </p:spPr>
+        <p:style>
+          <a:lnRef idx="2">
+            <a:schemeClr val="accent1"/>
+          </a:lnRef>
+          <a:fillRef idx="0">
+            <a:schemeClr val="accent1"/>
+          </a:fillRef>
+          <a:effectRef idx="1">
+            <a:schemeClr val="accent1"/>
+          </a:effectRef>
+          <a:fontRef idx="minor">
+            <a:schemeClr val="tx1"/>
+          </a:fontRef>
+        </p:style>
+        <p:txBody>
+          <a:bodyPr rtlCol="0" anchor="ctr"/>
+          <a:lstStyle/>
+          <a:p>
+            <a:pPr algn="ctr"/>
+            <a:endParaRPr lang="en-ES" dirty="0"/>
+          </a:p>
+        </p:txBody>
+      </p:sp>
+      <p:sp>
+        <p:nvSpPr>
+          <p:cNvPr id="37" name="TextBox 36">
+            <a:extLst>
+              <a:ext uri="{FF2B5EF4-FFF2-40B4-BE49-F238E27FC236}">
+                <a16:creationId xmlns:a16="http://schemas.microsoft.com/office/drawing/2014/main" id="{545C512A-39A4-C9FF-C946-5288AD94BC79}"/>
+              </a:ext>
+            </a:extLst>
+          </p:cNvPr>
+          <p:cNvSpPr txBox="1"/>
+          <p:nvPr/>
+        </p:nvSpPr>
+        <p:spPr>
+          <a:xfrm>
+            <a:off x="4621970" y="3606695"/>
+            <a:ext cx="492094" cy="584775"/>
+          </a:xfrm>
+          <a:prstGeom prst="rect">
+            <a:avLst/>
+          </a:prstGeom>
+          <a:noFill/>
+        </p:spPr>
+        <p:txBody>
+          <a:bodyPr wrap="square" rtlCol="0">
+            <a:spAutoFit/>
+          </a:bodyPr>
+          <a:lstStyle/>
+          <a:p>
+            <a:r>
+              <a:rPr lang="en-ES" sz="3200" dirty="0"/>
+              <a:t>𝜏</a:t>
+            </a:r>
+            <a:endParaRPr lang="en-ES" dirty="0"/>
+          </a:p>
+        </p:txBody>
+      </p:sp>
+    </p:spTree>
+    <p:extLst>
+      <p:ext uri="{BB962C8B-B14F-4D97-AF65-F5344CB8AC3E}">
+        <p14:creationId xmlns:p14="http://schemas.microsoft.com/office/powerpoint/2010/main" val="1329119743"/>
       </p:ext>
     </p:extLst>
   </p:cSld>

--- a/images/images.pptx
+++ b/images/images.pptx
@@ -5,7 +5,7 @@
     <p:sldMasterId id="2147483648" r:id="rId1"/>
   </p:sldMasterIdLst>
   <p:notesMasterIdLst>
-    <p:notesMasterId r:id="rId18"/>
+    <p:notesMasterId r:id="rId21"/>
   </p:notesMasterIdLst>
   <p:sldIdLst>
     <p:sldId id="256" r:id="rId2"/>
@@ -24,6 +24,9 @@
     <p:sldId id="276" r:id="rId15"/>
     <p:sldId id="277" r:id="rId16"/>
     <p:sldId id="278" r:id="rId17"/>
+    <p:sldId id="279" r:id="rId18"/>
+    <p:sldId id="280" r:id="rId19"/>
+    <p:sldId id="281" r:id="rId20"/>
   </p:sldIdLst>
   <p:sldSz cx="12192000" cy="6858000"/>
   <p:notesSz cx="6858000" cy="9144000"/>
@@ -123,6 +126,37 @@
     </a:lvl9pPr>
   </p:defaultTextStyle>
   <p:extLst>
+    <p:ext uri="{521415D9-36F7-43E2-AB2F-B90AF26B5E84}">
+      <p14:sectionLst xmlns:p14="http://schemas.microsoft.com/office/powerpoint/2010/main">
+        <p14:section name="Bloque I" id="{60ACDF44-C13C-B740-A6ED-FB6EC2D78008}">
+          <p14:sldIdLst>
+            <p14:sldId id="256"/>
+            <p14:sldId id="258"/>
+            <p14:sldId id="257"/>
+            <p14:sldId id="259"/>
+            <p14:sldId id="260"/>
+            <p14:sldId id="261"/>
+            <p14:sldId id="262"/>
+            <p14:sldId id="263"/>
+            <p14:sldId id="264"/>
+            <p14:sldId id="265"/>
+            <p14:sldId id="266"/>
+            <p14:sldId id="267"/>
+            <p14:sldId id="268"/>
+            <p14:sldId id="276"/>
+            <p14:sldId id="277"/>
+            <p14:sldId id="278"/>
+          </p14:sldIdLst>
+        </p14:section>
+        <p14:section name="Bloque II" id="{36DBF05B-7CBC-1D49-B829-C928D896FB36}">
+          <p14:sldIdLst>
+            <p14:sldId id="279"/>
+            <p14:sldId id="280"/>
+            <p14:sldId id="281"/>
+          </p14:sldIdLst>
+        </p14:section>
+      </p14:sectionLst>
+    </p:ext>
     <p:ext uri="{EFAFB233-063F-42B5-8137-9DF3F51BA10A}">
       <p15:sldGuideLst xmlns:p15="http://schemas.microsoft.com/office/powerpoint/2012/main"/>
     </p:ext>
@@ -212,7 +246,7 @@
           <a:p>
             <a:fld id="{58B26CB7-4109-C146-865E-A51BCA1D7BE1}" type="datetimeFigureOut">
               <a:rPr lang="en-ES" smtClean="0"/>
-              <a:t>7/3/25</a:t>
+              <a:t>30/3/25</a:t>
             </a:fld>
             <a:endParaRPr lang="en-ES"/>
           </a:p>
@@ -797,7 +831,7 @@
           <a:p>
             <a:fld id="{07784863-2E4B-2847-978C-2577894F34C5}" type="datetimeFigureOut">
               <a:rPr lang="en-ES" smtClean="0"/>
-              <a:t>7/3/25</a:t>
+              <a:t>30/3/25</a:t>
             </a:fld>
             <a:endParaRPr lang="en-ES"/>
           </a:p>
@@ -997,7 +1031,7 @@
           <a:p>
             <a:fld id="{07784863-2E4B-2847-978C-2577894F34C5}" type="datetimeFigureOut">
               <a:rPr lang="en-ES" smtClean="0"/>
-              <a:t>7/3/25</a:t>
+              <a:t>30/3/25</a:t>
             </a:fld>
             <a:endParaRPr lang="en-ES"/>
           </a:p>
@@ -1207,7 +1241,7 @@
           <a:p>
             <a:fld id="{07784863-2E4B-2847-978C-2577894F34C5}" type="datetimeFigureOut">
               <a:rPr lang="en-ES" smtClean="0"/>
-              <a:t>7/3/25</a:t>
+              <a:t>30/3/25</a:t>
             </a:fld>
             <a:endParaRPr lang="en-ES"/>
           </a:p>
@@ -1407,7 +1441,7 @@
           <a:p>
             <a:fld id="{07784863-2E4B-2847-978C-2577894F34C5}" type="datetimeFigureOut">
               <a:rPr lang="en-ES" smtClean="0"/>
-              <a:t>7/3/25</a:t>
+              <a:t>30/3/25</a:t>
             </a:fld>
             <a:endParaRPr lang="en-ES"/>
           </a:p>
@@ -1683,7 +1717,7 @@
           <a:p>
             <a:fld id="{07784863-2E4B-2847-978C-2577894F34C5}" type="datetimeFigureOut">
               <a:rPr lang="en-ES" smtClean="0"/>
-              <a:t>7/3/25</a:t>
+              <a:t>30/3/25</a:t>
             </a:fld>
             <a:endParaRPr lang="en-ES"/>
           </a:p>
@@ -1951,7 +1985,7 @@
           <a:p>
             <a:fld id="{07784863-2E4B-2847-978C-2577894F34C5}" type="datetimeFigureOut">
               <a:rPr lang="en-ES" smtClean="0"/>
-              <a:t>7/3/25</a:t>
+              <a:t>30/3/25</a:t>
             </a:fld>
             <a:endParaRPr lang="en-ES"/>
           </a:p>
@@ -2366,7 +2400,7 @@
           <a:p>
             <a:fld id="{07784863-2E4B-2847-978C-2577894F34C5}" type="datetimeFigureOut">
               <a:rPr lang="en-ES" smtClean="0"/>
-              <a:t>7/3/25</a:t>
+              <a:t>30/3/25</a:t>
             </a:fld>
             <a:endParaRPr lang="en-ES"/>
           </a:p>
@@ -2508,7 +2542,7 @@
           <a:p>
             <a:fld id="{07784863-2E4B-2847-978C-2577894F34C5}" type="datetimeFigureOut">
               <a:rPr lang="en-ES" smtClean="0"/>
-              <a:t>7/3/25</a:t>
+              <a:t>30/3/25</a:t>
             </a:fld>
             <a:endParaRPr lang="en-ES"/>
           </a:p>
@@ -2621,7 +2655,7 @@
           <a:p>
             <a:fld id="{07784863-2E4B-2847-978C-2577894F34C5}" type="datetimeFigureOut">
               <a:rPr lang="en-ES" smtClean="0"/>
-              <a:t>7/3/25</a:t>
+              <a:t>30/3/25</a:t>
             </a:fld>
             <a:endParaRPr lang="en-ES"/>
           </a:p>
@@ -2934,7 +2968,7 @@
           <a:p>
             <a:fld id="{07784863-2E4B-2847-978C-2577894F34C5}" type="datetimeFigureOut">
               <a:rPr lang="en-ES" smtClean="0"/>
-              <a:t>7/3/25</a:t>
+              <a:t>30/3/25</a:t>
             </a:fld>
             <a:endParaRPr lang="en-ES"/>
           </a:p>
@@ -3223,7 +3257,7 @@
           <a:p>
             <a:fld id="{07784863-2E4B-2847-978C-2577894F34C5}" type="datetimeFigureOut">
               <a:rPr lang="en-ES" smtClean="0"/>
-              <a:t>7/3/25</a:t>
+              <a:t>30/3/25</a:t>
             </a:fld>
             <a:endParaRPr lang="en-ES"/>
           </a:p>
@@ -3466,7 +3500,7 @@
           <a:p>
             <a:fld id="{07784863-2E4B-2847-978C-2577894F34C5}" type="datetimeFigureOut">
               <a:rPr lang="en-ES" smtClean="0"/>
-              <a:t>7/3/25</a:t>
+              <a:t>30/3/25</a:t>
             </a:fld>
             <a:endParaRPr lang="en-ES"/>
           </a:p>
@@ -9927,6 +9961,2902 @@
     <p:extLst>
       <p:ext uri="{BB962C8B-B14F-4D97-AF65-F5344CB8AC3E}">
         <p14:creationId xmlns:p14="http://schemas.microsoft.com/office/powerpoint/2010/main" val="1329119743"/>
+      </p:ext>
+    </p:extLst>
+  </p:cSld>
+  <p:clrMapOvr>
+    <a:masterClrMapping/>
+  </p:clrMapOvr>
+</p:sld>
+</file>
+
+<file path=ppt/slides/slide17.xml><?xml version="1.0" encoding="utf-8"?>
+<p:sld xmlns:a="http://schemas.openxmlformats.org/drawingml/2006/main" xmlns:r="http://schemas.openxmlformats.org/officeDocument/2006/relationships" xmlns:p="http://schemas.openxmlformats.org/presentationml/2006/main">
+  <p:cSld>
+    <p:spTree>
+      <p:nvGrpSpPr>
+        <p:cNvPr id="1" name=""/>
+        <p:cNvGrpSpPr/>
+        <p:nvPr/>
+      </p:nvGrpSpPr>
+      <p:grpSpPr>
+        <a:xfrm>
+          <a:off x="0" y="0"/>
+          <a:ext cx="0" cy="0"/>
+          <a:chOff x="0" y="0"/>
+          <a:chExt cx="0" cy="0"/>
+        </a:xfrm>
+      </p:grpSpPr>
+      <p:cxnSp>
+        <p:nvCxnSpPr>
+          <p:cNvPr id="3" name="Straight Arrow Connector 2">
+            <a:extLst>
+              <a:ext uri="{FF2B5EF4-FFF2-40B4-BE49-F238E27FC236}">
+                <a16:creationId xmlns:a16="http://schemas.microsoft.com/office/drawing/2014/main" id="{958F2D9F-8916-90CA-99C3-3BA3E4757797}"/>
+              </a:ext>
+            </a:extLst>
+          </p:cNvPr>
+          <p:cNvCxnSpPr/>
+          <p:nvPr/>
+        </p:nvCxnSpPr>
+        <p:spPr>
+          <a:xfrm flipV="1">
+            <a:off x="2264735" y="1743740"/>
+            <a:ext cx="0" cy="3072809"/>
+          </a:xfrm>
+          <a:prstGeom prst="straightConnector1">
+            <a:avLst/>
+          </a:prstGeom>
+          <a:ln w="38100">
+            <a:solidFill>
+              <a:srgbClr val="C00000"/>
+            </a:solidFill>
+            <a:tailEnd type="triangle"/>
+          </a:ln>
+        </p:spPr>
+        <p:style>
+          <a:lnRef idx="2">
+            <a:schemeClr val="accent1"/>
+          </a:lnRef>
+          <a:fillRef idx="0">
+            <a:schemeClr val="accent1"/>
+          </a:fillRef>
+          <a:effectRef idx="1">
+            <a:schemeClr val="accent1"/>
+          </a:effectRef>
+          <a:fontRef idx="minor">
+            <a:schemeClr val="tx1"/>
+          </a:fontRef>
+        </p:style>
+      </p:cxnSp>
+      <p:cxnSp>
+        <p:nvCxnSpPr>
+          <p:cNvPr id="4" name="Straight Arrow Connector 3">
+            <a:extLst>
+              <a:ext uri="{FF2B5EF4-FFF2-40B4-BE49-F238E27FC236}">
+                <a16:creationId xmlns:a16="http://schemas.microsoft.com/office/drawing/2014/main" id="{FDE5D427-A387-61D1-9A3A-D2A815084525}"/>
+              </a:ext>
+            </a:extLst>
+          </p:cNvPr>
+          <p:cNvCxnSpPr>
+            <a:cxnSpLocks/>
+          </p:cNvCxnSpPr>
+          <p:nvPr/>
+        </p:nvCxnSpPr>
+        <p:spPr>
+          <a:xfrm>
+            <a:off x="2264735" y="4816549"/>
+            <a:ext cx="3030279" cy="0"/>
+          </a:xfrm>
+          <a:prstGeom prst="straightConnector1">
+            <a:avLst/>
+          </a:prstGeom>
+          <a:ln w="38100">
+            <a:tailEnd type="triangle"/>
+          </a:ln>
+        </p:spPr>
+        <p:style>
+          <a:lnRef idx="2">
+            <a:schemeClr val="accent1"/>
+          </a:lnRef>
+          <a:fillRef idx="0">
+            <a:schemeClr val="accent1"/>
+          </a:fillRef>
+          <a:effectRef idx="1">
+            <a:schemeClr val="accent1"/>
+          </a:effectRef>
+          <a:fontRef idx="minor">
+            <a:schemeClr val="tx1"/>
+          </a:fontRef>
+        </p:style>
+      </p:cxnSp>
+      <p:cxnSp>
+        <p:nvCxnSpPr>
+          <p:cNvPr id="8" name="Straight Connector 7">
+            <a:extLst>
+              <a:ext uri="{FF2B5EF4-FFF2-40B4-BE49-F238E27FC236}">
+                <a16:creationId xmlns:a16="http://schemas.microsoft.com/office/drawing/2014/main" id="{E984E401-E7FA-083B-8825-B1052058CFE4}"/>
+              </a:ext>
+            </a:extLst>
+          </p:cNvPr>
+          <p:cNvCxnSpPr>
+            <a:cxnSpLocks/>
+          </p:cNvCxnSpPr>
+          <p:nvPr/>
+        </p:nvCxnSpPr>
+        <p:spPr>
+          <a:xfrm flipV="1">
+            <a:off x="2264734" y="2041451"/>
+            <a:ext cx="2775600" cy="2775098"/>
+          </a:xfrm>
+          <a:prstGeom prst="line">
+            <a:avLst/>
+          </a:prstGeom>
+        </p:spPr>
+        <p:style>
+          <a:lnRef idx="2">
+            <a:schemeClr val="accent1"/>
+          </a:lnRef>
+          <a:fillRef idx="0">
+            <a:schemeClr val="accent1"/>
+          </a:fillRef>
+          <a:effectRef idx="1">
+            <a:schemeClr val="accent1"/>
+          </a:effectRef>
+          <a:fontRef idx="minor">
+            <a:schemeClr val="tx1"/>
+          </a:fontRef>
+        </p:style>
+      </p:cxnSp>
+      <p:sp>
+        <p:nvSpPr>
+          <p:cNvPr id="10" name="TextBox 9">
+            <a:extLst>
+              <a:ext uri="{FF2B5EF4-FFF2-40B4-BE49-F238E27FC236}">
+                <a16:creationId xmlns:a16="http://schemas.microsoft.com/office/drawing/2014/main" id="{40E6CB3C-15C0-9568-CBD9-8589723B2BFF}"/>
+              </a:ext>
+            </a:extLst>
+          </p:cNvPr>
+          <p:cNvSpPr txBox="1"/>
+          <p:nvPr/>
+        </p:nvSpPr>
+        <p:spPr>
+          <a:xfrm>
+            <a:off x="5151385" y="4816549"/>
+            <a:ext cx="287258" cy="369332"/>
+          </a:xfrm>
+          <a:prstGeom prst="rect">
+            <a:avLst/>
+          </a:prstGeom>
+          <a:noFill/>
+        </p:spPr>
+        <p:txBody>
+          <a:bodyPr wrap="none" rtlCol="0">
+            <a:spAutoFit/>
+          </a:bodyPr>
+          <a:lstStyle/>
+          <a:p>
+            <a:r>
+              <a:rPr lang="en-ES" dirty="0"/>
+              <a:t>x</a:t>
+            </a:r>
+          </a:p>
+        </p:txBody>
+      </p:sp>
+      <p:sp>
+        <p:nvSpPr>
+          <p:cNvPr id="11" name="TextBox 10">
+            <a:extLst>
+              <a:ext uri="{FF2B5EF4-FFF2-40B4-BE49-F238E27FC236}">
+                <a16:creationId xmlns:a16="http://schemas.microsoft.com/office/drawing/2014/main" id="{42E88CAD-E4E5-1021-85CC-B5493D27CE41}"/>
+              </a:ext>
+            </a:extLst>
+          </p:cNvPr>
+          <p:cNvSpPr txBox="1"/>
+          <p:nvPr/>
+        </p:nvSpPr>
+        <p:spPr>
+          <a:xfrm>
+            <a:off x="1882899" y="1559073"/>
+            <a:ext cx="381836" cy="369332"/>
+          </a:xfrm>
+          <a:prstGeom prst="rect">
+            <a:avLst/>
+          </a:prstGeom>
+          <a:noFill/>
+        </p:spPr>
+        <p:txBody>
+          <a:bodyPr wrap="none" rtlCol="0">
+            <a:spAutoFit/>
+          </a:bodyPr>
+          <a:lstStyle/>
+          <a:p>
+            <a:r>
+              <a:rPr lang="en-ES" dirty="0"/>
+              <a:t>ct</a:t>
+            </a:r>
+          </a:p>
+        </p:txBody>
+      </p:sp>
+      <p:sp>
+        <p:nvSpPr>
+          <p:cNvPr id="20" name="Arc 19">
+            <a:extLst>
+              <a:ext uri="{FF2B5EF4-FFF2-40B4-BE49-F238E27FC236}">
+                <a16:creationId xmlns:a16="http://schemas.microsoft.com/office/drawing/2014/main" id="{FF1930D5-BC55-7803-44D0-28CFFAEB2939}"/>
+              </a:ext>
+            </a:extLst>
+          </p:cNvPr>
+          <p:cNvSpPr/>
+          <p:nvPr/>
+        </p:nvSpPr>
+        <p:spPr>
+          <a:xfrm>
+            <a:off x="1532466" y="4072467"/>
+            <a:ext cx="1498601" cy="1439333"/>
+          </a:xfrm>
+          <a:prstGeom prst="arc">
+            <a:avLst>
+              <a:gd name="adj1" fmla="val 18887968"/>
+              <a:gd name="adj2" fmla="val 0"/>
+            </a:avLst>
+          </a:prstGeom>
+        </p:spPr>
+        <p:style>
+          <a:lnRef idx="2">
+            <a:schemeClr val="accent1"/>
+          </a:lnRef>
+          <a:fillRef idx="0">
+            <a:schemeClr val="accent1"/>
+          </a:fillRef>
+          <a:effectRef idx="1">
+            <a:schemeClr val="accent1"/>
+          </a:effectRef>
+          <a:fontRef idx="minor">
+            <a:schemeClr val="tx1"/>
+          </a:fontRef>
+        </p:style>
+        <p:txBody>
+          <a:bodyPr rtlCol="0" anchor="ctr"/>
+          <a:lstStyle/>
+          <a:p>
+            <a:pPr algn="ctr"/>
+            <a:endParaRPr lang="en-ES"/>
+          </a:p>
+        </p:txBody>
+      </p:sp>
+      <p:sp>
+        <p:nvSpPr>
+          <p:cNvPr id="21" name="TextBox 20">
+            <a:extLst>
+              <a:ext uri="{FF2B5EF4-FFF2-40B4-BE49-F238E27FC236}">
+                <a16:creationId xmlns:a16="http://schemas.microsoft.com/office/drawing/2014/main" id="{997C39C6-D0F3-F6A1-868A-E6E5BD2C1591}"/>
+              </a:ext>
+            </a:extLst>
+          </p:cNvPr>
+          <p:cNvSpPr txBox="1"/>
+          <p:nvPr/>
+        </p:nvSpPr>
+        <p:spPr>
+          <a:xfrm>
+            <a:off x="2954867" y="4298362"/>
+            <a:ext cx="534121" cy="369332"/>
+          </a:xfrm>
+          <a:prstGeom prst="rect">
+            <a:avLst/>
+          </a:prstGeom>
+          <a:noFill/>
+        </p:spPr>
+        <p:txBody>
+          <a:bodyPr wrap="none" rtlCol="0">
+            <a:spAutoFit/>
+          </a:bodyPr>
+          <a:lstStyle/>
+          <a:p>
+            <a:r>
+              <a:rPr lang="en-ES" dirty="0"/>
+              <a:t>45º</a:t>
+            </a:r>
+          </a:p>
+        </p:txBody>
+      </p:sp>
+      <p:cxnSp>
+        <p:nvCxnSpPr>
+          <p:cNvPr id="23" name="Elbow Connector 22">
+            <a:extLst>
+              <a:ext uri="{FF2B5EF4-FFF2-40B4-BE49-F238E27FC236}">
+                <a16:creationId xmlns:a16="http://schemas.microsoft.com/office/drawing/2014/main" id="{0115FCC7-2F55-0ED3-9B88-9C98B3617F48}"/>
+              </a:ext>
+            </a:extLst>
+          </p:cNvPr>
+          <p:cNvCxnSpPr>
+            <a:cxnSpLocks/>
+          </p:cNvCxnSpPr>
+          <p:nvPr/>
+        </p:nvCxnSpPr>
+        <p:spPr>
+          <a:xfrm flipV="1">
+            <a:off x="3652534" y="2980706"/>
+            <a:ext cx="444453" cy="439827"/>
+          </a:xfrm>
+          <a:prstGeom prst="bentConnector3">
+            <a:avLst>
+              <a:gd name="adj1" fmla="val 100766"/>
+            </a:avLst>
+          </a:prstGeom>
+          <a:ln>
+            <a:prstDash val="sysDot"/>
+          </a:ln>
+        </p:spPr>
+        <p:style>
+          <a:lnRef idx="2">
+            <a:schemeClr val="accent1"/>
+          </a:lnRef>
+          <a:fillRef idx="0">
+            <a:schemeClr val="accent1"/>
+          </a:fillRef>
+          <a:effectRef idx="1">
+            <a:schemeClr val="accent1"/>
+          </a:effectRef>
+          <a:fontRef idx="minor">
+            <a:schemeClr val="tx1"/>
+          </a:fontRef>
+        </p:style>
+      </p:cxnSp>
+    </p:spTree>
+    <p:extLst>
+      <p:ext uri="{BB962C8B-B14F-4D97-AF65-F5344CB8AC3E}">
+        <p14:creationId xmlns:p14="http://schemas.microsoft.com/office/powerpoint/2010/main" val="4124049429"/>
+      </p:ext>
+    </p:extLst>
+  </p:cSld>
+  <p:clrMapOvr>
+    <a:masterClrMapping/>
+  </p:clrMapOvr>
+</p:sld>
+</file>
+
+<file path=ppt/slides/slide18.xml><?xml version="1.0" encoding="utf-8"?>
+<p:sld xmlns:a="http://schemas.openxmlformats.org/drawingml/2006/main" xmlns:r="http://schemas.openxmlformats.org/officeDocument/2006/relationships" xmlns:p="http://schemas.openxmlformats.org/presentationml/2006/main">
+  <p:cSld>
+    <p:spTree>
+      <p:nvGrpSpPr>
+        <p:cNvPr id="1" name="">
+          <a:extLst>
+            <a:ext uri="{FF2B5EF4-FFF2-40B4-BE49-F238E27FC236}">
+              <a16:creationId xmlns:a16="http://schemas.microsoft.com/office/drawing/2014/main" id="{7644B558-C8B5-8394-180B-CF5735645CF1}"/>
+            </a:ext>
+          </a:extLst>
+        </p:cNvPr>
+        <p:cNvGrpSpPr/>
+        <p:nvPr/>
+      </p:nvGrpSpPr>
+      <p:grpSpPr>
+        <a:xfrm>
+          <a:off x="0" y="0"/>
+          <a:ext cx="0" cy="0"/>
+          <a:chOff x="0" y="0"/>
+          <a:chExt cx="0" cy="0"/>
+        </a:xfrm>
+      </p:grpSpPr>
+      <p:cxnSp>
+        <p:nvCxnSpPr>
+          <p:cNvPr id="3" name="Straight Arrow Connector 2">
+            <a:extLst>
+              <a:ext uri="{FF2B5EF4-FFF2-40B4-BE49-F238E27FC236}">
+                <a16:creationId xmlns:a16="http://schemas.microsoft.com/office/drawing/2014/main" id="{AF5ED81B-3F92-F360-7578-A2C9C3581143}"/>
+              </a:ext>
+            </a:extLst>
+          </p:cNvPr>
+          <p:cNvCxnSpPr/>
+          <p:nvPr/>
+        </p:nvCxnSpPr>
+        <p:spPr>
+          <a:xfrm flipV="1">
+            <a:off x="2264735" y="1743740"/>
+            <a:ext cx="0" cy="3072809"/>
+          </a:xfrm>
+          <a:prstGeom prst="straightConnector1">
+            <a:avLst/>
+          </a:prstGeom>
+          <a:ln w="38100">
+            <a:solidFill>
+              <a:srgbClr val="C00000"/>
+            </a:solidFill>
+            <a:tailEnd type="triangle"/>
+          </a:ln>
+        </p:spPr>
+        <p:style>
+          <a:lnRef idx="2">
+            <a:schemeClr val="accent1"/>
+          </a:lnRef>
+          <a:fillRef idx="0">
+            <a:schemeClr val="accent1"/>
+          </a:fillRef>
+          <a:effectRef idx="1">
+            <a:schemeClr val="accent1"/>
+          </a:effectRef>
+          <a:fontRef idx="minor">
+            <a:schemeClr val="tx1"/>
+          </a:fontRef>
+        </p:style>
+      </p:cxnSp>
+      <p:cxnSp>
+        <p:nvCxnSpPr>
+          <p:cNvPr id="4" name="Straight Arrow Connector 3">
+            <a:extLst>
+              <a:ext uri="{FF2B5EF4-FFF2-40B4-BE49-F238E27FC236}">
+                <a16:creationId xmlns:a16="http://schemas.microsoft.com/office/drawing/2014/main" id="{74A7C190-9F14-AC08-14D3-E25F26A662D6}"/>
+              </a:ext>
+            </a:extLst>
+          </p:cNvPr>
+          <p:cNvCxnSpPr>
+            <a:cxnSpLocks/>
+          </p:cNvCxnSpPr>
+          <p:nvPr/>
+        </p:nvCxnSpPr>
+        <p:spPr>
+          <a:xfrm>
+            <a:off x="2264735" y="4816549"/>
+            <a:ext cx="3030279" cy="0"/>
+          </a:xfrm>
+          <a:prstGeom prst="straightConnector1">
+            <a:avLst/>
+          </a:prstGeom>
+          <a:ln w="38100">
+            <a:tailEnd type="triangle"/>
+          </a:ln>
+        </p:spPr>
+        <p:style>
+          <a:lnRef idx="2">
+            <a:schemeClr val="accent1"/>
+          </a:lnRef>
+          <a:fillRef idx="0">
+            <a:schemeClr val="accent1"/>
+          </a:fillRef>
+          <a:effectRef idx="1">
+            <a:schemeClr val="accent1"/>
+          </a:effectRef>
+          <a:fontRef idx="minor">
+            <a:schemeClr val="tx1"/>
+          </a:fontRef>
+        </p:style>
+      </p:cxnSp>
+      <p:sp>
+        <p:nvSpPr>
+          <p:cNvPr id="10" name="TextBox 9">
+            <a:extLst>
+              <a:ext uri="{FF2B5EF4-FFF2-40B4-BE49-F238E27FC236}">
+                <a16:creationId xmlns:a16="http://schemas.microsoft.com/office/drawing/2014/main" id="{66C276F9-B19F-8072-DF85-A6D723D40E61}"/>
+              </a:ext>
+            </a:extLst>
+          </p:cNvPr>
+          <p:cNvSpPr txBox="1"/>
+          <p:nvPr/>
+        </p:nvSpPr>
+        <p:spPr>
+          <a:xfrm>
+            <a:off x="5151385" y="4816549"/>
+            <a:ext cx="287258" cy="369332"/>
+          </a:xfrm>
+          <a:prstGeom prst="rect">
+            <a:avLst/>
+          </a:prstGeom>
+          <a:noFill/>
+        </p:spPr>
+        <p:txBody>
+          <a:bodyPr wrap="none" rtlCol="0">
+            <a:spAutoFit/>
+          </a:bodyPr>
+          <a:lstStyle/>
+          <a:p>
+            <a:r>
+              <a:rPr lang="en-ES" dirty="0"/>
+              <a:t>x</a:t>
+            </a:r>
+          </a:p>
+        </p:txBody>
+      </p:sp>
+      <p:sp>
+        <p:nvSpPr>
+          <p:cNvPr id="11" name="TextBox 10">
+            <a:extLst>
+              <a:ext uri="{FF2B5EF4-FFF2-40B4-BE49-F238E27FC236}">
+                <a16:creationId xmlns:a16="http://schemas.microsoft.com/office/drawing/2014/main" id="{549C9AC2-CA4A-22A2-B6C6-4AA98D5B34DC}"/>
+              </a:ext>
+            </a:extLst>
+          </p:cNvPr>
+          <p:cNvSpPr txBox="1"/>
+          <p:nvPr/>
+        </p:nvSpPr>
+        <p:spPr>
+          <a:xfrm>
+            <a:off x="1882899" y="1559073"/>
+            <a:ext cx="381836" cy="369332"/>
+          </a:xfrm>
+          <a:prstGeom prst="rect">
+            <a:avLst/>
+          </a:prstGeom>
+          <a:noFill/>
+        </p:spPr>
+        <p:txBody>
+          <a:bodyPr wrap="none" rtlCol="0">
+            <a:spAutoFit/>
+          </a:bodyPr>
+          <a:lstStyle/>
+          <a:p>
+            <a:r>
+              <a:rPr lang="en-ES" dirty="0"/>
+              <a:t>ct</a:t>
+            </a:r>
+          </a:p>
+        </p:txBody>
+      </p:sp>
+      <p:cxnSp>
+        <p:nvCxnSpPr>
+          <p:cNvPr id="23" name="Elbow Connector 22">
+            <a:extLst>
+              <a:ext uri="{FF2B5EF4-FFF2-40B4-BE49-F238E27FC236}">
+                <a16:creationId xmlns:a16="http://schemas.microsoft.com/office/drawing/2014/main" id="{42870175-CE53-548C-E643-F8782AD97002}"/>
+              </a:ext>
+            </a:extLst>
+          </p:cNvPr>
+          <p:cNvCxnSpPr>
+            <a:cxnSpLocks/>
+          </p:cNvCxnSpPr>
+          <p:nvPr/>
+        </p:nvCxnSpPr>
+        <p:spPr>
+          <a:xfrm rot="5400000" flipH="1" flipV="1">
+            <a:off x="2655164" y="2537568"/>
+            <a:ext cx="555019" cy="158565"/>
+          </a:xfrm>
+          <a:prstGeom prst="bentConnector3">
+            <a:avLst>
+              <a:gd name="adj1" fmla="val 1948"/>
+            </a:avLst>
+          </a:prstGeom>
+          <a:ln>
+            <a:prstDash val="sysDot"/>
+          </a:ln>
+        </p:spPr>
+        <p:style>
+          <a:lnRef idx="2">
+            <a:schemeClr val="accent1"/>
+          </a:lnRef>
+          <a:fillRef idx="0">
+            <a:schemeClr val="accent1"/>
+          </a:fillRef>
+          <a:effectRef idx="1">
+            <a:schemeClr val="accent1"/>
+          </a:effectRef>
+          <a:fontRef idx="minor">
+            <a:schemeClr val="tx1"/>
+          </a:fontRef>
+        </p:style>
+      </p:cxnSp>
+      <p:cxnSp>
+        <p:nvCxnSpPr>
+          <p:cNvPr id="2" name="Straight Arrow Connector 1">
+            <a:extLst>
+              <a:ext uri="{FF2B5EF4-FFF2-40B4-BE49-F238E27FC236}">
+                <a16:creationId xmlns:a16="http://schemas.microsoft.com/office/drawing/2014/main" id="{D4D12526-C0CC-8518-B81C-2ED1549D3080}"/>
+              </a:ext>
+            </a:extLst>
+          </p:cNvPr>
+          <p:cNvCxnSpPr>
+            <a:cxnSpLocks/>
+          </p:cNvCxnSpPr>
+          <p:nvPr/>
+        </p:nvCxnSpPr>
+        <p:spPr>
+          <a:xfrm flipV="1">
+            <a:off x="2264735" y="1559073"/>
+            <a:ext cx="964062" cy="3257476"/>
+          </a:xfrm>
+          <a:prstGeom prst="straightConnector1">
+            <a:avLst/>
+          </a:prstGeom>
+          <a:ln w="38100">
+            <a:solidFill>
+              <a:srgbClr val="C00000"/>
+            </a:solidFill>
+            <a:prstDash val="dash"/>
+            <a:tailEnd type="triangle"/>
+          </a:ln>
+        </p:spPr>
+        <p:style>
+          <a:lnRef idx="2">
+            <a:schemeClr val="accent1"/>
+          </a:lnRef>
+          <a:fillRef idx="0">
+            <a:schemeClr val="accent1"/>
+          </a:fillRef>
+          <a:effectRef idx="1">
+            <a:schemeClr val="accent1"/>
+          </a:effectRef>
+          <a:fontRef idx="minor">
+            <a:schemeClr val="tx1"/>
+          </a:fontRef>
+        </p:style>
+      </p:cxnSp>
+      <p:sp>
+        <p:nvSpPr>
+          <p:cNvPr id="12" name="TextBox 11">
+            <a:extLst>
+              <a:ext uri="{FF2B5EF4-FFF2-40B4-BE49-F238E27FC236}">
+                <a16:creationId xmlns:a16="http://schemas.microsoft.com/office/drawing/2014/main" id="{FD967C62-5706-C46F-4FC9-5944A6013902}"/>
+              </a:ext>
+            </a:extLst>
+          </p:cNvPr>
+          <p:cNvSpPr txBox="1"/>
+          <p:nvPr/>
+        </p:nvSpPr>
+        <p:spPr>
+          <a:xfrm>
+            <a:off x="2795215" y="1396026"/>
+            <a:ext cx="444352" cy="369332"/>
+          </a:xfrm>
+          <a:prstGeom prst="rect">
+            <a:avLst/>
+          </a:prstGeom>
+          <a:noFill/>
+        </p:spPr>
+        <p:txBody>
+          <a:bodyPr wrap="none" rtlCol="0">
+            <a:spAutoFit/>
+          </a:bodyPr>
+          <a:lstStyle/>
+          <a:p>
+            <a:r>
+              <a:rPr lang="en-GB" dirty="0"/>
+              <a:t>c</a:t>
+            </a:r>
+            <a:r>
+              <a:rPr lang="en-ES" dirty="0"/>
+              <a:t>t’</a:t>
+            </a:r>
+          </a:p>
+        </p:txBody>
+      </p:sp>
+      <p:sp>
+        <p:nvSpPr>
+          <p:cNvPr id="15" name="TextBox 14">
+            <a:extLst>
+              <a:ext uri="{FF2B5EF4-FFF2-40B4-BE49-F238E27FC236}">
+                <a16:creationId xmlns:a16="http://schemas.microsoft.com/office/drawing/2014/main" id="{9F7EC959-E1F2-9C9A-9424-0886F8A9D2F8}"/>
+              </a:ext>
+            </a:extLst>
+          </p:cNvPr>
+          <p:cNvSpPr txBox="1"/>
+          <p:nvPr/>
+        </p:nvSpPr>
+        <p:spPr>
+          <a:xfrm>
+            <a:off x="2969389" y="2432184"/>
+            <a:ext cx="513282" cy="369332"/>
+          </a:xfrm>
+          <a:prstGeom prst="rect">
+            <a:avLst/>
+          </a:prstGeom>
+          <a:noFill/>
+        </p:spPr>
+        <p:txBody>
+          <a:bodyPr wrap="none" rtlCol="0">
+            <a:spAutoFit/>
+          </a:bodyPr>
+          <a:lstStyle/>
+          <a:p>
+            <a:r>
+              <a:rPr lang="en-ES" dirty="0"/>
+              <a:t>1/β</a:t>
+            </a:r>
+          </a:p>
+        </p:txBody>
+      </p:sp>
+      <p:cxnSp>
+        <p:nvCxnSpPr>
+          <p:cNvPr id="18" name="Straight Arrow Connector 17">
+            <a:extLst>
+              <a:ext uri="{FF2B5EF4-FFF2-40B4-BE49-F238E27FC236}">
+                <a16:creationId xmlns:a16="http://schemas.microsoft.com/office/drawing/2014/main" id="{AC752611-E6CA-D7E4-1BAF-1956260F3ABF}"/>
+              </a:ext>
+            </a:extLst>
+          </p:cNvPr>
+          <p:cNvCxnSpPr>
+            <a:cxnSpLocks/>
+          </p:cNvCxnSpPr>
+          <p:nvPr/>
+        </p:nvCxnSpPr>
+        <p:spPr>
+          <a:xfrm flipV="1">
+            <a:off x="2264735" y="3850594"/>
+            <a:ext cx="3173908" cy="965955"/>
+          </a:xfrm>
+          <a:prstGeom prst="straightConnector1">
+            <a:avLst/>
+          </a:prstGeom>
+          <a:ln w="38100">
+            <a:prstDash val="dash"/>
+            <a:tailEnd type="triangle"/>
+          </a:ln>
+        </p:spPr>
+        <p:style>
+          <a:lnRef idx="2">
+            <a:schemeClr val="accent1"/>
+          </a:lnRef>
+          <a:fillRef idx="0">
+            <a:schemeClr val="accent1"/>
+          </a:fillRef>
+          <a:effectRef idx="1">
+            <a:schemeClr val="accent1"/>
+          </a:effectRef>
+          <a:fontRef idx="minor">
+            <a:schemeClr val="tx1"/>
+          </a:fontRef>
+        </p:style>
+      </p:cxnSp>
+      <p:sp>
+        <p:nvSpPr>
+          <p:cNvPr id="24" name="TextBox 23">
+            <a:extLst>
+              <a:ext uri="{FF2B5EF4-FFF2-40B4-BE49-F238E27FC236}">
+                <a16:creationId xmlns:a16="http://schemas.microsoft.com/office/drawing/2014/main" id="{AE1C1666-E8E6-B822-6A80-263F944EA434}"/>
+              </a:ext>
+            </a:extLst>
+          </p:cNvPr>
+          <p:cNvSpPr txBox="1"/>
+          <p:nvPr/>
+        </p:nvSpPr>
+        <p:spPr>
+          <a:xfrm>
+            <a:off x="4408079" y="4191000"/>
+            <a:ext cx="311304" cy="369332"/>
+          </a:xfrm>
+          <a:prstGeom prst="rect">
+            <a:avLst/>
+          </a:prstGeom>
+          <a:noFill/>
+        </p:spPr>
+        <p:txBody>
+          <a:bodyPr wrap="none" rtlCol="0">
+            <a:spAutoFit/>
+          </a:bodyPr>
+          <a:lstStyle/>
+          <a:p>
+            <a:r>
+              <a:rPr lang="en-ES" dirty="0"/>
+              <a:t>β</a:t>
+            </a:r>
+          </a:p>
+        </p:txBody>
+      </p:sp>
+      <p:cxnSp>
+        <p:nvCxnSpPr>
+          <p:cNvPr id="25" name="Elbow Connector 24">
+            <a:extLst>
+              <a:ext uri="{FF2B5EF4-FFF2-40B4-BE49-F238E27FC236}">
+                <a16:creationId xmlns:a16="http://schemas.microsoft.com/office/drawing/2014/main" id="{F8589A3F-69FD-B994-438A-3565915C6662}"/>
+              </a:ext>
+            </a:extLst>
+          </p:cNvPr>
+          <p:cNvCxnSpPr>
+            <a:cxnSpLocks/>
+          </p:cNvCxnSpPr>
+          <p:nvPr/>
+        </p:nvCxnSpPr>
+        <p:spPr>
+          <a:xfrm flipV="1">
+            <a:off x="3610632" y="4191000"/>
+            <a:ext cx="797447" cy="214612"/>
+          </a:xfrm>
+          <a:prstGeom prst="bentConnector3">
+            <a:avLst>
+              <a:gd name="adj1" fmla="val 98733"/>
+            </a:avLst>
+          </a:prstGeom>
+          <a:ln>
+            <a:prstDash val="sysDot"/>
+          </a:ln>
+        </p:spPr>
+        <p:style>
+          <a:lnRef idx="2">
+            <a:schemeClr val="accent1"/>
+          </a:lnRef>
+          <a:fillRef idx="0">
+            <a:schemeClr val="accent1"/>
+          </a:fillRef>
+          <a:effectRef idx="1">
+            <a:schemeClr val="accent1"/>
+          </a:effectRef>
+          <a:fontRef idx="minor">
+            <a:schemeClr val="tx1"/>
+          </a:fontRef>
+        </p:style>
+      </p:cxnSp>
+      <p:sp>
+        <p:nvSpPr>
+          <p:cNvPr id="28" name="TextBox 27">
+            <a:extLst>
+              <a:ext uri="{FF2B5EF4-FFF2-40B4-BE49-F238E27FC236}">
+                <a16:creationId xmlns:a16="http://schemas.microsoft.com/office/drawing/2014/main" id="{D4FD7C25-F606-A176-4A92-DED1FA2C74DC}"/>
+              </a:ext>
+            </a:extLst>
+          </p:cNvPr>
+          <p:cNvSpPr txBox="1"/>
+          <p:nvPr/>
+        </p:nvSpPr>
+        <p:spPr>
+          <a:xfrm>
+            <a:off x="5367386" y="3850593"/>
+            <a:ext cx="349776" cy="369332"/>
+          </a:xfrm>
+          <a:prstGeom prst="rect">
+            <a:avLst/>
+          </a:prstGeom>
+          <a:noFill/>
+        </p:spPr>
+        <p:txBody>
+          <a:bodyPr wrap="none" rtlCol="0">
+            <a:spAutoFit/>
+          </a:bodyPr>
+          <a:lstStyle/>
+          <a:p>
+            <a:r>
+              <a:rPr lang="en-GB" dirty="0"/>
+              <a:t>x</a:t>
+            </a:r>
+            <a:r>
+              <a:rPr lang="en-ES" dirty="0"/>
+              <a:t>’</a:t>
+            </a:r>
+          </a:p>
+        </p:txBody>
+      </p:sp>
+    </p:spTree>
+    <p:extLst>
+      <p:ext uri="{BB962C8B-B14F-4D97-AF65-F5344CB8AC3E}">
+        <p14:creationId xmlns:p14="http://schemas.microsoft.com/office/powerpoint/2010/main" val="2983833468"/>
+      </p:ext>
+    </p:extLst>
+  </p:cSld>
+  <p:clrMapOvr>
+    <a:masterClrMapping/>
+  </p:clrMapOvr>
+</p:sld>
+</file>
+
+<file path=ppt/slides/slide19.xml><?xml version="1.0" encoding="utf-8"?>
+<p:sld xmlns:a="http://schemas.openxmlformats.org/drawingml/2006/main" xmlns:r="http://schemas.openxmlformats.org/officeDocument/2006/relationships" xmlns:p="http://schemas.openxmlformats.org/presentationml/2006/main">
+  <p:cSld>
+    <p:spTree>
+      <p:nvGrpSpPr>
+        <p:cNvPr id="1" name="">
+          <a:extLst>
+            <a:ext uri="{FF2B5EF4-FFF2-40B4-BE49-F238E27FC236}">
+              <a16:creationId xmlns:a16="http://schemas.microsoft.com/office/drawing/2014/main" id="{291B07CA-9694-B41E-14CA-4E59C039D895}"/>
+            </a:ext>
+          </a:extLst>
+        </p:cNvPr>
+        <p:cNvGrpSpPr/>
+        <p:nvPr/>
+      </p:nvGrpSpPr>
+      <p:grpSpPr>
+        <a:xfrm>
+          <a:off x="0" y="0"/>
+          <a:ext cx="0" cy="0"/>
+          <a:chOff x="0" y="0"/>
+          <a:chExt cx="0" cy="0"/>
+        </a:xfrm>
+      </p:grpSpPr>
+      <p:cxnSp>
+        <p:nvCxnSpPr>
+          <p:cNvPr id="66" name="Straight Connector 65">
+            <a:extLst>
+              <a:ext uri="{FF2B5EF4-FFF2-40B4-BE49-F238E27FC236}">
+                <a16:creationId xmlns:a16="http://schemas.microsoft.com/office/drawing/2014/main" id="{DBA6C54C-644C-CCFF-D981-892E227702D8}"/>
+              </a:ext>
+            </a:extLst>
+          </p:cNvPr>
+          <p:cNvCxnSpPr>
+            <a:cxnSpLocks/>
+          </p:cNvCxnSpPr>
+          <p:nvPr/>
+        </p:nvCxnSpPr>
+        <p:spPr>
+          <a:xfrm flipV="1">
+            <a:off x="9124632" y="3151181"/>
+            <a:ext cx="384520" cy="1273308"/>
+          </a:xfrm>
+          <a:prstGeom prst="line">
+            <a:avLst/>
+          </a:prstGeom>
+          <a:ln>
+            <a:prstDash val="sysDot"/>
+          </a:ln>
+        </p:spPr>
+        <p:style>
+          <a:lnRef idx="2">
+            <a:schemeClr val="dk1"/>
+          </a:lnRef>
+          <a:fillRef idx="0">
+            <a:schemeClr val="dk1"/>
+          </a:fillRef>
+          <a:effectRef idx="1">
+            <a:schemeClr val="dk1"/>
+          </a:effectRef>
+          <a:fontRef idx="minor">
+            <a:schemeClr val="tx1"/>
+          </a:fontRef>
+        </p:style>
+      </p:cxnSp>
+      <p:cxnSp>
+        <p:nvCxnSpPr>
+          <p:cNvPr id="57" name="Straight Connector 56">
+            <a:extLst>
+              <a:ext uri="{FF2B5EF4-FFF2-40B4-BE49-F238E27FC236}">
+                <a16:creationId xmlns:a16="http://schemas.microsoft.com/office/drawing/2014/main" id="{BC15A363-EC9F-A6E8-D2FB-0315B60A89F3}"/>
+              </a:ext>
+            </a:extLst>
+          </p:cNvPr>
+          <p:cNvCxnSpPr>
+            <a:cxnSpLocks/>
+          </p:cNvCxnSpPr>
+          <p:nvPr/>
+        </p:nvCxnSpPr>
+        <p:spPr>
+          <a:xfrm flipV="1">
+            <a:off x="7723836" y="3145716"/>
+            <a:ext cx="1785315" cy="551733"/>
+          </a:xfrm>
+          <a:prstGeom prst="line">
+            <a:avLst/>
+          </a:prstGeom>
+          <a:ln>
+            <a:prstDash val="sysDot"/>
+          </a:ln>
+        </p:spPr>
+        <p:style>
+          <a:lnRef idx="2">
+            <a:schemeClr val="dk1"/>
+          </a:lnRef>
+          <a:fillRef idx="0">
+            <a:schemeClr val="dk1"/>
+          </a:fillRef>
+          <a:effectRef idx="1">
+            <a:schemeClr val="dk1"/>
+          </a:effectRef>
+          <a:fontRef idx="minor">
+            <a:schemeClr val="tx1"/>
+          </a:fontRef>
+        </p:style>
+      </p:cxnSp>
+      <p:cxnSp>
+        <p:nvCxnSpPr>
+          <p:cNvPr id="3" name="Straight Arrow Connector 2">
+            <a:extLst>
+              <a:ext uri="{FF2B5EF4-FFF2-40B4-BE49-F238E27FC236}">
+                <a16:creationId xmlns:a16="http://schemas.microsoft.com/office/drawing/2014/main" id="{939FE055-EE89-5159-E64B-2D61E693970C}"/>
+              </a:ext>
+            </a:extLst>
+          </p:cNvPr>
+          <p:cNvCxnSpPr/>
+          <p:nvPr/>
+        </p:nvCxnSpPr>
+        <p:spPr>
+          <a:xfrm flipV="1">
+            <a:off x="2264735" y="1724690"/>
+            <a:ext cx="0" cy="3072809"/>
+          </a:xfrm>
+          <a:prstGeom prst="straightConnector1">
+            <a:avLst/>
+          </a:prstGeom>
+          <a:ln w="38100">
+            <a:solidFill>
+              <a:srgbClr val="C00000"/>
+            </a:solidFill>
+            <a:tailEnd type="triangle"/>
+          </a:ln>
+        </p:spPr>
+        <p:style>
+          <a:lnRef idx="2">
+            <a:schemeClr val="accent1"/>
+          </a:lnRef>
+          <a:fillRef idx="0">
+            <a:schemeClr val="accent1"/>
+          </a:fillRef>
+          <a:effectRef idx="1">
+            <a:schemeClr val="accent1"/>
+          </a:effectRef>
+          <a:fontRef idx="minor">
+            <a:schemeClr val="tx1"/>
+          </a:fontRef>
+        </p:style>
+      </p:cxnSp>
+      <p:cxnSp>
+        <p:nvCxnSpPr>
+          <p:cNvPr id="4" name="Straight Arrow Connector 3">
+            <a:extLst>
+              <a:ext uri="{FF2B5EF4-FFF2-40B4-BE49-F238E27FC236}">
+                <a16:creationId xmlns:a16="http://schemas.microsoft.com/office/drawing/2014/main" id="{76759243-6F42-22BA-3F0C-3751589B321D}"/>
+              </a:ext>
+            </a:extLst>
+          </p:cNvPr>
+          <p:cNvCxnSpPr>
+            <a:cxnSpLocks/>
+          </p:cNvCxnSpPr>
+          <p:nvPr/>
+        </p:nvCxnSpPr>
+        <p:spPr>
+          <a:xfrm>
+            <a:off x="2264735" y="4816549"/>
+            <a:ext cx="3030279" cy="0"/>
+          </a:xfrm>
+          <a:prstGeom prst="straightConnector1">
+            <a:avLst/>
+          </a:prstGeom>
+          <a:ln w="38100">
+            <a:tailEnd type="triangle"/>
+          </a:ln>
+        </p:spPr>
+        <p:style>
+          <a:lnRef idx="2">
+            <a:schemeClr val="accent1"/>
+          </a:lnRef>
+          <a:fillRef idx="0">
+            <a:schemeClr val="accent1"/>
+          </a:fillRef>
+          <a:effectRef idx="1">
+            <a:schemeClr val="accent1"/>
+          </a:effectRef>
+          <a:fontRef idx="minor">
+            <a:schemeClr val="tx1"/>
+          </a:fontRef>
+        </p:style>
+      </p:cxnSp>
+      <p:sp>
+        <p:nvSpPr>
+          <p:cNvPr id="10" name="TextBox 9">
+            <a:extLst>
+              <a:ext uri="{FF2B5EF4-FFF2-40B4-BE49-F238E27FC236}">
+                <a16:creationId xmlns:a16="http://schemas.microsoft.com/office/drawing/2014/main" id="{599E8478-5E2A-AA91-3714-11D86DC4B60A}"/>
+              </a:ext>
+            </a:extLst>
+          </p:cNvPr>
+          <p:cNvSpPr txBox="1"/>
+          <p:nvPr/>
+        </p:nvSpPr>
+        <p:spPr>
+          <a:xfrm>
+            <a:off x="5151385" y="4816549"/>
+            <a:ext cx="287258" cy="369332"/>
+          </a:xfrm>
+          <a:prstGeom prst="rect">
+            <a:avLst/>
+          </a:prstGeom>
+          <a:noFill/>
+        </p:spPr>
+        <p:txBody>
+          <a:bodyPr wrap="none" rtlCol="0">
+            <a:spAutoFit/>
+          </a:bodyPr>
+          <a:lstStyle/>
+          <a:p>
+            <a:r>
+              <a:rPr lang="en-ES" dirty="0"/>
+              <a:t>x</a:t>
+            </a:r>
+          </a:p>
+        </p:txBody>
+      </p:sp>
+      <p:sp>
+        <p:nvSpPr>
+          <p:cNvPr id="11" name="TextBox 10">
+            <a:extLst>
+              <a:ext uri="{FF2B5EF4-FFF2-40B4-BE49-F238E27FC236}">
+                <a16:creationId xmlns:a16="http://schemas.microsoft.com/office/drawing/2014/main" id="{CC167DC7-CBC6-ED19-7B0D-E095F5104E5E}"/>
+              </a:ext>
+            </a:extLst>
+          </p:cNvPr>
+          <p:cNvSpPr txBox="1"/>
+          <p:nvPr/>
+        </p:nvSpPr>
+        <p:spPr>
+          <a:xfrm>
+            <a:off x="1882899" y="1559073"/>
+            <a:ext cx="381836" cy="369332"/>
+          </a:xfrm>
+          <a:prstGeom prst="rect">
+            <a:avLst/>
+          </a:prstGeom>
+          <a:noFill/>
+        </p:spPr>
+        <p:txBody>
+          <a:bodyPr wrap="none" rtlCol="0">
+            <a:spAutoFit/>
+          </a:bodyPr>
+          <a:lstStyle/>
+          <a:p>
+            <a:r>
+              <a:rPr lang="en-ES" dirty="0"/>
+              <a:t>ct</a:t>
+            </a:r>
+          </a:p>
+        </p:txBody>
+      </p:sp>
+      <p:cxnSp>
+        <p:nvCxnSpPr>
+          <p:cNvPr id="23" name="Elbow Connector 22">
+            <a:extLst>
+              <a:ext uri="{FF2B5EF4-FFF2-40B4-BE49-F238E27FC236}">
+                <a16:creationId xmlns:a16="http://schemas.microsoft.com/office/drawing/2014/main" id="{B1BF60F7-8939-E512-D66C-3F5F5CCEDF73}"/>
+              </a:ext>
+            </a:extLst>
+          </p:cNvPr>
+          <p:cNvCxnSpPr>
+            <a:cxnSpLocks/>
+          </p:cNvCxnSpPr>
+          <p:nvPr/>
+        </p:nvCxnSpPr>
+        <p:spPr>
+          <a:xfrm rot="5400000" flipH="1" flipV="1">
+            <a:off x="2655164" y="2537568"/>
+            <a:ext cx="555019" cy="158565"/>
+          </a:xfrm>
+          <a:prstGeom prst="bentConnector3">
+            <a:avLst>
+              <a:gd name="adj1" fmla="val 1948"/>
+            </a:avLst>
+          </a:prstGeom>
+          <a:ln>
+            <a:prstDash val="sysDot"/>
+          </a:ln>
+        </p:spPr>
+        <p:style>
+          <a:lnRef idx="2">
+            <a:schemeClr val="accent1"/>
+          </a:lnRef>
+          <a:fillRef idx="0">
+            <a:schemeClr val="accent1"/>
+          </a:fillRef>
+          <a:effectRef idx="1">
+            <a:schemeClr val="accent1"/>
+          </a:effectRef>
+          <a:fontRef idx="minor">
+            <a:schemeClr val="tx1"/>
+          </a:fontRef>
+        </p:style>
+      </p:cxnSp>
+      <p:cxnSp>
+        <p:nvCxnSpPr>
+          <p:cNvPr id="2" name="Straight Arrow Connector 1">
+            <a:extLst>
+              <a:ext uri="{FF2B5EF4-FFF2-40B4-BE49-F238E27FC236}">
+                <a16:creationId xmlns:a16="http://schemas.microsoft.com/office/drawing/2014/main" id="{C7E0849C-1DA2-6C57-A204-73F83CB8EFE6}"/>
+              </a:ext>
+            </a:extLst>
+          </p:cNvPr>
+          <p:cNvCxnSpPr>
+            <a:cxnSpLocks/>
+          </p:cNvCxnSpPr>
+          <p:nvPr/>
+        </p:nvCxnSpPr>
+        <p:spPr>
+          <a:xfrm flipV="1">
+            <a:off x="2264735" y="1559073"/>
+            <a:ext cx="964062" cy="3257476"/>
+          </a:xfrm>
+          <a:prstGeom prst="straightConnector1">
+            <a:avLst/>
+          </a:prstGeom>
+          <a:ln w="38100">
+            <a:solidFill>
+              <a:srgbClr val="C00000"/>
+            </a:solidFill>
+            <a:prstDash val="dash"/>
+            <a:tailEnd type="triangle"/>
+          </a:ln>
+        </p:spPr>
+        <p:style>
+          <a:lnRef idx="2">
+            <a:schemeClr val="accent1"/>
+          </a:lnRef>
+          <a:fillRef idx="0">
+            <a:schemeClr val="accent1"/>
+          </a:fillRef>
+          <a:effectRef idx="1">
+            <a:schemeClr val="accent1"/>
+          </a:effectRef>
+          <a:fontRef idx="minor">
+            <a:schemeClr val="tx1"/>
+          </a:fontRef>
+        </p:style>
+      </p:cxnSp>
+      <p:sp>
+        <p:nvSpPr>
+          <p:cNvPr id="12" name="TextBox 11">
+            <a:extLst>
+              <a:ext uri="{FF2B5EF4-FFF2-40B4-BE49-F238E27FC236}">
+                <a16:creationId xmlns:a16="http://schemas.microsoft.com/office/drawing/2014/main" id="{D7CBF51B-B0C8-2726-BA0B-029FB0562645}"/>
+              </a:ext>
+            </a:extLst>
+          </p:cNvPr>
+          <p:cNvSpPr txBox="1"/>
+          <p:nvPr/>
+        </p:nvSpPr>
+        <p:spPr>
+          <a:xfrm>
+            <a:off x="2795215" y="1396026"/>
+            <a:ext cx="444352" cy="369332"/>
+          </a:xfrm>
+          <a:prstGeom prst="rect">
+            <a:avLst/>
+          </a:prstGeom>
+          <a:noFill/>
+        </p:spPr>
+        <p:txBody>
+          <a:bodyPr wrap="none" rtlCol="0">
+            <a:spAutoFit/>
+          </a:bodyPr>
+          <a:lstStyle/>
+          <a:p>
+            <a:r>
+              <a:rPr lang="en-GB" dirty="0"/>
+              <a:t>c</a:t>
+            </a:r>
+            <a:r>
+              <a:rPr lang="en-ES" dirty="0"/>
+              <a:t>t’</a:t>
+            </a:r>
+          </a:p>
+        </p:txBody>
+      </p:sp>
+      <p:sp>
+        <p:nvSpPr>
+          <p:cNvPr id="15" name="TextBox 14">
+            <a:extLst>
+              <a:ext uri="{FF2B5EF4-FFF2-40B4-BE49-F238E27FC236}">
+                <a16:creationId xmlns:a16="http://schemas.microsoft.com/office/drawing/2014/main" id="{F2D729BF-F382-74E9-B8B1-018830109DD9}"/>
+              </a:ext>
+            </a:extLst>
+          </p:cNvPr>
+          <p:cNvSpPr txBox="1"/>
+          <p:nvPr/>
+        </p:nvSpPr>
+        <p:spPr>
+          <a:xfrm>
+            <a:off x="2969389" y="2432184"/>
+            <a:ext cx="513282" cy="369332"/>
+          </a:xfrm>
+          <a:prstGeom prst="rect">
+            <a:avLst/>
+          </a:prstGeom>
+          <a:noFill/>
+        </p:spPr>
+        <p:txBody>
+          <a:bodyPr wrap="none" rtlCol="0">
+            <a:spAutoFit/>
+          </a:bodyPr>
+          <a:lstStyle/>
+          <a:p>
+            <a:r>
+              <a:rPr lang="en-ES" dirty="0"/>
+              <a:t>1/β</a:t>
+            </a:r>
+          </a:p>
+        </p:txBody>
+      </p:sp>
+      <p:cxnSp>
+        <p:nvCxnSpPr>
+          <p:cNvPr id="18" name="Straight Arrow Connector 17">
+            <a:extLst>
+              <a:ext uri="{FF2B5EF4-FFF2-40B4-BE49-F238E27FC236}">
+                <a16:creationId xmlns:a16="http://schemas.microsoft.com/office/drawing/2014/main" id="{800815E4-4454-2F13-26AA-B32D421666B7}"/>
+              </a:ext>
+            </a:extLst>
+          </p:cNvPr>
+          <p:cNvCxnSpPr>
+            <a:cxnSpLocks/>
+          </p:cNvCxnSpPr>
+          <p:nvPr/>
+        </p:nvCxnSpPr>
+        <p:spPr>
+          <a:xfrm flipV="1">
+            <a:off x="2264735" y="3850594"/>
+            <a:ext cx="3173908" cy="965955"/>
+          </a:xfrm>
+          <a:prstGeom prst="straightConnector1">
+            <a:avLst/>
+          </a:prstGeom>
+          <a:ln w="38100">
+            <a:prstDash val="dash"/>
+            <a:tailEnd type="triangle"/>
+          </a:ln>
+        </p:spPr>
+        <p:style>
+          <a:lnRef idx="2">
+            <a:schemeClr val="accent1"/>
+          </a:lnRef>
+          <a:fillRef idx="0">
+            <a:schemeClr val="accent1"/>
+          </a:fillRef>
+          <a:effectRef idx="1">
+            <a:schemeClr val="accent1"/>
+          </a:effectRef>
+          <a:fontRef idx="minor">
+            <a:schemeClr val="tx1"/>
+          </a:fontRef>
+        </p:style>
+      </p:cxnSp>
+      <p:sp>
+        <p:nvSpPr>
+          <p:cNvPr id="24" name="TextBox 23">
+            <a:extLst>
+              <a:ext uri="{FF2B5EF4-FFF2-40B4-BE49-F238E27FC236}">
+                <a16:creationId xmlns:a16="http://schemas.microsoft.com/office/drawing/2014/main" id="{AF704CFF-0D03-A98A-8CE2-26557C53BB06}"/>
+              </a:ext>
+            </a:extLst>
+          </p:cNvPr>
+          <p:cNvSpPr txBox="1"/>
+          <p:nvPr/>
+        </p:nvSpPr>
+        <p:spPr>
+          <a:xfrm>
+            <a:off x="4408079" y="4191000"/>
+            <a:ext cx="311304" cy="369332"/>
+          </a:xfrm>
+          <a:prstGeom prst="rect">
+            <a:avLst/>
+          </a:prstGeom>
+          <a:noFill/>
+        </p:spPr>
+        <p:txBody>
+          <a:bodyPr wrap="none" rtlCol="0">
+            <a:spAutoFit/>
+          </a:bodyPr>
+          <a:lstStyle/>
+          <a:p>
+            <a:r>
+              <a:rPr lang="en-ES" dirty="0"/>
+              <a:t>β</a:t>
+            </a:r>
+          </a:p>
+        </p:txBody>
+      </p:sp>
+      <p:cxnSp>
+        <p:nvCxnSpPr>
+          <p:cNvPr id="25" name="Elbow Connector 24">
+            <a:extLst>
+              <a:ext uri="{FF2B5EF4-FFF2-40B4-BE49-F238E27FC236}">
+                <a16:creationId xmlns:a16="http://schemas.microsoft.com/office/drawing/2014/main" id="{C27EA21D-5C1A-7D7D-7F71-E4E94A90E6FC}"/>
+              </a:ext>
+            </a:extLst>
+          </p:cNvPr>
+          <p:cNvCxnSpPr>
+            <a:cxnSpLocks/>
+          </p:cNvCxnSpPr>
+          <p:nvPr/>
+        </p:nvCxnSpPr>
+        <p:spPr>
+          <a:xfrm flipV="1">
+            <a:off x="3610632" y="4191000"/>
+            <a:ext cx="797447" cy="214612"/>
+          </a:xfrm>
+          <a:prstGeom prst="bentConnector3">
+            <a:avLst>
+              <a:gd name="adj1" fmla="val 98733"/>
+            </a:avLst>
+          </a:prstGeom>
+          <a:ln>
+            <a:prstDash val="sysDot"/>
+          </a:ln>
+        </p:spPr>
+        <p:style>
+          <a:lnRef idx="2">
+            <a:schemeClr val="accent1"/>
+          </a:lnRef>
+          <a:fillRef idx="0">
+            <a:schemeClr val="accent1"/>
+          </a:fillRef>
+          <a:effectRef idx="1">
+            <a:schemeClr val="accent1"/>
+          </a:effectRef>
+          <a:fontRef idx="minor">
+            <a:schemeClr val="tx1"/>
+          </a:fontRef>
+        </p:style>
+      </p:cxnSp>
+      <p:sp>
+        <p:nvSpPr>
+          <p:cNvPr id="28" name="TextBox 27">
+            <a:extLst>
+              <a:ext uri="{FF2B5EF4-FFF2-40B4-BE49-F238E27FC236}">
+                <a16:creationId xmlns:a16="http://schemas.microsoft.com/office/drawing/2014/main" id="{CBB46706-65D4-7EE1-0D13-2D0EBDD6AAA0}"/>
+              </a:ext>
+            </a:extLst>
+          </p:cNvPr>
+          <p:cNvSpPr txBox="1"/>
+          <p:nvPr/>
+        </p:nvSpPr>
+        <p:spPr>
+          <a:xfrm>
+            <a:off x="5367386" y="3850593"/>
+            <a:ext cx="349776" cy="369332"/>
+          </a:xfrm>
+          <a:prstGeom prst="rect">
+            <a:avLst/>
+          </a:prstGeom>
+          <a:noFill/>
+        </p:spPr>
+        <p:txBody>
+          <a:bodyPr wrap="none" rtlCol="0">
+            <a:spAutoFit/>
+          </a:bodyPr>
+          <a:lstStyle/>
+          <a:p>
+            <a:r>
+              <a:rPr lang="en-GB" dirty="0"/>
+              <a:t>x</a:t>
+            </a:r>
+            <a:r>
+              <a:rPr lang="en-ES" dirty="0"/>
+              <a:t>’</a:t>
+            </a:r>
+          </a:p>
+        </p:txBody>
+      </p:sp>
+      <p:cxnSp>
+        <p:nvCxnSpPr>
+          <p:cNvPr id="8" name="Straight Connector 7">
+            <a:extLst>
+              <a:ext uri="{FF2B5EF4-FFF2-40B4-BE49-F238E27FC236}">
+                <a16:creationId xmlns:a16="http://schemas.microsoft.com/office/drawing/2014/main" id="{D630FAAC-A4B7-715D-CF5E-D6FE4FB2445B}"/>
+              </a:ext>
+            </a:extLst>
+          </p:cNvPr>
+          <p:cNvCxnSpPr>
+            <a:endCxn id="6" idx="6"/>
+          </p:cNvCxnSpPr>
+          <p:nvPr/>
+        </p:nvCxnSpPr>
+        <p:spPr>
+          <a:xfrm>
+            <a:off x="2264735" y="3356610"/>
+            <a:ext cx="2136523" cy="0"/>
+          </a:xfrm>
+          <a:prstGeom prst="line">
+            <a:avLst/>
+          </a:prstGeom>
+        </p:spPr>
+        <p:style>
+          <a:lnRef idx="2">
+            <a:schemeClr val="dk1"/>
+          </a:lnRef>
+          <a:fillRef idx="0">
+            <a:schemeClr val="dk1"/>
+          </a:fillRef>
+          <a:effectRef idx="1">
+            <a:schemeClr val="dk1"/>
+          </a:effectRef>
+          <a:fontRef idx="minor">
+            <a:schemeClr val="tx1"/>
+          </a:fontRef>
+        </p:style>
+      </p:cxnSp>
+      <p:sp>
+        <p:nvSpPr>
+          <p:cNvPr id="9" name="TextBox 8">
+            <a:extLst>
+              <a:ext uri="{FF2B5EF4-FFF2-40B4-BE49-F238E27FC236}">
+                <a16:creationId xmlns:a16="http://schemas.microsoft.com/office/drawing/2014/main" id="{E05CCF4A-AD11-1265-1727-1E90C2876AC4}"/>
+              </a:ext>
+            </a:extLst>
+          </p:cNvPr>
+          <p:cNvSpPr txBox="1"/>
+          <p:nvPr/>
+        </p:nvSpPr>
+        <p:spPr>
+          <a:xfrm>
+            <a:off x="3172535" y="3007406"/>
+            <a:ext cx="320922" cy="369332"/>
+          </a:xfrm>
+          <a:prstGeom prst="rect">
+            <a:avLst/>
+          </a:prstGeom>
+          <a:noFill/>
+        </p:spPr>
+        <p:txBody>
+          <a:bodyPr wrap="none" rtlCol="0">
+            <a:spAutoFit/>
+          </a:bodyPr>
+          <a:lstStyle/>
+          <a:p>
+            <a:r>
+              <a:rPr lang="en-ES" dirty="0"/>
+              <a:t>A</a:t>
+            </a:r>
+          </a:p>
+        </p:txBody>
+      </p:sp>
+      <p:sp>
+        <p:nvSpPr>
+          <p:cNvPr id="13" name="TextBox 12">
+            <a:extLst>
+              <a:ext uri="{FF2B5EF4-FFF2-40B4-BE49-F238E27FC236}">
+                <a16:creationId xmlns:a16="http://schemas.microsoft.com/office/drawing/2014/main" id="{9FD5EC42-68B5-83CB-E275-5E722B3BDEB2}"/>
+              </a:ext>
+            </a:extLst>
+          </p:cNvPr>
+          <p:cNvSpPr txBox="1"/>
+          <p:nvPr/>
+        </p:nvSpPr>
+        <p:spPr>
+          <a:xfrm>
+            <a:off x="4333719" y="3007406"/>
+            <a:ext cx="324128" cy="369332"/>
+          </a:xfrm>
+          <a:prstGeom prst="rect">
+            <a:avLst/>
+          </a:prstGeom>
+          <a:noFill/>
+        </p:spPr>
+        <p:txBody>
+          <a:bodyPr wrap="none" rtlCol="0">
+            <a:spAutoFit/>
+          </a:bodyPr>
+          <a:lstStyle/>
+          <a:p>
+            <a:r>
+              <a:rPr lang="en-ES" dirty="0"/>
+              <a:t>B</a:t>
+            </a:r>
+          </a:p>
+        </p:txBody>
+      </p:sp>
+      <p:cxnSp>
+        <p:nvCxnSpPr>
+          <p:cNvPr id="16" name="Straight Connector 15">
+            <a:extLst>
+              <a:ext uri="{FF2B5EF4-FFF2-40B4-BE49-F238E27FC236}">
+                <a16:creationId xmlns:a16="http://schemas.microsoft.com/office/drawing/2014/main" id="{80ED4C90-CBC8-529B-57CF-6EE2DE854F76}"/>
+              </a:ext>
+            </a:extLst>
+          </p:cNvPr>
+          <p:cNvCxnSpPr>
+            <a:stCxn id="5" idx="4"/>
+          </p:cNvCxnSpPr>
+          <p:nvPr/>
+        </p:nvCxnSpPr>
+        <p:spPr>
+          <a:xfrm flipH="1">
+            <a:off x="3158491" y="3429000"/>
+            <a:ext cx="2768" cy="1387548"/>
+          </a:xfrm>
+          <a:prstGeom prst="line">
+            <a:avLst/>
+          </a:prstGeom>
+        </p:spPr>
+        <p:style>
+          <a:lnRef idx="2">
+            <a:schemeClr val="dk1"/>
+          </a:lnRef>
+          <a:fillRef idx="0">
+            <a:schemeClr val="dk1"/>
+          </a:fillRef>
+          <a:effectRef idx="1">
+            <a:schemeClr val="dk1"/>
+          </a:effectRef>
+          <a:fontRef idx="minor">
+            <a:schemeClr val="tx1"/>
+          </a:fontRef>
+        </p:style>
+      </p:cxnSp>
+      <p:cxnSp>
+        <p:nvCxnSpPr>
+          <p:cNvPr id="17" name="Straight Connector 16">
+            <a:extLst>
+              <a:ext uri="{FF2B5EF4-FFF2-40B4-BE49-F238E27FC236}">
+                <a16:creationId xmlns:a16="http://schemas.microsoft.com/office/drawing/2014/main" id="{C10B65A0-3EA6-7A07-43E5-A8134E0E3AA6}"/>
+              </a:ext>
+            </a:extLst>
+          </p:cNvPr>
+          <p:cNvCxnSpPr>
+            <a:cxnSpLocks/>
+            <a:stCxn id="6" idx="4"/>
+          </p:cNvCxnSpPr>
+          <p:nvPr/>
+        </p:nvCxnSpPr>
+        <p:spPr>
+          <a:xfrm flipH="1">
+            <a:off x="4329631" y="3429000"/>
+            <a:ext cx="4089" cy="1387548"/>
+          </a:xfrm>
+          <a:prstGeom prst="line">
+            <a:avLst/>
+          </a:prstGeom>
+        </p:spPr>
+        <p:style>
+          <a:lnRef idx="2">
+            <a:schemeClr val="dk1"/>
+          </a:lnRef>
+          <a:fillRef idx="0">
+            <a:schemeClr val="dk1"/>
+          </a:fillRef>
+          <a:effectRef idx="1">
+            <a:schemeClr val="dk1"/>
+          </a:effectRef>
+          <a:fontRef idx="minor">
+            <a:schemeClr val="tx1"/>
+          </a:fontRef>
+        </p:style>
+      </p:cxnSp>
+      <p:cxnSp>
+        <p:nvCxnSpPr>
+          <p:cNvPr id="22" name="Straight Connector 21">
+            <a:extLst>
+              <a:ext uri="{FF2B5EF4-FFF2-40B4-BE49-F238E27FC236}">
+                <a16:creationId xmlns:a16="http://schemas.microsoft.com/office/drawing/2014/main" id="{6AD1E9CB-8688-274B-F9D7-3E647F72EE76}"/>
+              </a:ext>
+            </a:extLst>
+          </p:cNvPr>
+          <p:cNvCxnSpPr>
+            <a:cxnSpLocks/>
+          </p:cNvCxnSpPr>
+          <p:nvPr/>
+        </p:nvCxnSpPr>
+        <p:spPr>
+          <a:xfrm flipV="1">
+            <a:off x="2682865" y="3356610"/>
+            <a:ext cx="476082" cy="124652"/>
+          </a:xfrm>
+          <a:prstGeom prst="line">
+            <a:avLst/>
+          </a:prstGeom>
+          <a:ln>
+            <a:prstDash val="sysDot"/>
+          </a:ln>
+        </p:spPr>
+        <p:style>
+          <a:lnRef idx="2">
+            <a:schemeClr val="dk1"/>
+          </a:lnRef>
+          <a:fillRef idx="0">
+            <a:schemeClr val="dk1"/>
+          </a:fillRef>
+          <a:effectRef idx="1">
+            <a:schemeClr val="dk1"/>
+          </a:effectRef>
+          <a:fontRef idx="minor">
+            <a:schemeClr val="tx1"/>
+          </a:fontRef>
+        </p:style>
+      </p:cxnSp>
+      <p:cxnSp>
+        <p:nvCxnSpPr>
+          <p:cNvPr id="30" name="Straight Connector 29">
+            <a:extLst>
+              <a:ext uri="{FF2B5EF4-FFF2-40B4-BE49-F238E27FC236}">
+                <a16:creationId xmlns:a16="http://schemas.microsoft.com/office/drawing/2014/main" id="{91559F8B-1826-521E-0994-222754F00294}"/>
+              </a:ext>
+            </a:extLst>
+          </p:cNvPr>
+          <p:cNvCxnSpPr>
+            <a:cxnSpLocks/>
+          </p:cNvCxnSpPr>
+          <p:nvPr/>
+        </p:nvCxnSpPr>
+        <p:spPr>
+          <a:xfrm flipV="1">
+            <a:off x="2543528" y="3350260"/>
+            <a:ext cx="1785315" cy="500333"/>
+          </a:xfrm>
+          <a:prstGeom prst="line">
+            <a:avLst/>
+          </a:prstGeom>
+          <a:ln>
+            <a:prstDash val="sysDot"/>
+          </a:ln>
+        </p:spPr>
+        <p:style>
+          <a:lnRef idx="2">
+            <a:schemeClr val="dk1"/>
+          </a:lnRef>
+          <a:fillRef idx="0">
+            <a:schemeClr val="dk1"/>
+          </a:fillRef>
+          <a:effectRef idx="1">
+            <a:schemeClr val="dk1"/>
+          </a:effectRef>
+          <a:fontRef idx="minor">
+            <a:schemeClr val="tx1"/>
+          </a:fontRef>
+        </p:style>
+      </p:cxnSp>
+      <p:sp>
+        <p:nvSpPr>
+          <p:cNvPr id="32" name="TextBox 31">
+            <a:extLst>
+              <a:ext uri="{FF2B5EF4-FFF2-40B4-BE49-F238E27FC236}">
+                <a16:creationId xmlns:a16="http://schemas.microsoft.com/office/drawing/2014/main" id="{F96DD6FD-5CEB-BF3A-324A-57B9A6486929}"/>
+              </a:ext>
+            </a:extLst>
+          </p:cNvPr>
+          <p:cNvSpPr txBox="1"/>
+          <p:nvPr/>
+        </p:nvSpPr>
+        <p:spPr>
+          <a:xfrm>
+            <a:off x="1288660" y="3000494"/>
+            <a:ext cx="886781" cy="369332"/>
+          </a:xfrm>
+          <a:prstGeom prst="rect">
+            <a:avLst/>
+          </a:prstGeom>
+        </p:spPr>
+        <p:style>
+          <a:lnRef idx="2">
+            <a:schemeClr val="dk1"/>
+          </a:lnRef>
+          <a:fillRef idx="1">
+            <a:schemeClr val="lt1"/>
+          </a:fillRef>
+          <a:effectRef idx="0">
+            <a:schemeClr val="dk1"/>
+          </a:effectRef>
+          <a:fontRef idx="minor">
+            <a:schemeClr val="dk1"/>
+          </a:fontRef>
+        </p:style>
+        <p:txBody>
+          <a:bodyPr wrap="none" rtlCol="0">
+            <a:spAutoFit/>
+          </a:bodyPr>
+          <a:lstStyle/>
+          <a:p>
+            <a:r>
+              <a:rPr lang="en-ES" dirty="0"/>
+              <a:t>ct</a:t>
+            </a:r>
+            <a:r>
+              <a:rPr lang="en-ES" baseline="-25000" dirty="0"/>
+              <a:t>A</a:t>
+            </a:r>
+            <a:r>
+              <a:rPr lang="en-ES" dirty="0"/>
+              <a:t>=ct</a:t>
+            </a:r>
+            <a:r>
+              <a:rPr lang="en-ES" baseline="-25000" dirty="0"/>
+              <a:t>B</a:t>
+            </a:r>
+          </a:p>
+        </p:txBody>
+      </p:sp>
+      <p:sp>
+        <p:nvSpPr>
+          <p:cNvPr id="33" name="TextBox 32">
+            <a:extLst>
+              <a:ext uri="{FF2B5EF4-FFF2-40B4-BE49-F238E27FC236}">
+                <a16:creationId xmlns:a16="http://schemas.microsoft.com/office/drawing/2014/main" id="{95F48E9B-67CA-FA91-58A8-80678FF0EFC5}"/>
+              </a:ext>
+            </a:extLst>
+          </p:cNvPr>
+          <p:cNvSpPr txBox="1"/>
+          <p:nvPr/>
+        </p:nvSpPr>
+        <p:spPr>
+          <a:xfrm>
+            <a:off x="1317230" y="3602920"/>
+            <a:ext cx="1044838" cy="369332"/>
+          </a:xfrm>
+          <a:prstGeom prst="rect">
+            <a:avLst/>
+          </a:prstGeom>
+        </p:spPr>
+        <p:style>
+          <a:lnRef idx="2">
+            <a:schemeClr val="dk1"/>
+          </a:lnRef>
+          <a:fillRef idx="1">
+            <a:schemeClr val="lt1"/>
+          </a:fillRef>
+          <a:effectRef idx="0">
+            <a:schemeClr val="dk1"/>
+          </a:effectRef>
+          <a:fontRef idx="minor">
+            <a:schemeClr val="dk1"/>
+          </a:fontRef>
+        </p:style>
+        <p:txBody>
+          <a:bodyPr wrap="none" rtlCol="0">
+            <a:spAutoFit/>
+          </a:bodyPr>
+          <a:lstStyle/>
+          <a:p>
+            <a:r>
+              <a:rPr lang="en-ES" dirty="0"/>
+              <a:t>ct</a:t>
+            </a:r>
+            <a:r>
+              <a:rPr lang="en-ES" baseline="-25000" dirty="0"/>
+              <a:t>A</a:t>
+            </a:r>
+            <a:r>
+              <a:rPr lang="en-ES" dirty="0"/>
+              <a:t>’&gt; ct</a:t>
+            </a:r>
+            <a:r>
+              <a:rPr lang="en-ES" baseline="-25000" dirty="0"/>
+              <a:t>B</a:t>
+            </a:r>
+            <a:r>
+              <a:rPr lang="en-ES" dirty="0"/>
+              <a:t>’</a:t>
+            </a:r>
+          </a:p>
+        </p:txBody>
+      </p:sp>
+      <p:sp>
+        <p:nvSpPr>
+          <p:cNvPr id="36" name="Right Brace 35">
+            <a:extLst>
+              <a:ext uri="{FF2B5EF4-FFF2-40B4-BE49-F238E27FC236}">
+                <a16:creationId xmlns:a16="http://schemas.microsoft.com/office/drawing/2014/main" id="{D39B296C-EA7B-ADBE-F113-96B8D4441B3A}"/>
+              </a:ext>
+            </a:extLst>
+          </p:cNvPr>
+          <p:cNvSpPr/>
+          <p:nvPr/>
+        </p:nvSpPr>
+        <p:spPr>
+          <a:xfrm rot="11758711">
+            <a:off x="2448224" y="3450580"/>
+            <a:ext cx="113387" cy="370975"/>
+          </a:xfrm>
+          <a:prstGeom prst="rightBrace">
+            <a:avLst/>
+          </a:prstGeom>
+        </p:spPr>
+        <p:style>
+          <a:lnRef idx="2">
+            <a:schemeClr val="accent1"/>
+          </a:lnRef>
+          <a:fillRef idx="0">
+            <a:schemeClr val="accent1"/>
+          </a:fillRef>
+          <a:effectRef idx="1">
+            <a:schemeClr val="accent1"/>
+          </a:effectRef>
+          <a:fontRef idx="minor">
+            <a:schemeClr val="tx1"/>
+          </a:fontRef>
+        </p:style>
+        <p:txBody>
+          <a:bodyPr rtlCol="0" anchor="ctr"/>
+          <a:lstStyle/>
+          <a:p>
+            <a:pPr algn="ctr"/>
+            <a:endParaRPr lang="en-ES"/>
+          </a:p>
+        </p:txBody>
+      </p:sp>
+      <p:cxnSp>
+        <p:nvCxnSpPr>
+          <p:cNvPr id="37" name="Straight Arrow Connector 36">
+            <a:extLst>
+              <a:ext uri="{FF2B5EF4-FFF2-40B4-BE49-F238E27FC236}">
+                <a16:creationId xmlns:a16="http://schemas.microsoft.com/office/drawing/2014/main" id="{F4BEBC71-38F0-CAAA-EDD2-4180231B5453}"/>
+              </a:ext>
+            </a:extLst>
+          </p:cNvPr>
+          <p:cNvCxnSpPr/>
+          <p:nvPr/>
+        </p:nvCxnSpPr>
+        <p:spPr>
+          <a:xfrm flipV="1">
+            <a:off x="7341999" y="1869912"/>
+            <a:ext cx="0" cy="3072809"/>
+          </a:xfrm>
+          <a:prstGeom prst="straightConnector1">
+            <a:avLst/>
+          </a:prstGeom>
+          <a:ln w="38100">
+            <a:solidFill>
+              <a:srgbClr val="C00000"/>
+            </a:solidFill>
+            <a:tailEnd type="triangle"/>
+          </a:ln>
+        </p:spPr>
+        <p:style>
+          <a:lnRef idx="2">
+            <a:schemeClr val="accent1"/>
+          </a:lnRef>
+          <a:fillRef idx="0">
+            <a:schemeClr val="accent1"/>
+          </a:fillRef>
+          <a:effectRef idx="1">
+            <a:schemeClr val="accent1"/>
+          </a:effectRef>
+          <a:fontRef idx="minor">
+            <a:schemeClr val="tx1"/>
+          </a:fontRef>
+        </p:style>
+      </p:cxnSp>
+      <p:cxnSp>
+        <p:nvCxnSpPr>
+          <p:cNvPr id="38" name="Straight Arrow Connector 37">
+            <a:extLst>
+              <a:ext uri="{FF2B5EF4-FFF2-40B4-BE49-F238E27FC236}">
+                <a16:creationId xmlns:a16="http://schemas.microsoft.com/office/drawing/2014/main" id="{BEF7F3EB-B106-9E21-5075-6FAD226772D1}"/>
+              </a:ext>
+            </a:extLst>
+          </p:cNvPr>
+          <p:cNvCxnSpPr>
+            <a:cxnSpLocks/>
+          </p:cNvCxnSpPr>
+          <p:nvPr/>
+        </p:nvCxnSpPr>
+        <p:spPr>
+          <a:xfrm>
+            <a:off x="7341999" y="4961771"/>
+            <a:ext cx="3030279" cy="0"/>
+          </a:xfrm>
+          <a:prstGeom prst="straightConnector1">
+            <a:avLst/>
+          </a:prstGeom>
+          <a:ln w="38100">
+            <a:tailEnd type="triangle"/>
+          </a:ln>
+        </p:spPr>
+        <p:style>
+          <a:lnRef idx="2">
+            <a:schemeClr val="accent1"/>
+          </a:lnRef>
+          <a:fillRef idx="0">
+            <a:schemeClr val="accent1"/>
+          </a:fillRef>
+          <a:effectRef idx="1">
+            <a:schemeClr val="accent1"/>
+          </a:effectRef>
+          <a:fontRef idx="minor">
+            <a:schemeClr val="tx1"/>
+          </a:fontRef>
+        </p:style>
+      </p:cxnSp>
+      <p:sp>
+        <p:nvSpPr>
+          <p:cNvPr id="39" name="TextBox 38">
+            <a:extLst>
+              <a:ext uri="{FF2B5EF4-FFF2-40B4-BE49-F238E27FC236}">
+                <a16:creationId xmlns:a16="http://schemas.microsoft.com/office/drawing/2014/main" id="{AAAA5F91-C4E1-7ADC-D506-864578FA198C}"/>
+              </a:ext>
+            </a:extLst>
+          </p:cNvPr>
+          <p:cNvSpPr txBox="1"/>
+          <p:nvPr/>
+        </p:nvSpPr>
+        <p:spPr>
+          <a:xfrm>
+            <a:off x="10228649" y="4961771"/>
+            <a:ext cx="287258" cy="369332"/>
+          </a:xfrm>
+          <a:prstGeom prst="rect">
+            <a:avLst/>
+          </a:prstGeom>
+          <a:noFill/>
+        </p:spPr>
+        <p:txBody>
+          <a:bodyPr wrap="none" rtlCol="0">
+            <a:spAutoFit/>
+          </a:bodyPr>
+          <a:lstStyle/>
+          <a:p>
+            <a:r>
+              <a:rPr lang="en-ES" dirty="0"/>
+              <a:t>x</a:t>
+            </a:r>
+          </a:p>
+        </p:txBody>
+      </p:sp>
+      <p:sp>
+        <p:nvSpPr>
+          <p:cNvPr id="40" name="TextBox 39">
+            <a:extLst>
+              <a:ext uri="{FF2B5EF4-FFF2-40B4-BE49-F238E27FC236}">
+                <a16:creationId xmlns:a16="http://schemas.microsoft.com/office/drawing/2014/main" id="{2378E310-4F28-AA9F-856F-D40FB5584FBD}"/>
+              </a:ext>
+            </a:extLst>
+          </p:cNvPr>
+          <p:cNvSpPr txBox="1"/>
+          <p:nvPr/>
+        </p:nvSpPr>
+        <p:spPr>
+          <a:xfrm>
+            <a:off x="6960163" y="1704295"/>
+            <a:ext cx="381836" cy="369332"/>
+          </a:xfrm>
+          <a:prstGeom prst="rect">
+            <a:avLst/>
+          </a:prstGeom>
+          <a:noFill/>
+        </p:spPr>
+        <p:txBody>
+          <a:bodyPr wrap="none" rtlCol="0">
+            <a:spAutoFit/>
+          </a:bodyPr>
+          <a:lstStyle/>
+          <a:p>
+            <a:r>
+              <a:rPr lang="en-ES" dirty="0"/>
+              <a:t>ct</a:t>
+            </a:r>
+          </a:p>
+        </p:txBody>
+      </p:sp>
+      <p:cxnSp>
+        <p:nvCxnSpPr>
+          <p:cNvPr id="41" name="Elbow Connector 40">
+            <a:extLst>
+              <a:ext uri="{FF2B5EF4-FFF2-40B4-BE49-F238E27FC236}">
+                <a16:creationId xmlns:a16="http://schemas.microsoft.com/office/drawing/2014/main" id="{1C6D3184-7F0C-EBE1-D99F-C7F3096DB9B8}"/>
+              </a:ext>
+            </a:extLst>
+          </p:cNvPr>
+          <p:cNvCxnSpPr>
+            <a:cxnSpLocks/>
+          </p:cNvCxnSpPr>
+          <p:nvPr/>
+        </p:nvCxnSpPr>
+        <p:spPr>
+          <a:xfrm rot="5400000" flipH="1" flipV="1">
+            <a:off x="7732428" y="2682790"/>
+            <a:ext cx="555019" cy="158565"/>
+          </a:xfrm>
+          <a:prstGeom prst="bentConnector3">
+            <a:avLst>
+              <a:gd name="adj1" fmla="val 1948"/>
+            </a:avLst>
+          </a:prstGeom>
+          <a:ln>
+            <a:prstDash val="sysDot"/>
+          </a:ln>
+        </p:spPr>
+        <p:style>
+          <a:lnRef idx="2">
+            <a:schemeClr val="accent1"/>
+          </a:lnRef>
+          <a:fillRef idx="0">
+            <a:schemeClr val="accent1"/>
+          </a:fillRef>
+          <a:effectRef idx="1">
+            <a:schemeClr val="accent1"/>
+          </a:effectRef>
+          <a:fontRef idx="minor">
+            <a:schemeClr val="tx1"/>
+          </a:fontRef>
+        </p:style>
+      </p:cxnSp>
+      <p:cxnSp>
+        <p:nvCxnSpPr>
+          <p:cNvPr id="42" name="Straight Arrow Connector 41">
+            <a:extLst>
+              <a:ext uri="{FF2B5EF4-FFF2-40B4-BE49-F238E27FC236}">
+                <a16:creationId xmlns:a16="http://schemas.microsoft.com/office/drawing/2014/main" id="{C1973647-5B05-D92D-B6B5-455F2524FF33}"/>
+              </a:ext>
+            </a:extLst>
+          </p:cNvPr>
+          <p:cNvCxnSpPr>
+            <a:cxnSpLocks/>
+          </p:cNvCxnSpPr>
+          <p:nvPr/>
+        </p:nvCxnSpPr>
+        <p:spPr>
+          <a:xfrm flipV="1">
+            <a:off x="7341999" y="1704295"/>
+            <a:ext cx="964062" cy="3257476"/>
+          </a:xfrm>
+          <a:prstGeom prst="straightConnector1">
+            <a:avLst/>
+          </a:prstGeom>
+          <a:ln w="38100">
+            <a:solidFill>
+              <a:srgbClr val="C00000"/>
+            </a:solidFill>
+            <a:prstDash val="dash"/>
+            <a:tailEnd type="triangle"/>
+          </a:ln>
+        </p:spPr>
+        <p:style>
+          <a:lnRef idx="2">
+            <a:schemeClr val="accent1"/>
+          </a:lnRef>
+          <a:fillRef idx="0">
+            <a:schemeClr val="accent1"/>
+          </a:fillRef>
+          <a:effectRef idx="1">
+            <a:schemeClr val="accent1"/>
+          </a:effectRef>
+          <a:fontRef idx="minor">
+            <a:schemeClr val="tx1"/>
+          </a:fontRef>
+        </p:style>
+      </p:cxnSp>
+      <p:sp>
+        <p:nvSpPr>
+          <p:cNvPr id="43" name="TextBox 42">
+            <a:extLst>
+              <a:ext uri="{FF2B5EF4-FFF2-40B4-BE49-F238E27FC236}">
+                <a16:creationId xmlns:a16="http://schemas.microsoft.com/office/drawing/2014/main" id="{B61BD4D1-7A97-D3F4-3525-9FBBFDC2CE42}"/>
+              </a:ext>
+            </a:extLst>
+          </p:cNvPr>
+          <p:cNvSpPr txBox="1"/>
+          <p:nvPr/>
+        </p:nvSpPr>
+        <p:spPr>
+          <a:xfrm>
+            <a:off x="7872479" y="1541248"/>
+            <a:ext cx="444352" cy="369332"/>
+          </a:xfrm>
+          <a:prstGeom prst="rect">
+            <a:avLst/>
+          </a:prstGeom>
+          <a:noFill/>
+        </p:spPr>
+        <p:txBody>
+          <a:bodyPr wrap="none" rtlCol="0">
+            <a:spAutoFit/>
+          </a:bodyPr>
+          <a:lstStyle/>
+          <a:p>
+            <a:r>
+              <a:rPr lang="en-GB" dirty="0"/>
+              <a:t>c</a:t>
+            </a:r>
+            <a:r>
+              <a:rPr lang="en-ES" dirty="0"/>
+              <a:t>t’</a:t>
+            </a:r>
+          </a:p>
+        </p:txBody>
+      </p:sp>
+      <p:sp>
+        <p:nvSpPr>
+          <p:cNvPr id="44" name="TextBox 43">
+            <a:extLst>
+              <a:ext uri="{FF2B5EF4-FFF2-40B4-BE49-F238E27FC236}">
+                <a16:creationId xmlns:a16="http://schemas.microsoft.com/office/drawing/2014/main" id="{13219D63-58E2-33EB-1DB0-A7F1D9F590D7}"/>
+              </a:ext>
+            </a:extLst>
+          </p:cNvPr>
+          <p:cNvSpPr txBox="1"/>
+          <p:nvPr/>
+        </p:nvSpPr>
+        <p:spPr>
+          <a:xfrm>
+            <a:off x="8046653" y="2577406"/>
+            <a:ext cx="513282" cy="369332"/>
+          </a:xfrm>
+          <a:prstGeom prst="rect">
+            <a:avLst/>
+          </a:prstGeom>
+          <a:noFill/>
+        </p:spPr>
+        <p:txBody>
+          <a:bodyPr wrap="none" rtlCol="0">
+            <a:spAutoFit/>
+          </a:bodyPr>
+          <a:lstStyle/>
+          <a:p>
+            <a:r>
+              <a:rPr lang="en-ES" dirty="0"/>
+              <a:t>1/β</a:t>
+            </a:r>
+          </a:p>
+        </p:txBody>
+      </p:sp>
+      <p:cxnSp>
+        <p:nvCxnSpPr>
+          <p:cNvPr id="45" name="Straight Arrow Connector 44">
+            <a:extLst>
+              <a:ext uri="{FF2B5EF4-FFF2-40B4-BE49-F238E27FC236}">
+                <a16:creationId xmlns:a16="http://schemas.microsoft.com/office/drawing/2014/main" id="{853095C9-4544-78B8-ECA9-DCE273F9C1D2}"/>
+              </a:ext>
+            </a:extLst>
+          </p:cNvPr>
+          <p:cNvCxnSpPr>
+            <a:cxnSpLocks/>
+          </p:cNvCxnSpPr>
+          <p:nvPr/>
+        </p:nvCxnSpPr>
+        <p:spPr>
+          <a:xfrm flipV="1">
+            <a:off x="7341999" y="3995816"/>
+            <a:ext cx="3173908" cy="965955"/>
+          </a:xfrm>
+          <a:prstGeom prst="straightConnector1">
+            <a:avLst/>
+          </a:prstGeom>
+          <a:ln w="38100">
+            <a:prstDash val="dash"/>
+            <a:tailEnd type="triangle"/>
+          </a:ln>
+        </p:spPr>
+        <p:style>
+          <a:lnRef idx="2">
+            <a:schemeClr val="accent1"/>
+          </a:lnRef>
+          <a:fillRef idx="0">
+            <a:schemeClr val="accent1"/>
+          </a:fillRef>
+          <a:effectRef idx="1">
+            <a:schemeClr val="accent1"/>
+          </a:effectRef>
+          <a:fontRef idx="minor">
+            <a:schemeClr val="tx1"/>
+          </a:fontRef>
+        </p:style>
+      </p:cxnSp>
+      <p:sp>
+        <p:nvSpPr>
+          <p:cNvPr id="46" name="TextBox 45">
+            <a:extLst>
+              <a:ext uri="{FF2B5EF4-FFF2-40B4-BE49-F238E27FC236}">
+                <a16:creationId xmlns:a16="http://schemas.microsoft.com/office/drawing/2014/main" id="{84F1FC3B-8488-E570-532B-5C177A04BAB1}"/>
+              </a:ext>
+            </a:extLst>
+          </p:cNvPr>
+          <p:cNvSpPr txBox="1"/>
+          <p:nvPr/>
+        </p:nvSpPr>
+        <p:spPr>
+          <a:xfrm>
+            <a:off x="9485343" y="4336222"/>
+            <a:ext cx="311304" cy="369332"/>
+          </a:xfrm>
+          <a:prstGeom prst="rect">
+            <a:avLst/>
+          </a:prstGeom>
+          <a:noFill/>
+        </p:spPr>
+        <p:txBody>
+          <a:bodyPr wrap="none" rtlCol="0">
+            <a:spAutoFit/>
+          </a:bodyPr>
+          <a:lstStyle/>
+          <a:p>
+            <a:r>
+              <a:rPr lang="en-ES" dirty="0"/>
+              <a:t>β</a:t>
+            </a:r>
+          </a:p>
+        </p:txBody>
+      </p:sp>
+      <p:cxnSp>
+        <p:nvCxnSpPr>
+          <p:cNvPr id="47" name="Elbow Connector 46">
+            <a:extLst>
+              <a:ext uri="{FF2B5EF4-FFF2-40B4-BE49-F238E27FC236}">
+                <a16:creationId xmlns:a16="http://schemas.microsoft.com/office/drawing/2014/main" id="{C8413F2E-69C5-6FFE-DA28-1DC875A7DB1E}"/>
+              </a:ext>
+            </a:extLst>
+          </p:cNvPr>
+          <p:cNvCxnSpPr>
+            <a:cxnSpLocks/>
+          </p:cNvCxnSpPr>
+          <p:nvPr/>
+        </p:nvCxnSpPr>
+        <p:spPr>
+          <a:xfrm flipV="1">
+            <a:off x="8687896" y="4336222"/>
+            <a:ext cx="797447" cy="214612"/>
+          </a:xfrm>
+          <a:prstGeom prst="bentConnector3">
+            <a:avLst>
+              <a:gd name="adj1" fmla="val 98733"/>
+            </a:avLst>
+          </a:prstGeom>
+          <a:ln>
+            <a:prstDash val="sysDot"/>
+          </a:ln>
+        </p:spPr>
+        <p:style>
+          <a:lnRef idx="2">
+            <a:schemeClr val="accent1"/>
+          </a:lnRef>
+          <a:fillRef idx="0">
+            <a:schemeClr val="accent1"/>
+          </a:fillRef>
+          <a:effectRef idx="1">
+            <a:schemeClr val="accent1"/>
+          </a:effectRef>
+          <a:fontRef idx="minor">
+            <a:schemeClr val="tx1"/>
+          </a:fontRef>
+        </p:style>
+      </p:cxnSp>
+      <p:sp>
+        <p:nvSpPr>
+          <p:cNvPr id="48" name="TextBox 47">
+            <a:extLst>
+              <a:ext uri="{FF2B5EF4-FFF2-40B4-BE49-F238E27FC236}">
+                <a16:creationId xmlns:a16="http://schemas.microsoft.com/office/drawing/2014/main" id="{C2C0CC0D-A8BA-1557-C5EB-7595C7101707}"/>
+              </a:ext>
+            </a:extLst>
+          </p:cNvPr>
+          <p:cNvSpPr txBox="1"/>
+          <p:nvPr/>
+        </p:nvSpPr>
+        <p:spPr>
+          <a:xfrm>
+            <a:off x="10444650" y="3995815"/>
+            <a:ext cx="349776" cy="369332"/>
+          </a:xfrm>
+          <a:prstGeom prst="rect">
+            <a:avLst/>
+          </a:prstGeom>
+          <a:noFill/>
+        </p:spPr>
+        <p:txBody>
+          <a:bodyPr wrap="none" rtlCol="0">
+            <a:spAutoFit/>
+          </a:bodyPr>
+          <a:lstStyle/>
+          <a:p>
+            <a:r>
+              <a:rPr lang="en-GB" dirty="0"/>
+              <a:t>x</a:t>
+            </a:r>
+            <a:r>
+              <a:rPr lang="en-ES" dirty="0"/>
+              <a:t>’</a:t>
+            </a:r>
+          </a:p>
+        </p:txBody>
+      </p:sp>
+      <p:sp>
+        <p:nvSpPr>
+          <p:cNvPr id="49" name="Oval 48">
+            <a:extLst>
+              <a:ext uri="{FF2B5EF4-FFF2-40B4-BE49-F238E27FC236}">
+                <a16:creationId xmlns:a16="http://schemas.microsoft.com/office/drawing/2014/main" id="{9FD6E162-C78A-C61E-E155-A80DF608DB29}"/>
+              </a:ext>
+            </a:extLst>
+          </p:cNvPr>
+          <p:cNvSpPr/>
+          <p:nvPr/>
+        </p:nvSpPr>
+        <p:spPr>
+          <a:xfrm>
+            <a:off x="8170984" y="3459920"/>
+            <a:ext cx="135077" cy="144780"/>
+          </a:xfrm>
+          <a:prstGeom prst="ellipse">
+            <a:avLst/>
+          </a:prstGeom>
+        </p:spPr>
+        <p:style>
+          <a:lnRef idx="2">
+            <a:schemeClr val="accent1">
+              <a:shade val="15000"/>
+            </a:schemeClr>
+          </a:lnRef>
+          <a:fillRef idx="1">
+            <a:schemeClr val="accent1"/>
+          </a:fillRef>
+          <a:effectRef idx="0">
+            <a:schemeClr val="accent1"/>
+          </a:effectRef>
+          <a:fontRef idx="minor">
+            <a:schemeClr val="lt1"/>
+          </a:fontRef>
+        </p:style>
+        <p:txBody>
+          <a:bodyPr rtlCol="0" anchor="ctr"/>
+          <a:lstStyle/>
+          <a:p>
+            <a:pPr algn="ctr"/>
+            <a:endParaRPr lang="en-ES"/>
+          </a:p>
+        </p:txBody>
+      </p:sp>
+      <p:sp>
+        <p:nvSpPr>
+          <p:cNvPr id="50" name="Oval 49">
+            <a:extLst>
+              <a:ext uri="{FF2B5EF4-FFF2-40B4-BE49-F238E27FC236}">
+                <a16:creationId xmlns:a16="http://schemas.microsoft.com/office/drawing/2014/main" id="{55D29D7D-19B2-6D30-C132-BC323E4928A6}"/>
+              </a:ext>
+            </a:extLst>
+          </p:cNvPr>
+          <p:cNvSpPr/>
+          <p:nvPr/>
+        </p:nvSpPr>
+        <p:spPr>
+          <a:xfrm>
+            <a:off x="9440205" y="3075337"/>
+            <a:ext cx="135077" cy="144780"/>
+          </a:xfrm>
+          <a:prstGeom prst="ellipse">
+            <a:avLst/>
+          </a:prstGeom>
+        </p:spPr>
+        <p:style>
+          <a:lnRef idx="2">
+            <a:schemeClr val="accent1">
+              <a:shade val="15000"/>
+            </a:schemeClr>
+          </a:lnRef>
+          <a:fillRef idx="1">
+            <a:schemeClr val="accent1"/>
+          </a:fillRef>
+          <a:effectRef idx="0">
+            <a:schemeClr val="accent1"/>
+          </a:effectRef>
+          <a:fontRef idx="minor">
+            <a:schemeClr val="lt1"/>
+          </a:fontRef>
+        </p:style>
+        <p:txBody>
+          <a:bodyPr rtlCol="0" anchor="ctr"/>
+          <a:lstStyle/>
+          <a:p>
+            <a:pPr algn="ctr"/>
+            <a:endParaRPr lang="en-ES"/>
+          </a:p>
+        </p:txBody>
+      </p:sp>
+      <p:sp>
+        <p:nvSpPr>
+          <p:cNvPr id="52" name="TextBox 51">
+            <a:extLst>
+              <a:ext uri="{FF2B5EF4-FFF2-40B4-BE49-F238E27FC236}">
+                <a16:creationId xmlns:a16="http://schemas.microsoft.com/office/drawing/2014/main" id="{5AC6F9CB-6A50-1339-AF32-C8D2FABA2380}"/>
+              </a:ext>
+            </a:extLst>
+          </p:cNvPr>
+          <p:cNvSpPr txBox="1"/>
+          <p:nvPr/>
+        </p:nvSpPr>
+        <p:spPr>
+          <a:xfrm>
+            <a:off x="8180885" y="3191366"/>
+            <a:ext cx="344966" cy="369332"/>
+          </a:xfrm>
+          <a:prstGeom prst="rect">
+            <a:avLst/>
+          </a:prstGeom>
+          <a:noFill/>
+        </p:spPr>
+        <p:txBody>
+          <a:bodyPr wrap="none" rtlCol="0">
+            <a:spAutoFit/>
+          </a:bodyPr>
+          <a:lstStyle/>
+          <a:p>
+            <a:r>
+              <a:rPr lang="en-ES" dirty="0"/>
+              <a:t>C</a:t>
+            </a:r>
+          </a:p>
+        </p:txBody>
+      </p:sp>
+      <p:sp>
+        <p:nvSpPr>
+          <p:cNvPr id="53" name="TextBox 52">
+            <a:extLst>
+              <a:ext uri="{FF2B5EF4-FFF2-40B4-BE49-F238E27FC236}">
+                <a16:creationId xmlns:a16="http://schemas.microsoft.com/office/drawing/2014/main" id="{D04A5052-5634-315D-728B-F98EC3DA5CA3}"/>
+              </a:ext>
+            </a:extLst>
+          </p:cNvPr>
+          <p:cNvSpPr txBox="1"/>
+          <p:nvPr/>
+        </p:nvSpPr>
+        <p:spPr>
+          <a:xfrm>
+            <a:off x="9488907" y="2812240"/>
+            <a:ext cx="343364" cy="369332"/>
+          </a:xfrm>
+          <a:prstGeom prst="rect">
+            <a:avLst/>
+          </a:prstGeom>
+          <a:noFill/>
+        </p:spPr>
+        <p:txBody>
+          <a:bodyPr wrap="none" rtlCol="0">
+            <a:spAutoFit/>
+          </a:bodyPr>
+          <a:lstStyle/>
+          <a:p>
+            <a:r>
+              <a:rPr lang="en-ES" dirty="0"/>
+              <a:t>D</a:t>
+            </a:r>
+          </a:p>
+        </p:txBody>
+      </p:sp>
+      <p:sp>
+        <p:nvSpPr>
+          <p:cNvPr id="58" name="TextBox 57">
+            <a:extLst>
+              <a:ext uri="{FF2B5EF4-FFF2-40B4-BE49-F238E27FC236}">
+                <a16:creationId xmlns:a16="http://schemas.microsoft.com/office/drawing/2014/main" id="{7FD9AB2E-690E-8893-181B-19173EA9FE8E}"/>
+              </a:ext>
+            </a:extLst>
+          </p:cNvPr>
+          <p:cNvSpPr txBox="1"/>
+          <p:nvPr/>
+        </p:nvSpPr>
+        <p:spPr>
+          <a:xfrm>
+            <a:off x="6199290" y="3155633"/>
+            <a:ext cx="914033" cy="369332"/>
+          </a:xfrm>
+          <a:prstGeom prst="rect">
+            <a:avLst/>
+          </a:prstGeom>
+        </p:spPr>
+        <p:style>
+          <a:lnRef idx="2">
+            <a:schemeClr val="dk1"/>
+          </a:lnRef>
+          <a:fillRef idx="1">
+            <a:schemeClr val="lt1"/>
+          </a:fillRef>
+          <a:effectRef idx="0">
+            <a:schemeClr val="dk1"/>
+          </a:effectRef>
+          <a:fontRef idx="minor">
+            <a:schemeClr val="dk1"/>
+          </a:fontRef>
+        </p:style>
+        <p:txBody>
+          <a:bodyPr wrap="none" rtlCol="0">
+            <a:spAutoFit/>
+          </a:bodyPr>
+          <a:lstStyle/>
+          <a:p>
+            <a:r>
+              <a:rPr lang="en-ES" dirty="0"/>
+              <a:t>ct</a:t>
+            </a:r>
+            <a:r>
+              <a:rPr lang="en-ES" baseline="-25000" dirty="0"/>
+              <a:t>C</a:t>
+            </a:r>
+            <a:r>
+              <a:rPr lang="en-ES" dirty="0"/>
+              <a:t>&lt;ct</a:t>
+            </a:r>
+            <a:r>
+              <a:rPr lang="en-ES" baseline="-25000" dirty="0"/>
+              <a:t>D</a:t>
+            </a:r>
+          </a:p>
+        </p:txBody>
+      </p:sp>
+      <p:sp>
+        <p:nvSpPr>
+          <p:cNvPr id="59" name="TextBox 58">
+            <a:extLst>
+              <a:ext uri="{FF2B5EF4-FFF2-40B4-BE49-F238E27FC236}">
+                <a16:creationId xmlns:a16="http://schemas.microsoft.com/office/drawing/2014/main" id="{CB28570A-6F3E-9984-A6A6-BBA3910470F8}"/>
+              </a:ext>
+            </a:extLst>
+          </p:cNvPr>
+          <p:cNvSpPr txBox="1"/>
+          <p:nvPr/>
+        </p:nvSpPr>
+        <p:spPr>
+          <a:xfrm>
+            <a:off x="6528626" y="3700028"/>
+            <a:ext cx="1085554" cy="369332"/>
+          </a:xfrm>
+          <a:prstGeom prst="rect">
+            <a:avLst/>
+          </a:prstGeom>
+        </p:spPr>
+        <p:style>
+          <a:lnRef idx="2">
+            <a:schemeClr val="dk1"/>
+          </a:lnRef>
+          <a:fillRef idx="1">
+            <a:schemeClr val="lt1"/>
+          </a:fillRef>
+          <a:effectRef idx="0">
+            <a:schemeClr val="dk1"/>
+          </a:effectRef>
+          <a:fontRef idx="minor">
+            <a:schemeClr val="dk1"/>
+          </a:fontRef>
+        </p:style>
+        <p:txBody>
+          <a:bodyPr wrap="none" rtlCol="0">
+            <a:spAutoFit/>
+          </a:bodyPr>
+          <a:lstStyle/>
+          <a:p>
+            <a:r>
+              <a:rPr lang="en-ES" dirty="0"/>
+              <a:t>ct</a:t>
+            </a:r>
+            <a:r>
+              <a:rPr lang="en-ES" baseline="-25000" dirty="0"/>
+              <a:t>C</a:t>
+            </a:r>
+            <a:r>
+              <a:rPr lang="en-ES" dirty="0"/>
+              <a:t>’= ct</a:t>
+            </a:r>
+            <a:r>
+              <a:rPr lang="en-ES" baseline="-25000" dirty="0"/>
+              <a:t>D</a:t>
+            </a:r>
+            <a:r>
+              <a:rPr lang="en-ES" dirty="0"/>
+              <a:t>’</a:t>
+            </a:r>
+          </a:p>
+        </p:txBody>
+      </p:sp>
+      <p:cxnSp>
+        <p:nvCxnSpPr>
+          <p:cNvPr id="62" name="Straight Connector 61">
+            <a:extLst>
+              <a:ext uri="{FF2B5EF4-FFF2-40B4-BE49-F238E27FC236}">
+                <a16:creationId xmlns:a16="http://schemas.microsoft.com/office/drawing/2014/main" id="{E76FEFE6-000B-0018-FD50-0026EE49E9C8}"/>
+              </a:ext>
+            </a:extLst>
+          </p:cNvPr>
+          <p:cNvCxnSpPr>
+            <a:cxnSpLocks/>
+          </p:cNvCxnSpPr>
+          <p:nvPr/>
+        </p:nvCxnSpPr>
+        <p:spPr>
+          <a:xfrm flipV="1">
+            <a:off x="7855751" y="3543240"/>
+            <a:ext cx="384520" cy="1273308"/>
+          </a:xfrm>
+          <a:prstGeom prst="line">
+            <a:avLst/>
+          </a:prstGeom>
+          <a:ln>
+            <a:prstDash val="sysDot"/>
+          </a:ln>
+        </p:spPr>
+        <p:style>
+          <a:lnRef idx="2">
+            <a:schemeClr val="dk1"/>
+          </a:lnRef>
+          <a:fillRef idx="0">
+            <a:schemeClr val="dk1"/>
+          </a:fillRef>
+          <a:effectRef idx="1">
+            <a:schemeClr val="dk1"/>
+          </a:effectRef>
+          <a:fontRef idx="minor">
+            <a:schemeClr val="tx1"/>
+          </a:fontRef>
+        </p:style>
+      </p:cxnSp>
+      <p:cxnSp>
+        <p:nvCxnSpPr>
+          <p:cNvPr id="68" name="Straight Connector 67">
+            <a:extLst>
+              <a:ext uri="{FF2B5EF4-FFF2-40B4-BE49-F238E27FC236}">
+                <a16:creationId xmlns:a16="http://schemas.microsoft.com/office/drawing/2014/main" id="{289CE075-38F1-64E4-F121-A964DC4FD657}"/>
+              </a:ext>
+            </a:extLst>
+          </p:cNvPr>
+          <p:cNvCxnSpPr>
+            <a:stCxn id="49" idx="2"/>
+          </p:cNvCxnSpPr>
+          <p:nvPr/>
+        </p:nvCxnSpPr>
+        <p:spPr>
+          <a:xfrm flipH="1">
+            <a:off x="7341999" y="3532310"/>
+            <a:ext cx="828985" cy="0"/>
+          </a:xfrm>
+          <a:prstGeom prst="line">
+            <a:avLst/>
+          </a:prstGeom>
+        </p:spPr>
+        <p:style>
+          <a:lnRef idx="2">
+            <a:schemeClr val="dk1"/>
+          </a:lnRef>
+          <a:fillRef idx="0">
+            <a:schemeClr val="dk1"/>
+          </a:fillRef>
+          <a:effectRef idx="1">
+            <a:schemeClr val="dk1"/>
+          </a:effectRef>
+          <a:fontRef idx="minor">
+            <a:schemeClr val="tx1"/>
+          </a:fontRef>
+        </p:style>
+      </p:cxnSp>
+      <p:cxnSp>
+        <p:nvCxnSpPr>
+          <p:cNvPr id="69" name="Straight Connector 68">
+            <a:extLst>
+              <a:ext uri="{FF2B5EF4-FFF2-40B4-BE49-F238E27FC236}">
+                <a16:creationId xmlns:a16="http://schemas.microsoft.com/office/drawing/2014/main" id="{7997BBDD-971D-04E0-9A83-BFD590F1EB37}"/>
+              </a:ext>
+            </a:extLst>
+          </p:cNvPr>
+          <p:cNvCxnSpPr>
+            <a:cxnSpLocks/>
+          </p:cNvCxnSpPr>
+          <p:nvPr/>
+        </p:nvCxnSpPr>
+        <p:spPr>
+          <a:xfrm flipH="1">
+            <a:off x="7341999" y="3145716"/>
+            <a:ext cx="2098206" cy="0"/>
+          </a:xfrm>
+          <a:prstGeom prst="line">
+            <a:avLst/>
+          </a:prstGeom>
+        </p:spPr>
+        <p:style>
+          <a:lnRef idx="2">
+            <a:schemeClr val="dk1"/>
+          </a:lnRef>
+          <a:fillRef idx="0">
+            <a:schemeClr val="dk1"/>
+          </a:fillRef>
+          <a:effectRef idx="1">
+            <a:schemeClr val="dk1"/>
+          </a:effectRef>
+          <a:fontRef idx="minor">
+            <a:schemeClr val="tx1"/>
+          </a:fontRef>
+        </p:style>
+      </p:cxnSp>
+      <p:sp>
+        <p:nvSpPr>
+          <p:cNvPr id="71" name="Left Brace 70">
+            <a:extLst>
+              <a:ext uri="{FF2B5EF4-FFF2-40B4-BE49-F238E27FC236}">
+                <a16:creationId xmlns:a16="http://schemas.microsoft.com/office/drawing/2014/main" id="{76B241CB-599C-EB04-CF3F-731277B6E6F8}"/>
+              </a:ext>
+            </a:extLst>
+          </p:cNvPr>
+          <p:cNvSpPr/>
+          <p:nvPr/>
+        </p:nvSpPr>
+        <p:spPr>
+          <a:xfrm>
+            <a:off x="7154689" y="3145716"/>
+            <a:ext cx="146849" cy="386594"/>
+          </a:xfrm>
+          <a:prstGeom prst="leftBrace">
+            <a:avLst/>
+          </a:prstGeom>
+        </p:spPr>
+        <p:style>
+          <a:lnRef idx="2">
+            <a:schemeClr val="accent1"/>
+          </a:lnRef>
+          <a:fillRef idx="0">
+            <a:schemeClr val="accent1"/>
+          </a:fillRef>
+          <a:effectRef idx="1">
+            <a:schemeClr val="accent1"/>
+          </a:effectRef>
+          <a:fontRef idx="minor">
+            <a:schemeClr val="tx1"/>
+          </a:fontRef>
+        </p:style>
+        <p:txBody>
+          <a:bodyPr rtlCol="0" anchor="ctr"/>
+          <a:lstStyle/>
+          <a:p>
+            <a:pPr algn="ctr"/>
+            <a:endParaRPr lang="en-ES"/>
+          </a:p>
+        </p:txBody>
+      </p:sp>
+      <p:sp>
+        <p:nvSpPr>
+          <p:cNvPr id="5" name="Oval 4">
+            <a:extLst>
+              <a:ext uri="{FF2B5EF4-FFF2-40B4-BE49-F238E27FC236}">
+                <a16:creationId xmlns:a16="http://schemas.microsoft.com/office/drawing/2014/main" id="{CC0EFA16-D716-D3BA-D731-170822EA5639}"/>
+              </a:ext>
+            </a:extLst>
+          </p:cNvPr>
+          <p:cNvSpPr/>
+          <p:nvPr/>
+        </p:nvSpPr>
+        <p:spPr>
+          <a:xfrm>
+            <a:off x="3093720" y="3284220"/>
+            <a:ext cx="135077" cy="144780"/>
+          </a:xfrm>
+          <a:prstGeom prst="ellipse">
+            <a:avLst/>
+          </a:prstGeom>
+        </p:spPr>
+        <p:style>
+          <a:lnRef idx="2">
+            <a:schemeClr val="accent1">
+              <a:shade val="15000"/>
+            </a:schemeClr>
+          </a:lnRef>
+          <a:fillRef idx="1">
+            <a:schemeClr val="accent1"/>
+          </a:fillRef>
+          <a:effectRef idx="0">
+            <a:schemeClr val="accent1"/>
+          </a:effectRef>
+          <a:fontRef idx="minor">
+            <a:schemeClr val="lt1"/>
+          </a:fontRef>
+        </p:style>
+        <p:txBody>
+          <a:bodyPr rtlCol="0" anchor="ctr"/>
+          <a:lstStyle/>
+          <a:p>
+            <a:pPr algn="ctr"/>
+            <a:endParaRPr lang="en-ES"/>
+          </a:p>
+        </p:txBody>
+      </p:sp>
+      <p:sp>
+        <p:nvSpPr>
+          <p:cNvPr id="6" name="Oval 5">
+            <a:extLst>
+              <a:ext uri="{FF2B5EF4-FFF2-40B4-BE49-F238E27FC236}">
+                <a16:creationId xmlns:a16="http://schemas.microsoft.com/office/drawing/2014/main" id="{103EF986-6045-F162-CD98-194BA1702D7A}"/>
+              </a:ext>
+            </a:extLst>
+          </p:cNvPr>
+          <p:cNvSpPr/>
+          <p:nvPr/>
+        </p:nvSpPr>
+        <p:spPr>
+          <a:xfrm>
+            <a:off x="4266181" y="3284220"/>
+            <a:ext cx="135077" cy="144780"/>
+          </a:xfrm>
+          <a:prstGeom prst="ellipse">
+            <a:avLst/>
+          </a:prstGeom>
+        </p:spPr>
+        <p:style>
+          <a:lnRef idx="2">
+            <a:schemeClr val="accent1">
+              <a:shade val="15000"/>
+            </a:schemeClr>
+          </a:lnRef>
+          <a:fillRef idx="1">
+            <a:schemeClr val="accent1"/>
+          </a:fillRef>
+          <a:effectRef idx="0">
+            <a:schemeClr val="accent1"/>
+          </a:effectRef>
+          <a:fontRef idx="minor">
+            <a:schemeClr val="lt1"/>
+          </a:fontRef>
+        </p:style>
+        <p:txBody>
+          <a:bodyPr rtlCol="0" anchor="ctr"/>
+          <a:lstStyle/>
+          <a:p>
+            <a:pPr algn="ctr"/>
+            <a:endParaRPr lang="en-ES"/>
+          </a:p>
+        </p:txBody>
+      </p:sp>
+    </p:spTree>
+    <p:extLst>
+      <p:ext uri="{BB962C8B-B14F-4D97-AF65-F5344CB8AC3E}">
+        <p14:creationId xmlns:p14="http://schemas.microsoft.com/office/powerpoint/2010/main" val="824069246"/>
       </p:ext>
     </p:extLst>
   </p:cSld>
